--- a/Documentation/DefensePresentation.pptx
+++ b/Documentation/DefensePresentation.pptx
@@ -4,6 +4,12 @@
   <p:sldMasterIdLst>
     <p:sldMasterId id="2147483648" r:id="rId1"/>
   </p:sldMasterIdLst>
+  <p:notesMasterIdLst>
+    <p:notesMasterId r:id="rId15"/>
+  </p:notesMasterIdLst>
+  <p:handoutMasterIdLst>
+    <p:handoutMasterId r:id="rId16"/>
+  </p:handoutMasterIdLst>
   <p:sldIdLst>
     <p:sldId id="256" r:id="rId2"/>
     <p:sldId id="257" r:id="rId3"/>
@@ -14,6 +20,10 @@
     <p:sldId id="260" r:id="rId8"/>
     <p:sldId id="263" r:id="rId9"/>
     <p:sldId id="264" r:id="rId10"/>
+    <p:sldId id="265" r:id="rId11"/>
+    <p:sldId id="266" r:id="rId12"/>
+    <p:sldId id="267" r:id="rId13"/>
+    <p:sldId id="268" r:id="rId14"/>
   </p:sldIdLst>
   <p:sldSz cx="12192000" cy="6858000"/>
   <p:notesSz cx="6858000" cy="9144000"/>
@@ -120,6 +130,539 @@
 </p:presentation>
 </file>
 
+<file path=ppt/handoutMasters/handoutMaster1.xml><?xml version="1.0" encoding="utf-8"?>
+<p:handoutMaster xmlns:a="http://schemas.openxmlformats.org/drawingml/2006/main" xmlns:r="http://schemas.openxmlformats.org/officeDocument/2006/relationships" xmlns:p="http://schemas.openxmlformats.org/presentationml/2006/main">
+  <p:cSld>
+    <p:bg>
+      <p:bgRef idx="1001">
+        <a:schemeClr val="bg1"/>
+      </p:bgRef>
+    </p:bg>
+    <p:spTree>
+      <p:nvGrpSpPr>
+        <p:cNvPr id="1" name=""/>
+        <p:cNvGrpSpPr/>
+        <p:nvPr/>
+      </p:nvGrpSpPr>
+      <p:grpSpPr>
+        <a:xfrm>
+          <a:off x="0" y="0"/>
+          <a:ext cx="0" cy="0"/>
+          <a:chOff x="0" y="0"/>
+          <a:chExt cx="0" cy="0"/>
+        </a:xfrm>
+      </p:grpSpPr>
+      <p:sp>
+        <p:nvSpPr>
+          <p:cNvPr id="2" name="Espace réservé de l'en-tête 1"/>
+          <p:cNvSpPr>
+            <a:spLocks noGrp="1"/>
+          </p:cNvSpPr>
+          <p:nvPr>
+            <p:ph type="hdr" sz="quarter"/>
+          </p:nvPr>
+        </p:nvSpPr>
+        <p:spPr>
+          <a:xfrm>
+            <a:off x="0" y="0"/>
+            <a:ext cx="2971800" cy="458788"/>
+          </a:xfrm>
+          <a:prstGeom prst="rect">
+            <a:avLst/>
+          </a:prstGeom>
+        </p:spPr>
+        <p:txBody>
+          <a:bodyPr vert="horz" lIns="91440" tIns="45720" rIns="91440" bIns="45720" rtlCol="0"/>
+          <a:lstStyle>
+            <a:lvl1pPr algn="l">
+              <a:defRPr sz="1200"/>
+            </a:lvl1pPr>
+          </a:lstStyle>
+          <a:p>
+            <a:r>
+              <a:rPr lang="fr-CH" smtClean="0"/>
+              <a:t>Florian Duruz</a:t>
+            </a:r>
+            <a:endParaRPr lang="fr-CH"/>
+          </a:p>
+        </p:txBody>
+      </p:sp>
+      <p:sp>
+        <p:nvSpPr>
+          <p:cNvPr id="3" name="Espace réservé de la date 2"/>
+          <p:cNvSpPr>
+            <a:spLocks noGrp="1"/>
+          </p:cNvSpPr>
+          <p:nvPr>
+            <p:ph type="dt" sz="quarter" idx="1"/>
+          </p:nvPr>
+        </p:nvSpPr>
+        <p:spPr>
+          <a:xfrm>
+            <a:off x="3884613" y="0"/>
+            <a:ext cx="2971800" cy="458788"/>
+          </a:xfrm>
+          <a:prstGeom prst="rect">
+            <a:avLst/>
+          </a:prstGeom>
+        </p:spPr>
+        <p:txBody>
+          <a:bodyPr vert="horz" lIns="91440" tIns="45720" rIns="91440" bIns="45720" rtlCol="0"/>
+          <a:lstStyle>
+            <a:lvl1pPr algn="r">
+              <a:defRPr sz="1200"/>
+            </a:lvl1pPr>
+          </a:lstStyle>
+          <a:p>
+            <a:fld id="{853CC124-ABAF-4D40-8E0A-8CACF837F3EB}" type="datetimeFigureOut">
+              <a:rPr lang="fr-CH" smtClean="0"/>
+              <a:t>31.03.2022</a:t>
+            </a:fld>
+            <a:endParaRPr lang="fr-CH"/>
+          </a:p>
+        </p:txBody>
+      </p:sp>
+      <p:sp>
+        <p:nvSpPr>
+          <p:cNvPr id="4" name="Espace réservé du pied de page 3"/>
+          <p:cNvSpPr>
+            <a:spLocks noGrp="1"/>
+          </p:cNvSpPr>
+          <p:nvPr>
+            <p:ph type="ftr" sz="quarter" idx="2"/>
+          </p:nvPr>
+        </p:nvSpPr>
+        <p:spPr>
+          <a:xfrm>
+            <a:off x="0" y="8685213"/>
+            <a:ext cx="2971800" cy="458787"/>
+          </a:xfrm>
+          <a:prstGeom prst="rect">
+            <a:avLst/>
+          </a:prstGeom>
+        </p:spPr>
+        <p:txBody>
+          <a:bodyPr vert="horz" lIns="91440" tIns="45720" rIns="91440" bIns="45720" rtlCol="0" anchor="b"/>
+          <a:lstStyle>
+            <a:lvl1pPr algn="l">
+              <a:defRPr sz="1200"/>
+            </a:lvl1pPr>
+          </a:lstStyle>
+          <a:p>
+            <a:r>
+              <a:rPr lang="fr-CH" smtClean="0"/>
+              <a:t>Tower Defense</a:t>
+            </a:r>
+            <a:endParaRPr lang="fr-CH"/>
+          </a:p>
+        </p:txBody>
+      </p:sp>
+      <p:sp>
+        <p:nvSpPr>
+          <p:cNvPr id="5" name="Espace réservé du numéro de diapositive 4"/>
+          <p:cNvSpPr>
+            <a:spLocks noGrp="1"/>
+          </p:cNvSpPr>
+          <p:nvPr>
+            <p:ph type="sldNum" sz="quarter" idx="3"/>
+          </p:nvPr>
+        </p:nvSpPr>
+        <p:spPr>
+          <a:xfrm>
+            <a:off x="3884613" y="8685213"/>
+            <a:ext cx="2971800" cy="458787"/>
+          </a:xfrm>
+          <a:prstGeom prst="rect">
+            <a:avLst/>
+          </a:prstGeom>
+        </p:spPr>
+        <p:txBody>
+          <a:bodyPr vert="horz" lIns="91440" tIns="45720" rIns="91440" bIns="45720" rtlCol="0" anchor="b"/>
+          <a:lstStyle>
+            <a:lvl1pPr algn="r">
+              <a:defRPr sz="1200"/>
+            </a:lvl1pPr>
+          </a:lstStyle>
+          <a:p>
+            <a:fld id="{0C1F2160-74D9-4E88-A985-2F90DBBA1596}" type="slidenum">
+              <a:rPr lang="fr-CH" smtClean="0"/>
+              <a:t>‹N°›</a:t>
+            </a:fld>
+            <a:endParaRPr lang="fr-CH"/>
+          </a:p>
+        </p:txBody>
+      </p:sp>
+    </p:spTree>
+    <p:extLst>
+      <p:ext uri="{BB962C8B-B14F-4D97-AF65-F5344CB8AC3E}">
+        <p14:creationId xmlns:p14="http://schemas.microsoft.com/office/powerpoint/2010/main" val="392476649"/>
+      </p:ext>
+    </p:extLst>
+  </p:cSld>
+  <p:clrMap bg1="lt1" tx1="dk1" bg2="lt2" tx2="dk2" accent1="accent1" accent2="accent2" accent3="accent3" accent4="accent4" accent5="accent5" accent6="accent6" hlink="hlink" folHlink="folHlink"/>
+  <p:hf dt="0"/>
+</p:handoutMaster>
+</file>
+
+<file path=ppt/notesMasters/notesMaster1.xml><?xml version="1.0" encoding="utf-8"?>
+<p:notesMaster xmlns:a="http://schemas.openxmlformats.org/drawingml/2006/main" xmlns:r="http://schemas.openxmlformats.org/officeDocument/2006/relationships" xmlns:p="http://schemas.openxmlformats.org/presentationml/2006/main">
+  <p:cSld>
+    <p:bg>
+      <p:bgRef idx="1001">
+        <a:schemeClr val="bg1"/>
+      </p:bgRef>
+    </p:bg>
+    <p:spTree>
+      <p:nvGrpSpPr>
+        <p:cNvPr id="1" name=""/>
+        <p:cNvGrpSpPr/>
+        <p:nvPr/>
+      </p:nvGrpSpPr>
+      <p:grpSpPr>
+        <a:xfrm>
+          <a:off x="0" y="0"/>
+          <a:ext cx="0" cy="0"/>
+          <a:chOff x="0" y="0"/>
+          <a:chExt cx="0" cy="0"/>
+        </a:xfrm>
+      </p:grpSpPr>
+      <p:sp>
+        <p:nvSpPr>
+          <p:cNvPr id="2" name="Espace réservé de l'en-tête 1"/>
+          <p:cNvSpPr>
+            <a:spLocks noGrp="1"/>
+          </p:cNvSpPr>
+          <p:nvPr>
+            <p:ph type="hdr" sz="quarter"/>
+          </p:nvPr>
+        </p:nvSpPr>
+        <p:spPr>
+          <a:xfrm>
+            <a:off x="0" y="0"/>
+            <a:ext cx="2971800" cy="458788"/>
+          </a:xfrm>
+          <a:prstGeom prst="rect">
+            <a:avLst/>
+          </a:prstGeom>
+        </p:spPr>
+        <p:txBody>
+          <a:bodyPr vert="horz" lIns="91440" tIns="45720" rIns="91440" bIns="45720" rtlCol="0"/>
+          <a:lstStyle>
+            <a:lvl1pPr algn="l">
+              <a:defRPr sz="1200"/>
+            </a:lvl1pPr>
+          </a:lstStyle>
+          <a:p>
+            <a:r>
+              <a:rPr lang="fr-CH" smtClean="0"/>
+              <a:t>Florian Duruz</a:t>
+            </a:r>
+            <a:endParaRPr lang="fr-CH"/>
+          </a:p>
+        </p:txBody>
+      </p:sp>
+      <p:sp>
+        <p:nvSpPr>
+          <p:cNvPr id="3" name="Espace réservé de la date 2"/>
+          <p:cNvSpPr>
+            <a:spLocks noGrp="1"/>
+          </p:cNvSpPr>
+          <p:nvPr>
+            <p:ph type="dt" idx="1"/>
+          </p:nvPr>
+        </p:nvSpPr>
+        <p:spPr>
+          <a:xfrm>
+            <a:off x="3884613" y="0"/>
+            <a:ext cx="2971800" cy="458788"/>
+          </a:xfrm>
+          <a:prstGeom prst="rect">
+            <a:avLst/>
+          </a:prstGeom>
+        </p:spPr>
+        <p:txBody>
+          <a:bodyPr vert="horz" lIns="91440" tIns="45720" rIns="91440" bIns="45720" rtlCol="0"/>
+          <a:lstStyle>
+            <a:lvl1pPr algn="r">
+              <a:defRPr sz="1200"/>
+            </a:lvl1pPr>
+          </a:lstStyle>
+          <a:p>
+            <a:fld id="{5C5914F1-70FE-47AC-A640-1FCB090C1C29}" type="datetimeFigureOut">
+              <a:rPr lang="fr-CH" smtClean="0"/>
+              <a:t>31.03.2022</a:t>
+            </a:fld>
+            <a:endParaRPr lang="fr-CH"/>
+          </a:p>
+        </p:txBody>
+      </p:sp>
+      <p:sp>
+        <p:nvSpPr>
+          <p:cNvPr id="4" name="Espace réservé de l'image des diapositives 3"/>
+          <p:cNvSpPr>
+            <a:spLocks noGrp="1" noRot="1" noChangeAspect="1"/>
+          </p:cNvSpPr>
+          <p:nvPr>
+            <p:ph type="sldImg" idx="2"/>
+          </p:nvPr>
+        </p:nvSpPr>
+        <p:spPr>
+          <a:xfrm>
+            <a:off x="685800" y="1143000"/>
+            <a:ext cx="5486400" cy="3086100"/>
+          </a:xfrm>
+          <a:prstGeom prst="rect">
+            <a:avLst/>
+          </a:prstGeom>
+          <a:noFill/>
+          <a:ln w="12700">
+            <a:solidFill>
+              <a:prstClr val="black"/>
+            </a:solidFill>
+          </a:ln>
+        </p:spPr>
+        <p:txBody>
+          <a:bodyPr vert="horz" lIns="91440" tIns="45720" rIns="91440" bIns="45720" rtlCol="0" anchor="ctr"/>
+          <a:lstStyle/>
+          <a:p>
+            <a:endParaRPr lang="fr-CH"/>
+          </a:p>
+        </p:txBody>
+      </p:sp>
+      <p:sp>
+        <p:nvSpPr>
+          <p:cNvPr id="5" name="Espace réservé des notes 4"/>
+          <p:cNvSpPr>
+            <a:spLocks noGrp="1"/>
+          </p:cNvSpPr>
+          <p:nvPr>
+            <p:ph type="body" sz="quarter" idx="3"/>
+          </p:nvPr>
+        </p:nvSpPr>
+        <p:spPr>
+          <a:xfrm>
+            <a:off x="685800" y="4400550"/>
+            <a:ext cx="5486400" cy="3600450"/>
+          </a:xfrm>
+          <a:prstGeom prst="rect">
+            <a:avLst/>
+          </a:prstGeom>
+        </p:spPr>
+        <p:txBody>
+          <a:bodyPr vert="horz" lIns="91440" tIns="45720" rIns="91440" bIns="45720" rtlCol="0"/>
+          <a:lstStyle/>
+          <a:p>
+            <a:pPr lvl="0"/>
+            <a:r>
+              <a:rPr lang="fr-FR" smtClean="0"/>
+              <a:t>Modifier les styles du texte du masque</a:t>
+            </a:r>
+          </a:p>
+          <a:p>
+            <a:pPr lvl="1"/>
+            <a:r>
+              <a:rPr lang="fr-FR" smtClean="0"/>
+              <a:t>Deuxième niveau</a:t>
+            </a:r>
+          </a:p>
+          <a:p>
+            <a:pPr lvl="2"/>
+            <a:r>
+              <a:rPr lang="fr-FR" smtClean="0"/>
+              <a:t>Troisième niveau</a:t>
+            </a:r>
+          </a:p>
+          <a:p>
+            <a:pPr lvl="3"/>
+            <a:r>
+              <a:rPr lang="fr-FR" smtClean="0"/>
+              <a:t>Quatrième niveau</a:t>
+            </a:r>
+          </a:p>
+          <a:p>
+            <a:pPr lvl="4"/>
+            <a:r>
+              <a:rPr lang="fr-FR" smtClean="0"/>
+              <a:t>Cinquième niveau</a:t>
+            </a:r>
+            <a:endParaRPr lang="fr-CH"/>
+          </a:p>
+        </p:txBody>
+      </p:sp>
+      <p:sp>
+        <p:nvSpPr>
+          <p:cNvPr id="6" name="Espace réservé du pied de page 5"/>
+          <p:cNvSpPr>
+            <a:spLocks noGrp="1"/>
+          </p:cNvSpPr>
+          <p:nvPr>
+            <p:ph type="ftr" sz="quarter" idx="4"/>
+          </p:nvPr>
+        </p:nvSpPr>
+        <p:spPr>
+          <a:xfrm>
+            <a:off x="0" y="8685213"/>
+            <a:ext cx="2971800" cy="458787"/>
+          </a:xfrm>
+          <a:prstGeom prst="rect">
+            <a:avLst/>
+          </a:prstGeom>
+        </p:spPr>
+        <p:txBody>
+          <a:bodyPr vert="horz" lIns="91440" tIns="45720" rIns="91440" bIns="45720" rtlCol="0" anchor="b"/>
+          <a:lstStyle>
+            <a:lvl1pPr algn="l">
+              <a:defRPr sz="1200"/>
+            </a:lvl1pPr>
+          </a:lstStyle>
+          <a:p>
+            <a:r>
+              <a:rPr lang="fr-CH" smtClean="0"/>
+              <a:t>Tower Defense</a:t>
+            </a:r>
+            <a:endParaRPr lang="fr-CH"/>
+          </a:p>
+        </p:txBody>
+      </p:sp>
+      <p:sp>
+        <p:nvSpPr>
+          <p:cNvPr id="7" name="Espace réservé du numéro de diapositive 6"/>
+          <p:cNvSpPr>
+            <a:spLocks noGrp="1"/>
+          </p:cNvSpPr>
+          <p:nvPr>
+            <p:ph type="sldNum" sz="quarter" idx="5"/>
+          </p:nvPr>
+        </p:nvSpPr>
+        <p:spPr>
+          <a:xfrm>
+            <a:off x="3884613" y="8685213"/>
+            <a:ext cx="2971800" cy="458787"/>
+          </a:xfrm>
+          <a:prstGeom prst="rect">
+            <a:avLst/>
+          </a:prstGeom>
+        </p:spPr>
+        <p:txBody>
+          <a:bodyPr vert="horz" lIns="91440" tIns="45720" rIns="91440" bIns="45720" rtlCol="0" anchor="b"/>
+          <a:lstStyle>
+            <a:lvl1pPr algn="r">
+              <a:defRPr sz="1200"/>
+            </a:lvl1pPr>
+          </a:lstStyle>
+          <a:p>
+            <a:fld id="{841B48D1-39F2-4899-9032-5773EB337DA7}" type="slidenum">
+              <a:rPr lang="fr-CH" smtClean="0"/>
+              <a:t>‹N°›</a:t>
+            </a:fld>
+            <a:endParaRPr lang="fr-CH"/>
+          </a:p>
+        </p:txBody>
+      </p:sp>
+    </p:spTree>
+    <p:extLst>
+      <p:ext uri="{BB962C8B-B14F-4D97-AF65-F5344CB8AC3E}">
+        <p14:creationId xmlns:p14="http://schemas.microsoft.com/office/powerpoint/2010/main" val="3746283813"/>
+      </p:ext>
+    </p:extLst>
+  </p:cSld>
+  <p:clrMap bg1="lt1" tx1="dk1" bg2="lt2" tx2="dk2" accent1="accent1" accent2="accent2" accent3="accent3" accent4="accent4" accent5="accent5" accent6="accent6" hlink="hlink" folHlink="folHlink"/>
+  <p:hf dt="0"/>
+  <p:notesStyle>
+    <a:lvl1pPr marL="0" algn="l" defTabSz="914400" rtl="0" eaLnBrk="1" latinLnBrk="0" hangingPunct="1">
+      <a:defRPr sz="1200" kern="1200">
+        <a:solidFill>
+          <a:schemeClr val="tx1"/>
+        </a:solidFill>
+        <a:latin typeface="+mn-lt"/>
+        <a:ea typeface="+mn-ea"/>
+        <a:cs typeface="+mn-cs"/>
+      </a:defRPr>
+    </a:lvl1pPr>
+    <a:lvl2pPr marL="457200" algn="l" defTabSz="914400" rtl="0" eaLnBrk="1" latinLnBrk="0" hangingPunct="1">
+      <a:defRPr sz="1200" kern="1200">
+        <a:solidFill>
+          <a:schemeClr val="tx1"/>
+        </a:solidFill>
+        <a:latin typeface="+mn-lt"/>
+        <a:ea typeface="+mn-ea"/>
+        <a:cs typeface="+mn-cs"/>
+      </a:defRPr>
+    </a:lvl2pPr>
+    <a:lvl3pPr marL="914400" algn="l" defTabSz="914400" rtl="0" eaLnBrk="1" latinLnBrk="0" hangingPunct="1">
+      <a:defRPr sz="1200" kern="1200">
+        <a:solidFill>
+          <a:schemeClr val="tx1"/>
+        </a:solidFill>
+        <a:latin typeface="+mn-lt"/>
+        <a:ea typeface="+mn-ea"/>
+        <a:cs typeface="+mn-cs"/>
+      </a:defRPr>
+    </a:lvl3pPr>
+    <a:lvl4pPr marL="1371600" algn="l" defTabSz="914400" rtl="0" eaLnBrk="1" latinLnBrk="0" hangingPunct="1">
+      <a:defRPr sz="1200" kern="1200">
+        <a:solidFill>
+          <a:schemeClr val="tx1"/>
+        </a:solidFill>
+        <a:latin typeface="+mn-lt"/>
+        <a:ea typeface="+mn-ea"/>
+        <a:cs typeface="+mn-cs"/>
+      </a:defRPr>
+    </a:lvl4pPr>
+    <a:lvl5pPr marL="1828800" algn="l" defTabSz="914400" rtl="0" eaLnBrk="1" latinLnBrk="0" hangingPunct="1">
+      <a:defRPr sz="1200" kern="1200">
+        <a:solidFill>
+          <a:schemeClr val="tx1"/>
+        </a:solidFill>
+        <a:latin typeface="+mn-lt"/>
+        <a:ea typeface="+mn-ea"/>
+        <a:cs typeface="+mn-cs"/>
+      </a:defRPr>
+    </a:lvl5pPr>
+    <a:lvl6pPr marL="2286000" algn="l" defTabSz="914400" rtl="0" eaLnBrk="1" latinLnBrk="0" hangingPunct="1">
+      <a:defRPr sz="1200" kern="1200">
+        <a:solidFill>
+          <a:schemeClr val="tx1"/>
+        </a:solidFill>
+        <a:latin typeface="+mn-lt"/>
+        <a:ea typeface="+mn-ea"/>
+        <a:cs typeface="+mn-cs"/>
+      </a:defRPr>
+    </a:lvl6pPr>
+    <a:lvl7pPr marL="2743200" algn="l" defTabSz="914400" rtl="0" eaLnBrk="1" latinLnBrk="0" hangingPunct="1">
+      <a:defRPr sz="1200" kern="1200">
+        <a:solidFill>
+          <a:schemeClr val="tx1"/>
+        </a:solidFill>
+        <a:latin typeface="+mn-lt"/>
+        <a:ea typeface="+mn-ea"/>
+        <a:cs typeface="+mn-cs"/>
+      </a:defRPr>
+    </a:lvl7pPr>
+    <a:lvl8pPr marL="3200400" algn="l" defTabSz="914400" rtl="0" eaLnBrk="1" latinLnBrk="0" hangingPunct="1">
+      <a:defRPr sz="1200" kern="1200">
+        <a:solidFill>
+          <a:schemeClr val="tx1"/>
+        </a:solidFill>
+        <a:latin typeface="+mn-lt"/>
+        <a:ea typeface="+mn-ea"/>
+        <a:cs typeface="+mn-cs"/>
+      </a:defRPr>
+    </a:lvl8pPr>
+    <a:lvl9pPr marL="3657600" algn="l" defTabSz="914400" rtl="0" eaLnBrk="1" latinLnBrk="0" hangingPunct="1">
+      <a:defRPr sz="1200" kern="1200">
+        <a:solidFill>
+          <a:schemeClr val="tx1"/>
+        </a:solidFill>
+        <a:latin typeface="+mn-lt"/>
+        <a:ea typeface="+mn-ea"/>
+        <a:cs typeface="+mn-cs"/>
+      </a:defRPr>
+    </a:lvl9pPr>
+  </p:notesStyle>
+</p:notesMaster>
+</file>
+
 <file path=ppt/slideLayouts/slideLayout1.xml><?xml version="1.0" encoding="utf-8"?>
 <p:sldLayout xmlns:a="http://schemas.openxmlformats.org/drawingml/2006/main" xmlns:r="http://schemas.openxmlformats.org/officeDocument/2006/relationships" xmlns:p="http://schemas.openxmlformats.org/presentationml/2006/main" type="title" preserve="1">
   <p:cSld name="Diapositive de titre">
@@ -249,10 +792,10 @@
           <a:bodyPr/>
           <a:lstStyle/>
           <a:p>
-            <a:fld id="{4CAC019B-504E-4386-98F4-B63C8029DC51}" type="datetimeFigureOut">
+            <a:r>
               <a:rPr lang="fr-CH" smtClean="0"/>
-              <a:t>29.03.2022</a:t>
-            </a:fld>
+              <a:t>05.04.2022</a:t>
+            </a:r>
             <a:endParaRPr lang="fr-CH"/>
           </a:p>
         </p:txBody>
@@ -272,6 +815,10 @@
           <a:bodyPr/>
           <a:lstStyle/>
           <a:p>
+            <a:r>
+              <a:rPr lang="fr-CH" smtClean="0"/>
+              <a:t>Florian Duruz</a:t>
+            </a:r>
             <a:endParaRPr lang="fr-CH"/>
           </a:p>
         </p:txBody>
@@ -419,10 +966,10 @@
           <a:bodyPr/>
           <a:lstStyle/>
           <a:p>
-            <a:fld id="{4CAC019B-504E-4386-98F4-B63C8029DC51}" type="datetimeFigureOut">
+            <a:r>
               <a:rPr lang="fr-CH" smtClean="0"/>
-              <a:t>29.03.2022</a:t>
-            </a:fld>
+              <a:t>05.04.2022</a:t>
+            </a:r>
             <a:endParaRPr lang="fr-CH"/>
           </a:p>
         </p:txBody>
@@ -442,6 +989,10 @@
           <a:bodyPr/>
           <a:lstStyle/>
           <a:p>
+            <a:r>
+              <a:rPr lang="fr-CH" smtClean="0"/>
+              <a:t>Florian Duruz</a:t>
+            </a:r>
             <a:endParaRPr lang="fr-CH"/>
           </a:p>
         </p:txBody>
@@ -599,10 +1150,10 @@
           <a:bodyPr/>
           <a:lstStyle/>
           <a:p>
-            <a:fld id="{4CAC019B-504E-4386-98F4-B63C8029DC51}" type="datetimeFigureOut">
+            <a:r>
               <a:rPr lang="fr-CH" smtClean="0"/>
-              <a:t>29.03.2022</a:t>
-            </a:fld>
+              <a:t>05.04.2022</a:t>
+            </a:r>
             <a:endParaRPr lang="fr-CH"/>
           </a:p>
         </p:txBody>
@@ -622,6 +1173,10 @@
           <a:bodyPr/>
           <a:lstStyle/>
           <a:p>
+            <a:r>
+              <a:rPr lang="fr-CH" smtClean="0"/>
+              <a:t>Florian Duruz</a:t>
+            </a:r>
             <a:endParaRPr lang="fr-CH"/>
           </a:p>
         </p:txBody>
@@ -769,10 +1324,10 @@
           <a:bodyPr/>
           <a:lstStyle/>
           <a:p>
-            <a:fld id="{4CAC019B-504E-4386-98F4-B63C8029DC51}" type="datetimeFigureOut">
+            <a:r>
               <a:rPr lang="fr-CH" smtClean="0"/>
-              <a:t>29.03.2022</a:t>
-            </a:fld>
+              <a:t>05.04.2022</a:t>
+            </a:r>
             <a:endParaRPr lang="fr-CH"/>
           </a:p>
         </p:txBody>
@@ -792,6 +1347,10 @@
           <a:bodyPr/>
           <a:lstStyle/>
           <a:p>
+            <a:r>
+              <a:rPr lang="fr-CH" smtClean="0"/>
+              <a:t>Florian Duruz</a:t>
+            </a:r>
             <a:endParaRPr lang="fr-CH"/>
           </a:p>
         </p:txBody>
@@ -1015,10 +1574,10 @@
           <a:bodyPr/>
           <a:lstStyle/>
           <a:p>
-            <a:fld id="{4CAC019B-504E-4386-98F4-B63C8029DC51}" type="datetimeFigureOut">
+            <a:r>
               <a:rPr lang="fr-CH" smtClean="0"/>
-              <a:t>29.03.2022</a:t>
-            </a:fld>
+              <a:t>05.04.2022</a:t>
+            </a:r>
             <a:endParaRPr lang="fr-CH"/>
           </a:p>
         </p:txBody>
@@ -1038,6 +1597,10 @@
           <a:bodyPr/>
           <a:lstStyle/>
           <a:p>
+            <a:r>
+              <a:rPr lang="fr-CH" smtClean="0"/>
+              <a:t>Florian Duruz</a:t>
+            </a:r>
             <a:endParaRPr lang="fr-CH"/>
           </a:p>
         </p:txBody>
@@ -1247,10 +1810,10 @@
           <a:bodyPr/>
           <a:lstStyle/>
           <a:p>
-            <a:fld id="{4CAC019B-504E-4386-98F4-B63C8029DC51}" type="datetimeFigureOut">
+            <a:r>
               <a:rPr lang="fr-CH" smtClean="0"/>
-              <a:t>29.03.2022</a:t>
-            </a:fld>
+              <a:t>05.04.2022</a:t>
+            </a:r>
             <a:endParaRPr lang="fr-CH"/>
           </a:p>
         </p:txBody>
@@ -1270,6 +1833,10 @@
           <a:bodyPr/>
           <a:lstStyle/>
           <a:p>
+            <a:r>
+              <a:rPr lang="fr-CH" smtClean="0"/>
+              <a:t>Florian Duruz</a:t>
+            </a:r>
             <a:endParaRPr lang="fr-CH"/>
           </a:p>
         </p:txBody>
@@ -1614,10 +2181,10 @@
           <a:bodyPr/>
           <a:lstStyle/>
           <a:p>
-            <a:fld id="{4CAC019B-504E-4386-98F4-B63C8029DC51}" type="datetimeFigureOut">
+            <a:r>
               <a:rPr lang="fr-CH" smtClean="0"/>
-              <a:t>29.03.2022</a:t>
-            </a:fld>
+              <a:t>05.04.2022</a:t>
+            </a:r>
             <a:endParaRPr lang="fr-CH"/>
           </a:p>
         </p:txBody>
@@ -1637,6 +2204,10 @@
           <a:bodyPr/>
           <a:lstStyle/>
           <a:p>
+            <a:r>
+              <a:rPr lang="fr-CH" smtClean="0"/>
+              <a:t>Florian Duruz</a:t>
+            </a:r>
             <a:endParaRPr lang="fr-CH"/>
           </a:p>
         </p:txBody>
@@ -1732,10 +2303,10 @@
           <a:bodyPr/>
           <a:lstStyle/>
           <a:p>
-            <a:fld id="{4CAC019B-504E-4386-98F4-B63C8029DC51}" type="datetimeFigureOut">
+            <a:r>
               <a:rPr lang="fr-CH" smtClean="0"/>
-              <a:t>29.03.2022</a:t>
-            </a:fld>
+              <a:t>05.04.2022</a:t>
+            </a:r>
             <a:endParaRPr lang="fr-CH"/>
           </a:p>
         </p:txBody>
@@ -1755,6 +2326,10 @@
           <a:bodyPr/>
           <a:lstStyle/>
           <a:p>
+            <a:r>
+              <a:rPr lang="fr-CH" smtClean="0"/>
+              <a:t>Florian Duruz</a:t>
+            </a:r>
             <a:endParaRPr lang="fr-CH"/>
           </a:p>
         </p:txBody>
@@ -1827,10 +2402,10 @@
           <a:bodyPr/>
           <a:lstStyle/>
           <a:p>
-            <a:fld id="{4CAC019B-504E-4386-98F4-B63C8029DC51}" type="datetimeFigureOut">
+            <a:r>
               <a:rPr lang="fr-CH" smtClean="0"/>
-              <a:t>29.03.2022</a:t>
-            </a:fld>
+              <a:t>05.04.2022</a:t>
+            </a:r>
             <a:endParaRPr lang="fr-CH"/>
           </a:p>
         </p:txBody>
@@ -1850,6 +2425,10 @@
           <a:bodyPr/>
           <a:lstStyle/>
           <a:p>
+            <a:r>
+              <a:rPr lang="fr-CH" smtClean="0"/>
+              <a:t>Florian Duruz</a:t>
+            </a:r>
             <a:endParaRPr lang="fr-CH"/>
           </a:p>
         </p:txBody>
@@ -2104,10 +2683,10 @@
           <a:bodyPr/>
           <a:lstStyle/>
           <a:p>
-            <a:fld id="{4CAC019B-504E-4386-98F4-B63C8029DC51}" type="datetimeFigureOut">
+            <a:r>
               <a:rPr lang="fr-CH" smtClean="0"/>
-              <a:t>29.03.2022</a:t>
-            </a:fld>
+              <a:t>05.04.2022</a:t>
+            </a:r>
             <a:endParaRPr lang="fr-CH"/>
           </a:p>
         </p:txBody>
@@ -2127,6 +2706,10 @@
           <a:bodyPr/>
           <a:lstStyle/>
           <a:p>
+            <a:r>
+              <a:rPr lang="fr-CH" smtClean="0"/>
+              <a:t>Florian Duruz</a:t>
+            </a:r>
             <a:endParaRPr lang="fr-CH"/>
           </a:p>
         </p:txBody>
@@ -2357,10 +2940,10 @@
           <a:bodyPr/>
           <a:lstStyle/>
           <a:p>
-            <a:fld id="{4CAC019B-504E-4386-98F4-B63C8029DC51}" type="datetimeFigureOut">
+            <a:r>
               <a:rPr lang="fr-CH" smtClean="0"/>
-              <a:t>29.03.2022</a:t>
-            </a:fld>
+              <a:t>05.04.2022</a:t>
+            </a:r>
             <a:endParaRPr lang="fr-CH"/>
           </a:p>
         </p:txBody>
@@ -2380,6 +2963,10 @@
           <a:bodyPr/>
           <a:lstStyle/>
           <a:p>
+            <a:r>
+              <a:rPr lang="fr-CH" smtClean="0"/>
+              <a:t>Florian Duruz</a:t>
+            </a:r>
             <a:endParaRPr lang="fr-CH"/>
           </a:p>
         </p:txBody>
@@ -2570,10 +3157,10 @@
             </a:lvl1pPr>
           </a:lstStyle>
           <a:p>
-            <a:fld id="{4CAC019B-504E-4386-98F4-B63C8029DC51}" type="datetimeFigureOut">
+            <a:r>
               <a:rPr lang="fr-CH" smtClean="0"/>
-              <a:t>29.03.2022</a:t>
-            </a:fld>
+              <a:t>05.04.2022</a:t>
+            </a:r>
             <a:endParaRPr lang="fr-CH"/>
           </a:p>
         </p:txBody>
@@ -2611,6 +3198,10 @@
             </a:lvl1pPr>
           </a:lstStyle>
           <a:p>
+            <a:r>
+              <a:rPr lang="fr-CH" smtClean="0"/>
+              <a:t>Florian Duruz</a:t>
+            </a:r>
             <a:endParaRPr lang="fr-CH"/>
           </a:p>
         </p:txBody>
@@ -2677,6 +3268,7 @@
     <p:sldLayoutId id="2147483658" r:id="rId10"/>
     <p:sldLayoutId id="2147483659" r:id="rId11"/>
   </p:sldLayoutIdLst>
+  <p:hf hdr="0"/>
   <p:txStyles>
     <p:titleStyle>
       <a:lvl1pPr algn="l" defTabSz="914400" rtl="0" eaLnBrk="1" latinLnBrk="0" hangingPunct="1">
@@ -3031,6 +3623,75 @@
           </a:p>
         </p:txBody>
       </p:sp>
+      <p:sp>
+        <p:nvSpPr>
+          <p:cNvPr id="6" name="Espace réservé de la date 5"/>
+          <p:cNvSpPr>
+            <a:spLocks noGrp="1"/>
+          </p:cNvSpPr>
+          <p:nvPr>
+            <p:ph type="dt" sz="half" idx="10"/>
+          </p:nvPr>
+        </p:nvSpPr>
+        <p:spPr/>
+        <p:txBody>
+          <a:bodyPr/>
+          <a:lstStyle/>
+          <a:p>
+            <a:r>
+              <a:rPr lang="fr-CH" smtClean="0"/>
+              <a:t>05.04.2022</a:t>
+            </a:r>
+            <a:endParaRPr lang="fr-CH"/>
+          </a:p>
+        </p:txBody>
+      </p:sp>
+      <p:sp>
+        <p:nvSpPr>
+          <p:cNvPr id="7" name="Espace réservé du pied de page 6"/>
+          <p:cNvSpPr>
+            <a:spLocks noGrp="1"/>
+          </p:cNvSpPr>
+          <p:nvPr>
+            <p:ph type="ftr" sz="quarter" idx="11"/>
+          </p:nvPr>
+        </p:nvSpPr>
+        <p:spPr/>
+        <p:txBody>
+          <a:bodyPr/>
+          <a:lstStyle/>
+          <a:p>
+            <a:r>
+              <a:rPr lang="fr-CH" smtClean="0"/>
+              <a:t>Florian Duruz</a:t>
+            </a:r>
+            <a:endParaRPr lang="fr-CH"/>
+          </a:p>
+        </p:txBody>
+      </p:sp>
+      <p:sp>
+        <p:nvSpPr>
+          <p:cNvPr id="8" name="Espace réservé du numéro de diapositive 7"/>
+          <p:cNvSpPr>
+            <a:spLocks noGrp="1"/>
+          </p:cNvSpPr>
+          <p:nvPr>
+            <p:ph type="sldNum" sz="quarter" idx="12"/>
+          </p:nvPr>
+        </p:nvSpPr>
+        <p:spPr/>
+        <p:txBody>
+          <a:bodyPr/>
+          <a:lstStyle/>
+          <a:p>
+            <a:fld id="{877A364F-776A-4279-BBAB-336C6B9E27FF}" type="slidenum">
+              <a:rPr lang="fr-CH" smtClean="0"/>
+              <a:t>1</a:t>
+            </a:fld>
+            <a:endParaRPr lang="fr-CH"/>
+          </a:p>
+        </p:txBody>
+      </p:sp>
     </p:spTree>
     <p:extLst>
       <p:ext uri="{BB962C8B-B14F-4D97-AF65-F5344CB8AC3E}">
@@ -3041,6 +3702,6973 @@
   <p:clrMapOvr>
     <a:masterClrMapping/>
   </p:clrMapOvr>
+</p:sld>
+</file>
+
+<file path=ppt/slides/slide10.xml><?xml version="1.0" encoding="utf-8"?>
+<p:sld xmlns:a="http://schemas.openxmlformats.org/drawingml/2006/main" xmlns:r="http://schemas.openxmlformats.org/officeDocument/2006/relationships" xmlns:p="http://schemas.openxmlformats.org/presentationml/2006/main">
+  <p:cSld>
+    <p:spTree>
+      <p:nvGrpSpPr>
+        <p:cNvPr id="1" name=""/>
+        <p:cNvGrpSpPr/>
+        <p:nvPr/>
+      </p:nvGrpSpPr>
+      <p:grpSpPr>
+        <a:xfrm>
+          <a:off x="0" y="0"/>
+          <a:ext cx="0" cy="0"/>
+          <a:chOff x="0" y="0"/>
+          <a:chExt cx="0" cy="0"/>
+        </a:xfrm>
+      </p:grpSpPr>
+      <p:grpSp>
+        <p:nvGrpSpPr>
+          <p:cNvPr id="35" name="Groupe 34"/>
+          <p:cNvGrpSpPr/>
+          <p:nvPr/>
+        </p:nvGrpSpPr>
+        <p:grpSpPr>
+          <a:xfrm rot="6973950">
+            <a:off x="4075879" y="3316327"/>
+            <a:ext cx="448109" cy="994711"/>
+            <a:chOff x="3404801" y="3794269"/>
+            <a:chExt cx="358888" cy="866925"/>
+          </a:xfrm>
+        </p:grpSpPr>
+        <p:sp>
+          <p:nvSpPr>
+            <p:cNvPr id="33" name="Rectangle 32"/>
+            <p:cNvSpPr/>
+            <p:nvPr/>
+          </p:nvSpPr>
+          <p:spPr>
+            <a:xfrm>
+              <a:off x="3404801" y="3794269"/>
+              <a:ext cx="355857" cy="630837"/>
+            </a:xfrm>
+            <a:prstGeom prst="rect">
+              <a:avLst/>
+            </a:prstGeom>
+            <a:solidFill>
+              <a:schemeClr val="accent6">
+                <a:lumMod val="50000"/>
+              </a:schemeClr>
+            </a:solidFill>
+            <a:ln>
+              <a:solidFill>
+                <a:schemeClr val="tx1"/>
+              </a:solidFill>
+            </a:ln>
+          </p:spPr>
+          <p:style>
+            <a:lnRef idx="2">
+              <a:schemeClr val="accent1">
+                <a:shade val="50000"/>
+              </a:schemeClr>
+            </a:lnRef>
+            <a:fillRef idx="1">
+              <a:schemeClr val="accent1"/>
+            </a:fillRef>
+            <a:effectRef idx="0">
+              <a:schemeClr val="accent1"/>
+            </a:effectRef>
+            <a:fontRef idx="minor">
+              <a:schemeClr val="lt1"/>
+            </a:fontRef>
+          </p:style>
+          <p:txBody>
+            <a:bodyPr rtlCol="0" anchor="ctr"/>
+            <a:lstStyle/>
+            <a:p>
+              <a:pPr algn="ctr"/>
+              <a:endParaRPr lang="fr-CH"/>
+            </a:p>
+          </p:txBody>
+        </p:sp>
+        <p:sp>
+          <p:nvSpPr>
+            <p:cNvPr id="34" name="Rectangle 33"/>
+            <p:cNvSpPr/>
+            <p:nvPr/>
+          </p:nvSpPr>
+          <p:spPr>
+            <a:xfrm>
+              <a:off x="3407833" y="4434739"/>
+              <a:ext cx="355856" cy="226455"/>
+            </a:xfrm>
+            <a:prstGeom prst="rect">
+              <a:avLst/>
+            </a:prstGeom>
+            <a:solidFill>
+              <a:schemeClr val="accent2">
+                <a:lumMod val="40000"/>
+                <a:lumOff val="60000"/>
+              </a:schemeClr>
+            </a:solidFill>
+            <a:ln>
+              <a:solidFill>
+                <a:schemeClr val="tx1"/>
+              </a:solidFill>
+            </a:ln>
+          </p:spPr>
+          <p:style>
+            <a:lnRef idx="2">
+              <a:schemeClr val="accent1">
+                <a:shade val="50000"/>
+              </a:schemeClr>
+            </a:lnRef>
+            <a:fillRef idx="1">
+              <a:schemeClr val="accent1"/>
+            </a:fillRef>
+            <a:effectRef idx="0">
+              <a:schemeClr val="accent1"/>
+            </a:effectRef>
+            <a:fontRef idx="minor">
+              <a:schemeClr val="lt1"/>
+            </a:fontRef>
+          </p:style>
+          <p:txBody>
+            <a:bodyPr rtlCol="0" anchor="ctr"/>
+            <a:lstStyle/>
+            <a:p>
+              <a:pPr algn="ctr"/>
+              <a:endParaRPr lang="fr-CH"/>
+            </a:p>
+          </p:txBody>
+        </p:sp>
+      </p:grpSp>
+      <p:sp>
+        <p:nvSpPr>
+          <p:cNvPr id="2" name="Titre 1"/>
+          <p:cNvSpPr>
+            <a:spLocks noGrp="1"/>
+          </p:cNvSpPr>
+          <p:nvPr>
+            <p:ph type="title"/>
+          </p:nvPr>
+        </p:nvSpPr>
+        <p:spPr/>
+        <p:txBody>
+          <a:bodyPr/>
+          <a:lstStyle/>
+          <a:p>
+            <a:r>
+              <a:rPr lang="fr-CH" dirty="0" smtClean="0"/>
+              <a:t>Système de grille : problématique</a:t>
+            </a:r>
+            <a:endParaRPr lang="fr-CH" dirty="0"/>
+          </a:p>
+        </p:txBody>
+      </p:sp>
+      <p:sp>
+        <p:nvSpPr>
+          <p:cNvPr id="6" name="Espace réservé de la date 5"/>
+          <p:cNvSpPr>
+            <a:spLocks noGrp="1"/>
+          </p:cNvSpPr>
+          <p:nvPr>
+            <p:ph type="dt" sz="half" idx="10"/>
+          </p:nvPr>
+        </p:nvSpPr>
+        <p:spPr/>
+        <p:txBody>
+          <a:bodyPr/>
+          <a:lstStyle/>
+          <a:p>
+            <a:r>
+              <a:rPr lang="fr-CH" smtClean="0"/>
+              <a:t>05.04.2022</a:t>
+            </a:r>
+            <a:endParaRPr lang="fr-CH"/>
+          </a:p>
+        </p:txBody>
+      </p:sp>
+      <p:sp>
+        <p:nvSpPr>
+          <p:cNvPr id="7" name="Espace réservé du pied de page 6"/>
+          <p:cNvSpPr>
+            <a:spLocks noGrp="1"/>
+          </p:cNvSpPr>
+          <p:nvPr>
+            <p:ph type="ftr" sz="quarter" idx="11"/>
+          </p:nvPr>
+        </p:nvSpPr>
+        <p:spPr/>
+        <p:txBody>
+          <a:bodyPr/>
+          <a:lstStyle/>
+          <a:p>
+            <a:r>
+              <a:rPr lang="fr-CH" smtClean="0"/>
+              <a:t>Florian Duruz</a:t>
+            </a:r>
+            <a:endParaRPr lang="fr-CH"/>
+          </a:p>
+        </p:txBody>
+      </p:sp>
+      <p:sp>
+        <p:nvSpPr>
+          <p:cNvPr id="8" name="Espace réservé du numéro de diapositive 7"/>
+          <p:cNvSpPr>
+            <a:spLocks noGrp="1"/>
+          </p:cNvSpPr>
+          <p:nvPr>
+            <p:ph type="sldNum" sz="quarter" idx="12"/>
+          </p:nvPr>
+        </p:nvSpPr>
+        <p:spPr/>
+        <p:txBody>
+          <a:bodyPr/>
+          <a:lstStyle/>
+          <a:p>
+            <a:fld id="{877A364F-776A-4279-BBAB-336C6B9E27FF}" type="slidenum">
+              <a:rPr lang="fr-CH" smtClean="0"/>
+              <a:t>10</a:t>
+            </a:fld>
+            <a:endParaRPr lang="fr-CH"/>
+          </a:p>
+        </p:txBody>
+      </p:sp>
+      <p:sp>
+        <p:nvSpPr>
+          <p:cNvPr id="9" name="Rectangle 8"/>
+          <p:cNvSpPr/>
+          <p:nvPr/>
+        </p:nvSpPr>
+        <p:spPr>
+          <a:xfrm>
+            <a:off x="4652632" y="3723592"/>
+            <a:ext cx="1345474" cy="1332412"/>
+          </a:xfrm>
+          <a:prstGeom prst="rect">
+            <a:avLst/>
+          </a:prstGeom>
+          <a:solidFill>
+            <a:schemeClr val="accent6">
+              <a:lumMod val="50000"/>
+            </a:schemeClr>
+          </a:solidFill>
+          <a:ln>
+            <a:solidFill>
+              <a:schemeClr val="tx1"/>
+            </a:solidFill>
+          </a:ln>
+        </p:spPr>
+        <p:style>
+          <a:lnRef idx="2">
+            <a:schemeClr val="accent1">
+              <a:shade val="50000"/>
+            </a:schemeClr>
+          </a:lnRef>
+          <a:fillRef idx="1">
+            <a:schemeClr val="accent1"/>
+          </a:fillRef>
+          <a:effectRef idx="0">
+            <a:schemeClr val="accent1"/>
+          </a:effectRef>
+          <a:fontRef idx="minor">
+            <a:schemeClr val="lt1"/>
+          </a:fontRef>
+        </p:style>
+        <p:txBody>
+          <a:bodyPr rtlCol="0" anchor="ctr"/>
+          <a:lstStyle/>
+          <a:p>
+            <a:pPr algn="ctr"/>
+            <a:endParaRPr lang="fr-CH"/>
+          </a:p>
+        </p:txBody>
+      </p:sp>
+      <p:cxnSp>
+        <p:nvCxnSpPr>
+          <p:cNvPr id="10" name="Connecteur droit 9"/>
+          <p:cNvCxnSpPr/>
+          <p:nvPr/>
+        </p:nvCxnSpPr>
+        <p:spPr>
+          <a:xfrm flipH="1">
+            <a:off x="5315571" y="3723591"/>
+            <a:ext cx="9797" cy="1332413"/>
+          </a:xfrm>
+          <a:prstGeom prst="line">
+            <a:avLst/>
+          </a:prstGeom>
+          <a:ln>
+            <a:solidFill>
+              <a:schemeClr val="tx1"/>
+            </a:solidFill>
+          </a:ln>
+        </p:spPr>
+        <p:style>
+          <a:lnRef idx="1">
+            <a:schemeClr val="accent1"/>
+          </a:lnRef>
+          <a:fillRef idx="0">
+            <a:schemeClr val="accent1"/>
+          </a:fillRef>
+          <a:effectRef idx="0">
+            <a:schemeClr val="accent1"/>
+          </a:effectRef>
+          <a:fontRef idx="minor">
+            <a:schemeClr val="tx1"/>
+          </a:fontRef>
+        </p:style>
+      </p:cxnSp>
+      <p:sp>
+        <p:nvSpPr>
+          <p:cNvPr id="11" name="Rectangle 10"/>
+          <p:cNvSpPr/>
+          <p:nvPr/>
+        </p:nvSpPr>
+        <p:spPr>
+          <a:xfrm>
+            <a:off x="4652632" y="2889040"/>
+            <a:ext cx="1345474" cy="834551"/>
+          </a:xfrm>
+          <a:prstGeom prst="rect">
+            <a:avLst/>
+          </a:prstGeom>
+          <a:solidFill>
+            <a:schemeClr val="accent2">
+              <a:lumMod val="40000"/>
+              <a:lumOff val="60000"/>
+            </a:schemeClr>
+          </a:solidFill>
+          <a:ln>
+            <a:solidFill>
+              <a:schemeClr val="tx1"/>
+            </a:solidFill>
+          </a:ln>
+        </p:spPr>
+        <p:style>
+          <a:lnRef idx="2">
+            <a:schemeClr val="accent1">
+              <a:shade val="50000"/>
+            </a:schemeClr>
+          </a:lnRef>
+          <a:fillRef idx="1">
+            <a:schemeClr val="accent1"/>
+          </a:fillRef>
+          <a:effectRef idx="0">
+            <a:schemeClr val="accent1"/>
+          </a:effectRef>
+          <a:fontRef idx="minor">
+            <a:schemeClr val="lt1"/>
+          </a:fontRef>
+        </p:style>
+        <p:txBody>
+          <a:bodyPr rtlCol="0" anchor="ctr"/>
+          <a:lstStyle/>
+          <a:p>
+            <a:pPr algn="ctr"/>
+            <a:endParaRPr lang="fr-CH"/>
+          </a:p>
+        </p:txBody>
+      </p:sp>
+      <p:cxnSp>
+        <p:nvCxnSpPr>
+          <p:cNvPr id="12" name="Connecteur droit 11"/>
+          <p:cNvCxnSpPr/>
+          <p:nvPr/>
+        </p:nvCxnSpPr>
+        <p:spPr>
+          <a:xfrm>
+            <a:off x="5127024" y="3538171"/>
+            <a:ext cx="387122" cy="0"/>
+          </a:xfrm>
+          <a:prstGeom prst="line">
+            <a:avLst/>
+          </a:prstGeom>
+          <a:ln>
+            <a:solidFill>
+              <a:schemeClr val="tx1"/>
+            </a:solidFill>
+          </a:ln>
+        </p:spPr>
+        <p:style>
+          <a:lnRef idx="1">
+            <a:schemeClr val="accent1"/>
+          </a:lnRef>
+          <a:fillRef idx="0">
+            <a:schemeClr val="accent1"/>
+          </a:fillRef>
+          <a:effectRef idx="0">
+            <a:schemeClr val="accent1"/>
+          </a:effectRef>
+          <a:fontRef idx="minor">
+            <a:schemeClr val="tx1"/>
+          </a:fontRef>
+        </p:style>
+      </p:cxnSp>
+      <p:cxnSp>
+        <p:nvCxnSpPr>
+          <p:cNvPr id="13" name="Connecteur droit 12"/>
+          <p:cNvCxnSpPr/>
+          <p:nvPr/>
+        </p:nvCxnSpPr>
+        <p:spPr>
+          <a:xfrm flipV="1">
+            <a:off x="5490239" y="3148033"/>
+            <a:ext cx="165934" cy="94643"/>
+          </a:xfrm>
+          <a:prstGeom prst="line">
+            <a:avLst/>
+          </a:prstGeom>
+          <a:ln w="9525"/>
+        </p:spPr>
+        <p:style>
+          <a:lnRef idx="3">
+            <a:schemeClr val="dk1"/>
+          </a:lnRef>
+          <a:fillRef idx="0">
+            <a:schemeClr val="dk1"/>
+          </a:fillRef>
+          <a:effectRef idx="2">
+            <a:schemeClr val="dk1"/>
+          </a:effectRef>
+          <a:fontRef idx="minor">
+            <a:schemeClr val="tx1"/>
+          </a:fontRef>
+        </p:style>
+      </p:cxnSp>
+      <p:cxnSp>
+        <p:nvCxnSpPr>
+          <p:cNvPr id="14" name="Connecteur droit 13"/>
+          <p:cNvCxnSpPr/>
+          <p:nvPr/>
+        </p:nvCxnSpPr>
+        <p:spPr>
+          <a:xfrm>
+            <a:off x="5007920" y="3150557"/>
+            <a:ext cx="145958" cy="95005"/>
+          </a:xfrm>
+          <a:prstGeom prst="line">
+            <a:avLst/>
+          </a:prstGeom>
+          <a:ln w="9525"/>
+        </p:spPr>
+        <p:style>
+          <a:lnRef idx="3">
+            <a:schemeClr val="dk1"/>
+          </a:lnRef>
+          <a:fillRef idx="0">
+            <a:schemeClr val="dk1"/>
+          </a:fillRef>
+          <a:effectRef idx="2">
+            <a:schemeClr val="dk1"/>
+          </a:effectRef>
+          <a:fontRef idx="minor">
+            <a:schemeClr val="tx1"/>
+          </a:fontRef>
+        </p:style>
+      </p:cxnSp>
+      <p:sp>
+        <p:nvSpPr>
+          <p:cNvPr id="15" name="Rectangle 14"/>
+          <p:cNvSpPr/>
+          <p:nvPr/>
+        </p:nvSpPr>
+        <p:spPr>
+          <a:xfrm>
+            <a:off x="4652822" y="5056004"/>
+            <a:ext cx="670552" cy="425694"/>
+          </a:xfrm>
+          <a:prstGeom prst="rect">
+            <a:avLst/>
+          </a:prstGeom>
+          <a:solidFill>
+            <a:schemeClr val="accent2">
+              <a:lumMod val="50000"/>
+            </a:schemeClr>
+          </a:solidFill>
+          <a:ln>
+            <a:solidFill>
+              <a:schemeClr val="tx1"/>
+            </a:solidFill>
+          </a:ln>
+        </p:spPr>
+        <p:style>
+          <a:lnRef idx="2">
+            <a:schemeClr val="accent1">
+              <a:shade val="50000"/>
+            </a:schemeClr>
+          </a:lnRef>
+          <a:fillRef idx="1">
+            <a:schemeClr val="accent1"/>
+          </a:fillRef>
+          <a:effectRef idx="0">
+            <a:schemeClr val="accent1"/>
+          </a:effectRef>
+          <a:fontRef idx="minor">
+            <a:schemeClr val="lt1"/>
+          </a:fontRef>
+        </p:style>
+        <p:txBody>
+          <a:bodyPr rtlCol="0" anchor="ctr"/>
+          <a:lstStyle/>
+          <a:p>
+            <a:pPr algn="ctr"/>
+            <a:endParaRPr lang="fr-CH"/>
+          </a:p>
+        </p:txBody>
+      </p:sp>
+      <p:sp>
+        <p:nvSpPr>
+          <p:cNvPr id="16" name="Rectangle 15"/>
+          <p:cNvSpPr/>
+          <p:nvPr/>
+        </p:nvSpPr>
+        <p:spPr>
+          <a:xfrm>
+            <a:off x="5323375" y="5056004"/>
+            <a:ext cx="674732" cy="425694"/>
+          </a:xfrm>
+          <a:prstGeom prst="rect">
+            <a:avLst/>
+          </a:prstGeom>
+          <a:solidFill>
+            <a:schemeClr val="accent2">
+              <a:lumMod val="50000"/>
+            </a:schemeClr>
+          </a:solidFill>
+          <a:ln>
+            <a:solidFill>
+              <a:schemeClr val="tx1"/>
+            </a:solidFill>
+          </a:ln>
+        </p:spPr>
+        <p:style>
+          <a:lnRef idx="2">
+            <a:schemeClr val="accent1">
+              <a:shade val="50000"/>
+            </a:schemeClr>
+          </a:lnRef>
+          <a:fillRef idx="1">
+            <a:schemeClr val="accent1"/>
+          </a:fillRef>
+          <a:effectRef idx="0">
+            <a:schemeClr val="accent1"/>
+          </a:effectRef>
+          <a:fontRef idx="minor">
+            <a:schemeClr val="lt1"/>
+          </a:fontRef>
+        </p:style>
+        <p:txBody>
+          <a:bodyPr rtlCol="0" anchor="ctr"/>
+          <a:lstStyle/>
+          <a:p>
+            <a:pPr algn="ctr"/>
+            <a:endParaRPr lang="fr-CH"/>
+          </a:p>
+        </p:txBody>
+      </p:sp>
+      <p:sp>
+        <p:nvSpPr>
+          <p:cNvPr id="19" name="Ellipse 18"/>
+          <p:cNvSpPr/>
+          <p:nvPr/>
+        </p:nvSpPr>
+        <p:spPr>
+          <a:xfrm>
+            <a:off x="5514146" y="3198546"/>
+            <a:ext cx="169817" cy="169817"/>
+          </a:xfrm>
+          <a:prstGeom prst="ellipse">
+            <a:avLst/>
+          </a:prstGeom>
+          <a:solidFill>
+            <a:schemeClr val="bg1"/>
+          </a:solidFill>
+          <a:ln w="9525">
+            <a:solidFill>
+              <a:schemeClr val="tx1"/>
+            </a:solidFill>
+          </a:ln>
+        </p:spPr>
+        <p:style>
+          <a:lnRef idx="2">
+            <a:schemeClr val="accent1">
+              <a:shade val="50000"/>
+            </a:schemeClr>
+          </a:lnRef>
+          <a:fillRef idx="1">
+            <a:schemeClr val="accent1"/>
+          </a:fillRef>
+          <a:effectRef idx="0">
+            <a:schemeClr val="accent1"/>
+          </a:effectRef>
+          <a:fontRef idx="minor">
+            <a:schemeClr val="lt1"/>
+          </a:fontRef>
+        </p:style>
+        <p:txBody>
+          <a:bodyPr rtlCol="0" anchor="ctr"/>
+          <a:lstStyle/>
+          <a:p>
+            <a:pPr algn="ctr"/>
+            <a:endParaRPr lang="fr-CH"/>
+          </a:p>
+        </p:txBody>
+      </p:sp>
+      <p:sp>
+        <p:nvSpPr>
+          <p:cNvPr id="20" name="Ellipse 19"/>
+          <p:cNvSpPr/>
+          <p:nvPr/>
+        </p:nvSpPr>
+        <p:spPr>
+          <a:xfrm>
+            <a:off x="5524034" y="3259218"/>
+            <a:ext cx="45719" cy="45719"/>
+          </a:xfrm>
+          <a:prstGeom prst="ellipse">
+            <a:avLst/>
+          </a:prstGeom>
+          <a:solidFill>
+            <a:schemeClr val="tx1"/>
+          </a:solidFill>
+          <a:ln>
+            <a:solidFill>
+              <a:schemeClr val="tx1"/>
+            </a:solidFill>
+          </a:ln>
+        </p:spPr>
+        <p:style>
+          <a:lnRef idx="2">
+            <a:schemeClr val="accent1">
+              <a:shade val="50000"/>
+            </a:schemeClr>
+          </a:lnRef>
+          <a:fillRef idx="1">
+            <a:schemeClr val="accent1"/>
+          </a:fillRef>
+          <a:effectRef idx="0">
+            <a:schemeClr val="accent1"/>
+          </a:effectRef>
+          <a:fontRef idx="minor">
+            <a:schemeClr val="lt1"/>
+          </a:fontRef>
+        </p:style>
+        <p:txBody>
+          <a:bodyPr rtlCol="0" anchor="ctr"/>
+          <a:lstStyle/>
+          <a:p>
+            <a:pPr algn="ctr"/>
+            <a:endParaRPr lang="fr-CH"/>
+          </a:p>
+        </p:txBody>
+      </p:sp>
+      <p:sp>
+        <p:nvSpPr>
+          <p:cNvPr id="21" name="Ellipse 20"/>
+          <p:cNvSpPr/>
+          <p:nvPr/>
+        </p:nvSpPr>
+        <p:spPr>
+          <a:xfrm>
+            <a:off x="4951403" y="3198546"/>
+            <a:ext cx="169817" cy="169817"/>
+          </a:xfrm>
+          <a:prstGeom prst="ellipse">
+            <a:avLst/>
+          </a:prstGeom>
+          <a:solidFill>
+            <a:schemeClr val="bg1"/>
+          </a:solidFill>
+          <a:ln w="9525">
+            <a:solidFill>
+              <a:schemeClr val="tx1"/>
+            </a:solidFill>
+          </a:ln>
+        </p:spPr>
+        <p:style>
+          <a:lnRef idx="2">
+            <a:schemeClr val="accent1">
+              <a:shade val="50000"/>
+            </a:schemeClr>
+          </a:lnRef>
+          <a:fillRef idx="1">
+            <a:schemeClr val="accent1"/>
+          </a:fillRef>
+          <a:effectRef idx="0">
+            <a:schemeClr val="accent1"/>
+          </a:effectRef>
+          <a:fontRef idx="minor">
+            <a:schemeClr val="lt1"/>
+          </a:fontRef>
+        </p:style>
+        <p:txBody>
+          <a:bodyPr rtlCol="0" anchor="ctr"/>
+          <a:lstStyle/>
+          <a:p>
+            <a:pPr algn="ctr"/>
+            <a:endParaRPr lang="fr-CH"/>
+          </a:p>
+        </p:txBody>
+      </p:sp>
+      <p:sp>
+        <p:nvSpPr>
+          <p:cNvPr id="22" name="Ellipse 21"/>
+          <p:cNvSpPr/>
+          <p:nvPr/>
+        </p:nvSpPr>
+        <p:spPr>
+          <a:xfrm>
+            <a:off x="4961291" y="3259218"/>
+            <a:ext cx="45719" cy="45719"/>
+          </a:xfrm>
+          <a:prstGeom prst="ellipse">
+            <a:avLst/>
+          </a:prstGeom>
+          <a:solidFill>
+            <a:schemeClr val="tx1"/>
+          </a:solidFill>
+          <a:ln>
+            <a:solidFill>
+              <a:schemeClr val="tx1"/>
+            </a:solidFill>
+          </a:ln>
+        </p:spPr>
+        <p:style>
+          <a:lnRef idx="2">
+            <a:schemeClr val="accent1">
+              <a:shade val="50000"/>
+            </a:schemeClr>
+          </a:lnRef>
+          <a:fillRef idx="1">
+            <a:schemeClr val="accent1"/>
+          </a:fillRef>
+          <a:effectRef idx="0">
+            <a:schemeClr val="accent1"/>
+          </a:effectRef>
+          <a:fontRef idx="minor">
+            <a:schemeClr val="lt1"/>
+          </a:fontRef>
+        </p:style>
+        <p:txBody>
+          <a:bodyPr rtlCol="0" anchor="ctr"/>
+          <a:lstStyle/>
+          <a:p>
+            <a:pPr algn="ctr"/>
+            <a:endParaRPr lang="fr-CH"/>
+          </a:p>
+        </p:txBody>
+      </p:sp>
+      <p:sp>
+        <p:nvSpPr>
+          <p:cNvPr id="32" name="Organigramme : Délai 31"/>
+          <p:cNvSpPr/>
+          <p:nvPr/>
+        </p:nvSpPr>
+        <p:spPr>
+          <a:xfrm rot="16200000">
+            <a:off x="4996208" y="2070069"/>
+            <a:ext cx="654331" cy="1385301"/>
+          </a:xfrm>
+          <a:prstGeom prst="flowChartDelay">
+            <a:avLst/>
+          </a:prstGeom>
+          <a:solidFill>
+            <a:schemeClr val="accent6">
+              <a:lumMod val="50000"/>
+            </a:schemeClr>
+          </a:solidFill>
+          <a:ln>
+            <a:solidFill>
+              <a:schemeClr val="tx1"/>
+            </a:solidFill>
+          </a:ln>
+        </p:spPr>
+        <p:style>
+          <a:lnRef idx="2">
+            <a:schemeClr val="accent1">
+              <a:shade val="50000"/>
+            </a:schemeClr>
+          </a:lnRef>
+          <a:fillRef idx="1">
+            <a:schemeClr val="accent1"/>
+          </a:fillRef>
+          <a:effectRef idx="0">
+            <a:schemeClr val="accent1"/>
+          </a:effectRef>
+          <a:fontRef idx="minor">
+            <a:schemeClr val="lt1"/>
+          </a:fontRef>
+        </p:style>
+        <p:txBody>
+          <a:bodyPr rtlCol="0" anchor="ctr"/>
+          <a:lstStyle/>
+          <a:p>
+            <a:pPr algn="ctr"/>
+            <a:endParaRPr lang="fr-CH"/>
+          </a:p>
+        </p:txBody>
+      </p:sp>
+      <p:grpSp>
+        <p:nvGrpSpPr>
+          <p:cNvPr id="36" name="Groupe 35"/>
+          <p:cNvGrpSpPr/>
+          <p:nvPr/>
+        </p:nvGrpSpPr>
+        <p:grpSpPr>
+          <a:xfrm rot="884056">
+            <a:off x="3491905" y="1741993"/>
+            <a:ext cx="1080633" cy="2060596"/>
+            <a:chOff x="2709213" y="1766950"/>
+            <a:chExt cx="1080633" cy="2060596"/>
+          </a:xfrm>
+        </p:grpSpPr>
+        <p:sp>
+          <p:nvSpPr>
+            <p:cNvPr id="37" name="Rectangle 36"/>
+            <p:cNvSpPr/>
+            <p:nvPr/>
+          </p:nvSpPr>
+          <p:spPr>
+            <a:xfrm rot="21008106">
+              <a:off x="3408875" y="2816647"/>
+              <a:ext cx="95450" cy="1010899"/>
+            </a:xfrm>
+            <a:prstGeom prst="rect">
+              <a:avLst/>
+            </a:prstGeom>
+            <a:solidFill>
+              <a:schemeClr val="accent2">
+                <a:lumMod val="50000"/>
+              </a:schemeClr>
+            </a:solidFill>
+            <a:ln>
+              <a:solidFill>
+                <a:schemeClr val="tx1"/>
+              </a:solidFill>
+            </a:ln>
+          </p:spPr>
+          <p:style>
+            <a:lnRef idx="2">
+              <a:schemeClr val="accent1">
+                <a:shade val="50000"/>
+              </a:schemeClr>
+            </a:lnRef>
+            <a:fillRef idx="1">
+              <a:schemeClr val="accent1"/>
+            </a:fillRef>
+            <a:effectRef idx="0">
+              <a:schemeClr val="accent1"/>
+            </a:effectRef>
+            <a:fontRef idx="minor">
+              <a:schemeClr val="lt1"/>
+            </a:fontRef>
+          </p:style>
+          <p:txBody>
+            <a:bodyPr rtlCol="0" anchor="ctr"/>
+            <a:lstStyle/>
+            <a:p>
+              <a:pPr algn="ctr"/>
+              <a:endParaRPr lang="fr-CH"/>
+            </a:p>
+          </p:txBody>
+        </p:sp>
+        <p:sp>
+          <p:nvSpPr>
+            <p:cNvPr id="38" name="Rectangle 37"/>
+            <p:cNvSpPr/>
+            <p:nvPr/>
+          </p:nvSpPr>
+          <p:spPr>
+            <a:xfrm rot="21024899">
+              <a:off x="2709213" y="1766950"/>
+              <a:ext cx="1080633" cy="1083029"/>
+            </a:xfrm>
+            <a:prstGeom prst="rect">
+              <a:avLst/>
+            </a:prstGeom>
+            <a:solidFill>
+              <a:schemeClr val="bg1"/>
+            </a:solidFill>
+            <a:ln>
+              <a:solidFill>
+                <a:schemeClr val="tx1"/>
+              </a:solidFill>
+            </a:ln>
+          </p:spPr>
+          <p:style>
+            <a:lnRef idx="2">
+              <a:schemeClr val="accent1">
+                <a:shade val="50000"/>
+              </a:schemeClr>
+            </a:lnRef>
+            <a:fillRef idx="1">
+              <a:schemeClr val="accent1"/>
+            </a:fillRef>
+            <a:effectRef idx="0">
+              <a:schemeClr val="accent1"/>
+            </a:effectRef>
+            <a:fontRef idx="minor">
+              <a:schemeClr val="lt1"/>
+            </a:fontRef>
+          </p:style>
+          <p:txBody>
+            <a:bodyPr rtlCol="0" anchor="ctr"/>
+            <a:lstStyle/>
+            <a:p>
+              <a:pPr algn="ctr"/>
+              <a:r>
+                <a:rPr lang="fr-CH" sz="2000" b="1" dirty="0" err="1" smtClean="0">
+                  <a:solidFill>
+                    <a:schemeClr val="tx1"/>
+                  </a:solidFill>
+                </a:rPr>
+                <a:t>CellSize</a:t>
+              </a:r>
+              <a:endParaRPr lang="fr-CH" sz="2000" b="1" dirty="0">
+                <a:solidFill>
+                  <a:schemeClr val="tx1"/>
+                </a:solidFill>
+              </a:endParaRPr>
+            </a:p>
+            <a:p>
+              <a:pPr algn="ctr"/>
+              <a:r>
+                <a:rPr lang="fr-CH" sz="2000" b="1" dirty="0" smtClean="0">
+                  <a:solidFill>
+                    <a:schemeClr val="tx1"/>
+                  </a:solidFill>
+                </a:rPr>
+                <a:t>1</a:t>
+              </a:r>
+              <a:endParaRPr lang="fr-CH" sz="2000" b="1" dirty="0">
+                <a:solidFill>
+                  <a:schemeClr val="tx1"/>
+                </a:solidFill>
+              </a:endParaRPr>
+            </a:p>
+          </p:txBody>
+        </p:sp>
+      </p:grpSp>
+      <p:grpSp>
+        <p:nvGrpSpPr>
+          <p:cNvPr id="39" name="Groupe 38"/>
+          <p:cNvGrpSpPr/>
+          <p:nvPr/>
+        </p:nvGrpSpPr>
+        <p:grpSpPr>
+          <a:xfrm>
+            <a:off x="5998106" y="3741936"/>
+            <a:ext cx="448109" cy="994711"/>
+            <a:chOff x="3404801" y="3794269"/>
+            <a:chExt cx="358888" cy="866925"/>
+          </a:xfrm>
+        </p:grpSpPr>
+        <p:sp>
+          <p:nvSpPr>
+            <p:cNvPr id="40" name="Rectangle 39"/>
+            <p:cNvSpPr/>
+            <p:nvPr/>
+          </p:nvSpPr>
+          <p:spPr>
+            <a:xfrm>
+              <a:off x="3404801" y="3794269"/>
+              <a:ext cx="355857" cy="630837"/>
+            </a:xfrm>
+            <a:prstGeom prst="rect">
+              <a:avLst/>
+            </a:prstGeom>
+            <a:solidFill>
+              <a:schemeClr val="accent6">
+                <a:lumMod val="50000"/>
+              </a:schemeClr>
+            </a:solidFill>
+            <a:ln>
+              <a:solidFill>
+                <a:schemeClr val="tx1"/>
+              </a:solidFill>
+            </a:ln>
+          </p:spPr>
+          <p:style>
+            <a:lnRef idx="2">
+              <a:schemeClr val="accent1">
+                <a:shade val="50000"/>
+              </a:schemeClr>
+            </a:lnRef>
+            <a:fillRef idx="1">
+              <a:schemeClr val="accent1"/>
+            </a:fillRef>
+            <a:effectRef idx="0">
+              <a:schemeClr val="accent1"/>
+            </a:effectRef>
+            <a:fontRef idx="minor">
+              <a:schemeClr val="lt1"/>
+            </a:fontRef>
+          </p:style>
+          <p:txBody>
+            <a:bodyPr rtlCol="0" anchor="ctr"/>
+            <a:lstStyle/>
+            <a:p>
+              <a:pPr algn="ctr"/>
+              <a:endParaRPr lang="fr-CH"/>
+            </a:p>
+          </p:txBody>
+        </p:sp>
+        <p:sp>
+          <p:nvSpPr>
+            <p:cNvPr id="41" name="Rectangle 40"/>
+            <p:cNvSpPr/>
+            <p:nvPr/>
+          </p:nvSpPr>
+          <p:spPr>
+            <a:xfrm>
+              <a:off x="3407833" y="4434739"/>
+              <a:ext cx="355856" cy="226455"/>
+            </a:xfrm>
+            <a:prstGeom prst="rect">
+              <a:avLst/>
+            </a:prstGeom>
+            <a:solidFill>
+              <a:schemeClr val="accent2">
+                <a:lumMod val="40000"/>
+                <a:lumOff val="60000"/>
+              </a:schemeClr>
+            </a:solidFill>
+            <a:ln>
+              <a:solidFill>
+                <a:schemeClr val="tx1"/>
+              </a:solidFill>
+            </a:ln>
+          </p:spPr>
+          <p:style>
+            <a:lnRef idx="2">
+              <a:schemeClr val="accent1">
+                <a:shade val="50000"/>
+              </a:schemeClr>
+            </a:lnRef>
+            <a:fillRef idx="1">
+              <a:schemeClr val="accent1"/>
+            </a:fillRef>
+            <a:effectRef idx="0">
+              <a:schemeClr val="accent1"/>
+            </a:effectRef>
+            <a:fontRef idx="minor">
+              <a:schemeClr val="lt1"/>
+            </a:fontRef>
+          </p:style>
+          <p:txBody>
+            <a:bodyPr rtlCol="0" anchor="ctr"/>
+            <a:lstStyle/>
+            <a:p>
+              <a:pPr algn="ctr"/>
+              <a:endParaRPr lang="fr-CH"/>
+            </a:p>
+          </p:txBody>
+        </p:sp>
+      </p:grpSp>
+      <p:grpSp>
+        <p:nvGrpSpPr>
+          <p:cNvPr id="42" name="Groupe 41"/>
+          <p:cNvGrpSpPr/>
+          <p:nvPr/>
+        </p:nvGrpSpPr>
+        <p:grpSpPr>
+          <a:xfrm>
+            <a:off x="450832" y="2857878"/>
+            <a:ext cx="2658212" cy="3044358"/>
+            <a:chOff x="3154195" y="2515797"/>
+            <a:chExt cx="2658212" cy="3044358"/>
+          </a:xfrm>
+        </p:grpSpPr>
+        <p:sp>
+          <p:nvSpPr>
+            <p:cNvPr id="43" name="Rectangle 42"/>
+            <p:cNvSpPr/>
+            <p:nvPr/>
+          </p:nvSpPr>
+          <p:spPr>
+            <a:xfrm rot="15729434">
+              <a:off x="4960800" y="3619909"/>
+              <a:ext cx="422622" cy="749192"/>
+            </a:xfrm>
+            <a:prstGeom prst="rect">
+              <a:avLst/>
+            </a:prstGeom>
+            <a:solidFill>
+              <a:schemeClr val="bg1"/>
+            </a:solidFill>
+            <a:ln>
+              <a:solidFill>
+                <a:schemeClr val="tx1"/>
+              </a:solidFill>
+            </a:ln>
+          </p:spPr>
+          <p:style>
+            <a:lnRef idx="2">
+              <a:schemeClr val="accent1">
+                <a:shade val="50000"/>
+              </a:schemeClr>
+            </a:lnRef>
+            <a:fillRef idx="1">
+              <a:schemeClr val="accent1"/>
+            </a:fillRef>
+            <a:effectRef idx="0">
+              <a:schemeClr val="accent1"/>
+            </a:effectRef>
+            <a:fontRef idx="minor">
+              <a:schemeClr val="lt1"/>
+            </a:fontRef>
+          </p:style>
+          <p:txBody>
+            <a:bodyPr rtlCol="0" anchor="ctr"/>
+            <a:lstStyle/>
+            <a:p>
+              <a:pPr algn="ctr"/>
+              <a:endParaRPr lang="fr-CH"/>
+            </a:p>
+          </p:txBody>
+        </p:sp>
+        <p:sp>
+          <p:nvSpPr>
+            <p:cNvPr id="44" name="Rectangle 43"/>
+            <p:cNvSpPr/>
+            <p:nvPr/>
+          </p:nvSpPr>
+          <p:spPr>
+            <a:xfrm>
+              <a:off x="3576815" y="3802049"/>
+              <a:ext cx="1345474" cy="1332412"/>
+            </a:xfrm>
+            <a:prstGeom prst="rect">
+              <a:avLst/>
+            </a:prstGeom>
+            <a:solidFill>
+              <a:schemeClr val="bg1"/>
+            </a:solidFill>
+            <a:ln>
+              <a:solidFill>
+                <a:schemeClr val="tx1"/>
+              </a:solidFill>
+            </a:ln>
+          </p:spPr>
+          <p:style>
+            <a:lnRef idx="2">
+              <a:schemeClr val="accent1">
+                <a:shade val="50000"/>
+              </a:schemeClr>
+            </a:lnRef>
+            <a:fillRef idx="1">
+              <a:schemeClr val="accent1"/>
+            </a:fillRef>
+            <a:effectRef idx="0">
+              <a:schemeClr val="accent1"/>
+            </a:effectRef>
+            <a:fontRef idx="minor">
+              <a:schemeClr val="lt1"/>
+            </a:fontRef>
+          </p:style>
+          <p:txBody>
+            <a:bodyPr rtlCol="0" anchor="ctr"/>
+            <a:lstStyle/>
+            <a:p>
+              <a:pPr algn="ctr"/>
+              <a:endParaRPr lang="fr-CH"/>
+            </a:p>
+          </p:txBody>
+        </p:sp>
+        <p:sp>
+          <p:nvSpPr>
+            <p:cNvPr id="45" name="Triangle isocèle 44"/>
+            <p:cNvSpPr/>
+            <p:nvPr/>
+          </p:nvSpPr>
+          <p:spPr>
+            <a:xfrm rot="10800000">
+              <a:off x="3877259" y="3798206"/>
+              <a:ext cx="744583" cy="591669"/>
+            </a:xfrm>
+            <a:prstGeom prst="triangle">
+              <a:avLst/>
+            </a:prstGeom>
+            <a:solidFill>
+              <a:schemeClr val="bg1"/>
+            </a:solidFill>
+            <a:ln>
+              <a:solidFill>
+                <a:schemeClr val="tx1"/>
+              </a:solidFill>
+            </a:ln>
+          </p:spPr>
+          <p:style>
+            <a:lnRef idx="2">
+              <a:schemeClr val="accent1">
+                <a:shade val="50000"/>
+              </a:schemeClr>
+            </a:lnRef>
+            <a:fillRef idx="1">
+              <a:schemeClr val="accent1"/>
+            </a:fillRef>
+            <a:effectRef idx="0">
+              <a:schemeClr val="accent1"/>
+            </a:effectRef>
+            <a:fontRef idx="minor">
+              <a:schemeClr val="lt1"/>
+            </a:fontRef>
+          </p:style>
+          <p:txBody>
+            <a:bodyPr rtlCol="0" anchor="ctr"/>
+            <a:lstStyle/>
+            <a:p>
+              <a:pPr algn="ctr"/>
+              <a:endParaRPr lang="fr-CH"/>
+            </a:p>
+          </p:txBody>
+        </p:sp>
+        <p:cxnSp>
+          <p:nvCxnSpPr>
+            <p:cNvPr id="46" name="Connecteur droit 45"/>
+            <p:cNvCxnSpPr>
+              <a:stCxn id="45" idx="3"/>
+            </p:cNvCxnSpPr>
+            <p:nvPr/>
+          </p:nvCxnSpPr>
+          <p:spPr>
+            <a:xfrm flipH="1">
+              <a:off x="4244653" y="3798206"/>
+              <a:ext cx="4897" cy="1336254"/>
+            </a:xfrm>
+            <a:prstGeom prst="line">
+              <a:avLst/>
+            </a:prstGeom>
+            <a:ln>
+              <a:solidFill>
+                <a:schemeClr val="tx1"/>
+              </a:solidFill>
+            </a:ln>
+          </p:spPr>
+          <p:style>
+            <a:lnRef idx="1">
+              <a:schemeClr val="accent1"/>
+            </a:lnRef>
+            <a:fillRef idx="0">
+              <a:schemeClr val="accent1"/>
+            </a:fillRef>
+            <a:effectRef idx="0">
+              <a:schemeClr val="accent1"/>
+            </a:effectRef>
+            <a:fontRef idx="minor">
+              <a:schemeClr val="tx1"/>
+            </a:fontRef>
+          </p:style>
+        </p:cxnSp>
+        <p:sp>
+          <p:nvSpPr>
+            <p:cNvPr id="47" name="Rectangle 46"/>
+            <p:cNvSpPr/>
+            <p:nvPr/>
+          </p:nvSpPr>
+          <p:spPr>
+            <a:xfrm>
+              <a:off x="3576815" y="2967497"/>
+              <a:ext cx="1345474" cy="834551"/>
+            </a:xfrm>
+            <a:prstGeom prst="rect">
+              <a:avLst/>
+            </a:prstGeom>
+            <a:solidFill>
+              <a:schemeClr val="accent2">
+                <a:lumMod val="40000"/>
+                <a:lumOff val="60000"/>
+              </a:schemeClr>
+            </a:solidFill>
+            <a:ln>
+              <a:solidFill>
+                <a:schemeClr val="tx1"/>
+              </a:solidFill>
+            </a:ln>
+          </p:spPr>
+          <p:style>
+            <a:lnRef idx="2">
+              <a:schemeClr val="accent1">
+                <a:shade val="50000"/>
+              </a:schemeClr>
+            </a:lnRef>
+            <a:fillRef idx="1">
+              <a:schemeClr val="accent1"/>
+            </a:fillRef>
+            <a:effectRef idx="0">
+              <a:schemeClr val="accent1"/>
+            </a:effectRef>
+            <a:fontRef idx="minor">
+              <a:schemeClr val="lt1"/>
+            </a:fontRef>
+          </p:style>
+          <p:txBody>
+            <a:bodyPr rtlCol="0" anchor="ctr"/>
+            <a:lstStyle/>
+            <a:p>
+              <a:pPr algn="ctr"/>
+              <a:endParaRPr lang="fr-CH"/>
+            </a:p>
+          </p:txBody>
+        </p:sp>
+        <p:sp>
+          <p:nvSpPr>
+            <p:cNvPr id="48" name="Ellipse 47"/>
+            <p:cNvSpPr/>
+            <p:nvPr/>
+          </p:nvSpPr>
+          <p:spPr>
+            <a:xfrm>
+              <a:off x="3877259" y="3279534"/>
+              <a:ext cx="169817" cy="169817"/>
+            </a:xfrm>
+            <a:prstGeom prst="ellipse">
+              <a:avLst/>
+            </a:prstGeom>
+            <a:solidFill>
+              <a:schemeClr val="bg1"/>
+            </a:solidFill>
+            <a:ln>
+              <a:solidFill>
+                <a:schemeClr val="tx1"/>
+              </a:solidFill>
+            </a:ln>
+          </p:spPr>
+          <p:style>
+            <a:lnRef idx="2">
+              <a:schemeClr val="accent1">
+                <a:shade val="50000"/>
+              </a:schemeClr>
+            </a:lnRef>
+            <a:fillRef idx="1">
+              <a:schemeClr val="accent1"/>
+            </a:fillRef>
+            <a:effectRef idx="0">
+              <a:schemeClr val="accent1"/>
+            </a:effectRef>
+            <a:fontRef idx="minor">
+              <a:schemeClr val="lt1"/>
+            </a:fontRef>
+          </p:style>
+          <p:txBody>
+            <a:bodyPr rtlCol="0" anchor="ctr"/>
+            <a:lstStyle/>
+            <a:p>
+              <a:pPr algn="ctr"/>
+              <a:endParaRPr lang="fr-CH"/>
+            </a:p>
+          </p:txBody>
+        </p:sp>
+        <p:sp>
+          <p:nvSpPr>
+            <p:cNvPr id="49" name="Ellipse 48"/>
+            <p:cNvSpPr/>
+            <p:nvPr/>
+          </p:nvSpPr>
+          <p:spPr>
+            <a:xfrm>
+              <a:off x="4399774" y="3279533"/>
+              <a:ext cx="169817" cy="169817"/>
+            </a:xfrm>
+            <a:prstGeom prst="ellipse">
+              <a:avLst/>
+            </a:prstGeom>
+            <a:solidFill>
+              <a:schemeClr val="bg1"/>
+            </a:solidFill>
+            <a:ln>
+              <a:solidFill>
+                <a:schemeClr val="tx1"/>
+              </a:solidFill>
+            </a:ln>
+          </p:spPr>
+          <p:style>
+            <a:lnRef idx="2">
+              <a:schemeClr val="accent1">
+                <a:shade val="50000"/>
+              </a:schemeClr>
+            </a:lnRef>
+            <a:fillRef idx="1">
+              <a:schemeClr val="accent1"/>
+            </a:fillRef>
+            <a:effectRef idx="0">
+              <a:schemeClr val="accent1"/>
+            </a:effectRef>
+            <a:fontRef idx="minor">
+              <a:schemeClr val="lt1"/>
+            </a:fontRef>
+          </p:style>
+          <p:txBody>
+            <a:bodyPr rtlCol="0" anchor="ctr"/>
+            <a:lstStyle/>
+            <a:p>
+              <a:pPr algn="ctr"/>
+              <a:endParaRPr lang="fr-CH"/>
+            </a:p>
+          </p:txBody>
+        </p:sp>
+        <p:cxnSp>
+          <p:nvCxnSpPr>
+            <p:cNvPr id="50" name="Connecteur droit 49"/>
+            <p:cNvCxnSpPr/>
+            <p:nvPr/>
+          </p:nvCxnSpPr>
+          <p:spPr>
+            <a:xfrm>
+              <a:off x="4030747" y="3619168"/>
+              <a:ext cx="437607" cy="0"/>
+            </a:xfrm>
+            <a:prstGeom prst="line">
+              <a:avLst/>
+            </a:prstGeom>
+            <a:ln>
+              <a:solidFill>
+                <a:schemeClr val="tx1"/>
+              </a:solidFill>
+            </a:ln>
+          </p:spPr>
+          <p:style>
+            <a:lnRef idx="1">
+              <a:schemeClr val="accent1"/>
+            </a:lnRef>
+            <a:fillRef idx="0">
+              <a:schemeClr val="accent1"/>
+            </a:fillRef>
+            <a:effectRef idx="0">
+              <a:schemeClr val="accent1"/>
+            </a:effectRef>
+            <a:fontRef idx="minor">
+              <a:schemeClr val="tx1"/>
+            </a:fontRef>
+          </p:style>
+        </p:cxnSp>
+        <p:cxnSp>
+          <p:nvCxnSpPr>
+            <p:cNvPr id="51" name="Connecteur droit 50"/>
+            <p:cNvCxnSpPr/>
+            <p:nvPr/>
+          </p:nvCxnSpPr>
+          <p:spPr>
+            <a:xfrm flipV="1">
+              <a:off x="4405909" y="3235141"/>
+              <a:ext cx="142930" cy="44214"/>
+            </a:xfrm>
+            <a:prstGeom prst="line">
+              <a:avLst/>
+            </a:prstGeom>
+            <a:ln/>
+          </p:spPr>
+          <p:style>
+            <a:lnRef idx="3">
+              <a:schemeClr val="dk1"/>
+            </a:lnRef>
+            <a:fillRef idx="0">
+              <a:schemeClr val="dk1"/>
+            </a:fillRef>
+            <a:effectRef idx="2">
+              <a:schemeClr val="dk1"/>
+            </a:effectRef>
+            <a:fontRef idx="minor">
+              <a:schemeClr val="tx1"/>
+            </a:fontRef>
+          </p:style>
+        </p:cxnSp>
+        <p:cxnSp>
+          <p:nvCxnSpPr>
+            <p:cNvPr id="52" name="Connecteur droit 51"/>
+            <p:cNvCxnSpPr/>
+            <p:nvPr/>
+          </p:nvCxnSpPr>
+          <p:spPr>
+            <a:xfrm>
+              <a:off x="3877164" y="3225986"/>
+              <a:ext cx="158125" cy="39900"/>
+            </a:xfrm>
+            <a:prstGeom prst="line">
+              <a:avLst/>
+            </a:prstGeom>
+            <a:ln/>
+          </p:spPr>
+          <p:style>
+            <a:lnRef idx="3">
+              <a:schemeClr val="dk1"/>
+            </a:lnRef>
+            <a:fillRef idx="0">
+              <a:schemeClr val="dk1"/>
+            </a:fillRef>
+            <a:effectRef idx="2">
+              <a:schemeClr val="dk1"/>
+            </a:effectRef>
+            <a:fontRef idx="minor">
+              <a:schemeClr val="tx1"/>
+            </a:fontRef>
+          </p:style>
+        </p:cxnSp>
+        <p:sp>
+          <p:nvSpPr>
+            <p:cNvPr id="53" name="Ellipse 52"/>
+            <p:cNvSpPr/>
+            <p:nvPr/>
+          </p:nvSpPr>
+          <p:spPr>
+            <a:xfrm>
+              <a:off x="4499030" y="3346766"/>
+              <a:ext cx="45719" cy="45719"/>
+            </a:xfrm>
+            <a:prstGeom prst="ellipse">
+              <a:avLst/>
+            </a:prstGeom>
+            <a:solidFill>
+              <a:schemeClr val="tx1"/>
+            </a:solidFill>
+            <a:ln>
+              <a:solidFill>
+                <a:schemeClr val="tx1"/>
+              </a:solidFill>
+            </a:ln>
+          </p:spPr>
+          <p:style>
+            <a:lnRef idx="2">
+              <a:schemeClr val="accent1">
+                <a:shade val="50000"/>
+              </a:schemeClr>
+            </a:lnRef>
+            <a:fillRef idx="1">
+              <a:schemeClr val="accent1"/>
+            </a:fillRef>
+            <a:effectRef idx="0">
+              <a:schemeClr val="accent1"/>
+            </a:effectRef>
+            <a:fontRef idx="minor">
+              <a:schemeClr val="lt1"/>
+            </a:fontRef>
+          </p:style>
+          <p:txBody>
+            <a:bodyPr rtlCol="0" anchor="ctr"/>
+            <a:lstStyle/>
+            <a:p>
+              <a:pPr algn="ctr"/>
+              <a:endParaRPr lang="fr-CH"/>
+            </a:p>
+          </p:txBody>
+        </p:sp>
+        <p:sp>
+          <p:nvSpPr>
+            <p:cNvPr id="54" name="Ellipse 53"/>
+            <p:cNvSpPr/>
+            <p:nvPr/>
+          </p:nvSpPr>
+          <p:spPr>
+            <a:xfrm>
+              <a:off x="3970761" y="3346766"/>
+              <a:ext cx="45719" cy="45719"/>
+            </a:xfrm>
+            <a:prstGeom prst="ellipse">
+              <a:avLst/>
+            </a:prstGeom>
+            <a:solidFill>
+              <a:schemeClr val="tx1"/>
+            </a:solidFill>
+            <a:ln>
+              <a:solidFill>
+                <a:schemeClr val="tx1"/>
+              </a:solidFill>
+            </a:ln>
+          </p:spPr>
+          <p:style>
+            <a:lnRef idx="2">
+              <a:schemeClr val="accent1">
+                <a:shade val="50000"/>
+              </a:schemeClr>
+            </a:lnRef>
+            <a:fillRef idx="1">
+              <a:schemeClr val="accent1"/>
+            </a:fillRef>
+            <a:effectRef idx="0">
+              <a:schemeClr val="accent1"/>
+            </a:effectRef>
+            <a:fontRef idx="minor">
+              <a:schemeClr val="lt1"/>
+            </a:fontRef>
+          </p:style>
+          <p:txBody>
+            <a:bodyPr rtlCol="0" anchor="ctr"/>
+            <a:lstStyle/>
+            <a:p>
+              <a:pPr algn="ctr"/>
+              <a:endParaRPr lang="fr-CH"/>
+            </a:p>
+          </p:txBody>
+        </p:sp>
+        <p:sp>
+          <p:nvSpPr>
+            <p:cNvPr id="55" name="Rectangle 54"/>
+            <p:cNvSpPr/>
+            <p:nvPr/>
+          </p:nvSpPr>
+          <p:spPr>
+            <a:xfrm>
+              <a:off x="3577005" y="5134461"/>
+              <a:ext cx="670552" cy="425694"/>
+            </a:xfrm>
+            <a:prstGeom prst="rect">
+              <a:avLst/>
+            </a:prstGeom>
+            <a:solidFill>
+              <a:schemeClr val="tx1">
+                <a:lumMod val="75000"/>
+                <a:lumOff val="25000"/>
+              </a:schemeClr>
+            </a:solidFill>
+            <a:ln>
+              <a:solidFill>
+                <a:schemeClr val="tx1"/>
+              </a:solidFill>
+            </a:ln>
+          </p:spPr>
+          <p:style>
+            <a:lnRef idx="2">
+              <a:schemeClr val="accent1">
+                <a:shade val="50000"/>
+              </a:schemeClr>
+            </a:lnRef>
+            <a:fillRef idx="1">
+              <a:schemeClr val="accent1"/>
+            </a:fillRef>
+            <a:effectRef idx="0">
+              <a:schemeClr val="accent1"/>
+            </a:effectRef>
+            <a:fontRef idx="minor">
+              <a:schemeClr val="lt1"/>
+            </a:fontRef>
+          </p:style>
+          <p:txBody>
+            <a:bodyPr rtlCol="0" anchor="ctr"/>
+            <a:lstStyle/>
+            <a:p>
+              <a:pPr algn="ctr"/>
+              <a:endParaRPr lang="fr-CH"/>
+            </a:p>
+          </p:txBody>
+        </p:sp>
+        <p:sp>
+          <p:nvSpPr>
+            <p:cNvPr id="56" name="Rectangle 55"/>
+            <p:cNvSpPr/>
+            <p:nvPr/>
+          </p:nvSpPr>
+          <p:spPr>
+            <a:xfrm>
+              <a:off x="4247558" y="5134461"/>
+              <a:ext cx="674732" cy="425694"/>
+            </a:xfrm>
+            <a:prstGeom prst="rect">
+              <a:avLst/>
+            </a:prstGeom>
+            <a:solidFill>
+              <a:schemeClr val="tx1">
+                <a:lumMod val="75000"/>
+                <a:lumOff val="25000"/>
+              </a:schemeClr>
+            </a:solidFill>
+            <a:ln>
+              <a:solidFill>
+                <a:schemeClr val="tx1"/>
+              </a:solidFill>
+            </a:ln>
+          </p:spPr>
+          <p:style>
+            <a:lnRef idx="2">
+              <a:schemeClr val="accent1">
+                <a:shade val="50000"/>
+              </a:schemeClr>
+            </a:lnRef>
+            <a:fillRef idx="1">
+              <a:schemeClr val="accent1"/>
+            </a:fillRef>
+            <a:effectRef idx="0">
+              <a:schemeClr val="accent1"/>
+            </a:effectRef>
+            <a:fontRef idx="minor">
+              <a:schemeClr val="lt1"/>
+            </a:fontRef>
+          </p:style>
+          <p:txBody>
+            <a:bodyPr rtlCol="0" anchor="ctr"/>
+            <a:lstStyle/>
+            <a:p>
+              <a:pPr algn="ctr"/>
+              <a:endParaRPr lang="fr-CH"/>
+            </a:p>
+          </p:txBody>
+        </p:sp>
+        <p:sp>
+          <p:nvSpPr>
+            <p:cNvPr id="57" name="Rectangle 56"/>
+            <p:cNvSpPr/>
+            <p:nvPr/>
+          </p:nvSpPr>
+          <p:spPr>
+            <a:xfrm>
+              <a:off x="3154195" y="3798206"/>
+              <a:ext cx="422622" cy="770710"/>
+            </a:xfrm>
+            <a:prstGeom prst="rect">
+              <a:avLst/>
+            </a:prstGeom>
+            <a:solidFill>
+              <a:schemeClr val="bg1"/>
+            </a:solidFill>
+            <a:ln>
+              <a:solidFill>
+                <a:schemeClr val="tx1"/>
+              </a:solidFill>
+            </a:ln>
+          </p:spPr>
+          <p:style>
+            <a:lnRef idx="2">
+              <a:schemeClr val="accent1">
+                <a:shade val="50000"/>
+              </a:schemeClr>
+            </a:lnRef>
+            <a:fillRef idx="1">
+              <a:schemeClr val="accent1"/>
+            </a:fillRef>
+            <a:effectRef idx="0">
+              <a:schemeClr val="accent1"/>
+            </a:effectRef>
+            <a:fontRef idx="minor">
+              <a:schemeClr val="lt1"/>
+            </a:fontRef>
+          </p:style>
+          <p:txBody>
+            <a:bodyPr rtlCol="0" anchor="ctr"/>
+            <a:lstStyle/>
+            <a:p>
+              <a:pPr algn="ctr"/>
+              <a:endParaRPr lang="fr-CH"/>
+            </a:p>
+          </p:txBody>
+        </p:sp>
+        <p:sp>
+          <p:nvSpPr>
+            <p:cNvPr id="58" name="Rectangle 57"/>
+            <p:cNvSpPr/>
+            <p:nvPr/>
+          </p:nvSpPr>
+          <p:spPr>
+            <a:xfrm>
+              <a:off x="3154195" y="4568915"/>
+              <a:ext cx="422620" cy="268941"/>
+            </a:xfrm>
+            <a:prstGeom prst="rect">
+              <a:avLst/>
+            </a:prstGeom>
+            <a:solidFill>
+              <a:schemeClr val="accent2">
+                <a:lumMod val="40000"/>
+                <a:lumOff val="60000"/>
+              </a:schemeClr>
+            </a:solidFill>
+            <a:ln>
+              <a:solidFill>
+                <a:schemeClr val="tx1"/>
+              </a:solidFill>
+            </a:ln>
+          </p:spPr>
+          <p:style>
+            <a:lnRef idx="2">
+              <a:schemeClr val="accent1">
+                <a:shade val="50000"/>
+              </a:schemeClr>
+            </a:lnRef>
+            <a:fillRef idx="1">
+              <a:schemeClr val="accent1"/>
+            </a:fillRef>
+            <a:effectRef idx="0">
+              <a:schemeClr val="accent1"/>
+            </a:effectRef>
+            <a:fontRef idx="minor">
+              <a:schemeClr val="lt1"/>
+            </a:fontRef>
+          </p:style>
+          <p:txBody>
+            <a:bodyPr rtlCol="0" anchor="ctr"/>
+            <a:lstStyle/>
+            <a:p>
+              <a:pPr algn="ctr"/>
+              <a:endParaRPr lang="fr-CH"/>
+            </a:p>
+          </p:txBody>
+        </p:sp>
+        <p:sp>
+          <p:nvSpPr>
+            <p:cNvPr id="59" name="Rectangle 58"/>
+            <p:cNvSpPr/>
+            <p:nvPr/>
+          </p:nvSpPr>
+          <p:spPr>
+            <a:xfrm rot="15676852">
+              <a:off x="5466627" y="3781337"/>
+              <a:ext cx="422620" cy="268941"/>
+            </a:xfrm>
+            <a:prstGeom prst="rect">
+              <a:avLst/>
+            </a:prstGeom>
+            <a:solidFill>
+              <a:schemeClr val="accent2">
+                <a:lumMod val="40000"/>
+                <a:lumOff val="60000"/>
+              </a:schemeClr>
+            </a:solidFill>
+            <a:ln>
+              <a:solidFill>
+                <a:schemeClr val="tx1"/>
+              </a:solidFill>
+            </a:ln>
+          </p:spPr>
+          <p:style>
+            <a:lnRef idx="2">
+              <a:schemeClr val="accent1">
+                <a:shade val="50000"/>
+              </a:schemeClr>
+            </a:lnRef>
+            <a:fillRef idx="1">
+              <a:schemeClr val="accent1"/>
+            </a:fillRef>
+            <a:effectRef idx="0">
+              <a:schemeClr val="accent1"/>
+            </a:effectRef>
+            <a:fontRef idx="minor">
+              <a:schemeClr val="lt1"/>
+            </a:fontRef>
+          </p:style>
+          <p:txBody>
+            <a:bodyPr rtlCol="0" anchor="ctr"/>
+            <a:lstStyle/>
+            <a:p>
+              <a:pPr algn="ctr"/>
+              <a:endParaRPr lang="fr-CH"/>
+            </a:p>
+          </p:txBody>
+        </p:sp>
+        <p:sp>
+          <p:nvSpPr>
+            <p:cNvPr id="60" name="Ellipse 59"/>
+            <p:cNvSpPr/>
+            <p:nvPr/>
+          </p:nvSpPr>
+          <p:spPr>
+            <a:xfrm>
+              <a:off x="3762471" y="3128679"/>
+              <a:ext cx="405580" cy="405580"/>
+            </a:xfrm>
+            <a:prstGeom prst="ellipse">
+              <a:avLst/>
+            </a:prstGeom>
+            <a:noFill/>
+            <a:ln>
+              <a:solidFill>
+                <a:schemeClr val="tx1"/>
+              </a:solidFill>
+            </a:ln>
+          </p:spPr>
+          <p:style>
+            <a:lnRef idx="2">
+              <a:schemeClr val="accent1">
+                <a:shade val="50000"/>
+              </a:schemeClr>
+            </a:lnRef>
+            <a:fillRef idx="1">
+              <a:schemeClr val="accent1"/>
+            </a:fillRef>
+            <a:effectRef idx="0">
+              <a:schemeClr val="accent1"/>
+            </a:effectRef>
+            <a:fontRef idx="minor">
+              <a:schemeClr val="lt1"/>
+            </a:fontRef>
+          </p:style>
+          <p:txBody>
+            <a:bodyPr rtlCol="0" anchor="ctr"/>
+            <a:lstStyle/>
+            <a:p>
+              <a:pPr algn="ctr"/>
+              <a:endParaRPr lang="fr-CH"/>
+            </a:p>
+          </p:txBody>
+        </p:sp>
+        <p:sp>
+          <p:nvSpPr>
+            <p:cNvPr id="61" name="Ellipse 60"/>
+            <p:cNvSpPr/>
+            <p:nvPr/>
+          </p:nvSpPr>
+          <p:spPr>
+            <a:xfrm>
+              <a:off x="4282839" y="3128679"/>
+              <a:ext cx="405580" cy="405580"/>
+            </a:xfrm>
+            <a:prstGeom prst="ellipse">
+              <a:avLst/>
+            </a:prstGeom>
+            <a:noFill/>
+            <a:ln>
+              <a:solidFill>
+                <a:schemeClr val="tx1"/>
+              </a:solidFill>
+            </a:ln>
+          </p:spPr>
+          <p:style>
+            <a:lnRef idx="2">
+              <a:schemeClr val="accent1">
+                <a:shade val="50000"/>
+              </a:schemeClr>
+            </a:lnRef>
+            <a:fillRef idx="1">
+              <a:schemeClr val="accent1"/>
+            </a:fillRef>
+            <a:effectRef idx="0">
+              <a:schemeClr val="accent1"/>
+            </a:effectRef>
+            <a:fontRef idx="minor">
+              <a:schemeClr val="lt1"/>
+            </a:fontRef>
+          </p:style>
+          <p:txBody>
+            <a:bodyPr rtlCol="0" anchor="ctr"/>
+            <a:lstStyle/>
+            <a:p>
+              <a:pPr algn="ctr"/>
+              <a:endParaRPr lang="fr-CH"/>
+            </a:p>
+          </p:txBody>
+        </p:sp>
+        <p:cxnSp>
+          <p:nvCxnSpPr>
+            <p:cNvPr id="62" name="Connecteur droit 61"/>
+            <p:cNvCxnSpPr>
+              <a:endCxn id="61" idx="2"/>
+            </p:cNvCxnSpPr>
+            <p:nvPr/>
+          </p:nvCxnSpPr>
+          <p:spPr>
+            <a:xfrm>
+              <a:off x="4173036" y="3331469"/>
+              <a:ext cx="109803" cy="0"/>
+            </a:xfrm>
+            <a:prstGeom prst="line">
+              <a:avLst/>
+            </a:prstGeom>
+          </p:spPr>
+          <p:style>
+            <a:lnRef idx="3">
+              <a:schemeClr val="dk1"/>
+            </a:lnRef>
+            <a:fillRef idx="0">
+              <a:schemeClr val="dk1"/>
+            </a:fillRef>
+            <a:effectRef idx="2">
+              <a:schemeClr val="dk1"/>
+            </a:effectRef>
+            <a:fontRef idx="minor">
+              <a:schemeClr val="tx1"/>
+            </a:fontRef>
+          </p:style>
+        </p:cxnSp>
+        <p:cxnSp>
+          <p:nvCxnSpPr>
+            <p:cNvPr id="63" name="Connecteur droit 62"/>
+            <p:cNvCxnSpPr>
+              <a:stCxn id="47" idx="1"/>
+            </p:cNvCxnSpPr>
+            <p:nvPr/>
+          </p:nvCxnSpPr>
+          <p:spPr>
+            <a:xfrm flipV="1">
+              <a:off x="3576815" y="3346782"/>
+              <a:ext cx="185656" cy="37991"/>
+            </a:xfrm>
+            <a:prstGeom prst="line">
+              <a:avLst/>
+            </a:prstGeom>
+          </p:spPr>
+          <p:style>
+            <a:lnRef idx="3">
+              <a:schemeClr val="dk1"/>
+            </a:lnRef>
+            <a:fillRef idx="0">
+              <a:schemeClr val="dk1"/>
+            </a:fillRef>
+            <a:effectRef idx="2">
+              <a:schemeClr val="dk1"/>
+            </a:effectRef>
+            <a:fontRef idx="minor">
+              <a:schemeClr val="tx1"/>
+            </a:fontRef>
+          </p:style>
+        </p:cxnSp>
+        <p:cxnSp>
+          <p:nvCxnSpPr>
+            <p:cNvPr id="64" name="Connecteur droit 63"/>
+            <p:cNvCxnSpPr>
+              <a:endCxn id="47" idx="3"/>
+            </p:cNvCxnSpPr>
+            <p:nvPr/>
+          </p:nvCxnSpPr>
+          <p:spPr>
+            <a:xfrm>
+              <a:off x="4684535" y="3350465"/>
+              <a:ext cx="237754" cy="34308"/>
+            </a:xfrm>
+            <a:prstGeom prst="line">
+              <a:avLst/>
+            </a:prstGeom>
+          </p:spPr>
+          <p:style>
+            <a:lnRef idx="3">
+              <a:schemeClr val="dk1"/>
+            </a:lnRef>
+            <a:fillRef idx="0">
+              <a:schemeClr val="dk1"/>
+            </a:fillRef>
+            <a:effectRef idx="2">
+              <a:schemeClr val="dk1"/>
+            </a:effectRef>
+            <a:fontRef idx="minor">
+              <a:schemeClr val="tx1"/>
+            </a:fontRef>
+          </p:style>
+        </p:cxnSp>
+        <p:sp>
+          <p:nvSpPr>
+            <p:cNvPr id="65" name="Organigramme : Délai 64"/>
+            <p:cNvSpPr/>
+            <p:nvPr/>
+          </p:nvSpPr>
+          <p:spPr>
+            <a:xfrm rot="16200000">
+              <a:off x="3955734" y="2160796"/>
+              <a:ext cx="591236" cy="1349068"/>
+            </a:xfrm>
+            <a:prstGeom prst="flowChartDelay">
+              <a:avLst/>
+            </a:prstGeom>
+            <a:ln>
+              <a:solidFill>
+                <a:schemeClr val="tx1"/>
+              </a:solidFill>
+            </a:ln>
+          </p:spPr>
+          <p:style>
+            <a:lnRef idx="2">
+              <a:schemeClr val="accent4">
+                <a:shade val="50000"/>
+              </a:schemeClr>
+            </a:lnRef>
+            <a:fillRef idx="1">
+              <a:schemeClr val="accent4"/>
+            </a:fillRef>
+            <a:effectRef idx="0">
+              <a:schemeClr val="accent4"/>
+            </a:effectRef>
+            <a:fontRef idx="minor">
+              <a:schemeClr val="lt1"/>
+            </a:fontRef>
+          </p:style>
+          <p:txBody>
+            <a:bodyPr rtlCol="0" anchor="ctr"/>
+            <a:lstStyle/>
+            <a:p>
+              <a:pPr algn="ctr"/>
+              <a:endParaRPr lang="fr-CH"/>
+            </a:p>
+          </p:txBody>
+        </p:sp>
+        <p:sp>
+          <p:nvSpPr>
+            <p:cNvPr id="66" name="Organigramme : Délai 65"/>
+            <p:cNvSpPr/>
+            <p:nvPr/>
+          </p:nvSpPr>
+          <p:spPr>
+            <a:xfrm rot="16200000">
+              <a:off x="3946739" y="2584274"/>
+              <a:ext cx="611555" cy="474602"/>
+            </a:xfrm>
+            <a:prstGeom prst="flowChartDelay">
+              <a:avLst/>
+            </a:prstGeom>
+            <a:ln>
+              <a:solidFill>
+                <a:schemeClr val="tx1"/>
+              </a:solidFill>
+            </a:ln>
+          </p:spPr>
+          <p:style>
+            <a:lnRef idx="2">
+              <a:schemeClr val="accent4">
+                <a:shade val="50000"/>
+              </a:schemeClr>
+            </a:lnRef>
+            <a:fillRef idx="1">
+              <a:schemeClr val="accent4"/>
+            </a:fillRef>
+            <a:effectRef idx="0">
+              <a:schemeClr val="accent4"/>
+            </a:effectRef>
+            <a:fontRef idx="minor">
+              <a:schemeClr val="lt1"/>
+            </a:fontRef>
+          </p:style>
+          <p:txBody>
+            <a:bodyPr rtlCol="0" anchor="ctr"/>
+            <a:lstStyle/>
+            <a:p>
+              <a:pPr algn="ctr"/>
+              <a:endParaRPr lang="fr-CH"/>
+            </a:p>
+          </p:txBody>
+        </p:sp>
+      </p:grpSp>
+      <p:grpSp>
+        <p:nvGrpSpPr>
+          <p:cNvPr id="71" name="Groupe 70"/>
+          <p:cNvGrpSpPr/>
+          <p:nvPr/>
+        </p:nvGrpSpPr>
+        <p:grpSpPr>
+          <a:xfrm rot="576901">
+            <a:off x="2223834" y="2482304"/>
+            <a:ext cx="1080633" cy="2060596"/>
+            <a:chOff x="2709213" y="1766950"/>
+            <a:chExt cx="1080633" cy="2060596"/>
+          </a:xfrm>
+        </p:grpSpPr>
+        <p:sp>
+          <p:nvSpPr>
+            <p:cNvPr id="72" name="Rectangle 71"/>
+            <p:cNvSpPr/>
+            <p:nvPr/>
+          </p:nvSpPr>
+          <p:spPr>
+            <a:xfrm rot="21008106">
+              <a:off x="3408875" y="2816647"/>
+              <a:ext cx="95450" cy="1010899"/>
+            </a:xfrm>
+            <a:prstGeom prst="rect">
+              <a:avLst/>
+            </a:prstGeom>
+            <a:solidFill>
+              <a:schemeClr val="accent2">
+                <a:lumMod val="50000"/>
+              </a:schemeClr>
+            </a:solidFill>
+            <a:ln>
+              <a:solidFill>
+                <a:schemeClr val="tx1"/>
+              </a:solidFill>
+            </a:ln>
+          </p:spPr>
+          <p:style>
+            <a:lnRef idx="2">
+              <a:schemeClr val="accent1">
+                <a:shade val="50000"/>
+              </a:schemeClr>
+            </a:lnRef>
+            <a:fillRef idx="1">
+              <a:schemeClr val="accent1"/>
+            </a:fillRef>
+            <a:effectRef idx="0">
+              <a:schemeClr val="accent1"/>
+            </a:effectRef>
+            <a:fontRef idx="minor">
+              <a:schemeClr val="lt1"/>
+            </a:fontRef>
+          </p:style>
+          <p:txBody>
+            <a:bodyPr rtlCol="0" anchor="ctr"/>
+            <a:lstStyle/>
+            <a:p>
+              <a:pPr algn="ctr"/>
+              <a:endParaRPr lang="fr-CH"/>
+            </a:p>
+          </p:txBody>
+        </p:sp>
+        <p:sp>
+          <p:nvSpPr>
+            <p:cNvPr id="73" name="Rectangle 72"/>
+            <p:cNvSpPr/>
+            <p:nvPr/>
+          </p:nvSpPr>
+          <p:spPr>
+            <a:xfrm rot="21024899">
+              <a:off x="2709213" y="1766950"/>
+              <a:ext cx="1080633" cy="1083029"/>
+            </a:xfrm>
+            <a:prstGeom prst="rect">
+              <a:avLst/>
+            </a:prstGeom>
+            <a:solidFill>
+              <a:schemeClr val="bg1"/>
+            </a:solidFill>
+            <a:ln>
+              <a:solidFill>
+                <a:schemeClr val="tx1"/>
+              </a:solidFill>
+            </a:ln>
+          </p:spPr>
+          <p:style>
+            <a:lnRef idx="2">
+              <a:schemeClr val="accent1">
+                <a:shade val="50000"/>
+              </a:schemeClr>
+            </a:lnRef>
+            <a:fillRef idx="1">
+              <a:schemeClr val="accent1"/>
+            </a:fillRef>
+            <a:effectRef idx="0">
+              <a:schemeClr val="accent1"/>
+            </a:effectRef>
+            <a:fontRef idx="minor">
+              <a:schemeClr val="lt1"/>
+            </a:fontRef>
+          </p:style>
+          <p:txBody>
+            <a:bodyPr rtlCol="0" anchor="ctr"/>
+            <a:lstStyle/>
+            <a:p>
+              <a:pPr algn="ctr"/>
+              <a:r>
+                <a:rPr lang="fr-CH" sz="2000" b="1" dirty="0" err="1" smtClean="0">
+                  <a:solidFill>
+                    <a:schemeClr val="tx1"/>
+                  </a:solidFill>
+                </a:rPr>
+                <a:t>CellSize</a:t>
+              </a:r>
+              <a:endParaRPr lang="fr-CH" sz="2000" b="1" dirty="0">
+                <a:solidFill>
+                  <a:schemeClr val="tx1"/>
+                </a:solidFill>
+              </a:endParaRPr>
+            </a:p>
+            <a:p>
+              <a:pPr algn="ctr"/>
+              <a:r>
+                <a:rPr lang="fr-CH" sz="2000" b="1" dirty="0">
+                  <a:solidFill>
+                    <a:schemeClr val="tx1"/>
+                  </a:solidFill>
+                </a:rPr>
+                <a:t>4</a:t>
+              </a:r>
+            </a:p>
+          </p:txBody>
+        </p:sp>
+      </p:grpSp>
+      <p:sp>
+        <p:nvSpPr>
+          <p:cNvPr id="74" name="Rectangle 73"/>
+          <p:cNvSpPr/>
+          <p:nvPr/>
+        </p:nvSpPr>
+        <p:spPr>
+          <a:xfrm>
+            <a:off x="4709887" y="3791431"/>
+            <a:ext cx="1251046" cy="685381"/>
+          </a:xfrm>
+          <a:prstGeom prst="rect">
+            <a:avLst/>
+          </a:prstGeom>
+          <a:solidFill>
+            <a:schemeClr val="accent6">
+              <a:lumMod val="50000"/>
+            </a:schemeClr>
+          </a:solidFill>
+          <a:ln>
+            <a:noFill/>
+          </a:ln>
+        </p:spPr>
+        <p:style>
+          <a:lnRef idx="2">
+            <a:schemeClr val="accent3">
+              <a:shade val="50000"/>
+            </a:schemeClr>
+          </a:lnRef>
+          <a:fillRef idx="1">
+            <a:schemeClr val="accent3"/>
+          </a:fillRef>
+          <a:effectRef idx="0">
+            <a:schemeClr val="accent3"/>
+          </a:effectRef>
+          <a:fontRef idx="minor">
+            <a:schemeClr val="lt1"/>
+          </a:fontRef>
+        </p:style>
+        <p:txBody>
+          <a:bodyPr rtlCol="0" anchor="ctr"/>
+          <a:lstStyle/>
+          <a:p>
+            <a:pPr algn="ctr"/>
+            <a:r>
+              <a:rPr lang="fr-CH" dirty="0" smtClean="0"/>
+              <a:t>Pathfinding</a:t>
+            </a:r>
+            <a:endParaRPr lang="fr-CH" dirty="0"/>
+          </a:p>
+        </p:txBody>
+      </p:sp>
+      <p:sp>
+        <p:nvSpPr>
+          <p:cNvPr id="75" name="Rectangle 74"/>
+          <p:cNvSpPr/>
+          <p:nvPr/>
+        </p:nvSpPr>
+        <p:spPr>
+          <a:xfrm>
+            <a:off x="955005" y="4152051"/>
+            <a:ext cx="1177466" cy="685381"/>
+          </a:xfrm>
+          <a:prstGeom prst="rect">
+            <a:avLst/>
+          </a:prstGeom>
+          <a:solidFill>
+            <a:schemeClr val="bg1"/>
+          </a:solidFill>
+          <a:ln>
+            <a:noFill/>
+          </a:ln>
+        </p:spPr>
+        <p:style>
+          <a:lnRef idx="2">
+            <a:schemeClr val="accent3">
+              <a:shade val="50000"/>
+            </a:schemeClr>
+          </a:lnRef>
+          <a:fillRef idx="1">
+            <a:schemeClr val="accent3"/>
+          </a:fillRef>
+          <a:effectRef idx="0">
+            <a:schemeClr val="accent3"/>
+          </a:effectRef>
+          <a:fontRef idx="minor">
+            <a:schemeClr val="lt1"/>
+          </a:fontRef>
+        </p:style>
+        <p:txBody>
+          <a:bodyPr rtlCol="0" anchor="ctr"/>
+          <a:lstStyle/>
+          <a:p>
+            <a:pPr algn="ctr"/>
+            <a:r>
+              <a:rPr lang="fr-CH" dirty="0" smtClean="0">
+                <a:solidFill>
+                  <a:schemeClr val="tx1"/>
+                </a:solidFill>
+              </a:rPr>
+              <a:t>Obstacles</a:t>
+            </a:r>
+            <a:endParaRPr lang="fr-CH" dirty="0">
+              <a:solidFill>
+                <a:schemeClr val="tx1"/>
+              </a:solidFill>
+            </a:endParaRPr>
+          </a:p>
+        </p:txBody>
+      </p:sp>
+      <p:sp>
+        <p:nvSpPr>
+          <p:cNvPr id="76" name="Rectangle 75"/>
+          <p:cNvSpPr/>
+          <p:nvPr/>
+        </p:nvSpPr>
+        <p:spPr>
+          <a:xfrm rot="806637">
+            <a:off x="8798951" y="2827961"/>
+            <a:ext cx="95450" cy="1010899"/>
+          </a:xfrm>
+          <a:prstGeom prst="rect">
+            <a:avLst/>
+          </a:prstGeom>
+          <a:solidFill>
+            <a:schemeClr val="accent2">
+              <a:lumMod val="50000"/>
+            </a:schemeClr>
+          </a:solidFill>
+          <a:ln>
+            <a:solidFill>
+              <a:schemeClr val="tx1"/>
+            </a:solidFill>
+          </a:ln>
+        </p:spPr>
+        <p:style>
+          <a:lnRef idx="2">
+            <a:schemeClr val="accent1">
+              <a:shade val="50000"/>
+            </a:schemeClr>
+          </a:lnRef>
+          <a:fillRef idx="1">
+            <a:schemeClr val="accent1"/>
+          </a:fillRef>
+          <a:effectRef idx="0">
+            <a:schemeClr val="accent1"/>
+          </a:effectRef>
+          <a:fontRef idx="minor">
+            <a:schemeClr val="lt1"/>
+          </a:fontRef>
+        </p:style>
+        <p:txBody>
+          <a:bodyPr rtlCol="0" anchor="ctr"/>
+          <a:lstStyle/>
+          <a:p>
+            <a:pPr algn="ctr"/>
+            <a:endParaRPr lang="fr-CH"/>
+          </a:p>
+        </p:txBody>
+      </p:sp>
+      <p:sp>
+        <p:nvSpPr>
+          <p:cNvPr id="77" name="Rectangle 76"/>
+          <p:cNvSpPr/>
+          <p:nvPr/>
+        </p:nvSpPr>
+        <p:spPr>
+          <a:xfrm rot="6220825">
+            <a:off x="9069392" y="3245712"/>
+            <a:ext cx="422622" cy="770710"/>
+          </a:xfrm>
+          <a:prstGeom prst="rect">
+            <a:avLst/>
+          </a:prstGeom>
+          <a:solidFill>
+            <a:schemeClr val="accent1">
+              <a:lumMod val="50000"/>
+            </a:schemeClr>
+          </a:solidFill>
+        </p:spPr>
+        <p:style>
+          <a:lnRef idx="2">
+            <a:schemeClr val="accent1">
+              <a:shade val="50000"/>
+            </a:schemeClr>
+          </a:lnRef>
+          <a:fillRef idx="1">
+            <a:schemeClr val="accent1"/>
+          </a:fillRef>
+          <a:effectRef idx="0">
+            <a:schemeClr val="accent1"/>
+          </a:effectRef>
+          <a:fontRef idx="minor">
+            <a:schemeClr val="lt1"/>
+          </a:fontRef>
+        </p:style>
+        <p:txBody>
+          <a:bodyPr rtlCol="0" anchor="ctr"/>
+          <a:lstStyle/>
+          <a:p>
+            <a:pPr algn="ctr"/>
+            <a:endParaRPr lang="fr-CH"/>
+          </a:p>
+        </p:txBody>
+      </p:sp>
+      <p:sp>
+        <p:nvSpPr>
+          <p:cNvPr id="78" name="Rectangle 77"/>
+          <p:cNvSpPr/>
+          <p:nvPr/>
+        </p:nvSpPr>
+        <p:spPr>
+          <a:xfrm>
+            <a:off x="9508992" y="3520825"/>
+            <a:ext cx="1345474" cy="1332412"/>
+          </a:xfrm>
+          <a:prstGeom prst="rect">
+            <a:avLst/>
+          </a:prstGeom>
+          <a:solidFill>
+            <a:schemeClr val="accent1">
+              <a:lumMod val="50000"/>
+            </a:schemeClr>
+          </a:solidFill>
+          <a:ln>
+            <a:solidFill>
+              <a:schemeClr val="tx1"/>
+            </a:solidFill>
+          </a:ln>
+        </p:spPr>
+        <p:style>
+          <a:lnRef idx="2">
+            <a:schemeClr val="accent1">
+              <a:shade val="50000"/>
+            </a:schemeClr>
+          </a:lnRef>
+          <a:fillRef idx="1">
+            <a:schemeClr val="accent1"/>
+          </a:fillRef>
+          <a:effectRef idx="0">
+            <a:schemeClr val="accent1"/>
+          </a:effectRef>
+          <a:fontRef idx="minor">
+            <a:schemeClr val="lt1"/>
+          </a:fontRef>
+        </p:style>
+        <p:txBody>
+          <a:bodyPr rtlCol="0" anchor="ctr"/>
+          <a:lstStyle/>
+          <a:p>
+            <a:pPr algn="ctr"/>
+            <a:endParaRPr lang="fr-CH"/>
+          </a:p>
+        </p:txBody>
+      </p:sp>
+      <p:sp>
+        <p:nvSpPr>
+          <p:cNvPr id="79" name="Triangle isocèle 78"/>
+          <p:cNvSpPr/>
+          <p:nvPr/>
+        </p:nvSpPr>
+        <p:spPr>
+          <a:xfrm rot="10800000">
+            <a:off x="9805268" y="3520824"/>
+            <a:ext cx="748752" cy="555312"/>
+          </a:xfrm>
+          <a:prstGeom prst="triangle">
+            <a:avLst/>
+          </a:prstGeom>
+          <a:solidFill>
+            <a:schemeClr val="bg1"/>
+          </a:solidFill>
+        </p:spPr>
+        <p:style>
+          <a:lnRef idx="2">
+            <a:schemeClr val="accent1">
+              <a:shade val="50000"/>
+            </a:schemeClr>
+          </a:lnRef>
+          <a:fillRef idx="1">
+            <a:schemeClr val="accent1"/>
+          </a:fillRef>
+          <a:effectRef idx="0">
+            <a:schemeClr val="accent1"/>
+          </a:effectRef>
+          <a:fontRef idx="minor">
+            <a:schemeClr val="lt1"/>
+          </a:fontRef>
+        </p:style>
+        <p:txBody>
+          <a:bodyPr rtlCol="0" anchor="ctr"/>
+          <a:lstStyle/>
+          <a:p>
+            <a:pPr algn="ctr"/>
+            <a:endParaRPr lang="fr-CH"/>
+          </a:p>
+        </p:txBody>
+      </p:sp>
+      <p:sp>
+        <p:nvSpPr>
+          <p:cNvPr id="80" name="Losange 79"/>
+          <p:cNvSpPr/>
+          <p:nvPr/>
+        </p:nvSpPr>
+        <p:spPr>
+          <a:xfrm>
+            <a:off x="10057631" y="3520824"/>
+            <a:ext cx="235132" cy="352697"/>
+          </a:xfrm>
+          <a:prstGeom prst="diamond">
+            <a:avLst/>
+          </a:prstGeom>
+          <a:solidFill>
+            <a:srgbClr val="C00000"/>
+          </a:solidFill>
+          <a:ln>
+            <a:solidFill>
+              <a:schemeClr val="tx1"/>
+            </a:solidFill>
+          </a:ln>
+        </p:spPr>
+        <p:style>
+          <a:lnRef idx="2">
+            <a:schemeClr val="accent1">
+              <a:shade val="50000"/>
+            </a:schemeClr>
+          </a:lnRef>
+          <a:fillRef idx="1">
+            <a:schemeClr val="accent1"/>
+          </a:fillRef>
+          <a:effectRef idx="0">
+            <a:schemeClr val="accent1"/>
+          </a:effectRef>
+          <a:fontRef idx="minor">
+            <a:schemeClr val="lt1"/>
+          </a:fontRef>
+        </p:style>
+        <p:txBody>
+          <a:bodyPr rtlCol="0" anchor="ctr"/>
+          <a:lstStyle/>
+          <a:p>
+            <a:pPr algn="ctr"/>
+            <a:endParaRPr lang="fr-CH"/>
+          </a:p>
+        </p:txBody>
+      </p:sp>
+      <p:cxnSp>
+        <p:nvCxnSpPr>
+          <p:cNvPr id="81" name="Connecteur droit 80"/>
+          <p:cNvCxnSpPr/>
+          <p:nvPr/>
+        </p:nvCxnSpPr>
+        <p:spPr>
+          <a:xfrm>
+            <a:off x="10171931" y="3873521"/>
+            <a:ext cx="0" cy="979716"/>
+          </a:xfrm>
+          <a:prstGeom prst="line">
+            <a:avLst/>
+          </a:prstGeom>
+          <a:ln>
+            <a:solidFill>
+              <a:schemeClr val="tx1"/>
+            </a:solidFill>
+          </a:ln>
+        </p:spPr>
+        <p:style>
+          <a:lnRef idx="1">
+            <a:schemeClr val="accent1"/>
+          </a:lnRef>
+          <a:fillRef idx="0">
+            <a:schemeClr val="accent1"/>
+          </a:fillRef>
+          <a:effectRef idx="0">
+            <a:schemeClr val="accent1"/>
+          </a:effectRef>
+          <a:fontRef idx="minor">
+            <a:schemeClr val="tx1"/>
+          </a:fontRef>
+        </p:style>
+      </p:cxnSp>
+      <p:sp>
+        <p:nvSpPr>
+          <p:cNvPr id="82" name="Rectangle 81"/>
+          <p:cNvSpPr/>
+          <p:nvPr/>
+        </p:nvSpPr>
+        <p:spPr>
+          <a:xfrm>
+            <a:off x="9508992" y="2686273"/>
+            <a:ext cx="1345474" cy="834551"/>
+          </a:xfrm>
+          <a:prstGeom prst="rect">
+            <a:avLst/>
+          </a:prstGeom>
+          <a:solidFill>
+            <a:schemeClr val="accent2">
+              <a:lumMod val="40000"/>
+              <a:lumOff val="60000"/>
+            </a:schemeClr>
+          </a:solidFill>
+          <a:ln>
+            <a:solidFill>
+              <a:schemeClr val="tx1"/>
+            </a:solidFill>
+          </a:ln>
+        </p:spPr>
+        <p:style>
+          <a:lnRef idx="2">
+            <a:schemeClr val="accent1">
+              <a:shade val="50000"/>
+            </a:schemeClr>
+          </a:lnRef>
+          <a:fillRef idx="1">
+            <a:schemeClr val="accent1"/>
+          </a:fillRef>
+          <a:effectRef idx="0">
+            <a:schemeClr val="accent1"/>
+          </a:effectRef>
+          <a:fontRef idx="minor">
+            <a:schemeClr val="lt1"/>
+          </a:fontRef>
+        </p:style>
+        <p:txBody>
+          <a:bodyPr rtlCol="0" anchor="ctr"/>
+          <a:lstStyle/>
+          <a:p>
+            <a:pPr algn="ctr"/>
+            <a:endParaRPr lang="fr-CH"/>
+          </a:p>
+        </p:txBody>
+      </p:sp>
+      <p:sp>
+        <p:nvSpPr>
+          <p:cNvPr id="83" name="Ellipse 82"/>
+          <p:cNvSpPr/>
+          <p:nvPr/>
+        </p:nvSpPr>
+        <p:spPr>
+          <a:xfrm>
+            <a:off x="9809436" y="2998310"/>
+            <a:ext cx="169817" cy="169817"/>
+          </a:xfrm>
+          <a:prstGeom prst="ellipse">
+            <a:avLst/>
+          </a:prstGeom>
+          <a:solidFill>
+            <a:schemeClr val="bg1"/>
+          </a:solidFill>
+          <a:ln>
+            <a:solidFill>
+              <a:schemeClr val="tx1"/>
+            </a:solidFill>
+          </a:ln>
+        </p:spPr>
+        <p:style>
+          <a:lnRef idx="2">
+            <a:schemeClr val="accent1">
+              <a:shade val="50000"/>
+            </a:schemeClr>
+          </a:lnRef>
+          <a:fillRef idx="1">
+            <a:schemeClr val="accent1"/>
+          </a:fillRef>
+          <a:effectRef idx="0">
+            <a:schemeClr val="accent1"/>
+          </a:effectRef>
+          <a:fontRef idx="minor">
+            <a:schemeClr val="lt1"/>
+          </a:fontRef>
+        </p:style>
+        <p:txBody>
+          <a:bodyPr rtlCol="0" anchor="ctr"/>
+          <a:lstStyle/>
+          <a:p>
+            <a:pPr algn="ctr"/>
+            <a:endParaRPr lang="fr-CH"/>
+          </a:p>
+        </p:txBody>
+      </p:sp>
+      <p:sp>
+        <p:nvSpPr>
+          <p:cNvPr id="84" name="Ellipse 83"/>
+          <p:cNvSpPr/>
+          <p:nvPr/>
+        </p:nvSpPr>
+        <p:spPr>
+          <a:xfrm>
+            <a:off x="10331951" y="2998309"/>
+            <a:ext cx="169817" cy="169817"/>
+          </a:xfrm>
+          <a:prstGeom prst="ellipse">
+            <a:avLst/>
+          </a:prstGeom>
+          <a:solidFill>
+            <a:schemeClr val="bg1"/>
+          </a:solidFill>
+          <a:ln>
+            <a:solidFill>
+              <a:schemeClr val="tx1"/>
+            </a:solidFill>
+          </a:ln>
+        </p:spPr>
+        <p:style>
+          <a:lnRef idx="2">
+            <a:schemeClr val="accent1">
+              <a:shade val="50000"/>
+            </a:schemeClr>
+          </a:lnRef>
+          <a:fillRef idx="1">
+            <a:schemeClr val="accent1"/>
+          </a:fillRef>
+          <a:effectRef idx="0">
+            <a:schemeClr val="accent1"/>
+          </a:effectRef>
+          <a:fontRef idx="minor">
+            <a:schemeClr val="lt1"/>
+          </a:fontRef>
+        </p:style>
+        <p:txBody>
+          <a:bodyPr rtlCol="0" anchor="ctr"/>
+          <a:lstStyle/>
+          <a:p>
+            <a:pPr algn="ctr"/>
+            <a:endParaRPr lang="fr-CH"/>
+          </a:p>
+        </p:txBody>
+      </p:sp>
+      <p:cxnSp>
+        <p:nvCxnSpPr>
+          <p:cNvPr id="85" name="Connecteur droit 84"/>
+          <p:cNvCxnSpPr/>
+          <p:nvPr/>
+        </p:nvCxnSpPr>
+        <p:spPr>
+          <a:xfrm>
+            <a:off x="9962924" y="3337944"/>
+            <a:ext cx="437607" cy="0"/>
+          </a:xfrm>
+          <a:prstGeom prst="line">
+            <a:avLst/>
+          </a:prstGeom>
+          <a:ln>
+            <a:solidFill>
+              <a:schemeClr val="tx1"/>
+            </a:solidFill>
+          </a:ln>
+        </p:spPr>
+        <p:style>
+          <a:lnRef idx="1">
+            <a:schemeClr val="accent1"/>
+          </a:lnRef>
+          <a:fillRef idx="0">
+            <a:schemeClr val="accent1"/>
+          </a:fillRef>
+          <a:effectRef idx="0">
+            <a:schemeClr val="accent1"/>
+          </a:effectRef>
+          <a:fontRef idx="minor">
+            <a:schemeClr val="tx1"/>
+          </a:fontRef>
+        </p:style>
+      </p:cxnSp>
+      <p:sp>
+        <p:nvSpPr>
+          <p:cNvPr id="86" name="Ellipse 85"/>
+          <p:cNvSpPr/>
+          <p:nvPr/>
+        </p:nvSpPr>
+        <p:spPr>
+          <a:xfrm>
+            <a:off x="10354812" y="3057829"/>
+            <a:ext cx="45719" cy="45719"/>
+          </a:xfrm>
+          <a:prstGeom prst="ellipse">
+            <a:avLst/>
+          </a:prstGeom>
+          <a:solidFill>
+            <a:schemeClr val="tx1"/>
+          </a:solidFill>
+          <a:ln>
+            <a:solidFill>
+              <a:schemeClr val="tx1"/>
+            </a:solidFill>
+          </a:ln>
+        </p:spPr>
+        <p:style>
+          <a:lnRef idx="2">
+            <a:schemeClr val="accent1">
+              <a:shade val="50000"/>
+            </a:schemeClr>
+          </a:lnRef>
+          <a:fillRef idx="1">
+            <a:schemeClr val="accent1"/>
+          </a:fillRef>
+          <a:effectRef idx="0">
+            <a:schemeClr val="accent1"/>
+          </a:effectRef>
+          <a:fontRef idx="minor">
+            <a:schemeClr val="lt1"/>
+          </a:fontRef>
+        </p:style>
+        <p:txBody>
+          <a:bodyPr rtlCol="0" anchor="ctr"/>
+          <a:lstStyle/>
+          <a:p>
+            <a:pPr algn="ctr"/>
+            <a:endParaRPr lang="fr-CH"/>
+          </a:p>
+        </p:txBody>
+      </p:sp>
+      <p:sp>
+        <p:nvSpPr>
+          <p:cNvPr id="87" name="Ellipse 86"/>
+          <p:cNvSpPr/>
+          <p:nvPr/>
+        </p:nvSpPr>
+        <p:spPr>
+          <a:xfrm>
+            <a:off x="9844458" y="3057829"/>
+            <a:ext cx="45719" cy="45719"/>
+          </a:xfrm>
+          <a:prstGeom prst="ellipse">
+            <a:avLst/>
+          </a:prstGeom>
+          <a:solidFill>
+            <a:schemeClr val="tx1"/>
+          </a:solidFill>
+          <a:ln>
+            <a:solidFill>
+              <a:schemeClr val="tx1"/>
+            </a:solidFill>
+          </a:ln>
+        </p:spPr>
+        <p:style>
+          <a:lnRef idx="2">
+            <a:schemeClr val="accent1">
+              <a:shade val="50000"/>
+            </a:schemeClr>
+          </a:lnRef>
+          <a:fillRef idx="1">
+            <a:schemeClr val="accent1"/>
+          </a:fillRef>
+          <a:effectRef idx="0">
+            <a:schemeClr val="accent1"/>
+          </a:effectRef>
+          <a:fontRef idx="minor">
+            <a:schemeClr val="lt1"/>
+          </a:fontRef>
+        </p:style>
+        <p:txBody>
+          <a:bodyPr rtlCol="0" anchor="ctr"/>
+          <a:lstStyle/>
+          <a:p>
+            <a:pPr algn="ctr"/>
+            <a:endParaRPr lang="fr-CH"/>
+          </a:p>
+        </p:txBody>
+      </p:sp>
+      <p:sp>
+        <p:nvSpPr>
+          <p:cNvPr id="88" name="Rectangle 87"/>
+          <p:cNvSpPr/>
+          <p:nvPr/>
+        </p:nvSpPr>
+        <p:spPr>
+          <a:xfrm>
+            <a:off x="9509182" y="4853237"/>
+            <a:ext cx="670552" cy="425694"/>
+          </a:xfrm>
+          <a:prstGeom prst="rect">
+            <a:avLst/>
+          </a:prstGeom>
+          <a:solidFill>
+            <a:schemeClr val="accent2">
+              <a:lumMod val="50000"/>
+            </a:schemeClr>
+          </a:solidFill>
+          <a:ln>
+            <a:solidFill>
+              <a:schemeClr val="tx1"/>
+            </a:solidFill>
+          </a:ln>
+        </p:spPr>
+        <p:style>
+          <a:lnRef idx="2">
+            <a:schemeClr val="accent1">
+              <a:shade val="50000"/>
+            </a:schemeClr>
+          </a:lnRef>
+          <a:fillRef idx="1">
+            <a:schemeClr val="accent1"/>
+          </a:fillRef>
+          <a:effectRef idx="0">
+            <a:schemeClr val="accent1"/>
+          </a:effectRef>
+          <a:fontRef idx="minor">
+            <a:schemeClr val="lt1"/>
+          </a:fontRef>
+        </p:style>
+        <p:txBody>
+          <a:bodyPr rtlCol="0" anchor="ctr"/>
+          <a:lstStyle/>
+          <a:p>
+            <a:pPr algn="ctr"/>
+            <a:endParaRPr lang="fr-CH"/>
+          </a:p>
+        </p:txBody>
+      </p:sp>
+      <p:sp>
+        <p:nvSpPr>
+          <p:cNvPr id="89" name="Rectangle 88"/>
+          <p:cNvSpPr/>
+          <p:nvPr/>
+        </p:nvSpPr>
+        <p:spPr>
+          <a:xfrm>
+            <a:off x="10179735" y="4853237"/>
+            <a:ext cx="674732" cy="425694"/>
+          </a:xfrm>
+          <a:prstGeom prst="rect">
+            <a:avLst/>
+          </a:prstGeom>
+          <a:solidFill>
+            <a:schemeClr val="accent2">
+              <a:lumMod val="50000"/>
+            </a:schemeClr>
+          </a:solidFill>
+          <a:ln>
+            <a:solidFill>
+              <a:schemeClr val="tx1"/>
+            </a:solidFill>
+          </a:ln>
+        </p:spPr>
+        <p:style>
+          <a:lnRef idx="2">
+            <a:schemeClr val="accent1">
+              <a:shade val="50000"/>
+            </a:schemeClr>
+          </a:lnRef>
+          <a:fillRef idx="1">
+            <a:schemeClr val="accent1"/>
+          </a:fillRef>
+          <a:effectRef idx="0">
+            <a:schemeClr val="accent1"/>
+          </a:effectRef>
+          <a:fontRef idx="minor">
+            <a:schemeClr val="lt1"/>
+          </a:fontRef>
+        </p:style>
+        <p:txBody>
+          <a:bodyPr rtlCol="0" anchor="ctr"/>
+          <a:lstStyle/>
+          <a:p>
+            <a:pPr algn="ctr"/>
+            <a:endParaRPr lang="fr-CH"/>
+          </a:p>
+        </p:txBody>
+      </p:sp>
+      <p:sp>
+        <p:nvSpPr>
+          <p:cNvPr id="90" name="Rectangle 89"/>
+          <p:cNvSpPr/>
+          <p:nvPr/>
+        </p:nvSpPr>
+        <p:spPr>
+          <a:xfrm>
+            <a:off x="10854464" y="3538499"/>
+            <a:ext cx="422622" cy="749192"/>
+          </a:xfrm>
+          <a:prstGeom prst="rect">
+            <a:avLst/>
+          </a:prstGeom>
+          <a:solidFill>
+            <a:schemeClr val="accent1">
+              <a:lumMod val="50000"/>
+            </a:schemeClr>
+          </a:solidFill>
+        </p:spPr>
+        <p:style>
+          <a:lnRef idx="2">
+            <a:schemeClr val="accent1">
+              <a:shade val="50000"/>
+            </a:schemeClr>
+          </a:lnRef>
+          <a:fillRef idx="1">
+            <a:schemeClr val="accent1"/>
+          </a:fillRef>
+          <a:effectRef idx="0">
+            <a:schemeClr val="accent1"/>
+          </a:effectRef>
+          <a:fontRef idx="minor">
+            <a:schemeClr val="lt1"/>
+          </a:fontRef>
+        </p:style>
+        <p:txBody>
+          <a:bodyPr rtlCol="0" anchor="ctr"/>
+          <a:lstStyle/>
+          <a:p>
+            <a:pPr algn="ctr"/>
+            <a:endParaRPr lang="fr-CH"/>
+          </a:p>
+        </p:txBody>
+      </p:sp>
+      <p:sp>
+        <p:nvSpPr>
+          <p:cNvPr id="91" name="Rectangle 90"/>
+          <p:cNvSpPr/>
+          <p:nvPr/>
+        </p:nvSpPr>
+        <p:spPr>
+          <a:xfrm rot="17048188">
+            <a:off x="8558214" y="3369683"/>
+            <a:ext cx="422620" cy="268941"/>
+          </a:xfrm>
+          <a:prstGeom prst="rect">
+            <a:avLst/>
+          </a:prstGeom>
+          <a:solidFill>
+            <a:schemeClr val="accent2">
+              <a:lumMod val="40000"/>
+              <a:lumOff val="60000"/>
+            </a:schemeClr>
+          </a:solidFill>
+          <a:ln>
+            <a:solidFill>
+              <a:schemeClr val="tx1"/>
+            </a:solidFill>
+          </a:ln>
+        </p:spPr>
+        <p:style>
+          <a:lnRef idx="2">
+            <a:schemeClr val="accent1">
+              <a:shade val="50000"/>
+            </a:schemeClr>
+          </a:lnRef>
+          <a:fillRef idx="1">
+            <a:schemeClr val="accent1"/>
+          </a:fillRef>
+          <a:effectRef idx="0">
+            <a:schemeClr val="accent1"/>
+          </a:effectRef>
+          <a:fontRef idx="minor">
+            <a:schemeClr val="lt1"/>
+          </a:fontRef>
+        </p:style>
+        <p:txBody>
+          <a:bodyPr rtlCol="0" anchor="ctr"/>
+          <a:lstStyle/>
+          <a:p>
+            <a:pPr algn="ctr"/>
+            <a:endParaRPr lang="fr-CH"/>
+          </a:p>
+        </p:txBody>
+      </p:sp>
+      <p:sp>
+        <p:nvSpPr>
+          <p:cNvPr id="92" name="Rectangle 91"/>
+          <p:cNvSpPr/>
+          <p:nvPr/>
+        </p:nvSpPr>
+        <p:spPr>
+          <a:xfrm>
+            <a:off x="10854466" y="4287690"/>
+            <a:ext cx="422620" cy="268941"/>
+          </a:xfrm>
+          <a:prstGeom prst="rect">
+            <a:avLst/>
+          </a:prstGeom>
+          <a:solidFill>
+            <a:schemeClr val="accent2">
+              <a:lumMod val="40000"/>
+              <a:lumOff val="60000"/>
+            </a:schemeClr>
+          </a:solidFill>
+          <a:ln>
+            <a:solidFill>
+              <a:schemeClr val="tx1"/>
+            </a:solidFill>
+          </a:ln>
+        </p:spPr>
+        <p:style>
+          <a:lnRef idx="2">
+            <a:schemeClr val="accent1">
+              <a:shade val="50000"/>
+            </a:schemeClr>
+          </a:lnRef>
+          <a:fillRef idx="1">
+            <a:schemeClr val="accent1"/>
+          </a:fillRef>
+          <a:effectRef idx="0">
+            <a:schemeClr val="accent1"/>
+          </a:effectRef>
+          <a:fontRef idx="minor">
+            <a:schemeClr val="lt1"/>
+          </a:fontRef>
+        </p:style>
+        <p:txBody>
+          <a:bodyPr rtlCol="0" anchor="ctr"/>
+          <a:lstStyle/>
+          <a:p>
+            <a:pPr algn="ctr"/>
+            <a:endParaRPr lang="fr-CH"/>
+          </a:p>
+        </p:txBody>
+      </p:sp>
+      <p:sp>
+        <p:nvSpPr>
+          <p:cNvPr id="93" name="Rectangle 92"/>
+          <p:cNvSpPr/>
+          <p:nvPr/>
+        </p:nvSpPr>
+        <p:spPr>
+          <a:xfrm rot="823430">
+            <a:off x="8518874" y="1791222"/>
+            <a:ext cx="1129834" cy="1083029"/>
+          </a:xfrm>
+          <a:prstGeom prst="rect">
+            <a:avLst/>
+          </a:prstGeom>
+          <a:solidFill>
+            <a:schemeClr val="bg1"/>
+          </a:solidFill>
+          <a:ln>
+            <a:solidFill>
+              <a:schemeClr val="tx1"/>
+            </a:solidFill>
+          </a:ln>
+        </p:spPr>
+        <p:style>
+          <a:lnRef idx="2">
+            <a:schemeClr val="accent1">
+              <a:shade val="50000"/>
+            </a:schemeClr>
+          </a:lnRef>
+          <a:fillRef idx="1">
+            <a:schemeClr val="accent1"/>
+          </a:fillRef>
+          <a:effectRef idx="0">
+            <a:schemeClr val="accent1"/>
+          </a:effectRef>
+          <a:fontRef idx="minor">
+            <a:schemeClr val="lt1"/>
+          </a:fontRef>
+        </p:style>
+        <p:txBody>
+          <a:bodyPr rtlCol="0" anchor="ctr"/>
+          <a:lstStyle/>
+          <a:p>
+            <a:pPr algn="ctr"/>
+            <a:r>
+              <a:rPr lang="fr-CH" sz="1600" dirty="0" smtClean="0">
+                <a:solidFill>
+                  <a:schemeClr val="tx1"/>
+                </a:solidFill>
+              </a:rPr>
+              <a:t>Tourelle </a:t>
+            </a:r>
+          </a:p>
+          <a:p>
+            <a:pPr algn="ctr"/>
+            <a:r>
+              <a:rPr lang="fr-CH" sz="1600" dirty="0" smtClean="0">
+                <a:solidFill>
+                  <a:schemeClr val="tx1"/>
+                </a:solidFill>
+              </a:rPr>
+              <a:t>+</a:t>
+            </a:r>
+          </a:p>
+          <a:p>
+            <a:pPr algn="ctr"/>
+            <a:r>
+              <a:rPr lang="fr-CH" sz="1600" dirty="0" smtClean="0">
+                <a:solidFill>
+                  <a:schemeClr val="tx1"/>
+                </a:solidFill>
+              </a:rPr>
+              <a:t>Pathfinding</a:t>
+            </a:r>
+          </a:p>
+          <a:p>
+            <a:pPr algn="ctr"/>
+            <a:r>
+              <a:rPr lang="fr-CH" sz="1600" dirty="0">
+                <a:solidFill>
+                  <a:schemeClr val="tx1"/>
+                </a:solidFill>
+              </a:rPr>
+              <a:t>?</a:t>
+            </a:r>
+            <a:endParaRPr lang="fr-CH" sz="1600" dirty="0" smtClean="0">
+              <a:solidFill>
+                <a:schemeClr val="tx1"/>
+              </a:solidFill>
+            </a:endParaRPr>
+          </a:p>
+        </p:txBody>
+      </p:sp>
+      <p:sp>
+        <p:nvSpPr>
+          <p:cNvPr id="94" name="Organigramme : Délai 93"/>
+          <p:cNvSpPr/>
+          <p:nvPr/>
+        </p:nvSpPr>
+        <p:spPr>
+          <a:xfrm rot="16200000">
+            <a:off x="9854920" y="2943161"/>
+            <a:ext cx="70514" cy="169818"/>
+          </a:xfrm>
+          <a:prstGeom prst="flowChartDelay">
+            <a:avLst/>
+          </a:prstGeom>
+          <a:solidFill>
+            <a:schemeClr val="accent2">
+              <a:lumMod val="40000"/>
+              <a:lumOff val="60000"/>
+            </a:schemeClr>
+          </a:solidFill>
+          <a:ln>
+            <a:solidFill>
+              <a:schemeClr val="tx1"/>
+            </a:solidFill>
+          </a:ln>
+        </p:spPr>
+        <p:style>
+          <a:lnRef idx="2">
+            <a:schemeClr val="accent1">
+              <a:shade val="50000"/>
+            </a:schemeClr>
+          </a:lnRef>
+          <a:fillRef idx="1">
+            <a:schemeClr val="accent1"/>
+          </a:fillRef>
+          <a:effectRef idx="0">
+            <a:schemeClr val="accent1"/>
+          </a:effectRef>
+          <a:fontRef idx="minor">
+            <a:schemeClr val="lt1"/>
+          </a:fontRef>
+        </p:style>
+        <p:txBody>
+          <a:bodyPr rtlCol="0" anchor="ctr"/>
+          <a:lstStyle/>
+          <a:p>
+            <a:pPr algn="ctr"/>
+            <a:endParaRPr lang="fr-CH"/>
+          </a:p>
+        </p:txBody>
+      </p:sp>
+      <p:sp>
+        <p:nvSpPr>
+          <p:cNvPr id="95" name="Organigramme : Délai 94"/>
+          <p:cNvSpPr/>
+          <p:nvPr/>
+        </p:nvSpPr>
+        <p:spPr>
+          <a:xfrm rot="16200000">
+            <a:off x="10381602" y="2948126"/>
+            <a:ext cx="70514" cy="169818"/>
+          </a:xfrm>
+          <a:prstGeom prst="flowChartDelay">
+            <a:avLst/>
+          </a:prstGeom>
+          <a:solidFill>
+            <a:schemeClr val="accent2">
+              <a:lumMod val="40000"/>
+              <a:lumOff val="60000"/>
+            </a:schemeClr>
+          </a:solidFill>
+          <a:ln>
+            <a:solidFill>
+              <a:schemeClr val="tx1"/>
+            </a:solidFill>
+          </a:ln>
+        </p:spPr>
+        <p:style>
+          <a:lnRef idx="2">
+            <a:schemeClr val="accent1">
+              <a:shade val="50000"/>
+            </a:schemeClr>
+          </a:lnRef>
+          <a:fillRef idx="1">
+            <a:schemeClr val="accent1"/>
+          </a:fillRef>
+          <a:effectRef idx="0">
+            <a:schemeClr val="accent1"/>
+          </a:effectRef>
+          <a:fontRef idx="minor">
+            <a:schemeClr val="lt1"/>
+          </a:fontRef>
+        </p:style>
+        <p:txBody>
+          <a:bodyPr rtlCol="0" anchor="ctr"/>
+          <a:lstStyle/>
+          <a:p>
+            <a:pPr algn="ctr"/>
+            <a:endParaRPr lang="fr-CH"/>
+          </a:p>
+        </p:txBody>
+      </p:sp>
+      <p:sp>
+        <p:nvSpPr>
+          <p:cNvPr id="96" name="Rectangle 95"/>
+          <p:cNvSpPr/>
+          <p:nvPr/>
+        </p:nvSpPr>
+        <p:spPr>
+          <a:xfrm>
+            <a:off x="9590911" y="4068157"/>
+            <a:ext cx="1177466" cy="685381"/>
+          </a:xfrm>
+          <a:prstGeom prst="rect">
+            <a:avLst/>
+          </a:prstGeom>
+          <a:solidFill>
+            <a:schemeClr val="accent1">
+              <a:lumMod val="50000"/>
+            </a:schemeClr>
+          </a:solidFill>
+          <a:ln>
+            <a:noFill/>
+          </a:ln>
+        </p:spPr>
+        <p:style>
+          <a:lnRef idx="2">
+            <a:schemeClr val="accent3">
+              <a:shade val="50000"/>
+            </a:schemeClr>
+          </a:lnRef>
+          <a:fillRef idx="1">
+            <a:schemeClr val="accent3"/>
+          </a:fillRef>
+          <a:effectRef idx="0">
+            <a:schemeClr val="accent3"/>
+          </a:effectRef>
+          <a:fontRef idx="minor">
+            <a:schemeClr val="lt1"/>
+          </a:fontRef>
+        </p:style>
+        <p:txBody>
+          <a:bodyPr rtlCol="0" anchor="ctr"/>
+          <a:lstStyle/>
+          <a:p>
+            <a:pPr algn="ctr"/>
+            <a:r>
+              <a:rPr lang="fr-CH" dirty="0" smtClean="0">
+                <a:solidFill>
+                  <a:schemeClr val="bg1"/>
+                </a:solidFill>
+              </a:rPr>
+              <a:t>Entités</a:t>
+            </a:r>
+            <a:endParaRPr lang="fr-CH" dirty="0">
+              <a:solidFill>
+                <a:schemeClr val="bg1"/>
+              </a:solidFill>
+            </a:endParaRPr>
+          </a:p>
+        </p:txBody>
+      </p:sp>
+    </p:spTree>
+    <p:extLst>
+      <p:ext uri="{BB962C8B-B14F-4D97-AF65-F5344CB8AC3E}">
+        <p14:creationId xmlns:p14="http://schemas.microsoft.com/office/powerpoint/2010/main" val="15914384"/>
+      </p:ext>
+    </p:extLst>
+  </p:cSld>
+  <p:clrMapOvr>
+    <a:masterClrMapping/>
+  </p:clrMapOvr>
+  <p:timing>
+    <p:tnLst>
+      <p:par>
+        <p:cTn id="1" dur="indefinite" restart="never" nodeType="tmRoot"/>
+      </p:par>
+    </p:tnLst>
+  </p:timing>
+</p:sld>
+</file>
+
+<file path=ppt/slides/slide11.xml><?xml version="1.0" encoding="utf-8"?>
+<p:sld xmlns:a="http://schemas.openxmlformats.org/drawingml/2006/main" xmlns:r="http://schemas.openxmlformats.org/officeDocument/2006/relationships" xmlns:p="http://schemas.openxmlformats.org/presentationml/2006/main">
+  <p:cSld>
+    <p:spTree>
+      <p:nvGrpSpPr>
+        <p:cNvPr id="1" name=""/>
+        <p:cNvGrpSpPr/>
+        <p:nvPr/>
+      </p:nvGrpSpPr>
+      <p:grpSpPr>
+        <a:xfrm>
+          <a:off x="0" y="0"/>
+          <a:ext cx="0" cy="0"/>
+          <a:chOff x="0" y="0"/>
+          <a:chExt cx="0" cy="0"/>
+        </a:xfrm>
+      </p:grpSpPr>
+      <p:sp>
+        <p:nvSpPr>
+          <p:cNvPr id="2" name="Titre 1"/>
+          <p:cNvSpPr>
+            <a:spLocks noGrp="1"/>
+          </p:cNvSpPr>
+          <p:nvPr>
+            <p:ph type="title"/>
+          </p:nvPr>
+        </p:nvSpPr>
+        <p:spPr/>
+        <p:txBody>
+          <a:bodyPr/>
+          <a:lstStyle/>
+          <a:p>
+            <a:r>
+              <a:rPr lang="fr-CH" dirty="0" smtClean="0"/>
+              <a:t>Système de Grille : Besoins</a:t>
+            </a:r>
+            <a:endParaRPr lang="fr-CH" dirty="0"/>
+          </a:p>
+        </p:txBody>
+      </p:sp>
+      <p:sp>
+        <p:nvSpPr>
+          <p:cNvPr id="3" name="Espace réservé du contenu 2"/>
+          <p:cNvSpPr>
+            <a:spLocks noGrp="1"/>
+          </p:cNvSpPr>
+          <p:nvPr>
+            <p:ph idx="1"/>
+          </p:nvPr>
+        </p:nvSpPr>
+        <p:spPr/>
+        <p:txBody>
+          <a:bodyPr/>
+          <a:lstStyle/>
+          <a:p>
+            <a:r>
+              <a:rPr lang="fr-CH" dirty="0" smtClean="0"/>
+              <a:t>Standardiser</a:t>
+            </a:r>
+          </a:p>
+          <a:p>
+            <a:r>
+              <a:rPr lang="fr-CH" dirty="0" smtClean="0"/>
+              <a:t>Permettre la comparaison de grille de taille différentes</a:t>
+            </a:r>
+          </a:p>
+          <a:p>
+            <a:r>
+              <a:rPr lang="fr-CH" dirty="0" smtClean="0"/>
+              <a:t>Centraliser les ressources communes</a:t>
+            </a:r>
+          </a:p>
+          <a:p>
+            <a:r>
+              <a:rPr lang="fr-CH" dirty="0" smtClean="0"/>
+              <a:t>Faciliter la communication d’événement entre les grilles</a:t>
+            </a:r>
+          </a:p>
+          <a:p>
+            <a:endParaRPr lang="fr-CH" dirty="0"/>
+          </a:p>
+          <a:p>
+            <a:endParaRPr lang="fr-CH" dirty="0"/>
+          </a:p>
+        </p:txBody>
+      </p:sp>
+      <p:sp>
+        <p:nvSpPr>
+          <p:cNvPr id="4" name="Espace réservé de la date 3"/>
+          <p:cNvSpPr>
+            <a:spLocks noGrp="1"/>
+          </p:cNvSpPr>
+          <p:nvPr>
+            <p:ph type="dt" sz="half" idx="10"/>
+          </p:nvPr>
+        </p:nvSpPr>
+        <p:spPr/>
+        <p:txBody>
+          <a:bodyPr/>
+          <a:lstStyle/>
+          <a:p>
+            <a:r>
+              <a:rPr lang="fr-CH" smtClean="0"/>
+              <a:t>05.04.2022</a:t>
+            </a:r>
+            <a:endParaRPr lang="fr-CH"/>
+          </a:p>
+        </p:txBody>
+      </p:sp>
+      <p:sp>
+        <p:nvSpPr>
+          <p:cNvPr id="5" name="Espace réservé du pied de page 4"/>
+          <p:cNvSpPr>
+            <a:spLocks noGrp="1"/>
+          </p:cNvSpPr>
+          <p:nvPr>
+            <p:ph type="ftr" sz="quarter" idx="11"/>
+          </p:nvPr>
+        </p:nvSpPr>
+        <p:spPr/>
+        <p:txBody>
+          <a:bodyPr/>
+          <a:lstStyle/>
+          <a:p>
+            <a:r>
+              <a:rPr lang="fr-CH" smtClean="0"/>
+              <a:t>Florian Duruz</a:t>
+            </a:r>
+            <a:endParaRPr lang="fr-CH"/>
+          </a:p>
+        </p:txBody>
+      </p:sp>
+      <p:sp>
+        <p:nvSpPr>
+          <p:cNvPr id="6" name="Espace réservé du numéro de diapositive 5"/>
+          <p:cNvSpPr>
+            <a:spLocks noGrp="1"/>
+          </p:cNvSpPr>
+          <p:nvPr>
+            <p:ph type="sldNum" sz="quarter" idx="12"/>
+          </p:nvPr>
+        </p:nvSpPr>
+        <p:spPr/>
+        <p:txBody>
+          <a:bodyPr/>
+          <a:lstStyle/>
+          <a:p>
+            <a:fld id="{877A364F-776A-4279-BBAB-336C6B9E27FF}" type="slidenum">
+              <a:rPr lang="fr-CH" smtClean="0"/>
+              <a:t>11</a:t>
+            </a:fld>
+            <a:endParaRPr lang="fr-CH"/>
+          </a:p>
+        </p:txBody>
+      </p:sp>
+    </p:spTree>
+    <p:extLst>
+      <p:ext uri="{BB962C8B-B14F-4D97-AF65-F5344CB8AC3E}">
+        <p14:creationId xmlns:p14="http://schemas.microsoft.com/office/powerpoint/2010/main" val="589038014"/>
+      </p:ext>
+    </p:extLst>
+  </p:cSld>
+  <p:clrMapOvr>
+    <a:masterClrMapping/>
+  </p:clrMapOvr>
+  <p:timing>
+    <p:tnLst>
+      <p:par>
+        <p:cTn id="1" dur="indefinite" restart="never" nodeType="tmRoot"/>
+      </p:par>
+    </p:tnLst>
+  </p:timing>
+</p:sld>
+</file>
+
+<file path=ppt/slides/slide12.xml><?xml version="1.0" encoding="utf-8"?>
+<p:sld xmlns:a="http://schemas.openxmlformats.org/drawingml/2006/main" xmlns:r="http://schemas.openxmlformats.org/officeDocument/2006/relationships" xmlns:p="http://schemas.openxmlformats.org/presentationml/2006/main">
+  <p:cSld>
+    <p:spTree>
+      <p:nvGrpSpPr>
+        <p:cNvPr id="1" name=""/>
+        <p:cNvGrpSpPr/>
+        <p:nvPr/>
+      </p:nvGrpSpPr>
+      <p:grpSpPr>
+        <a:xfrm>
+          <a:off x="0" y="0"/>
+          <a:ext cx="0" cy="0"/>
+          <a:chOff x="0" y="0"/>
+          <a:chExt cx="0" cy="0"/>
+        </a:xfrm>
+      </p:grpSpPr>
+      <p:sp>
+        <p:nvSpPr>
+          <p:cNvPr id="2" name="Titre 1"/>
+          <p:cNvSpPr>
+            <a:spLocks noGrp="1"/>
+          </p:cNvSpPr>
+          <p:nvPr>
+            <p:ph type="title"/>
+          </p:nvPr>
+        </p:nvSpPr>
+        <p:spPr/>
+        <p:txBody>
+          <a:bodyPr/>
+          <a:lstStyle/>
+          <a:p>
+            <a:r>
+              <a:rPr lang="fr-CH" dirty="0" smtClean="0"/>
+              <a:t>Système de grille : En Cours</a:t>
+            </a:r>
+            <a:endParaRPr lang="fr-CH" dirty="0"/>
+          </a:p>
+        </p:txBody>
+      </p:sp>
+      <p:sp>
+        <p:nvSpPr>
+          <p:cNvPr id="3" name="Espace réservé du contenu 2"/>
+          <p:cNvSpPr>
+            <a:spLocks noGrp="1"/>
+          </p:cNvSpPr>
+          <p:nvPr>
+            <p:ph idx="1"/>
+          </p:nvPr>
+        </p:nvSpPr>
+        <p:spPr/>
+        <p:txBody>
+          <a:bodyPr/>
+          <a:lstStyle/>
+          <a:p>
+            <a:r>
+              <a:rPr lang="fr-CH" dirty="0" smtClean="0"/>
+              <a:t>Dépendances multiples</a:t>
+            </a:r>
+          </a:p>
+          <a:p>
+            <a:r>
+              <a:rPr lang="fr-CH" dirty="0" err="1" smtClean="0"/>
+              <a:t>Grid</a:t>
+            </a:r>
+            <a:r>
+              <a:rPr lang="fr-CH" dirty="0" smtClean="0"/>
+              <a:t> Système</a:t>
+            </a:r>
+          </a:p>
+          <a:p>
+            <a:r>
+              <a:rPr lang="fr-CH" dirty="0" smtClean="0"/>
+              <a:t>Comparaison avec un grille plus grande</a:t>
+            </a:r>
+          </a:p>
+          <a:p>
+            <a:pPr lvl="1"/>
+            <a:r>
+              <a:rPr lang="fr-CH" dirty="0" smtClean="0"/>
+              <a:t>Attente différente en fonction du type</a:t>
+            </a:r>
+          </a:p>
+          <a:p>
+            <a:pPr lvl="1"/>
+            <a:r>
+              <a:rPr lang="fr-CH" dirty="0" smtClean="0"/>
+              <a:t>Calcul différent (attention aux doublon)</a:t>
+            </a:r>
+          </a:p>
+          <a:p>
+            <a:pPr lvl="1"/>
+            <a:r>
+              <a:rPr lang="fr-CH" dirty="0" smtClean="0"/>
+              <a:t>Plusieurs attentes possibles pour un même type (exemple </a:t>
+            </a:r>
+            <a:r>
+              <a:rPr lang="fr-CH" dirty="0" err="1" smtClean="0"/>
+              <a:t>bool</a:t>
+            </a:r>
+            <a:r>
+              <a:rPr lang="fr-CH" dirty="0" smtClean="0"/>
+              <a:t>)</a:t>
+            </a:r>
+          </a:p>
+          <a:p>
+            <a:pPr marL="457200" lvl="1" indent="0">
+              <a:buNone/>
+            </a:pPr>
+            <a:endParaRPr lang="fr-CH" dirty="0" smtClean="0"/>
+          </a:p>
+        </p:txBody>
+      </p:sp>
+      <p:sp>
+        <p:nvSpPr>
+          <p:cNvPr id="4" name="Espace réservé de la date 3"/>
+          <p:cNvSpPr>
+            <a:spLocks noGrp="1"/>
+          </p:cNvSpPr>
+          <p:nvPr>
+            <p:ph type="dt" sz="half" idx="10"/>
+          </p:nvPr>
+        </p:nvSpPr>
+        <p:spPr/>
+        <p:txBody>
+          <a:bodyPr/>
+          <a:lstStyle/>
+          <a:p>
+            <a:r>
+              <a:rPr lang="fr-CH" smtClean="0"/>
+              <a:t>05.04.2022</a:t>
+            </a:r>
+            <a:endParaRPr lang="fr-CH"/>
+          </a:p>
+        </p:txBody>
+      </p:sp>
+      <p:sp>
+        <p:nvSpPr>
+          <p:cNvPr id="5" name="Espace réservé du pied de page 4"/>
+          <p:cNvSpPr>
+            <a:spLocks noGrp="1"/>
+          </p:cNvSpPr>
+          <p:nvPr>
+            <p:ph type="ftr" sz="quarter" idx="11"/>
+          </p:nvPr>
+        </p:nvSpPr>
+        <p:spPr/>
+        <p:txBody>
+          <a:bodyPr/>
+          <a:lstStyle/>
+          <a:p>
+            <a:r>
+              <a:rPr lang="fr-CH" smtClean="0"/>
+              <a:t>Florian Duruz</a:t>
+            </a:r>
+            <a:endParaRPr lang="fr-CH"/>
+          </a:p>
+        </p:txBody>
+      </p:sp>
+      <p:sp>
+        <p:nvSpPr>
+          <p:cNvPr id="6" name="Espace réservé du numéro de diapositive 5"/>
+          <p:cNvSpPr>
+            <a:spLocks noGrp="1"/>
+          </p:cNvSpPr>
+          <p:nvPr>
+            <p:ph type="sldNum" sz="quarter" idx="12"/>
+          </p:nvPr>
+        </p:nvSpPr>
+        <p:spPr/>
+        <p:txBody>
+          <a:bodyPr/>
+          <a:lstStyle/>
+          <a:p>
+            <a:fld id="{877A364F-776A-4279-BBAB-336C6B9E27FF}" type="slidenum">
+              <a:rPr lang="fr-CH" smtClean="0"/>
+              <a:t>12</a:t>
+            </a:fld>
+            <a:endParaRPr lang="fr-CH"/>
+          </a:p>
+        </p:txBody>
+      </p:sp>
+    </p:spTree>
+    <p:extLst>
+      <p:ext uri="{BB962C8B-B14F-4D97-AF65-F5344CB8AC3E}">
+        <p14:creationId xmlns:p14="http://schemas.microsoft.com/office/powerpoint/2010/main" val="1159424330"/>
+      </p:ext>
+    </p:extLst>
+  </p:cSld>
+  <p:clrMapOvr>
+    <a:masterClrMapping/>
+  </p:clrMapOvr>
+</p:sld>
+</file>
+
+<file path=ppt/slides/slide13.xml><?xml version="1.0" encoding="utf-8"?>
+<p:sld xmlns:a="http://schemas.openxmlformats.org/drawingml/2006/main" xmlns:r="http://schemas.openxmlformats.org/officeDocument/2006/relationships" xmlns:p="http://schemas.openxmlformats.org/presentationml/2006/main">
+  <p:cSld>
+    <p:spTree>
+      <p:nvGrpSpPr>
+        <p:cNvPr id="1" name=""/>
+        <p:cNvGrpSpPr/>
+        <p:nvPr/>
+      </p:nvGrpSpPr>
+      <p:grpSpPr>
+        <a:xfrm>
+          <a:off x="0" y="0"/>
+          <a:ext cx="0" cy="0"/>
+          <a:chOff x="0" y="0"/>
+          <a:chExt cx="0" cy="0"/>
+        </a:xfrm>
+      </p:grpSpPr>
+      <p:sp>
+        <p:nvSpPr>
+          <p:cNvPr id="2" name="Titre 1"/>
+          <p:cNvSpPr>
+            <a:spLocks noGrp="1"/>
+          </p:cNvSpPr>
+          <p:nvPr>
+            <p:ph type="title"/>
+          </p:nvPr>
+        </p:nvSpPr>
+        <p:spPr/>
+        <p:txBody>
+          <a:bodyPr/>
+          <a:lstStyle/>
+          <a:p>
+            <a:r>
+              <a:rPr lang="fr-CH" dirty="0" smtClean="0"/>
+              <a:t>S’adapter à une grille plus grande</a:t>
+            </a:r>
+            <a:endParaRPr lang="fr-CH" dirty="0"/>
+          </a:p>
+        </p:txBody>
+      </p:sp>
+      <p:sp>
+        <p:nvSpPr>
+          <p:cNvPr id="4" name="Espace réservé de la date 3"/>
+          <p:cNvSpPr>
+            <a:spLocks noGrp="1"/>
+          </p:cNvSpPr>
+          <p:nvPr>
+            <p:ph type="dt" sz="half" idx="10"/>
+          </p:nvPr>
+        </p:nvSpPr>
+        <p:spPr/>
+        <p:txBody>
+          <a:bodyPr/>
+          <a:lstStyle/>
+          <a:p>
+            <a:r>
+              <a:rPr lang="fr-CH" smtClean="0"/>
+              <a:t>05.04.2022</a:t>
+            </a:r>
+            <a:endParaRPr lang="fr-CH"/>
+          </a:p>
+        </p:txBody>
+      </p:sp>
+      <p:sp>
+        <p:nvSpPr>
+          <p:cNvPr id="5" name="Espace réservé du pied de page 4"/>
+          <p:cNvSpPr>
+            <a:spLocks noGrp="1"/>
+          </p:cNvSpPr>
+          <p:nvPr>
+            <p:ph type="ftr" sz="quarter" idx="11"/>
+          </p:nvPr>
+        </p:nvSpPr>
+        <p:spPr/>
+        <p:txBody>
+          <a:bodyPr/>
+          <a:lstStyle/>
+          <a:p>
+            <a:r>
+              <a:rPr lang="fr-CH" smtClean="0"/>
+              <a:t>Florian Duruz</a:t>
+            </a:r>
+            <a:endParaRPr lang="fr-CH"/>
+          </a:p>
+        </p:txBody>
+      </p:sp>
+      <p:sp>
+        <p:nvSpPr>
+          <p:cNvPr id="6" name="Espace réservé du numéro de diapositive 5"/>
+          <p:cNvSpPr>
+            <a:spLocks noGrp="1"/>
+          </p:cNvSpPr>
+          <p:nvPr>
+            <p:ph type="sldNum" sz="quarter" idx="12"/>
+          </p:nvPr>
+        </p:nvSpPr>
+        <p:spPr/>
+        <p:txBody>
+          <a:bodyPr/>
+          <a:lstStyle/>
+          <a:p>
+            <a:fld id="{877A364F-776A-4279-BBAB-336C6B9E27FF}" type="slidenum">
+              <a:rPr lang="fr-CH" smtClean="0"/>
+              <a:t>13</a:t>
+            </a:fld>
+            <a:endParaRPr lang="fr-CH"/>
+          </a:p>
+        </p:txBody>
+      </p:sp>
+      <p:graphicFrame>
+        <p:nvGraphicFramePr>
+          <p:cNvPr id="7" name="Tableau 6"/>
+          <p:cNvGraphicFramePr>
+            <a:graphicFrameLocks noGrp="1"/>
+          </p:cNvGraphicFramePr>
+          <p:nvPr>
+            <p:extLst>
+              <p:ext uri="{D42A27DB-BD31-4B8C-83A1-F6EECF244321}">
+                <p14:modId xmlns:p14="http://schemas.microsoft.com/office/powerpoint/2010/main" val="2412516798"/>
+              </p:ext>
+            </p:extLst>
+          </p:nvPr>
+        </p:nvGraphicFramePr>
+        <p:xfrm>
+          <a:off x="3313777" y="2862627"/>
+          <a:ext cx="2324937" cy="2303584"/>
+        </p:xfrm>
+        <a:graphic>
+          <a:graphicData uri="http://schemas.openxmlformats.org/drawingml/2006/table">
+            <a:tbl>
+              <a:tblPr firstRow="1" bandRow="1">
+                <a:tableStyleId>{5940675A-B579-460E-94D1-54222C63F5DA}</a:tableStyleId>
+              </a:tblPr>
+              <a:tblGrid>
+                <a:gridCol w="582979">
+                  <a:extLst>
+                    <a:ext uri="{9D8B030D-6E8A-4147-A177-3AD203B41FA5}">
+                      <a16:colId xmlns:a16="http://schemas.microsoft.com/office/drawing/2014/main" val="356113754"/>
+                    </a:ext>
+                  </a:extLst>
+                </a:gridCol>
+                <a:gridCol w="576000">
+                  <a:extLst>
+                    <a:ext uri="{9D8B030D-6E8A-4147-A177-3AD203B41FA5}">
+                      <a16:colId xmlns:a16="http://schemas.microsoft.com/office/drawing/2014/main" val="620341097"/>
+                    </a:ext>
+                  </a:extLst>
+                </a:gridCol>
+                <a:gridCol w="582979">
+                  <a:extLst>
+                    <a:ext uri="{9D8B030D-6E8A-4147-A177-3AD203B41FA5}">
+                      <a16:colId xmlns:a16="http://schemas.microsoft.com/office/drawing/2014/main" val="2934149511"/>
+                    </a:ext>
+                  </a:extLst>
+                </a:gridCol>
+                <a:gridCol w="582979">
+                  <a:extLst>
+                    <a:ext uri="{9D8B030D-6E8A-4147-A177-3AD203B41FA5}">
+                      <a16:colId xmlns:a16="http://schemas.microsoft.com/office/drawing/2014/main" val="232329049"/>
+                    </a:ext>
+                  </a:extLst>
+                </a:gridCol>
+              </a:tblGrid>
+              <a:tr h="575896">
+                <a:tc>
+                  <a:txBody>
+                    <a:bodyPr/>
+                    <a:lstStyle/>
+                    <a:p>
+                      <a:pPr algn="ctr"/>
+                      <a:endParaRPr lang="fr-CH" dirty="0"/>
+                    </a:p>
+                  </a:txBody>
+                  <a:tcPr anchor="ctr"/>
+                </a:tc>
+                <a:tc>
+                  <a:txBody>
+                    <a:bodyPr/>
+                    <a:lstStyle/>
+                    <a:p>
+                      <a:pPr algn="ctr"/>
+                      <a:endParaRPr lang="fr-CH" dirty="0"/>
+                    </a:p>
+                  </a:txBody>
+                  <a:tcPr anchor="ctr"/>
+                </a:tc>
+                <a:tc>
+                  <a:txBody>
+                    <a:bodyPr/>
+                    <a:lstStyle/>
+                    <a:p>
+                      <a:pPr algn="ctr"/>
+                      <a:endParaRPr lang="fr-CH" dirty="0"/>
+                    </a:p>
+                  </a:txBody>
+                  <a:tcPr anchor="ctr"/>
+                </a:tc>
+                <a:tc>
+                  <a:txBody>
+                    <a:bodyPr/>
+                    <a:lstStyle/>
+                    <a:p>
+                      <a:pPr algn="ctr"/>
+                      <a:endParaRPr lang="fr-CH"/>
+                    </a:p>
+                  </a:txBody>
+                  <a:tcPr anchor="ctr"/>
+                </a:tc>
+                <a:extLst>
+                  <a:ext uri="{0D108BD9-81ED-4DB2-BD59-A6C34878D82A}">
+                    <a16:rowId xmlns:a16="http://schemas.microsoft.com/office/drawing/2014/main" val="3711881185"/>
+                  </a:ext>
+                </a:extLst>
+              </a:tr>
+              <a:tr h="575896">
+                <a:tc>
+                  <a:txBody>
+                    <a:bodyPr/>
+                    <a:lstStyle/>
+                    <a:p>
+                      <a:pPr algn="ctr"/>
+                      <a:endParaRPr lang="fr-CH" dirty="0"/>
+                    </a:p>
+                  </a:txBody>
+                  <a:tcPr anchor="ctr"/>
+                </a:tc>
+                <a:tc>
+                  <a:txBody>
+                    <a:bodyPr/>
+                    <a:lstStyle/>
+                    <a:p>
+                      <a:pPr algn="ctr"/>
+                      <a:endParaRPr lang="fr-CH" dirty="0"/>
+                    </a:p>
+                  </a:txBody>
+                  <a:tcPr anchor="ctr"/>
+                </a:tc>
+                <a:tc>
+                  <a:txBody>
+                    <a:bodyPr/>
+                    <a:lstStyle/>
+                    <a:p>
+                      <a:pPr algn="ctr"/>
+                      <a:endParaRPr lang="fr-CH"/>
+                    </a:p>
+                  </a:txBody>
+                  <a:tcPr anchor="ctr"/>
+                </a:tc>
+                <a:tc>
+                  <a:txBody>
+                    <a:bodyPr/>
+                    <a:lstStyle/>
+                    <a:p>
+                      <a:pPr algn="ctr"/>
+                      <a:endParaRPr lang="fr-CH"/>
+                    </a:p>
+                  </a:txBody>
+                  <a:tcPr anchor="ctr"/>
+                </a:tc>
+                <a:extLst>
+                  <a:ext uri="{0D108BD9-81ED-4DB2-BD59-A6C34878D82A}">
+                    <a16:rowId xmlns:a16="http://schemas.microsoft.com/office/drawing/2014/main" val="3374282155"/>
+                  </a:ext>
+                </a:extLst>
+              </a:tr>
+              <a:tr h="575896">
+                <a:tc>
+                  <a:txBody>
+                    <a:bodyPr/>
+                    <a:lstStyle/>
+                    <a:p>
+                      <a:pPr algn="ctr"/>
+                      <a:r>
+                        <a:rPr lang="fr-CH" dirty="0" smtClean="0"/>
+                        <a:t>5</a:t>
+                      </a:r>
+                      <a:endParaRPr lang="fr-CH" dirty="0"/>
+                    </a:p>
+                  </a:txBody>
+                  <a:tcPr anchor="ctr"/>
+                </a:tc>
+                <a:tc>
+                  <a:txBody>
+                    <a:bodyPr/>
+                    <a:lstStyle/>
+                    <a:p>
+                      <a:pPr algn="ctr"/>
+                      <a:r>
+                        <a:rPr lang="fr-CH" dirty="0" smtClean="0"/>
+                        <a:t>6</a:t>
+                      </a:r>
+                      <a:endParaRPr lang="fr-CH" dirty="0"/>
+                    </a:p>
+                  </a:txBody>
+                  <a:tcPr anchor="ctr"/>
+                </a:tc>
+                <a:tc>
+                  <a:txBody>
+                    <a:bodyPr/>
+                    <a:lstStyle/>
+                    <a:p>
+                      <a:pPr algn="ctr"/>
+                      <a:r>
+                        <a:rPr lang="fr-CH" dirty="0" smtClean="0"/>
+                        <a:t>7</a:t>
+                      </a:r>
+                      <a:endParaRPr lang="fr-CH" dirty="0"/>
+                    </a:p>
+                  </a:txBody>
+                  <a:tcPr anchor="ctr"/>
+                </a:tc>
+                <a:tc>
+                  <a:txBody>
+                    <a:bodyPr/>
+                    <a:lstStyle/>
+                    <a:p>
+                      <a:pPr algn="ctr"/>
+                      <a:r>
+                        <a:rPr lang="fr-CH" dirty="0" smtClean="0"/>
+                        <a:t>8</a:t>
+                      </a:r>
+                      <a:endParaRPr lang="fr-CH" dirty="0"/>
+                    </a:p>
+                  </a:txBody>
+                  <a:tcPr anchor="ctr"/>
+                </a:tc>
+                <a:extLst>
+                  <a:ext uri="{0D108BD9-81ED-4DB2-BD59-A6C34878D82A}">
+                    <a16:rowId xmlns:a16="http://schemas.microsoft.com/office/drawing/2014/main" val="1687951208"/>
+                  </a:ext>
+                </a:extLst>
+              </a:tr>
+              <a:tr h="575896">
+                <a:tc>
+                  <a:txBody>
+                    <a:bodyPr/>
+                    <a:lstStyle/>
+                    <a:p>
+                      <a:pPr algn="ctr"/>
+                      <a:r>
+                        <a:rPr lang="fr-CH" dirty="0" smtClean="0"/>
+                        <a:t>1</a:t>
+                      </a:r>
+                      <a:endParaRPr lang="fr-CH" dirty="0"/>
+                    </a:p>
+                  </a:txBody>
+                  <a:tcPr anchor="ctr"/>
+                </a:tc>
+                <a:tc>
+                  <a:txBody>
+                    <a:bodyPr/>
+                    <a:lstStyle/>
+                    <a:p>
+                      <a:pPr algn="ctr"/>
+                      <a:r>
+                        <a:rPr lang="fr-CH" dirty="0" smtClean="0"/>
+                        <a:t>2</a:t>
+                      </a:r>
+                      <a:endParaRPr lang="fr-CH" dirty="0"/>
+                    </a:p>
+                  </a:txBody>
+                  <a:tcPr anchor="ctr"/>
+                </a:tc>
+                <a:tc>
+                  <a:txBody>
+                    <a:bodyPr/>
+                    <a:lstStyle/>
+                    <a:p>
+                      <a:pPr algn="ctr"/>
+                      <a:r>
+                        <a:rPr lang="fr-CH" dirty="0" smtClean="0"/>
+                        <a:t>3</a:t>
+                      </a:r>
+                      <a:endParaRPr lang="fr-CH" dirty="0"/>
+                    </a:p>
+                  </a:txBody>
+                  <a:tcPr anchor="ctr"/>
+                </a:tc>
+                <a:tc>
+                  <a:txBody>
+                    <a:bodyPr/>
+                    <a:lstStyle/>
+                    <a:p>
+                      <a:pPr algn="ctr"/>
+                      <a:r>
+                        <a:rPr lang="fr-CH" dirty="0" smtClean="0"/>
+                        <a:t>4</a:t>
+                      </a:r>
+                      <a:endParaRPr lang="fr-CH" dirty="0"/>
+                    </a:p>
+                  </a:txBody>
+                  <a:tcPr anchor="ctr"/>
+                </a:tc>
+                <a:extLst>
+                  <a:ext uri="{0D108BD9-81ED-4DB2-BD59-A6C34878D82A}">
+                    <a16:rowId xmlns:a16="http://schemas.microsoft.com/office/drawing/2014/main" val="1241338910"/>
+                  </a:ext>
+                </a:extLst>
+              </a:tr>
+            </a:tbl>
+          </a:graphicData>
+        </a:graphic>
+      </p:graphicFrame>
+      <p:graphicFrame>
+        <p:nvGraphicFramePr>
+          <p:cNvPr id="9" name="Tableau 8"/>
+          <p:cNvGraphicFramePr>
+            <a:graphicFrameLocks noGrp="1"/>
+          </p:cNvGraphicFramePr>
+          <p:nvPr>
+            <p:extLst>
+              <p:ext uri="{D42A27DB-BD31-4B8C-83A1-F6EECF244321}">
+                <p14:modId xmlns:p14="http://schemas.microsoft.com/office/powerpoint/2010/main" val="3248023467"/>
+              </p:ext>
+            </p:extLst>
+          </p:nvPr>
+        </p:nvGraphicFramePr>
+        <p:xfrm>
+          <a:off x="6609427" y="2862627"/>
+          <a:ext cx="2324937" cy="2303584"/>
+        </p:xfrm>
+        <a:graphic>
+          <a:graphicData uri="http://schemas.openxmlformats.org/drawingml/2006/table">
+            <a:tbl>
+              <a:tblPr firstRow="1" bandRow="1">
+                <a:tableStyleId>{5940675A-B579-460E-94D1-54222C63F5DA}</a:tableStyleId>
+              </a:tblPr>
+              <a:tblGrid>
+                <a:gridCol w="582979">
+                  <a:extLst>
+                    <a:ext uri="{9D8B030D-6E8A-4147-A177-3AD203B41FA5}">
+                      <a16:colId xmlns:a16="http://schemas.microsoft.com/office/drawing/2014/main" val="356113754"/>
+                    </a:ext>
+                  </a:extLst>
+                </a:gridCol>
+                <a:gridCol w="576000">
+                  <a:extLst>
+                    <a:ext uri="{9D8B030D-6E8A-4147-A177-3AD203B41FA5}">
+                      <a16:colId xmlns:a16="http://schemas.microsoft.com/office/drawing/2014/main" val="620341097"/>
+                    </a:ext>
+                  </a:extLst>
+                </a:gridCol>
+                <a:gridCol w="582979">
+                  <a:extLst>
+                    <a:ext uri="{9D8B030D-6E8A-4147-A177-3AD203B41FA5}">
+                      <a16:colId xmlns:a16="http://schemas.microsoft.com/office/drawing/2014/main" val="2934149511"/>
+                    </a:ext>
+                  </a:extLst>
+                </a:gridCol>
+                <a:gridCol w="582979">
+                  <a:extLst>
+                    <a:ext uri="{9D8B030D-6E8A-4147-A177-3AD203B41FA5}">
+                      <a16:colId xmlns:a16="http://schemas.microsoft.com/office/drawing/2014/main" val="232329049"/>
+                    </a:ext>
+                  </a:extLst>
+                </a:gridCol>
+              </a:tblGrid>
+              <a:tr h="575896">
+                <a:tc>
+                  <a:txBody>
+                    <a:bodyPr/>
+                    <a:lstStyle/>
+                    <a:p>
+                      <a:endParaRPr lang="fr-CH" dirty="0"/>
+                    </a:p>
+                  </a:txBody>
+                  <a:tcPr/>
+                </a:tc>
+                <a:tc>
+                  <a:txBody>
+                    <a:bodyPr/>
+                    <a:lstStyle/>
+                    <a:p>
+                      <a:endParaRPr lang="fr-CH" dirty="0"/>
+                    </a:p>
+                  </a:txBody>
+                  <a:tcPr/>
+                </a:tc>
+                <a:tc>
+                  <a:txBody>
+                    <a:bodyPr/>
+                    <a:lstStyle/>
+                    <a:p>
+                      <a:endParaRPr lang="fr-CH" dirty="0"/>
+                    </a:p>
+                  </a:txBody>
+                  <a:tcPr/>
+                </a:tc>
+                <a:tc>
+                  <a:txBody>
+                    <a:bodyPr/>
+                    <a:lstStyle/>
+                    <a:p>
+                      <a:endParaRPr lang="fr-CH"/>
+                    </a:p>
+                  </a:txBody>
+                  <a:tcPr/>
+                </a:tc>
+                <a:extLst>
+                  <a:ext uri="{0D108BD9-81ED-4DB2-BD59-A6C34878D82A}">
+                    <a16:rowId xmlns:a16="http://schemas.microsoft.com/office/drawing/2014/main" val="3711881185"/>
+                  </a:ext>
+                </a:extLst>
+              </a:tr>
+              <a:tr h="575896">
+                <a:tc>
+                  <a:txBody>
+                    <a:bodyPr/>
+                    <a:lstStyle/>
+                    <a:p>
+                      <a:endParaRPr lang="fr-CH" dirty="0"/>
+                    </a:p>
+                  </a:txBody>
+                  <a:tcPr/>
+                </a:tc>
+                <a:tc>
+                  <a:txBody>
+                    <a:bodyPr/>
+                    <a:lstStyle/>
+                    <a:p>
+                      <a:endParaRPr lang="fr-CH"/>
+                    </a:p>
+                  </a:txBody>
+                  <a:tcPr/>
+                </a:tc>
+                <a:tc>
+                  <a:txBody>
+                    <a:bodyPr/>
+                    <a:lstStyle/>
+                    <a:p>
+                      <a:endParaRPr lang="fr-CH"/>
+                    </a:p>
+                  </a:txBody>
+                  <a:tcPr/>
+                </a:tc>
+                <a:tc>
+                  <a:txBody>
+                    <a:bodyPr/>
+                    <a:lstStyle/>
+                    <a:p>
+                      <a:endParaRPr lang="fr-CH"/>
+                    </a:p>
+                  </a:txBody>
+                  <a:tcPr/>
+                </a:tc>
+                <a:extLst>
+                  <a:ext uri="{0D108BD9-81ED-4DB2-BD59-A6C34878D82A}">
+                    <a16:rowId xmlns:a16="http://schemas.microsoft.com/office/drawing/2014/main" val="3374282155"/>
+                  </a:ext>
+                </a:extLst>
+              </a:tr>
+              <a:tr h="575896">
+                <a:tc>
+                  <a:txBody>
+                    <a:bodyPr/>
+                    <a:lstStyle/>
+                    <a:p>
+                      <a:endParaRPr lang="fr-CH" dirty="0"/>
+                    </a:p>
+                  </a:txBody>
+                  <a:tcPr/>
+                </a:tc>
+                <a:tc>
+                  <a:txBody>
+                    <a:bodyPr/>
+                    <a:lstStyle/>
+                    <a:p>
+                      <a:endParaRPr lang="fr-CH" dirty="0"/>
+                    </a:p>
+                  </a:txBody>
+                  <a:tcPr/>
+                </a:tc>
+                <a:tc>
+                  <a:txBody>
+                    <a:bodyPr/>
+                    <a:lstStyle/>
+                    <a:p>
+                      <a:endParaRPr lang="fr-CH" dirty="0"/>
+                    </a:p>
+                  </a:txBody>
+                  <a:tcPr/>
+                </a:tc>
+                <a:tc>
+                  <a:txBody>
+                    <a:bodyPr/>
+                    <a:lstStyle/>
+                    <a:p>
+                      <a:endParaRPr lang="fr-CH" dirty="0"/>
+                    </a:p>
+                  </a:txBody>
+                  <a:tcPr/>
+                </a:tc>
+                <a:extLst>
+                  <a:ext uri="{0D108BD9-81ED-4DB2-BD59-A6C34878D82A}">
+                    <a16:rowId xmlns:a16="http://schemas.microsoft.com/office/drawing/2014/main" val="1687951208"/>
+                  </a:ext>
+                </a:extLst>
+              </a:tr>
+              <a:tr h="575896">
+                <a:tc>
+                  <a:txBody>
+                    <a:bodyPr/>
+                    <a:lstStyle/>
+                    <a:p>
+                      <a:endParaRPr lang="fr-CH" dirty="0"/>
+                    </a:p>
+                  </a:txBody>
+                  <a:tcPr/>
+                </a:tc>
+                <a:tc>
+                  <a:txBody>
+                    <a:bodyPr/>
+                    <a:lstStyle/>
+                    <a:p>
+                      <a:endParaRPr lang="fr-CH" dirty="0"/>
+                    </a:p>
+                  </a:txBody>
+                  <a:tcPr/>
+                </a:tc>
+                <a:tc>
+                  <a:txBody>
+                    <a:bodyPr/>
+                    <a:lstStyle/>
+                    <a:p>
+                      <a:endParaRPr lang="fr-CH" dirty="0"/>
+                    </a:p>
+                  </a:txBody>
+                  <a:tcPr/>
+                </a:tc>
+                <a:tc>
+                  <a:txBody>
+                    <a:bodyPr/>
+                    <a:lstStyle/>
+                    <a:p>
+                      <a:endParaRPr lang="fr-CH" dirty="0"/>
+                    </a:p>
+                  </a:txBody>
+                  <a:tcPr/>
+                </a:tc>
+                <a:extLst>
+                  <a:ext uri="{0D108BD9-81ED-4DB2-BD59-A6C34878D82A}">
+                    <a16:rowId xmlns:a16="http://schemas.microsoft.com/office/drawing/2014/main" val="1241338910"/>
+                  </a:ext>
+                </a:extLst>
+              </a:tr>
+            </a:tbl>
+          </a:graphicData>
+        </a:graphic>
+      </p:graphicFrame>
+      <p:graphicFrame>
+        <p:nvGraphicFramePr>
+          <p:cNvPr id="10" name="Tableau 9"/>
+          <p:cNvGraphicFramePr>
+            <a:graphicFrameLocks noGrp="1"/>
+          </p:cNvGraphicFramePr>
+          <p:nvPr>
+            <p:extLst>
+              <p:ext uri="{D42A27DB-BD31-4B8C-83A1-F6EECF244321}">
+                <p14:modId xmlns:p14="http://schemas.microsoft.com/office/powerpoint/2010/main" val="2927223241"/>
+              </p:ext>
+            </p:extLst>
+          </p:nvPr>
+        </p:nvGraphicFramePr>
+        <p:xfrm>
+          <a:off x="6609428" y="4014419"/>
+          <a:ext cx="586154" cy="580294"/>
+        </p:xfrm>
+        <a:graphic>
+          <a:graphicData uri="http://schemas.openxmlformats.org/drawingml/2006/table">
+            <a:tbl>
+              <a:tblPr firstRow="1" bandRow="1">
+                <a:tableStyleId>{5940675A-B579-460E-94D1-54222C63F5DA}</a:tableStyleId>
+              </a:tblPr>
+              <a:tblGrid>
+                <a:gridCol w="294842">
+                  <a:extLst>
+                    <a:ext uri="{9D8B030D-6E8A-4147-A177-3AD203B41FA5}">
+                      <a16:colId xmlns:a16="http://schemas.microsoft.com/office/drawing/2014/main" val="116610883"/>
+                    </a:ext>
+                  </a:extLst>
+                </a:gridCol>
+                <a:gridCol w="291312">
+                  <a:extLst>
+                    <a:ext uri="{9D8B030D-6E8A-4147-A177-3AD203B41FA5}">
+                      <a16:colId xmlns:a16="http://schemas.microsoft.com/office/drawing/2014/main" val="145133537"/>
+                    </a:ext>
+                  </a:extLst>
+                </a:gridCol>
+              </a:tblGrid>
+              <a:tr h="290147">
+                <a:tc>
+                  <a:txBody>
+                    <a:bodyPr/>
+                    <a:lstStyle/>
+                    <a:p>
+                      <a:pPr algn="ctr"/>
+                      <a:r>
+                        <a:rPr lang="fr-CH" sz="1000" dirty="0" smtClean="0"/>
+                        <a:t>5</a:t>
+                      </a:r>
+                      <a:endParaRPr lang="fr-CH" sz="1000" dirty="0"/>
+                    </a:p>
+                  </a:txBody>
+                  <a:tcPr marL="52768" marR="52768" marT="26384" marB="26384" anchor="ctr"/>
+                </a:tc>
+                <a:tc>
+                  <a:txBody>
+                    <a:bodyPr/>
+                    <a:lstStyle/>
+                    <a:p>
+                      <a:pPr algn="ctr"/>
+                      <a:r>
+                        <a:rPr lang="fr-CH" sz="1000" dirty="0" smtClean="0"/>
+                        <a:t>5</a:t>
+                      </a:r>
+                      <a:endParaRPr lang="fr-CH" sz="1000" dirty="0"/>
+                    </a:p>
+                  </a:txBody>
+                  <a:tcPr marL="52768" marR="52768" marT="26384" marB="26384" anchor="ctr"/>
+                </a:tc>
+                <a:extLst>
+                  <a:ext uri="{0D108BD9-81ED-4DB2-BD59-A6C34878D82A}">
+                    <a16:rowId xmlns:a16="http://schemas.microsoft.com/office/drawing/2014/main" val="3983827222"/>
+                  </a:ext>
+                </a:extLst>
+              </a:tr>
+              <a:tr h="290147">
+                <a:tc>
+                  <a:txBody>
+                    <a:bodyPr/>
+                    <a:lstStyle/>
+                    <a:p>
+                      <a:pPr algn="ctr"/>
+                      <a:r>
+                        <a:rPr lang="fr-CH" sz="1000" dirty="0" smtClean="0"/>
+                        <a:t>5</a:t>
+                      </a:r>
+                      <a:endParaRPr lang="fr-CH" sz="1000" dirty="0"/>
+                    </a:p>
+                  </a:txBody>
+                  <a:tcPr marL="52768" marR="52768" marT="26384" marB="26384" anchor="ctr"/>
+                </a:tc>
+                <a:tc>
+                  <a:txBody>
+                    <a:bodyPr/>
+                    <a:lstStyle/>
+                    <a:p>
+                      <a:pPr algn="ctr"/>
+                      <a:r>
+                        <a:rPr lang="fr-CH" sz="1000" dirty="0" smtClean="0"/>
+                        <a:t>5</a:t>
+                      </a:r>
+                      <a:endParaRPr lang="fr-CH" sz="1000" dirty="0"/>
+                    </a:p>
+                  </a:txBody>
+                  <a:tcPr marL="52768" marR="52768" marT="26384" marB="26384" anchor="ctr"/>
+                </a:tc>
+                <a:extLst>
+                  <a:ext uri="{0D108BD9-81ED-4DB2-BD59-A6C34878D82A}">
+                    <a16:rowId xmlns:a16="http://schemas.microsoft.com/office/drawing/2014/main" val="3283011425"/>
+                  </a:ext>
+                </a:extLst>
+              </a:tr>
+            </a:tbl>
+          </a:graphicData>
+        </a:graphic>
+      </p:graphicFrame>
+      <p:graphicFrame>
+        <p:nvGraphicFramePr>
+          <p:cNvPr id="11" name="Tableau 10"/>
+          <p:cNvGraphicFramePr>
+            <a:graphicFrameLocks noGrp="1"/>
+          </p:cNvGraphicFramePr>
+          <p:nvPr>
+            <p:extLst>
+              <p:ext uri="{D42A27DB-BD31-4B8C-83A1-F6EECF244321}">
+                <p14:modId xmlns:p14="http://schemas.microsoft.com/office/powerpoint/2010/main" val="469333663"/>
+              </p:ext>
+            </p:extLst>
+          </p:nvPr>
+        </p:nvGraphicFramePr>
+        <p:xfrm>
+          <a:off x="7195582" y="4014419"/>
+          <a:ext cx="586154" cy="580294"/>
+        </p:xfrm>
+        <a:graphic>
+          <a:graphicData uri="http://schemas.openxmlformats.org/drawingml/2006/table">
+            <a:tbl>
+              <a:tblPr firstRow="1" bandRow="1">
+                <a:tableStyleId>{5940675A-B579-460E-94D1-54222C63F5DA}</a:tableStyleId>
+              </a:tblPr>
+              <a:tblGrid>
+                <a:gridCol w="294842">
+                  <a:extLst>
+                    <a:ext uri="{9D8B030D-6E8A-4147-A177-3AD203B41FA5}">
+                      <a16:colId xmlns:a16="http://schemas.microsoft.com/office/drawing/2014/main" val="116610883"/>
+                    </a:ext>
+                  </a:extLst>
+                </a:gridCol>
+                <a:gridCol w="291312">
+                  <a:extLst>
+                    <a:ext uri="{9D8B030D-6E8A-4147-A177-3AD203B41FA5}">
+                      <a16:colId xmlns:a16="http://schemas.microsoft.com/office/drawing/2014/main" val="145133537"/>
+                    </a:ext>
+                  </a:extLst>
+                </a:gridCol>
+              </a:tblGrid>
+              <a:tr h="290147">
+                <a:tc>
+                  <a:txBody>
+                    <a:bodyPr/>
+                    <a:lstStyle/>
+                    <a:p>
+                      <a:pPr algn="ctr"/>
+                      <a:r>
+                        <a:rPr lang="fr-CH" sz="1000" dirty="0" smtClean="0"/>
+                        <a:t>6</a:t>
+                      </a:r>
+                      <a:endParaRPr lang="fr-CH" sz="1000" dirty="0"/>
+                    </a:p>
+                  </a:txBody>
+                  <a:tcPr marL="52768" marR="52768" marT="26384" marB="26384" anchor="ctr"/>
+                </a:tc>
+                <a:tc>
+                  <a:txBody>
+                    <a:bodyPr/>
+                    <a:lstStyle/>
+                    <a:p>
+                      <a:pPr algn="ctr"/>
+                      <a:r>
+                        <a:rPr lang="fr-CH" sz="1000" dirty="0" smtClean="0"/>
+                        <a:t>6</a:t>
+                      </a:r>
+                      <a:endParaRPr lang="fr-CH" sz="1000" dirty="0"/>
+                    </a:p>
+                  </a:txBody>
+                  <a:tcPr marL="52768" marR="52768" marT="26384" marB="26384" anchor="ctr"/>
+                </a:tc>
+                <a:extLst>
+                  <a:ext uri="{0D108BD9-81ED-4DB2-BD59-A6C34878D82A}">
+                    <a16:rowId xmlns:a16="http://schemas.microsoft.com/office/drawing/2014/main" val="3983827222"/>
+                  </a:ext>
+                </a:extLst>
+              </a:tr>
+              <a:tr h="290147">
+                <a:tc>
+                  <a:txBody>
+                    <a:bodyPr/>
+                    <a:lstStyle/>
+                    <a:p>
+                      <a:pPr algn="ctr"/>
+                      <a:r>
+                        <a:rPr lang="fr-CH" sz="1000" dirty="0" smtClean="0"/>
+                        <a:t>6</a:t>
+                      </a:r>
+                      <a:endParaRPr lang="fr-CH" sz="1000" dirty="0"/>
+                    </a:p>
+                  </a:txBody>
+                  <a:tcPr marL="52768" marR="52768" marT="26384" marB="26384" anchor="ctr"/>
+                </a:tc>
+                <a:tc>
+                  <a:txBody>
+                    <a:bodyPr/>
+                    <a:lstStyle/>
+                    <a:p>
+                      <a:pPr algn="ctr"/>
+                      <a:r>
+                        <a:rPr lang="fr-CH" sz="1000" dirty="0" smtClean="0"/>
+                        <a:t>6</a:t>
+                      </a:r>
+                      <a:endParaRPr lang="fr-CH" sz="1000" dirty="0"/>
+                    </a:p>
+                  </a:txBody>
+                  <a:tcPr marL="52768" marR="52768" marT="26384" marB="26384" anchor="ctr"/>
+                </a:tc>
+                <a:extLst>
+                  <a:ext uri="{0D108BD9-81ED-4DB2-BD59-A6C34878D82A}">
+                    <a16:rowId xmlns:a16="http://schemas.microsoft.com/office/drawing/2014/main" val="3283011425"/>
+                  </a:ext>
+                </a:extLst>
+              </a:tr>
+            </a:tbl>
+          </a:graphicData>
+        </a:graphic>
+      </p:graphicFrame>
+      <p:graphicFrame>
+        <p:nvGraphicFramePr>
+          <p:cNvPr id="12" name="Tableau 11"/>
+          <p:cNvGraphicFramePr>
+            <a:graphicFrameLocks noGrp="1"/>
+          </p:cNvGraphicFramePr>
+          <p:nvPr>
+            <p:extLst>
+              <p:ext uri="{D42A27DB-BD31-4B8C-83A1-F6EECF244321}">
+                <p14:modId xmlns:p14="http://schemas.microsoft.com/office/powerpoint/2010/main" val="2824495016"/>
+              </p:ext>
+            </p:extLst>
+          </p:nvPr>
+        </p:nvGraphicFramePr>
+        <p:xfrm>
+          <a:off x="6609428" y="4590315"/>
+          <a:ext cx="586154" cy="580294"/>
+        </p:xfrm>
+        <a:graphic>
+          <a:graphicData uri="http://schemas.openxmlformats.org/drawingml/2006/table">
+            <a:tbl>
+              <a:tblPr firstRow="1" bandRow="1">
+                <a:tableStyleId>{5940675A-B579-460E-94D1-54222C63F5DA}</a:tableStyleId>
+              </a:tblPr>
+              <a:tblGrid>
+                <a:gridCol w="294842">
+                  <a:extLst>
+                    <a:ext uri="{9D8B030D-6E8A-4147-A177-3AD203B41FA5}">
+                      <a16:colId xmlns:a16="http://schemas.microsoft.com/office/drawing/2014/main" val="116610883"/>
+                    </a:ext>
+                  </a:extLst>
+                </a:gridCol>
+                <a:gridCol w="291312">
+                  <a:extLst>
+                    <a:ext uri="{9D8B030D-6E8A-4147-A177-3AD203B41FA5}">
+                      <a16:colId xmlns:a16="http://schemas.microsoft.com/office/drawing/2014/main" val="145133537"/>
+                    </a:ext>
+                  </a:extLst>
+                </a:gridCol>
+              </a:tblGrid>
+              <a:tr h="290147">
+                <a:tc>
+                  <a:txBody>
+                    <a:bodyPr/>
+                    <a:lstStyle/>
+                    <a:p>
+                      <a:pPr algn="ctr"/>
+                      <a:r>
+                        <a:rPr lang="fr-CH" sz="1000" dirty="0" smtClean="0"/>
+                        <a:t>1</a:t>
+                      </a:r>
+                      <a:endParaRPr lang="fr-CH" sz="1000" dirty="0"/>
+                    </a:p>
+                  </a:txBody>
+                  <a:tcPr marL="52768" marR="52768" marT="26384" marB="26384" anchor="ctr"/>
+                </a:tc>
+                <a:tc>
+                  <a:txBody>
+                    <a:bodyPr/>
+                    <a:lstStyle/>
+                    <a:p>
+                      <a:pPr algn="ctr"/>
+                      <a:r>
+                        <a:rPr lang="fr-CH" sz="1000" dirty="0" smtClean="0"/>
+                        <a:t>1</a:t>
+                      </a:r>
+                      <a:endParaRPr lang="fr-CH" sz="1000" dirty="0"/>
+                    </a:p>
+                  </a:txBody>
+                  <a:tcPr marL="52768" marR="52768" marT="26384" marB="26384" anchor="ctr"/>
+                </a:tc>
+                <a:extLst>
+                  <a:ext uri="{0D108BD9-81ED-4DB2-BD59-A6C34878D82A}">
+                    <a16:rowId xmlns:a16="http://schemas.microsoft.com/office/drawing/2014/main" val="3983827222"/>
+                  </a:ext>
+                </a:extLst>
+              </a:tr>
+              <a:tr h="290147">
+                <a:tc>
+                  <a:txBody>
+                    <a:bodyPr/>
+                    <a:lstStyle/>
+                    <a:p>
+                      <a:pPr algn="ctr"/>
+                      <a:r>
+                        <a:rPr lang="fr-CH" sz="1000" dirty="0" smtClean="0"/>
+                        <a:t>1</a:t>
+                      </a:r>
+                      <a:endParaRPr lang="fr-CH" sz="1000" dirty="0"/>
+                    </a:p>
+                  </a:txBody>
+                  <a:tcPr marL="52768" marR="52768" marT="26384" marB="26384" anchor="ctr"/>
+                </a:tc>
+                <a:tc>
+                  <a:txBody>
+                    <a:bodyPr/>
+                    <a:lstStyle/>
+                    <a:p>
+                      <a:pPr algn="ctr"/>
+                      <a:r>
+                        <a:rPr lang="fr-CH" sz="1000" dirty="0" smtClean="0"/>
+                        <a:t>1</a:t>
+                      </a:r>
+                      <a:endParaRPr lang="fr-CH" sz="1000" dirty="0"/>
+                    </a:p>
+                  </a:txBody>
+                  <a:tcPr marL="52768" marR="52768" marT="26384" marB="26384" anchor="ctr"/>
+                </a:tc>
+                <a:extLst>
+                  <a:ext uri="{0D108BD9-81ED-4DB2-BD59-A6C34878D82A}">
+                    <a16:rowId xmlns:a16="http://schemas.microsoft.com/office/drawing/2014/main" val="3283011425"/>
+                  </a:ext>
+                </a:extLst>
+              </a:tr>
+            </a:tbl>
+          </a:graphicData>
+        </a:graphic>
+      </p:graphicFrame>
+      <p:graphicFrame>
+        <p:nvGraphicFramePr>
+          <p:cNvPr id="13" name="Tableau 12"/>
+          <p:cNvGraphicFramePr>
+            <a:graphicFrameLocks noGrp="1"/>
+          </p:cNvGraphicFramePr>
+          <p:nvPr>
+            <p:extLst>
+              <p:ext uri="{D42A27DB-BD31-4B8C-83A1-F6EECF244321}">
+                <p14:modId xmlns:p14="http://schemas.microsoft.com/office/powerpoint/2010/main" val="1628298823"/>
+              </p:ext>
+            </p:extLst>
+          </p:nvPr>
+        </p:nvGraphicFramePr>
+        <p:xfrm>
+          <a:off x="7195582" y="4590315"/>
+          <a:ext cx="586154" cy="580294"/>
+        </p:xfrm>
+        <a:graphic>
+          <a:graphicData uri="http://schemas.openxmlformats.org/drawingml/2006/table">
+            <a:tbl>
+              <a:tblPr firstRow="1" bandRow="1">
+                <a:tableStyleId>{5940675A-B579-460E-94D1-54222C63F5DA}</a:tableStyleId>
+              </a:tblPr>
+              <a:tblGrid>
+                <a:gridCol w="294842">
+                  <a:extLst>
+                    <a:ext uri="{9D8B030D-6E8A-4147-A177-3AD203B41FA5}">
+                      <a16:colId xmlns:a16="http://schemas.microsoft.com/office/drawing/2014/main" val="116610883"/>
+                    </a:ext>
+                  </a:extLst>
+                </a:gridCol>
+                <a:gridCol w="291312">
+                  <a:extLst>
+                    <a:ext uri="{9D8B030D-6E8A-4147-A177-3AD203B41FA5}">
+                      <a16:colId xmlns:a16="http://schemas.microsoft.com/office/drawing/2014/main" val="145133537"/>
+                    </a:ext>
+                  </a:extLst>
+                </a:gridCol>
+              </a:tblGrid>
+              <a:tr h="290147">
+                <a:tc>
+                  <a:txBody>
+                    <a:bodyPr/>
+                    <a:lstStyle/>
+                    <a:p>
+                      <a:pPr algn="ctr"/>
+                      <a:r>
+                        <a:rPr lang="fr-CH" sz="1000" dirty="0" smtClean="0"/>
+                        <a:t>2</a:t>
+                      </a:r>
+                      <a:endParaRPr lang="fr-CH" sz="1000" dirty="0"/>
+                    </a:p>
+                  </a:txBody>
+                  <a:tcPr marL="52768" marR="52768" marT="26384" marB="26384" anchor="ctr"/>
+                </a:tc>
+                <a:tc>
+                  <a:txBody>
+                    <a:bodyPr/>
+                    <a:lstStyle/>
+                    <a:p>
+                      <a:pPr algn="ctr"/>
+                      <a:r>
+                        <a:rPr lang="fr-CH" sz="1000" dirty="0" smtClean="0"/>
+                        <a:t>2</a:t>
+                      </a:r>
+                      <a:endParaRPr lang="fr-CH" sz="1000" dirty="0"/>
+                    </a:p>
+                  </a:txBody>
+                  <a:tcPr marL="52768" marR="52768" marT="26384" marB="26384" anchor="ctr"/>
+                </a:tc>
+                <a:extLst>
+                  <a:ext uri="{0D108BD9-81ED-4DB2-BD59-A6C34878D82A}">
+                    <a16:rowId xmlns:a16="http://schemas.microsoft.com/office/drawing/2014/main" val="3983827222"/>
+                  </a:ext>
+                </a:extLst>
+              </a:tr>
+              <a:tr h="290147">
+                <a:tc>
+                  <a:txBody>
+                    <a:bodyPr/>
+                    <a:lstStyle/>
+                    <a:p>
+                      <a:pPr algn="ctr"/>
+                      <a:r>
+                        <a:rPr lang="fr-CH" sz="1000" dirty="0" smtClean="0"/>
+                        <a:t>2</a:t>
+                      </a:r>
+                      <a:endParaRPr lang="fr-CH" sz="1000" dirty="0"/>
+                    </a:p>
+                  </a:txBody>
+                  <a:tcPr marL="52768" marR="52768" marT="26384" marB="26384" anchor="ctr"/>
+                </a:tc>
+                <a:tc>
+                  <a:txBody>
+                    <a:bodyPr/>
+                    <a:lstStyle/>
+                    <a:p>
+                      <a:pPr algn="ctr"/>
+                      <a:r>
+                        <a:rPr lang="fr-CH" sz="1000" dirty="0" smtClean="0"/>
+                        <a:t>2</a:t>
+                      </a:r>
+                      <a:endParaRPr lang="fr-CH" sz="1000" dirty="0"/>
+                    </a:p>
+                  </a:txBody>
+                  <a:tcPr marL="52768" marR="52768" marT="26384" marB="26384" anchor="ctr"/>
+                </a:tc>
+                <a:extLst>
+                  <a:ext uri="{0D108BD9-81ED-4DB2-BD59-A6C34878D82A}">
+                    <a16:rowId xmlns:a16="http://schemas.microsoft.com/office/drawing/2014/main" val="3283011425"/>
+                  </a:ext>
+                </a:extLst>
+              </a:tr>
+            </a:tbl>
+          </a:graphicData>
+        </a:graphic>
+      </p:graphicFrame>
+      <p:sp>
+        <p:nvSpPr>
+          <p:cNvPr id="14" name="Flèche droite 13"/>
+          <p:cNvSpPr/>
+          <p:nvPr/>
+        </p:nvSpPr>
+        <p:spPr>
+          <a:xfrm>
+            <a:off x="5826625" y="3914059"/>
+            <a:ext cx="591134" cy="547668"/>
+          </a:xfrm>
+          <a:prstGeom prst="rightArrow">
+            <a:avLst/>
+          </a:prstGeom>
+        </p:spPr>
+        <p:style>
+          <a:lnRef idx="2">
+            <a:schemeClr val="accent2">
+              <a:shade val="50000"/>
+            </a:schemeClr>
+          </a:lnRef>
+          <a:fillRef idx="1">
+            <a:schemeClr val="accent2"/>
+          </a:fillRef>
+          <a:effectRef idx="0">
+            <a:schemeClr val="accent2"/>
+          </a:effectRef>
+          <a:fontRef idx="minor">
+            <a:schemeClr val="lt1"/>
+          </a:fontRef>
+        </p:style>
+        <p:txBody>
+          <a:bodyPr rtlCol="0" anchor="ctr"/>
+          <a:lstStyle/>
+          <a:p>
+            <a:pPr algn="ctr"/>
+            <a:endParaRPr lang="fr-CH"/>
+          </a:p>
+        </p:txBody>
+      </p:sp>
+      <p:graphicFrame>
+        <p:nvGraphicFramePr>
+          <p:cNvPr id="15" name="Tableau 14"/>
+          <p:cNvGraphicFramePr>
+            <a:graphicFrameLocks noGrp="1"/>
+          </p:cNvGraphicFramePr>
+          <p:nvPr>
+            <p:extLst>
+              <p:ext uri="{D42A27DB-BD31-4B8C-83A1-F6EECF244321}">
+                <p14:modId xmlns:p14="http://schemas.microsoft.com/office/powerpoint/2010/main" val="3744631606"/>
+              </p:ext>
+            </p:extLst>
+          </p:nvPr>
+        </p:nvGraphicFramePr>
+        <p:xfrm>
+          <a:off x="838200" y="2867025"/>
+          <a:ext cx="2266864" cy="2303584"/>
+        </p:xfrm>
+        <a:graphic>
+          <a:graphicData uri="http://schemas.openxmlformats.org/drawingml/2006/table">
+            <a:tbl>
+              <a:tblPr firstRow="1" bandRow="1">
+                <a:tableStyleId>{5940675A-B579-460E-94D1-54222C63F5DA}</a:tableStyleId>
+              </a:tblPr>
+              <a:tblGrid>
+                <a:gridCol w="283358">
+                  <a:extLst>
+                    <a:ext uri="{9D8B030D-6E8A-4147-A177-3AD203B41FA5}">
+                      <a16:colId xmlns:a16="http://schemas.microsoft.com/office/drawing/2014/main" val="356113754"/>
+                    </a:ext>
+                  </a:extLst>
+                </a:gridCol>
+                <a:gridCol w="283358">
+                  <a:extLst>
+                    <a:ext uri="{9D8B030D-6E8A-4147-A177-3AD203B41FA5}">
+                      <a16:colId xmlns:a16="http://schemas.microsoft.com/office/drawing/2014/main" val="1185311506"/>
+                    </a:ext>
+                  </a:extLst>
+                </a:gridCol>
+                <a:gridCol w="283358">
+                  <a:extLst>
+                    <a:ext uri="{9D8B030D-6E8A-4147-A177-3AD203B41FA5}">
+                      <a16:colId xmlns:a16="http://schemas.microsoft.com/office/drawing/2014/main" val="620341097"/>
+                    </a:ext>
+                  </a:extLst>
+                </a:gridCol>
+                <a:gridCol w="283358">
+                  <a:extLst>
+                    <a:ext uri="{9D8B030D-6E8A-4147-A177-3AD203B41FA5}">
+                      <a16:colId xmlns:a16="http://schemas.microsoft.com/office/drawing/2014/main" val="388674788"/>
+                    </a:ext>
+                  </a:extLst>
+                </a:gridCol>
+                <a:gridCol w="283358">
+                  <a:extLst>
+                    <a:ext uri="{9D8B030D-6E8A-4147-A177-3AD203B41FA5}">
+                      <a16:colId xmlns:a16="http://schemas.microsoft.com/office/drawing/2014/main" val="2934149511"/>
+                    </a:ext>
+                  </a:extLst>
+                </a:gridCol>
+                <a:gridCol w="283358">
+                  <a:extLst>
+                    <a:ext uri="{9D8B030D-6E8A-4147-A177-3AD203B41FA5}">
+                      <a16:colId xmlns:a16="http://schemas.microsoft.com/office/drawing/2014/main" val="1880854784"/>
+                    </a:ext>
+                  </a:extLst>
+                </a:gridCol>
+                <a:gridCol w="283358">
+                  <a:extLst>
+                    <a:ext uri="{9D8B030D-6E8A-4147-A177-3AD203B41FA5}">
+                      <a16:colId xmlns:a16="http://schemas.microsoft.com/office/drawing/2014/main" val="232329049"/>
+                    </a:ext>
+                  </a:extLst>
+                </a:gridCol>
+                <a:gridCol w="283358">
+                  <a:extLst>
+                    <a:ext uri="{9D8B030D-6E8A-4147-A177-3AD203B41FA5}">
+                      <a16:colId xmlns:a16="http://schemas.microsoft.com/office/drawing/2014/main" val="3012201305"/>
+                    </a:ext>
+                  </a:extLst>
+                </a:gridCol>
+              </a:tblGrid>
+              <a:tr h="287948">
+                <a:tc>
+                  <a:txBody>
+                    <a:bodyPr/>
+                    <a:lstStyle/>
+                    <a:p>
+                      <a:pPr algn="ctr"/>
+                      <a:endParaRPr lang="fr-CH" sz="1000" dirty="0"/>
+                    </a:p>
+                  </a:txBody>
+                  <a:tcPr marL="71973" marR="71973" marT="35986" marB="35986" anchor="ctr"/>
+                </a:tc>
+                <a:tc>
+                  <a:txBody>
+                    <a:bodyPr/>
+                    <a:lstStyle/>
+                    <a:p>
+                      <a:pPr algn="ctr"/>
+                      <a:endParaRPr lang="fr-CH" sz="1000" dirty="0"/>
+                    </a:p>
+                  </a:txBody>
+                  <a:tcPr marL="71973" marR="71973" marT="35986" marB="35986" anchor="ctr"/>
+                </a:tc>
+                <a:tc>
+                  <a:txBody>
+                    <a:bodyPr/>
+                    <a:lstStyle/>
+                    <a:p>
+                      <a:pPr algn="ctr"/>
+                      <a:endParaRPr lang="fr-CH" sz="1000" dirty="0"/>
+                    </a:p>
+                  </a:txBody>
+                  <a:tcPr marL="71973" marR="71973" marT="35986" marB="35986" anchor="ctr"/>
+                </a:tc>
+                <a:tc>
+                  <a:txBody>
+                    <a:bodyPr/>
+                    <a:lstStyle/>
+                    <a:p>
+                      <a:pPr algn="ctr"/>
+                      <a:endParaRPr lang="fr-CH" sz="1000" dirty="0"/>
+                    </a:p>
+                  </a:txBody>
+                  <a:tcPr marL="71973" marR="71973" marT="35986" marB="35986" anchor="ctr"/>
+                </a:tc>
+                <a:tc>
+                  <a:txBody>
+                    <a:bodyPr/>
+                    <a:lstStyle/>
+                    <a:p>
+                      <a:pPr algn="ctr"/>
+                      <a:endParaRPr lang="fr-CH" sz="1000" dirty="0"/>
+                    </a:p>
+                  </a:txBody>
+                  <a:tcPr marL="71973" marR="71973" marT="35986" marB="35986" anchor="ctr"/>
+                </a:tc>
+                <a:tc>
+                  <a:txBody>
+                    <a:bodyPr/>
+                    <a:lstStyle/>
+                    <a:p>
+                      <a:pPr algn="ctr"/>
+                      <a:endParaRPr lang="fr-CH" sz="1000" dirty="0"/>
+                    </a:p>
+                  </a:txBody>
+                  <a:tcPr marL="71973" marR="71973" marT="35986" marB="35986" anchor="ctr"/>
+                </a:tc>
+                <a:tc>
+                  <a:txBody>
+                    <a:bodyPr/>
+                    <a:lstStyle/>
+                    <a:p>
+                      <a:pPr algn="ctr"/>
+                      <a:endParaRPr lang="fr-CH" sz="1000" dirty="0"/>
+                    </a:p>
+                  </a:txBody>
+                  <a:tcPr marL="71973" marR="71973" marT="35986" marB="35986" anchor="ctr"/>
+                </a:tc>
+                <a:tc>
+                  <a:txBody>
+                    <a:bodyPr/>
+                    <a:lstStyle/>
+                    <a:p>
+                      <a:pPr algn="ctr"/>
+                      <a:endParaRPr lang="fr-CH" sz="1000"/>
+                    </a:p>
+                  </a:txBody>
+                  <a:tcPr marL="71973" marR="71973" marT="35986" marB="35986" anchor="ctr"/>
+                </a:tc>
+                <a:extLst>
+                  <a:ext uri="{0D108BD9-81ED-4DB2-BD59-A6C34878D82A}">
+                    <a16:rowId xmlns:a16="http://schemas.microsoft.com/office/drawing/2014/main" val="3711881185"/>
+                  </a:ext>
+                </a:extLst>
+              </a:tr>
+              <a:tr h="287948">
+                <a:tc>
+                  <a:txBody>
+                    <a:bodyPr/>
+                    <a:lstStyle/>
+                    <a:p>
+                      <a:pPr algn="ctr"/>
+                      <a:endParaRPr lang="fr-CH" sz="1000" dirty="0"/>
+                    </a:p>
+                  </a:txBody>
+                  <a:tcPr marL="71973" marR="71973" marT="35986" marB="35986" anchor="ctr"/>
+                </a:tc>
+                <a:tc>
+                  <a:txBody>
+                    <a:bodyPr/>
+                    <a:lstStyle/>
+                    <a:p>
+                      <a:pPr algn="ctr"/>
+                      <a:endParaRPr lang="fr-CH" sz="1000" dirty="0"/>
+                    </a:p>
+                  </a:txBody>
+                  <a:tcPr marL="71973" marR="71973" marT="35986" marB="35986" anchor="ctr"/>
+                </a:tc>
+                <a:tc>
+                  <a:txBody>
+                    <a:bodyPr/>
+                    <a:lstStyle/>
+                    <a:p>
+                      <a:pPr algn="ctr"/>
+                      <a:endParaRPr lang="fr-CH" sz="1000" dirty="0"/>
+                    </a:p>
+                  </a:txBody>
+                  <a:tcPr marL="71973" marR="71973" marT="35986" marB="35986" anchor="ctr"/>
+                </a:tc>
+                <a:tc>
+                  <a:txBody>
+                    <a:bodyPr/>
+                    <a:lstStyle/>
+                    <a:p>
+                      <a:pPr algn="ctr"/>
+                      <a:endParaRPr lang="fr-CH" sz="1000" dirty="0"/>
+                    </a:p>
+                  </a:txBody>
+                  <a:tcPr marL="71973" marR="71973" marT="35986" marB="35986" anchor="ctr"/>
+                </a:tc>
+                <a:tc>
+                  <a:txBody>
+                    <a:bodyPr/>
+                    <a:lstStyle/>
+                    <a:p>
+                      <a:pPr algn="ctr"/>
+                      <a:endParaRPr lang="fr-CH" sz="1000" dirty="0"/>
+                    </a:p>
+                  </a:txBody>
+                  <a:tcPr marL="71973" marR="71973" marT="35986" marB="35986" anchor="ctr"/>
+                </a:tc>
+                <a:tc>
+                  <a:txBody>
+                    <a:bodyPr/>
+                    <a:lstStyle/>
+                    <a:p>
+                      <a:pPr algn="ctr"/>
+                      <a:endParaRPr lang="fr-CH" sz="1000" dirty="0"/>
+                    </a:p>
+                  </a:txBody>
+                  <a:tcPr marL="71973" marR="71973" marT="35986" marB="35986" anchor="ctr"/>
+                </a:tc>
+                <a:tc>
+                  <a:txBody>
+                    <a:bodyPr/>
+                    <a:lstStyle/>
+                    <a:p>
+                      <a:pPr algn="ctr"/>
+                      <a:endParaRPr lang="fr-CH" sz="1000"/>
+                    </a:p>
+                  </a:txBody>
+                  <a:tcPr marL="71973" marR="71973" marT="35986" marB="35986" anchor="ctr"/>
+                </a:tc>
+                <a:tc>
+                  <a:txBody>
+                    <a:bodyPr/>
+                    <a:lstStyle/>
+                    <a:p>
+                      <a:pPr algn="ctr"/>
+                      <a:endParaRPr lang="fr-CH" sz="1000"/>
+                    </a:p>
+                  </a:txBody>
+                  <a:tcPr marL="71973" marR="71973" marT="35986" marB="35986" anchor="ctr"/>
+                </a:tc>
+                <a:extLst>
+                  <a:ext uri="{0D108BD9-81ED-4DB2-BD59-A6C34878D82A}">
+                    <a16:rowId xmlns:a16="http://schemas.microsoft.com/office/drawing/2014/main" val="414310014"/>
+                  </a:ext>
+                </a:extLst>
+              </a:tr>
+              <a:tr h="287948">
+                <a:tc>
+                  <a:txBody>
+                    <a:bodyPr/>
+                    <a:lstStyle/>
+                    <a:p>
+                      <a:pPr algn="ctr"/>
+                      <a:endParaRPr lang="fr-CH" sz="1000" dirty="0"/>
+                    </a:p>
+                  </a:txBody>
+                  <a:tcPr marL="71973" marR="71973" marT="35986" marB="35986" anchor="ctr"/>
+                </a:tc>
+                <a:tc>
+                  <a:txBody>
+                    <a:bodyPr/>
+                    <a:lstStyle/>
+                    <a:p>
+                      <a:pPr algn="ctr"/>
+                      <a:endParaRPr lang="fr-CH" sz="1000" dirty="0"/>
+                    </a:p>
+                  </a:txBody>
+                  <a:tcPr marL="71973" marR="71973" marT="35986" marB="35986" anchor="ctr"/>
+                </a:tc>
+                <a:tc>
+                  <a:txBody>
+                    <a:bodyPr/>
+                    <a:lstStyle/>
+                    <a:p>
+                      <a:pPr algn="ctr"/>
+                      <a:endParaRPr lang="fr-CH" sz="1000" dirty="0"/>
+                    </a:p>
+                  </a:txBody>
+                  <a:tcPr marL="71973" marR="71973" marT="35986" marB="35986" anchor="ctr"/>
+                </a:tc>
+                <a:tc>
+                  <a:txBody>
+                    <a:bodyPr/>
+                    <a:lstStyle/>
+                    <a:p>
+                      <a:pPr algn="ctr"/>
+                      <a:endParaRPr lang="fr-CH" sz="1000" dirty="0"/>
+                    </a:p>
+                  </a:txBody>
+                  <a:tcPr marL="71973" marR="71973" marT="35986" marB="35986" anchor="ctr"/>
+                </a:tc>
+                <a:tc>
+                  <a:txBody>
+                    <a:bodyPr/>
+                    <a:lstStyle/>
+                    <a:p>
+                      <a:pPr algn="ctr"/>
+                      <a:endParaRPr lang="fr-CH" sz="1000" dirty="0"/>
+                    </a:p>
+                  </a:txBody>
+                  <a:tcPr marL="71973" marR="71973" marT="35986" marB="35986" anchor="ctr"/>
+                </a:tc>
+                <a:tc>
+                  <a:txBody>
+                    <a:bodyPr/>
+                    <a:lstStyle/>
+                    <a:p>
+                      <a:pPr algn="ctr"/>
+                      <a:endParaRPr lang="fr-CH" sz="1000" dirty="0"/>
+                    </a:p>
+                  </a:txBody>
+                  <a:tcPr marL="71973" marR="71973" marT="35986" marB="35986" anchor="ctr"/>
+                </a:tc>
+                <a:tc>
+                  <a:txBody>
+                    <a:bodyPr/>
+                    <a:lstStyle/>
+                    <a:p>
+                      <a:pPr algn="ctr"/>
+                      <a:endParaRPr lang="fr-CH" sz="1000" dirty="0"/>
+                    </a:p>
+                  </a:txBody>
+                  <a:tcPr marL="71973" marR="71973" marT="35986" marB="35986" anchor="ctr"/>
+                </a:tc>
+                <a:tc>
+                  <a:txBody>
+                    <a:bodyPr/>
+                    <a:lstStyle/>
+                    <a:p>
+                      <a:pPr algn="ctr"/>
+                      <a:endParaRPr lang="fr-CH" sz="1000" dirty="0"/>
+                    </a:p>
+                  </a:txBody>
+                  <a:tcPr marL="71973" marR="71973" marT="35986" marB="35986" anchor="ctr"/>
+                </a:tc>
+                <a:extLst>
+                  <a:ext uri="{0D108BD9-81ED-4DB2-BD59-A6C34878D82A}">
+                    <a16:rowId xmlns:a16="http://schemas.microsoft.com/office/drawing/2014/main" val="3374282155"/>
+                  </a:ext>
+                </a:extLst>
+              </a:tr>
+              <a:tr h="287948">
+                <a:tc>
+                  <a:txBody>
+                    <a:bodyPr/>
+                    <a:lstStyle/>
+                    <a:p>
+                      <a:pPr algn="ctr"/>
+                      <a:endParaRPr lang="fr-CH" sz="1000" dirty="0"/>
+                    </a:p>
+                  </a:txBody>
+                  <a:tcPr marL="71973" marR="71973" marT="35986" marB="35986" anchor="ctr"/>
+                </a:tc>
+                <a:tc>
+                  <a:txBody>
+                    <a:bodyPr/>
+                    <a:lstStyle/>
+                    <a:p>
+                      <a:pPr algn="ctr"/>
+                      <a:endParaRPr lang="fr-CH" sz="1000" dirty="0"/>
+                    </a:p>
+                  </a:txBody>
+                  <a:tcPr marL="71973" marR="71973" marT="35986" marB="35986" anchor="ctr"/>
+                </a:tc>
+                <a:tc>
+                  <a:txBody>
+                    <a:bodyPr/>
+                    <a:lstStyle/>
+                    <a:p>
+                      <a:pPr algn="ctr"/>
+                      <a:endParaRPr lang="fr-CH" sz="1000" dirty="0"/>
+                    </a:p>
+                  </a:txBody>
+                  <a:tcPr marL="71973" marR="71973" marT="35986" marB="35986" anchor="ctr"/>
+                </a:tc>
+                <a:tc>
+                  <a:txBody>
+                    <a:bodyPr/>
+                    <a:lstStyle/>
+                    <a:p>
+                      <a:pPr algn="ctr"/>
+                      <a:endParaRPr lang="fr-CH" sz="1000" dirty="0"/>
+                    </a:p>
+                  </a:txBody>
+                  <a:tcPr marL="71973" marR="71973" marT="35986" marB="35986" anchor="ctr"/>
+                </a:tc>
+                <a:tc>
+                  <a:txBody>
+                    <a:bodyPr/>
+                    <a:lstStyle/>
+                    <a:p>
+                      <a:pPr algn="ctr"/>
+                      <a:endParaRPr lang="fr-CH" sz="1000" dirty="0"/>
+                    </a:p>
+                  </a:txBody>
+                  <a:tcPr marL="71973" marR="71973" marT="35986" marB="35986" anchor="ctr"/>
+                </a:tc>
+                <a:tc>
+                  <a:txBody>
+                    <a:bodyPr/>
+                    <a:lstStyle/>
+                    <a:p>
+                      <a:pPr algn="ctr"/>
+                      <a:endParaRPr lang="fr-CH" sz="1000" dirty="0"/>
+                    </a:p>
+                  </a:txBody>
+                  <a:tcPr marL="71973" marR="71973" marT="35986" marB="35986" anchor="ctr"/>
+                </a:tc>
+                <a:tc>
+                  <a:txBody>
+                    <a:bodyPr/>
+                    <a:lstStyle/>
+                    <a:p>
+                      <a:pPr algn="ctr"/>
+                      <a:endParaRPr lang="fr-CH" sz="1000" dirty="0"/>
+                    </a:p>
+                  </a:txBody>
+                  <a:tcPr marL="71973" marR="71973" marT="35986" marB="35986" anchor="ctr"/>
+                </a:tc>
+                <a:tc>
+                  <a:txBody>
+                    <a:bodyPr/>
+                    <a:lstStyle/>
+                    <a:p>
+                      <a:pPr algn="ctr"/>
+                      <a:endParaRPr lang="fr-CH" sz="1000" dirty="0"/>
+                    </a:p>
+                  </a:txBody>
+                  <a:tcPr marL="71973" marR="71973" marT="35986" marB="35986" anchor="ctr"/>
+                </a:tc>
+                <a:extLst>
+                  <a:ext uri="{0D108BD9-81ED-4DB2-BD59-A6C34878D82A}">
+                    <a16:rowId xmlns:a16="http://schemas.microsoft.com/office/drawing/2014/main" val="1874434423"/>
+                  </a:ext>
+                </a:extLst>
+              </a:tr>
+              <a:tr h="287948">
+                <a:tc>
+                  <a:txBody>
+                    <a:bodyPr/>
+                    <a:lstStyle/>
+                    <a:p>
+                      <a:pPr algn="ctr"/>
+                      <a:endParaRPr lang="fr-CH" sz="1000" dirty="0"/>
+                    </a:p>
+                  </a:txBody>
+                  <a:tcPr marL="71973" marR="71973" marT="35986" marB="35986" anchor="ctr"/>
+                </a:tc>
+                <a:tc>
+                  <a:txBody>
+                    <a:bodyPr/>
+                    <a:lstStyle/>
+                    <a:p>
+                      <a:pPr algn="ctr"/>
+                      <a:endParaRPr lang="fr-CH" sz="1000" dirty="0"/>
+                    </a:p>
+                  </a:txBody>
+                  <a:tcPr marL="71973" marR="71973" marT="35986" marB="35986" anchor="ctr"/>
+                </a:tc>
+                <a:tc>
+                  <a:txBody>
+                    <a:bodyPr/>
+                    <a:lstStyle/>
+                    <a:p>
+                      <a:pPr algn="ctr"/>
+                      <a:endParaRPr lang="fr-CH" sz="1000" dirty="0"/>
+                    </a:p>
+                  </a:txBody>
+                  <a:tcPr marL="71973" marR="71973" marT="35986" marB="35986" anchor="ctr"/>
+                </a:tc>
+                <a:tc>
+                  <a:txBody>
+                    <a:bodyPr/>
+                    <a:lstStyle/>
+                    <a:p>
+                      <a:pPr algn="ctr"/>
+                      <a:endParaRPr lang="fr-CH" sz="1000" dirty="0"/>
+                    </a:p>
+                  </a:txBody>
+                  <a:tcPr marL="71973" marR="71973" marT="35986" marB="35986" anchor="ctr"/>
+                </a:tc>
+                <a:tc>
+                  <a:txBody>
+                    <a:bodyPr/>
+                    <a:lstStyle/>
+                    <a:p>
+                      <a:pPr algn="ctr"/>
+                      <a:endParaRPr lang="fr-CH" sz="1000" dirty="0"/>
+                    </a:p>
+                  </a:txBody>
+                  <a:tcPr marL="71973" marR="71973" marT="35986" marB="35986" anchor="ctr"/>
+                </a:tc>
+                <a:tc>
+                  <a:txBody>
+                    <a:bodyPr/>
+                    <a:lstStyle/>
+                    <a:p>
+                      <a:pPr algn="ctr"/>
+                      <a:endParaRPr lang="fr-CH" sz="1000" dirty="0"/>
+                    </a:p>
+                  </a:txBody>
+                  <a:tcPr marL="71973" marR="71973" marT="35986" marB="35986" anchor="ctr"/>
+                </a:tc>
+                <a:tc>
+                  <a:txBody>
+                    <a:bodyPr/>
+                    <a:lstStyle/>
+                    <a:p>
+                      <a:pPr algn="ctr"/>
+                      <a:endParaRPr lang="fr-CH" sz="1000" dirty="0"/>
+                    </a:p>
+                  </a:txBody>
+                  <a:tcPr marL="71973" marR="71973" marT="35986" marB="35986" anchor="ctr"/>
+                </a:tc>
+                <a:tc>
+                  <a:txBody>
+                    <a:bodyPr/>
+                    <a:lstStyle/>
+                    <a:p>
+                      <a:pPr algn="ctr"/>
+                      <a:endParaRPr lang="fr-CH" sz="1000" dirty="0"/>
+                    </a:p>
+                  </a:txBody>
+                  <a:tcPr marL="71973" marR="71973" marT="35986" marB="35986" anchor="ctr"/>
+                </a:tc>
+                <a:extLst>
+                  <a:ext uri="{0D108BD9-81ED-4DB2-BD59-A6C34878D82A}">
+                    <a16:rowId xmlns:a16="http://schemas.microsoft.com/office/drawing/2014/main" val="1687951208"/>
+                  </a:ext>
+                </a:extLst>
+              </a:tr>
+              <a:tr h="287948">
+                <a:tc>
+                  <a:txBody>
+                    <a:bodyPr/>
+                    <a:lstStyle/>
+                    <a:p>
+                      <a:pPr algn="ctr"/>
+                      <a:r>
+                        <a:rPr lang="fr-CH" sz="1000" dirty="0" smtClean="0"/>
+                        <a:t>17</a:t>
+                      </a:r>
+                      <a:endParaRPr lang="fr-CH" sz="1000" dirty="0"/>
+                    </a:p>
+                  </a:txBody>
+                  <a:tcPr marL="71973" marR="71973" marT="35986" marB="35986" anchor="ctr"/>
+                </a:tc>
+                <a:tc>
+                  <a:txBody>
+                    <a:bodyPr/>
+                    <a:lstStyle/>
+                    <a:p>
+                      <a:pPr algn="ctr"/>
+                      <a:r>
+                        <a:rPr lang="fr-CH" sz="1000" dirty="0" smtClean="0"/>
+                        <a:t>18</a:t>
+                      </a:r>
+                      <a:endParaRPr lang="fr-CH" sz="1000" dirty="0"/>
+                    </a:p>
+                  </a:txBody>
+                  <a:tcPr marL="71973" marR="71973" marT="35986" marB="35986" anchor="ctr"/>
+                </a:tc>
+                <a:tc>
+                  <a:txBody>
+                    <a:bodyPr/>
+                    <a:lstStyle/>
+                    <a:p>
+                      <a:pPr algn="ctr"/>
+                      <a:r>
+                        <a:rPr lang="fr-CH" sz="1000" dirty="0" smtClean="0"/>
+                        <a:t>19</a:t>
+                      </a:r>
+                      <a:endParaRPr lang="fr-CH" sz="1000" dirty="0"/>
+                    </a:p>
+                  </a:txBody>
+                  <a:tcPr marL="71973" marR="71973" marT="35986" marB="35986" anchor="ctr"/>
+                </a:tc>
+                <a:tc>
+                  <a:txBody>
+                    <a:bodyPr/>
+                    <a:lstStyle/>
+                    <a:p>
+                      <a:pPr algn="ctr"/>
+                      <a:r>
+                        <a:rPr lang="fr-CH" sz="1000" dirty="0" smtClean="0"/>
+                        <a:t>20</a:t>
+                      </a:r>
+                      <a:endParaRPr lang="fr-CH" sz="1000" dirty="0"/>
+                    </a:p>
+                  </a:txBody>
+                  <a:tcPr marL="71973" marR="71973" marT="35986" marB="35986" anchor="ctr"/>
+                </a:tc>
+                <a:tc>
+                  <a:txBody>
+                    <a:bodyPr/>
+                    <a:lstStyle/>
+                    <a:p>
+                      <a:pPr algn="ctr"/>
+                      <a:r>
+                        <a:rPr lang="fr-CH" sz="1000" dirty="0" smtClean="0"/>
+                        <a:t>21</a:t>
+                      </a:r>
+                      <a:endParaRPr lang="fr-CH" sz="1000" dirty="0"/>
+                    </a:p>
+                  </a:txBody>
+                  <a:tcPr marL="71973" marR="71973" marT="35986" marB="35986" anchor="ctr"/>
+                </a:tc>
+                <a:tc>
+                  <a:txBody>
+                    <a:bodyPr/>
+                    <a:lstStyle/>
+                    <a:p>
+                      <a:pPr algn="ctr"/>
+                      <a:r>
+                        <a:rPr lang="fr-CH" sz="1000" dirty="0" smtClean="0"/>
+                        <a:t>22</a:t>
+                      </a:r>
+                      <a:endParaRPr lang="fr-CH" sz="1000" dirty="0"/>
+                    </a:p>
+                  </a:txBody>
+                  <a:tcPr marL="71973" marR="71973" marT="35986" marB="35986" anchor="ctr"/>
+                </a:tc>
+                <a:tc>
+                  <a:txBody>
+                    <a:bodyPr/>
+                    <a:lstStyle/>
+                    <a:p>
+                      <a:pPr algn="ctr"/>
+                      <a:r>
+                        <a:rPr lang="fr-CH" sz="1000" dirty="0" smtClean="0"/>
+                        <a:t>23</a:t>
+                      </a:r>
+                      <a:endParaRPr lang="fr-CH" sz="1000" dirty="0"/>
+                    </a:p>
+                  </a:txBody>
+                  <a:tcPr marL="71973" marR="71973" marT="35986" marB="35986" anchor="ctr"/>
+                </a:tc>
+                <a:tc>
+                  <a:txBody>
+                    <a:bodyPr/>
+                    <a:lstStyle/>
+                    <a:p>
+                      <a:pPr algn="ctr"/>
+                      <a:r>
+                        <a:rPr lang="fr-CH" sz="1000" dirty="0" smtClean="0"/>
+                        <a:t>24</a:t>
+                      </a:r>
+                      <a:endParaRPr lang="fr-CH" sz="1000" dirty="0"/>
+                    </a:p>
+                  </a:txBody>
+                  <a:tcPr marL="71973" marR="71973" marT="35986" marB="35986" anchor="ctr"/>
+                </a:tc>
+                <a:extLst>
+                  <a:ext uri="{0D108BD9-81ED-4DB2-BD59-A6C34878D82A}">
+                    <a16:rowId xmlns:a16="http://schemas.microsoft.com/office/drawing/2014/main" val="1093907652"/>
+                  </a:ext>
+                </a:extLst>
+              </a:tr>
+              <a:tr h="287948">
+                <a:tc>
+                  <a:txBody>
+                    <a:bodyPr/>
+                    <a:lstStyle/>
+                    <a:p>
+                      <a:pPr algn="ctr"/>
+                      <a:r>
+                        <a:rPr lang="fr-CH" sz="1000" dirty="0" smtClean="0"/>
+                        <a:t>9</a:t>
+                      </a:r>
+                      <a:endParaRPr lang="fr-CH" sz="1000" dirty="0"/>
+                    </a:p>
+                  </a:txBody>
+                  <a:tcPr marL="71973" marR="71973" marT="35986" marB="35986" anchor="ctr"/>
+                </a:tc>
+                <a:tc>
+                  <a:txBody>
+                    <a:bodyPr/>
+                    <a:lstStyle/>
+                    <a:p>
+                      <a:pPr algn="ctr"/>
+                      <a:r>
+                        <a:rPr lang="fr-CH" sz="1000" dirty="0" smtClean="0"/>
+                        <a:t>10</a:t>
+                      </a:r>
+                      <a:endParaRPr lang="fr-CH" sz="1000" dirty="0"/>
+                    </a:p>
+                  </a:txBody>
+                  <a:tcPr marL="71973" marR="71973" marT="35986" marB="35986" anchor="ctr"/>
+                </a:tc>
+                <a:tc>
+                  <a:txBody>
+                    <a:bodyPr/>
+                    <a:lstStyle/>
+                    <a:p>
+                      <a:pPr algn="ctr"/>
+                      <a:r>
+                        <a:rPr lang="fr-CH" sz="1000" dirty="0" smtClean="0"/>
+                        <a:t>11</a:t>
+                      </a:r>
+                      <a:endParaRPr lang="fr-CH" sz="1000" dirty="0"/>
+                    </a:p>
+                  </a:txBody>
+                  <a:tcPr marL="71973" marR="71973" marT="35986" marB="35986" anchor="ctr"/>
+                </a:tc>
+                <a:tc>
+                  <a:txBody>
+                    <a:bodyPr/>
+                    <a:lstStyle/>
+                    <a:p>
+                      <a:pPr algn="ctr"/>
+                      <a:r>
+                        <a:rPr lang="fr-CH" sz="1000" dirty="0" smtClean="0"/>
+                        <a:t>12</a:t>
+                      </a:r>
+                      <a:endParaRPr lang="fr-CH" sz="1000" dirty="0"/>
+                    </a:p>
+                  </a:txBody>
+                  <a:tcPr marL="71973" marR="71973" marT="35986" marB="35986" anchor="ctr"/>
+                </a:tc>
+                <a:tc>
+                  <a:txBody>
+                    <a:bodyPr/>
+                    <a:lstStyle/>
+                    <a:p>
+                      <a:pPr algn="ctr"/>
+                      <a:r>
+                        <a:rPr lang="fr-CH" sz="1000" dirty="0" smtClean="0"/>
+                        <a:t>13</a:t>
+                      </a:r>
+                      <a:endParaRPr lang="fr-CH" sz="1000" dirty="0"/>
+                    </a:p>
+                  </a:txBody>
+                  <a:tcPr marL="71973" marR="71973" marT="35986" marB="35986" anchor="ctr"/>
+                </a:tc>
+                <a:tc>
+                  <a:txBody>
+                    <a:bodyPr/>
+                    <a:lstStyle/>
+                    <a:p>
+                      <a:pPr algn="ctr"/>
+                      <a:r>
+                        <a:rPr lang="fr-CH" sz="1000" dirty="0" smtClean="0"/>
+                        <a:t>14</a:t>
+                      </a:r>
+                      <a:endParaRPr lang="fr-CH" sz="1000" dirty="0"/>
+                    </a:p>
+                  </a:txBody>
+                  <a:tcPr marL="71973" marR="71973" marT="35986" marB="35986" anchor="ctr"/>
+                </a:tc>
+                <a:tc>
+                  <a:txBody>
+                    <a:bodyPr/>
+                    <a:lstStyle/>
+                    <a:p>
+                      <a:pPr algn="ctr"/>
+                      <a:r>
+                        <a:rPr lang="fr-CH" sz="1000" dirty="0" smtClean="0"/>
+                        <a:t>15</a:t>
+                      </a:r>
+                      <a:endParaRPr lang="fr-CH" sz="1000" dirty="0"/>
+                    </a:p>
+                  </a:txBody>
+                  <a:tcPr marL="71973" marR="71973" marT="35986" marB="35986" anchor="ctr"/>
+                </a:tc>
+                <a:tc>
+                  <a:txBody>
+                    <a:bodyPr/>
+                    <a:lstStyle/>
+                    <a:p>
+                      <a:pPr algn="ctr"/>
+                      <a:r>
+                        <a:rPr lang="fr-CH" sz="1000" dirty="0" smtClean="0"/>
+                        <a:t>16</a:t>
+                      </a:r>
+                      <a:endParaRPr lang="fr-CH" sz="1000" dirty="0"/>
+                    </a:p>
+                  </a:txBody>
+                  <a:tcPr marL="71973" marR="71973" marT="35986" marB="35986" anchor="ctr"/>
+                </a:tc>
+                <a:extLst>
+                  <a:ext uri="{0D108BD9-81ED-4DB2-BD59-A6C34878D82A}">
+                    <a16:rowId xmlns:a16="http://schemas.microsoft.com/office/drawing/2014/main" val="1241338910"/>
+                  </a:ext>
+                </a:extLst>
+              </a:tr>
+              <a:tr h="287948">
+                <a:tc>
+                  <a:txBody>
+                    <a:bodyPr/>
+                    <a:lstStyle/>
+                    <a:p>
+                      <a:pPr algn="ctr"/>
+                      <a:r>
+                        <a:rPr lang="fr-CH" sz="1000" dirty="0" smtClean="0"/>
+                        <a:t>1</a:t>
+                      </a:r>
+                      <a:endParaRPr lang="fr-CH" sz="1000" dirty="0"/>
+                    </a:p>
+                  </a:txBody>
+                  <a:tcPr marL="71973" marR="71973" marT="35986" marB="35986" anchor="ctr"/>
+                </a:tc>
+                <a:tc>
+                  <a:txBody>
+                    <a:bodyPr/>
+                    <a:lstStyle/>
+                    <a:p>
+                      <a:pPr algn="ctr"/>
+                      <a:r>
+                        <a:rPr lang="fr-CH" sz="1000" dirty="0" smtClean="0"/>
+                        <a:t>2</a:t>
+                      </a:r>
+                      <a:endParaRPr lang="fr-CH" sz="1000" dirty="0"/>
+                    </a:p>
+                  </a:txBody>
+                  <a:tcPr marL="71973" marR="71973" marT="35986" marB="35986" anchor="ctr"/>
+                </a:tc>
+                <a:tc>
+                  <a:txBody>
+                    <a:bodyPr/>
+                    <a:lstStyle/>
+                    <a:p>
+                      <a:pPr algn="ctr"/>
+                      <a:r>
+                        <a:rPr lang="fr-CH" sz="1000" dirty="0" smtClean="0"/>
+                        <a:t>3</a:t>
+                      </a:r>
+                      <a:endParaRPr lang="fr-CH" sz="1000" dirty="0"/>
+                    </a:p>
+                  </a:txBody>
+                  <a:tcPr marL="71973" marR="71973" marT="35986" marB="35986" anchor="ctr"/>
+                </a:tc>
+                <a:tc>
+                  <a:txBody>
+                    <a:bodyPr/>
+                    <a:lstStyle/>
+                    <a:p>
+                      <a:pPr algn="ctr"/>
+                      <a:r>
+                        <a:rPr lang="fr-CH" sz="1000" dirty="0" smtClean="0"/>
+                        <a:t>4</a:t>
+                      </a:r>
+                      <a:endParaRPr lang="fr-CH" sz="1000" dirty="0"/>
+                    </a:p>
+                  </a:txBody>
+                  <a:tcPr marL="71973" marR="71973" marT="35986" marB="35986" anchor="ctr"/>
+                </a:tc>
+                <a:tc>
+                  <a:txBody>
+                    <a:bodyPr/>
+                    <a:lstStyle/>
+                    <a:p>
+                      <a:pPr algn="ctr"/>
+                      <a:r>
+                        <a:rPr lang="fr-CH" sz="1000" dirty="0" smtClean="0"/>
+                        <a:t>5</a:t>
+                      </a:r>
+                      <a:endParaRPr lang="fr-CH" sz="1000" dirty="0"/>
+                    </a:p>
+                  </a:txBody>
+                  <a:tcPr marL="71973" marR="71973" marT="35986" marB="35986" anchor="ctr"/>
+                </a:tc>
+                <a:tc>
+                  <a:txBody>
+                    <a:bodyPr/>
+                    <a:lstStyle/>
+                    <a:p>
+                      <a:pPr algn="ctr"/>
+                      <a:r>
+                        <a:rPr lang="fr-CH" sz="1000" dirty="0" smtClean="0"/>
+                        <a:t>6</a:t>
+                      </a:r>
+                      <a:endParaRPr lang="fr-CH" sz="1000" dirty="0"/>
+                    </a:p>
+                  </a:txBody>
+                  <a:tcPr marL="71973" marR="71973" marT="35986" marB="35986" anchor="ctr"/>
+                </a:tc>
+                <a:tc>
+                  <a:txBody>
+                    <a:bodyPr/>
+                    <a:lstStyle/>
+                    <a:p>
+                      <a:pPr algn="ctr"/>
+                      <a:r>
+                        <a:rPr lang="fr-CH" sz="1000" dirty="0" smtClean="0"/>
+                        <a:t>7</a:t>
+                      </a:r>
+                      <a:endParaRPr lang="fr-CH" sz="1000" dirty="0"/>
+                    </a:p>
+                  </a:txBody>
+                  <a:tcPr marL="71973" marR="71973" marT="35986" marB="35986" anchor="ctr"/>
+                </a:tc>
+                <a:tc>
+                  <a:txBody>
+                    <a:bodyPr/>
+                    <a:lstStyle/>
+                    <a:p>
+                      <a:pPr algn="ctr"/>
+                      <a:r>
+                        <a:rPr lang="fr-CH" sz="1000" dirty="0" smtClean="0"/>
+                        <a:t>8</a:t>
+                      </a:r>
+                      <a:endParaRPr lang="fr-CH" sz="1000" dirty="0"/>
+                    </a:p>
+                  </a:txBody>
+                  <a:tcPr marL="71973" marR="71973" marT="35986" marB="35986" anchor="ctr"/>
+                </a:tc>
+                <a:extLst>
+                  <a:ext uri="{0D108BD9-81ED-4DB2-BD59-A6C34878D82A}">
+                    <a16:rowId xmlns:a16="http://schemas.microsoft.com/office/drawing/2014/main" val="122619707"/>
+                  </a:ext>
+                </a:extLst>
+              </a:tr>
+            </a:tbl>
+          </a:graphicData>
+        </a:graphic>
+      </p:graphicFrame>
+      <p:graphicFrame>
+        <p:nvGraphicFramePr>
+          <p:cNvPr id="16" name="Tableau 15"/>
+          <p:cNvGraphicFramePr>
+            <a:graphicFrameLocks noGrp="1"/>
+          </p:cNvGraphicFramePr>
+          <p:nvPr>
+            <p:extLst>
+              <p:ext uri="{D42A27DB-BD31-4B8C-83A1-F6EECF244321}">
+                <p14:modId xmlns:p14="http://schemas.microsoft.com/office/powerpoint/2010/main" val="1734157040"/>
+              </p:ext>
+            </p:extLst>
+          </p:nvPr>
+        </p:nvGraphicFramePr>
+        <p:xfrm>
+          <a:off x="9143078" y="2862627"/>
+          <a:ext cx="2266864" cy="2303584"/>
+        </p:xfrm>
+        <a:graphic>
+          <a:graphicData uri="http://schemas.openxmlformats.org/drawingml/2006/table">
+            <a:tbl>
+              <a:tblPr firstRow="1" bandRow="1">
+                <a:tableStyleId>{5940675A-B579-460E-94D1-54222C63F5DA}</a:tableStyleId>
+              </a:tblPr>
+              <a:tblGrid>
+                <a:gridCol w="283358">
+                  <a:extLst>
+                    <a:ext uri="{9D8B030D-6E8A-4147-A177-3AD203B41FA5}">
+                      <a16:colId xmlns:a16="http://schemas.microsoft.com/office/drawing/2014/main" val="356113754"/>
+                    </a:ext>
+                  </a:extLst>
+                </a:gridCol>
+                <a:gridCol w="283358">
+                  <a:extLst>
+                    <a:ext uri="{9D8B030D-6E8A-4147-A177-3AD203B41FA5}">
+                      <a16:colId xmlns:a16="http://schemas.microsoft.com/office/drawing/2014/main" val="1185311506"/>
+                    </a:ext>
+                  </a:extLst>
+                </a:gridCol>
+                <a:gridCol w="283358">
+                  <a:extLst>
+                    <a:ext uri="{9D8B030D-6E8A-4147-A177-3AD203B41FA5}">
+                      <a16:colId xmlns:a16="http://schemas.microsoft.com/office/drawing/2014/main" val="620341097"/>
+                    </a:ext>
+                  </a:extLst>
+                </a:gridCol>
+                <a:gridCol w="283358">
+                  <a:extLst>
+                    <a:ext uri="{9D8B030D-6E8A-4147-A177-3AD203B41FA5}">
+                      <a16:colId xmlns:a16="http://schemas.microsoft.com/office/drawing/2014/main" val="388674788"/>
+                    </a:ext>
+                  </a:extLst>
+                </a:gridCol>
+                <a:gridCol w="283358">
+                  <a:extLst>
+                    <a:ext uri="{9D8B030D-6E8A-4147-A177-3AD203B41FA5}">
+                      <a16:colId xmlns:a16="http://schemas.microsoft.com/office/drawing/2014/main" val="2934149511"/>
+                    </a:ext>
+                  </a:extLst>
+                </a:gridCol>
+                <a:gridCol w="283358">
+                  <a:extLst>
+                    <a:ext uri="{9D8B030D-6E8A-4147-A177-3AD203B41FA5}">
+                      <a16:colId xmlns:a16="http://schemas.microsoft.com/office/drawing/2014/main" val="1880854784"/>
+                    </a:ext>
+                  </a:extLst>
+                </a:gridCol>
+                <a:gridCol w="283358">
+                  <a:extLst>
+                    <a:ext uri="{9D8B030D-6E8A-4147-A177-3AD203B41FA5}">
+                      <a16:colId xmlns:a16="http://schemas.microsoft.com/office/drawing/2014/main" val="232329049"/>
+                    </a:ext>
+                  </a:extLst>
+                </a:gridCol>
+                <a:gridCol w="283358">
+                  <a:extLst>
+                    <a:ext uri="{9D8B030D-6E8A-4147-A177-3AD203B41FA5}">
+                      <a16:colId xmlns:a16="http://schemas.microsoft.com/office/drawing/2014/main" val="3012201305"/>
+                    </a:ext>
+                  </a:extLst>
+                </a:gridCol>
+              </a:tblGrid>
+              <a:tr h="287948">
+                <a:tc>
+                  <a:txBody>
+                    <a:bodyPr/>
+                    <a:lstStyle/>
+                    <a:p>
+                      <a:pPr algn="ctr"/>
+                      <a:endParaRPr lang="fr-CH" sz="1000" dirty="0"/>
+                    </a:p>
+                  </a:txBody>
+                  <a:tcPr marL="71973" marR="71973" marT="35986" marB="35986" anchor="ctr"/>
+                </a:tc>
+                <a:tc>
+                  <a:txBody>
+                    <a:bodyPr/>
+                    <a:lstStyle/>
+                    <a:p>
+                      <a:pPr algn="ctr"/>
+                      <a:endParaRPr lang="fr-CH" sz="1000" dirty="0"/>
+                    </a:p>
+                  </a:txBody>
+                  <a:tcPr marL="71973" marR="71973" marT="35986" marB="35986" anchor="ctr"/>
+                </a:tc>
+                <a:tc>
+                  <a:txBody>
+                    <a:bodyPr/>
+                    <a:lstStyle/>
+                    <a:p>
+                      <a:pPr algn="ctr"/>
+                      <a:endParaRPr lang="fr-CH" sz="1000" dirty="0"/>
+                    </a:p>
+                  </a:txBody>
+                  <a:tcPr marL="71973" marR="71973" marT="35986" marB="35986" anchor="ctr"/>
+                </a:tc>
+                <a:tc>
+                  <a:txBody>
+                    <a:bodyPr/>
+                    <a:lstStyle/>
+                    <a:p>
+                      <a:pPr algn="ctr"/>
+                      <a:endParaRPr lang="fr-CH" sz="1000" dirty="0"/>
+                    </a:p>
+                  </a:txBody>
+                  <a:tcPr marL="71973" marR="71973" marT="35986" marB="35986" anchor="ctr"/>
+                </a:tc>
+                <a:tc>
+                  <a:txBody>
+                    <a:bodyPr/>
+                    <a:lstStyle/>
+                    <a:p>
+                      <a:pPr algn="ctr"/>
+                      <a:endParaRPr lang="fr-CH" sz="1000" dirty="0"/>
+                    </a:p>
+                  </a:txBody>
+                  <a:tcPr marL="71973" marR="71973" marT="35986" marB="35986" anchor="ctr"/>
+                </a:tc>
+                <a:tc>
+                  <a:txBody>
+                    <a:bodyPr/>
+                    <a:lstStyle/>
+                    <a:p>
+                      <a:pPr algn="ctr"/>
+                      <a:endParaRPr lang="fr-CH" sz="1000" dirty="0"/>
+                    </a:p>
+                  </a:txBody>
+                  <a:tcPr marL="71973" marR="71973" marT="35986" marB="35986" anchor="ctr"/>
+                </a:tc>
+                <a:tc>
+                  <a:txBody>
+                    <a:bodyPr/>
+                    <a:lstStyle/>
+                    <a:p>
+                      <a:pPr algn="ctr"/>
+                      <a:endParaRPr lang="fr-CH" sz="1000" dirty="0"/>
+                    </a:p>
+                  </a:txBody>
+                  <a:tcPr marL="71973" marR="71973" marT="35986" marB="35986" anchor="ctr"/>
+                </a:tc>
+                <a:tc>
+                  <a:txBody>
+                    <a:bodyPr/>
+                    <a:lstStyle/>
+                    <a:p>
+                      <a:pPr algn="ctr"/>
+                      <a:endParaRPr lang="fr-CH" sz="1000"/>
+                    </a:p>
+                  </a:txBody>
+                  <a:tcPr marL="71973" marR="71973" marT="35986" marB="35986" anchor="ctr"/>
+                </a:tc>
+                <a:extLst>
+                  <a:ext uri="{0D108BD9-81ED-4DB2-BD59-A6C34878D82A}">
+                    <a16:rowId xmlns:a16="http://schemas.microsoft.com/office/drawing/2014/main" val="3711881185"/>
+                  </a:ext>
+                </a:extLst>
+              </a:tr>
+              <a:tr h="287948">
+                <a:tc>
+                  <a:txBody>
+                    <a:bodyPr/>
+                    <a:lstStyle/>
+                    <a:p>
+                      <a:pPr algn="ctr"/>
+                      <a:endParaRPr lang="fr-CH" sz="1000" dirty="0"/>
+                    </a:p>
+                  </a:txBody>
+                  <a:tcPr marL="71973" marR="71973" marT="35986" marB="35986" anchor="ctr"/>
+                </a:tc>
+                <a:tc>
+                  <a:txBody>
+                    <a:bodyPr/>
+                    <a:lstStyle/>
+                    <a:p>
+                      <a:pPr algn="ctr"/>
+                      <a:endParaRPr lang="fr-CH" sz="1000" dirty="0"/>
+                    </a:p>
+                  </a:txBody>
+                  <a:tcPr marL="71973" marR="71973" marT="35986" marB="35986" anchor="ctr"/>
+                </a:tc>
+                <a:tc>
+                  <a:txBody>
+                    <a:bodyPr/>
+                    <a:lstStyle/>
+                    <a:p>
+                      <a:pPr algn="ctr"/>
+                      <a:endParaRPr lang="fr-CH" sz="1000" dirty="0"/>
+                    </a:p>
+                  </a:txBody>
+                  <a:tcPr marL="71973" marR="71973" marT="35986" marB="35986" anchor="ctr"/>
+                </a:tc>
+                <a:tc>
+                  <a:txBody>
+                    <a:bodyPr/>
+                    <a:lstStyle/>
+                    <a:p>
+                      <a:pPr algn="ctr"/>
+                      <a:endParaRPr lang="fr-CH" sz="1000" dirty="0"/>
+                    </a:p>
+                  </a:txBody>
+                  <a:tcPr marL="71973" marR="71973" marT="35986" marB="35986" anchor="ctr"/>
+                </a:tc>
+                <a:tc>
+                  <a:txBody>
+                    <a:bodyPr/>
+                    <a:lstStyle/>
+                    <a:p>
+                      <a:pPr algn="ctr"/>
+                      <a:endParaRPr lang="fr-CH" sz="1000" dirty="0"/>
+                    </a:p>
+                  </a:txBody>
+                  <a:tcPr marL="71973" marR="71973" marT="35986" marB="35986" anchor="ctr"/>
+                </a:tc>
+                <a:tc>
+                  <a:txBody>
+                    <a:bodyPr/>
+                    <a:lstStyle/>
+                    <a:p>
+                      <a:pPr algn="ctr"/>
+                      <a:endParaRPr lang="fr-CH" sz="1000" dirty="0"/>
+                    </a:p>
+                  </a:txBody>
+                  <a:tcPr marL="71973" marR="71973" marT="35986" marB="35986" anchor="ctr"/>
+                </a:tc>
+                <a:tc>
+                  <a:txBody>
+                    <a:bodyPr/>
+                    <a:lstStyle/>
+                    <a:p>
+                      <a:pPr algn="ctr"/>
+                      <a:endParaRPr lang="fr-CH" sz="1000"/>
+                    </a:p>
+                  </a:txBody>
+                  <a:tcPr marL="71973" marR="71973" marT="35986" marB="35986" anchor="ctr"/>
+                </a:tc>
+                <a:tc>
+                  <a:txBody>
+                    <a:bodyPr/>
+                    <a:lstStyle/>
+                    <a:p>
+                      <a:pPr algn="ctr"/>
+                      <a:endParaRPr lang="fr-CH" sz="1000"/>
+                    </a:p>
+                  </a:txBody>
+                  <a:tcPr marL="71973" marR="71973" marT="35986" marB="35986" anchor="ctr"/>
+                </a:tc>
+                <a:extLst>
+                  <a:ext uri="{0D108BD9-81ED-4DB2-BD59-A6C34878D82A}">
+                    <a16:rowId xmlns:a16="http://schemas.microsoft.com/office/drawing/2014/main" val="414310014"/>
+                  </a:ext>
+                </a:extLst>
+              </a:tr>
+              <a:tr h="287948">
+                <a:tc>
+                  <a:txBody>
+                    <a:bodyPr/>
+                    <a:lstStyle/>
+                    <a:p>
+                      <a:pPr algn="ctr"/>
+                      <a:endParaRPr lang="fr-CH" sz="1000" dirty="0"/>
+                    </a:p>
+                  </a:txBody>
+                  <a:tcPr marL="71973" marR="71973" marT="35986" marB="35986" anchor="ctr"/>
+                </a:tc>
+                <a:tc>
+                  <a:txBody>
+                    <a:bodyPr/>
+                    <a:lstStyle/>
+                    <a:p>
+                      <a:pPr algn="ctr"/>
+                      <a:endParaRPr lang="fr-CH" sz="1000" dirty="0"/>
+                    </a:p>
+                  </a:txBody>
+                  <a:tcPr marL="71973" marR="71973" marT="35986" marB="35986" anchor="ctr"/>
+                </a:tc>
+                <a:tc>
+                  <a:txBody>
+                    <a:bodyPr/>
+                    <a:lstStyle/>
+                    <a:p>
+                      <a:pPr algn="ctr"/>
+                      <a:endParaRPr lang="fr-CH" sz="1000" dirty="0"/>
+                    </a:p>
+                  </a:txBody>
+                  <a:tcPr marL="71973" marR="71973" marT="35986" marB="35986" anchor="ctr"/>
+                </a:tc>
+                <a:tc>
+                  <a:txBody>
+                    <a:bodyPr/>
+                    <a:lstStyle/>
+                    <a:p>
+                      <a:pPr algn="ctr"/>
+                      <a:endParaRPr lang="fr-CH" sz="1000" dirty="0"/>
+                    </a:p>
+                  </a:txBody>
+                  <a:tcPr marL="71973" marR="71973" marT="35986" marB="35986" anchor="ctr"/>
+                </a:tc>
+                <a:tc>
+                  <a:txBody>
+                    <a:bodyPr/>
+                    <a:lstStyle/>
+                    <a:p>
+                      <a:pPr algn="ctr"/>
+                      <a:endParaRPr lang="fr-CH" sz="1000" dirty="0"/>
+                    </a:p>
+                  </a:txBody>
+                  <a:tcPr marL="71973" marR="71973" marT="35986" marB="35986" anchor="ctr"/>
+                </a:tc>
+                <a:tc>
+                  <a:txBody>
+                    <a:bodyPr/>
+                    <a:lstStyle/>
+                    <a:p>
+                      <a:pPr algn="ctr"/>
+                      <a:endParaRPr lang="fr-CH" sz="1000" dirty="0"/>
+                    </a:p>
+                  </a:txBody>
+                  <a:tcPr marL="71973" marR="71973" marT="35986" marB="35986" anchor="ctr"/>
+                </a:tc>
+                <a:tc>
+                  <a:txBody>
+                    <a:bodyPr/>
+                    <a:lstStyle/>
+                    <a:p>
+                      <a:pPr algn="ctr"/>
+                      <a:endParaRPr lang="fr-CH" sz="1000" dirty="0"/>
+                    </a:p>
+                  </a:txBody>
+                  <a:tcPr marL="71973" marR="71973" marT="35986" marB="35986" anchor="ctr"/>
+                </a:tc>
+                <a:tc>
+                  <a:txBody>
+                    <a:bodyPr/>
+                    <a:lstStyle/>
+                    <a:p>
+                      <a:pPr algn="ctr"/>
+                      <a:endParaRPr lang="fr-CH" sz="1000" dirty="0"/>
+                    </a:p>
+                  </a:txBody>
+                  <a:tcPr marL="71973" marR="71973" marT="35986" marB="35986" anchor="ctr"/>
+                </a:tc>
+                <a:extLst>
+                  <a:ext uri="{0D108BD9-81ED-4DB2-BD59-A6C34878D82A}">
+                    <a16:rowId xmlns:a16="http://schemas.microsoft.com/office/drawing/2014/main" val="3374282155"/>
+                  </a:ext>
+                </a:extLst>
+              </a:tr>
+              <a:tr h="287948">
+                <a:tc>
+                  <a:txBody>
+                    <a:bodyPr/>
+                    <a:lstStyle/>
+                    <a:p>
+                      <a:pPr algn="ctr"/>
+                      <a:endParaRPr lang="fr-CH" sz="1000" dirty="0"/>
+                    </a:p>
+                  </a:txBody>
+                  <a:tcPr marL="71973" marR="71973" marT="35986" marB="35986" anchor="ctr"/>
+                </a:tc>
+                <a:tc>
+                  <a:txBody>
+                    <a:bodyPr/>
+                    <a:lstStyle/>
+                    <a:p>
+                      <a:pPr algn="ctr"/>
+                      <a:endParaRPr lang="fr-CH" sz="1000" dirty="0"/>
+                    </a:p>
+                  </a:txBody>
+                  <a:tcPr marL="71973" marR="71973" marT="35986" marB="35986" anchor="ctr"/>
+                </a:tc>
+                <a:tc>
+                  <a:txBody>
+                    <a:bodyPr/>
+                    <a:lstStyle/>
+                    <a:p>
+                      <a:pPr algn="ctr"/>
+                      <a:endParaRPr lang="fr-CH" sz="1000" dirty="0"/>
+                    </a:p>
+                  </a:txBody>
+                  <a:tcPr marL="71973" marR="71973" marT="35986" marB="35986" anchor="ctr"/>
+                </a:tc>
+                <a:tc>
+                  <a:txBody>
+                    <a:bodyPr/>
+                    <a:lstStyle/>
+                    <a:p>
+                      <a:pPr algn="ctr"/>
+                      <a:endParaRPr lang="fr-CH" sz="1000" dirty="0"/>
+                    </a:p>
+                  </a:txBody>
+                  <a:tcPr marL="71973" marR="71973" marT="35986" marB="35986" anchor="ctr"/>
+                </a:tc>
+                <a:tc>
+                  <a:txBody>
+                    <a:bodyPr/>
+                    <a:lstStyle/>
+                    <a:p>
+                      <a:pPr algn="ctr"/>
+                      <a:endParaRPr lang="fr-CH" sz="1000" dirty="0"/>
+                    </a:p>
+                  </a:txBody>
+                  <a:tcPr marL="71973" marR="71973" marT="35986" marB="35986" anchor="ctr"/>
+                </a:tc>
+                <a:tc>
+                  <a:txBody>
+                    <a:bodyPr/>
+                    <a:lstStyle/>
+                    <a:p>
+                      <a:pPr algn="ctr"/>
+                      <a:endParaRPr lang="fr-CH" sz="1000" dirty="0"/>
+                    </a:p>
+                  </a:txBody>
+                  <a:tcPr marL="71973" marR="71973" marT="35986" marB="35986" anchor="ctr"/>
+                </a:tc>
+                <a:tc>
+                  <a:txBody>
+                    <a:bodyPr/>
+                    <a:lstStyle/>
+                    <a:p>
+                      <a:pPr algn="ctr"/>
+                      <a:endParaRPr lang="fr-CH" sz="1000" dirty="0"/>
+                    </a:p>
+                  </a:txBody>
+                  <a:tcPr marL="71973" marR="71973" marT="35986" marB="35986" anchor="ctr"/>
+                </a:tc>
+                <a:tc>
+                  <a:txBody>
+                    <a:bodyPr/>
+                    <a:lstStyle/>
+                    <a:p>
+                      <a:pPr algn="ctr"/>
+                      <a:endParaRPr lang="fr-CH" sz="1000" dirty="0"/>
+                    </a:p>
+                  </a:txBody>
+                  <a:tcPr marL="71973" marR="71973" marT="35986" marB="35986" anchor="ctr"/>
+                </a:tc>
+                <a:extLst>
+                  <a:ext uri="{0D108BD9-81ED-4DB2-BD59-A6C34878D82A}">
+                    <a16:rowId xmlns:a16="http://schemas.microsoft.com/office/drawing/2014/main" val="1874434423"/>
+                  </a:ext>
+                </a:extLst>
+              </a:tr>
+              <a:tr h="287948">
+                <a:tc>
+                  <a:txBody>
+                    <a:bodyPr/>
+                    <a:lstStyle/>
+                    <a:p>
+                      <a:pPr algn="ctr"/>
+                      <a:endParaRPr lang="fr-CH" sz="1000" dirty="0"/>
+                    </a:p>
+                  </a:txBody>
+                  <a:tcPr marL="71973" marR="71973" marT="35986" marB="35986" anchor="ctr"/>
+                </a:tc>
+                <a:tc>
+                  <a:txBody>
+                    <a:bodyPr/>
+                    <a:lstStyle/>
+                    <a:p>
+                      <a:pPr algn="ctr"/>
+                      <a:endParaRPr lang="fr-CH" sz="1000" dirty="0"/>
+                    </a:p>
+                  </a:txBody>
+                  <a:tcPr marL="71973" marR="71973" marT="35986" marB="35986" anchor="ctr"/>
+                </a:tc>
+                <a:tc>
+                  <a:txBody>
+                    <a:bodyPr/>
+                    <a:lstStyle/>
+                    <a:p>
+                      <a:pPr algn="ctr"/>
+                      <a:endParaRPr lang="fr-CH" sz="1000" dirty="0"/>
+                    </a:p>
+                  </a:txBody>
+                  <a:tcPr marL="71973" marR="71973" marT="35986" marB="35986" anchor="ctr"/>
+                </a:tc>
+                <a:tc>
+                  <a:txBody>
+                    <a:bodyPr/>
+                    <a:lstStyle/>
+                    <a:p>
+                      <a:pPr algn="ctr"/>
+                      <a:endParaRPr lang="fr-CH" sz="1000" dirty="0"/>
+                    </a:p>
+                  </a:txBody>
+                  <a:tcPr marL="71973" marR="71973" marT="35986" marB="35986" anchor="ctr"/>
+                </a:tc>
+                <a:tc>
+                  <a:txBody>
+                    <a:bodyPr/>
+                    <a:lstStyle/>
+                    <a:p>
+                      <a:pPr algn="ctr"/>
+                      <a:endParaRPr lang="fr-CH" sz="1000" dirty="0"/>
+                    </a:p>
+                  </a:txBody>
+                  <a:tcPr marL="71973" marR="71973" marT="35986" marB="35986" anchor="ctr"/>
+                </a:tc>
+                <a:tc>
+                  <a:txBody>
+                    <a:bodyPr/>
+                    <a:lstStyle/>
+                    <a:p>
+                      <a:pPr algn="ctr"/>
+                      <a:endParaRPr lang="fr-CH" sz="1000" dirty="0"/>
+                    </a:p>
+                  </a:txBody>
+                  <a:tcPr marL="71973" marR="71973" marT="35986" marB="35986" anchor="ctr"/>
+                </a:tc>
+                <a:tc>
+                  <a:txBody>
+                    <a:bodyPr/>
+                    <a:lstStyle/>
+                    <a:p>
+                      <a:pPr algn="ctr"/>
+                      <a:endParaRPr lang="fr-CH" sz="1000" dirty="0"/>
+                    </a:p>
+                  </a:txBody>
+                  <a:tcPr marL="71973" marR="71973" marT="35986" marB="35986" anchor="ctr"/>
+                </a:tc>
+                <a:tc>
+                  <a:txBody>
+                    <a:bodyPr/>
+                    <a:lstStyle/>
+                    <a:p>
+                      <a:pPr algn="ctr"/>
+                      <a:endParaRPr lang="fr-CH" sz="1000" dirty="0"/>
+                    </a:p>
+                  </a:txBody>
+                  <a:tcPr marL="71973" marR="71973" marT="35986" marB="35986" anchor="ctr"/>
+                </a:tc>
+                <a:extLst>
+                  <a:ext uri="{0D108BD9-81ED-4DB2-BD59-A6C34878D82A}">
+                    <a16:rowId xmlns:a16="http://schemas.microsoft.com/office/drawing/2014/main" val="1687951208"/>
+                  </a:ext>
+                </a:extLst>
+              </a:tr>
+              <a:tr h="287948">
+                <a:tc>
+                  <a:txBody>
+                    <a:bodyPr/>
+                    <a:lstStyle/>
+                    <a:p>
+                      <a:pPr algn="ctr"/>
+                      <a:r>
+                        <a:rPr lang="fr-CH" sz="1000" dirty="0" smtClean="0"/>
+                        <a:t>17</a:t>
+                      </a:r>
+                      <a:endParaRPr lang="fr-CH" sz="1000" dirty="0"/>
+                    </a:p>
+                  </a:txBody>
+                  <a:tcPr marL="71973" marR="71973" marT="35986" marB="35986" anchor="ctr"/>
+                </a:tc>
+                <a:tc>
+                  <a:txBody>
+                    <a:bodyPr/>
+                    <a:lstStyle/>
+                    <a:p>
+                      <a:pPr algn="ctr"/>
+                      <a:r>
+                        <a:rPr lang="fr-CH" sz="1000" dirty="0" smtClean="0"/>
+                        <a:t>18</a:t>
+                      </a:r>
+                      <a:endParaRPr lang="fr-CH" sz="1000" dirty="0"/>
+                    </a:p>
+                  </a:txBody>
+                  <a:tcPr marL="71973" marR="71973" marT="35986" marB="35986" anchor="ctr"/>
+                </a:tc>
+                <a:tc>
+                  <a:txBody>
+                    <a:bodyPr/>
+                    <a:lstStyle/>
+                    <a:p>
+                      <a:pPr algn="ctr"/>
+                      <a:r>
+                        <a:rPr lang="fr-CH" sz="1000" dirty="0" smtClean="0"/>
+                        <a:t>19</a:t>
+                      </a:r>
+                      <a:endParaRPr lang="fr-CH" sz="1000" dirty="0"/>
+                    </a:p>
+                  </a:txBody>
+                  <a:tcPr marL="71973" marR="71973" marT="35986" marB="35986" anchor="ctr"/>
+                </a:tc>
+                <a:tc>
+                  <a:txBody>
+                    <a:bodyPr/>
+                    <a:lstStyle/>
+                    <a:p>
+                      <a:pPr algn="ctr"/>
+                      <a:r>
+                        <a:rPr lang="fr-CH" sz="1000" dirty="0" smtClean="0"/>
+                        <a:t>20</a:t>
+                      </a:r>
+                      <a:endParaRPr lang="fr-CH" sz="1000" dirty="0"/>
+                    </a:p>
+                  </a:txBody>
+                  <a:tcPr marL="71973" marR="71973" marT="35986" marB="35986" anchor="ctr"/>
+                </a:tc>
+                <a:tc>
+                  <a:txBody>
+                    <a:bodyPr/>
+                    <a:lstStyle/>
+                    <a:p>
+                      <a:pPr algn="ctr"/>
+                      <a:r>
+                        <a:rPr lang="fr-CH" sz="1000" dirty="0" smtClean="0"/>
+                        <a:t>21</a:t>
+                      </a:r>
+                      <a:endParaRPr lang="fr-CH" sz="1000" dirty="0"/>
+                    </a:p>
+                  </a:txBody>
+                  <a:tcPr marL="71973" marR="71973" marT="35986" marB="35986" anchor="ctr"/>
+                </a:tc>
+                <a:tc>
+                  <a:txBody>
+                    <a:bodyPr/>
+                    <a:lstStyle/>
+                    <a:p>
+                      <a:pPr algn="ctr"/>
+                      <a:r>
+                        <a:rPr lang="fr-CH" sz="1000" dirty="0" smtClean="0"/>
+                        <a:t>22</a:t>
+                      </a:r>
+                      <a:endParaRPr lang="fr-CH" sz="1000" dirty="0"/>
+                    </a:p>
+                  </a:txBody>
+                  <a:tcPr marL="71973" marR="71973" marT="35986" marB="35986" anchor="ctr"/>
+                </a:tc>
+                <a:tc>
+                  <a:txBody>
+                    <a:bodyPr/>
+                    <a:lstStyle/>
+                    <a:p>
+                      <a:pPr algn="ctr"/>
+                      <a:r>
+                        <a:rPr lang="fr-CH" sz="1000" dirty="0" smtClean="0"/>
+                        <a:t>23</a:t>
+                      </a:r>
+                      <a:endParaRPr lang="fr-CH" sz="1000" dirty="0"/>
+                    </a:p>
+                  </a:txBody>
+                  <a:tcPr marL="71973" marR="71973" marT="35986" marB="35986" anchor="ctr"/>
+                </a:tc>
+                <a:tc>
+                  <a:txBody>
+                    <a:bodyPr/>
+                    <a:lstStyle/>
+                    <a:p>
+                      <a:pPr algn="ctr"/>
+                      <a:r>
+                        <a:rPr lang="fr-CH" sz="1000" dirty="0" smtClean="0"/>
+                        <a:t>24</a:t>
+                      </a:r>
+                      <a:endParaRPr lang="fr-CH" sz="1000" dirty="0"/>
+                    </a:p>
+                  </a:txBody>
+                  <a:tcPr marL="71973" marR="71973" marT="35986" marB="35986" anchor="ctr"/>
+                </a:tc>
+                <a:extLst>
+                  <a:ext uri="{0D108BD9-81ED-4DB2-BD59-A6C34878D82A}">
+                    <a16:rowId xmlns:a16="http://schemas.microsoft.com/office/drawing/2014/main" val="1093907652"/>
+                  </a:ext>
+                </a:extLst>
+              </a:tr>
+              <a:tr h="287948">
+                <a:tc>
+                  <a:txBody>
+                    <a:bodyPr/>
+                    <a:lstStyle/>
+                    <a:p>
+                      <a:pPr algn="ctr"/>
+                      <a:r>
+                        <a:rPr lang="fr-CH" sz="1000" dirty="0" smtClean="0"/>
+                        <a:t>9</a:t>
+                      </a:r>
+                      <a:endParaRPr lang="fr-CH" sz="1000" dirty="0"/>
+                    </a:p>
+                  </a:txBody>
+                  <a:tcPr marL="71973" marR="71973" marT="35986" marB="35986" anchor="ctr"/>
+                </a:tc>
+                <a:tc>
+                  <a:txBody>
+                    <a:bodyPr/>
+                    <a:lstStyle/>
+                    <a:p>
+                      <a:pPr algn="ctr"/>
+                      <a:r>
+                        <a:rPr lang="fr-CH" sz="1000" dirty="0" smtClean="0"/>
+                        <a:t>10</a:t>
+                      </a:r>
+                      <a:endParaRPr lang="fr-CH" sz="1000" dirty="0"/>
+                    </a:p>
+                  </a:txBody>
+                  <a:tcPr marL="71973" marR="71973" marT="35986" marB="35986" anchor="ctr"/>
+                </a:tc>
+                <a:tc>
+                  <a:txBody>
+                    <a:bodyPr/>
+                    <a:lstStyle/>
+                    <a:p>
+                      <a:pPr algn="ctr"/>
+                      <a:r>
+                        <a:rPr lang="fr-CH" sz="1000" dirty="0" smtClean="0"/>
+                        <a:t>11</a:t>
+                      </a:r>
+                      <a:endParaRPr lang="fr-CH" sz="1000" dirty="0"/>
+                    </a:p>
+                  </a:txBody>
+                  <a:tcPr marL="71973" marR="71973" marT="35986" marB="35986" anchor="ctr"/>
+                </a:tc>
+                <a:tc>
+                  <a:txBody>
+                    <a:bodyPr/>
+                    <a:lstStyle/>
+                    <a:p>
+                      <a:pPr algn="ctr"/>
+                      <a:r>
+                        <a:rPr lang="fr-CH" sz="1000" dirty="0" smtClean="0"/>
+                        <a:t>12</a:t>
+                      </a:r>
+                      <a:endParaRPr lang="fr-CH" sz="1000" dirty="0"/>
+                    </a:p>
+                  </a:txBody>
+                  <a:tcPr marL="71973" marR="71973" marT="35986" marB="35986" anchor="ctr"/>
+                </a:tc>
+                <a:tc>
+                  <a:txBody>
+                    <a:bodyPr/>
+                    <a:lstStyle/>
+                    <a:p>
+                      <a:pPr algn="ctr"/>
+                      <a:r>
+                        <a:rPr lang="fr-CH" sz="1000" dirty="0" smtClean="0"/>
+                        <a:t>13</a:t>
+                      </a:r>
+                      <a:endParaRPr lang="fr-CH" sz="1000" dirty="0"/>
+                    </a:p>
+                  </a:txBody>
+                  <a:tcPr marL="71973" marR="71973" marT="35986" marB="35986" anchor="ctr"/>
+                </a:tc>
+                <a:tc>
+                  <a:txBody>
+                    <a:bodyPr/>
+                    <a:lstStyle/>
+                    <a:p>
+                      <a:pPr algn="ctr"/>
+                      <a:r>
+                        <a:rPr lang="fr-CH" sz="1000" dirty="0" smtClean="0"/>
+                        <a:t>14</a:t>
+                      </a:r>
+                      <a:endParaRPr lang="fr-CH" sz="1000" dirty="0"/>
+                    </a:p>
+                  </a:txBody>
+                  <a:tcPr marL="71973" marR="71973" marT="35986" marB="35986" anchor="ctr"/>
+                </a:tc>
+                <a:tc>
+                  <a:txBody>
+                    <a:bodyPr/>
+                    <a:lstStyle/>
+                    <a:p>
+                      <a:pPr algn="ctr"/>
+                      <a:r>
+                        <a:rPr lang="fr-CH" sz="1000" dirty="0" smtClean="0"/>
+                        <a:t>15</a:t>
+                      </a:r>
+                      <a:endParaRPr lang="fr-CH" sz="1000" dirty="0"/>
+                    </a:p>
+                  </a:txBody>
+                  <a:tcPr marL="71973" marR="71973" marT="35986" marB="35986" anchor="ctr"/>
+                </a:tc>
+                <a:tc>
+                  <a:txBody>
+                    <a:bodyPr/>
+                    <a:lstStyle/>
+                    <a:p>
+                      <a:pPr algn="ctr"/>
+                      <a:r>
+                        <a:rPr lang="fr-CH" sz="1000" dirty="0" smtClean="0"/>
+                        <a:t>16</a:t>
+                      </a:r>
+                      <a:endParaRPr lang="fr-CH" sz="1000" dirty="0"/>
+                    </a:p>
+                  </a:txBody>
+                  <a:tcPr marL="71973" marR="71973" marT="35986" marB="35986" anchor="ctr"/>
+                </a:tc>
+                <a:extLst>
+                  <a:ext uri="{0D108BD9-81ED-4DB2-BD59-A6C34878D82A}">
+                    <a16:rowId xmlns:a16="http://schemas.microsoft.com/office/drawing/2014/main" val="1241338910"/>
+                  </a:ext>
+                </a:extLst>
+              </a:tr>
+              <a:tr h="287948">
+                <a:tc>
+                  <a:txBody>
+                    <a:bodyPr/>
+                    <a:lstStyle/>
+                    <a:p>
+                      <a:pPr algn="ctr"/>
+                      <a:r>
+                        <a:rPr lang="fr-CH" sz="1000" dirty="0" smtClean="0"/>
+                        <a:t>1</a:t>
+                      </a:r>
+                      <a:endParaRPr lang="fr-CH" sz="1000" dirty="0"/>
+                    </a:p>
+                  </a:txBody>
+                  <a:tcPr marL="71973" marR="71973" marT="35986" marB="35986" anchor="ctr"/>
+                </a:tc>
+                <a:tc>
+                  <a:txBody>
+                    <a:bodyPr/>
+                    <a:lstStyle/>
+                    <a:p>
+                      <a:pPr algn="ctr"/>
+                      <a:r>
+                        <a:rPr lang="fr-CH" sz="1000" dirty="0" smtClean="0"/>
+                        <a:t>2</a:t>
+                      </a:r>
+                      <a:endParaRPr lang="fr-CH" sz="1000" dirty="0"/>
+                    </a:p>
+                  </a:txBody>
+                  <a:tcPr marL="71973" marR="71973" marT="35986" marB="35986" anchor="ctr"/>
+                </a:tc>
+                <a:tc>
+                  <a:txBody>
+                    <a:bodyPr/>
+                    <a:lstStyle/>
+                    <a:p>
+                      <a:pPr algn="ctr"/>
+                      <a:r>
+                        <a:rPr lang="fr-CH" sz="1000" dirty="0" smtClean="0"/>
+                        <a:t>3</a:t>
+                      </a:r>
+                      <a:endParaRPr lang="fr-CH" sz="1000" dirty="0"/>
+                    </a:p>
+                  </a:txBody>
+                  <a:tcPr marL="71973" marR="71973" marT="35986" marB="35986" anchor="ctr"/>
+                </a:tc>
+                <a:tc>
+                  <a:txBody>
+                    <a:bodyPr/>
+                    <a:lstStyle/>
+                    <a:p>
+                      <a:pPr algn="ctr"/>
+                      <a:r>
+                        <a:rPr lang="fr-CH" sz="1000" dirty="0" smtClean="0"/>
+                        <a:t>4</a:t>
+                      </a:r>
+                      <a:endParaRPr lang="fr-CH" sz="1000" dirty="0"/>
+                    </a:p>
+                  </a:txBody>
+                  <a:tcPr marL="71973" marR="71973" marT="35986" marB="35986" anchor="ctr"/>
+                </a:tc>
+                <a:tc>
+                  <a:txBody>
+                    <a:bodyPr/>
+                    <a:lstStyle/>
+                    <a:p>
+                      <a:pPr algn="ctr"/>
+                      <a:r>
+                        <a:rPr lang="fr-CH" sz="1000" dirty="0" smtClean="0"/>
+                        <a:t>5</a:t>
+                      </a:r>
+                      <a:endParaRPr lang="fr-CH" sz="1000" dirty="0"/>
+                    </a:p>
+                  </a:txBody>
+                  <a:tcPr marL="71973" marR="71973" marT="35986" marB="35986" anchor="ctr"/>
+                </a:tc>
+                <a:tc>
+                  <a:txBody>
+                    <a:bodyPr/>
+                    <a:lstStyle/>
+                    <a:p>
+                      <a:pPr algn="ctr"/>
+                      <a:r>
+                        <a:rPr lang="fr-CH" sz="1000" dirty="0" smtClean="0"/>
+                        <a:t>6</a:t>
+                      </a:r>
+                      <a:endParaRPr lang="fr-CH" sz="1000" dirty="0"/>
+                    </a:p>
+                  </a:txBody>
+                  <a:tcPr marL="71973" marR="71973" marT="35986" marB="35986" anchor="ctr"/>
+                </a:tc>
+                <a:tc>
+                  <a:txBody>
+                    <a:bodyPr/>
+                    <a:lstStyle/>
+                    <a:p>
+                      <a:pPr algn="ctr"/>
+                      <a:r>
+                        <a:rPr lang="fr-CH" sz="1000" dirty="0" smtClean="0"/>
+                        <a:t>7</a:t>
+                      </a:r>
+                      <a:endParaRPr lang="fr-CH" sz="1000" dirty="0"/>
+                    </a:p>
+                  </a:txBody>
+                  <a:tcPr marL="71973" marR="71973" marT="35986" marB="35986" anchor="ctr"/>
+                </a:tc>
+                <a:tc>
+                  <a:txBody>
+                    <a:bodyPr/>
+                    <a:lstStyle/>
+                    <a:p>
+                      <a:pPr algn="ctr"/>
+                      <a:r>
+                        <a:rPr lang="fr-CH" sz="1000" dirty="0" smtClean="0"/>
+                        <a:t>8</a:t>
+                      </a:r>
+                      <a:endParaRPr lang="fr-CH" sz="1000" dirty="0"/>
+                    </a:p>
+                  </a:txBody>
+                  <a:tcPr marL="71973" marR="71973" marT="35986" marB="35986" anchor="ctr"/>
+                </a:tc>
+                <a:extLst>
+                  <a:ext uri="{0D108BD9-81ED-4DB2-BD59-A6C34878D82A}">
+                    <a16:rowId xmlns:a16="http://schemas.microsoft.com/office/drawing/2014/main" val="122619707"/>
+                  </a:ext>
+                </a:extLst>
+              </a:tr>
+            </a:tbl>
+          </a:graphicData>
+        </a:graphic>
+      </p:graphicFrame>
+      <p:sp>
+        <p:nvSpPr>
+          <p:cNvPr id="30" name="Cadre 29"/>
+          <p:cNvSpPr/>
+          <p:nvPr/>
+        </p:nvSpPr>
+        <p:spPr>
+          <a:xfrm>
+            <a:off x="682295" y="2693989"/>
+            <a:ext cx="5117170" cy="2659060"/>
+          </a:xfrm>
+          <a:prstGeom prst="frame">
+            <a:avLst>
+              <a:gd name="adj1" fmla="val 3303"/>
+            </a:avLst>
+          </a:prstGeom>
+        </p:spPr>
+        <p:style>
+          <a:lnRef idx="2">
+            <a:schemeClr val="accent1">
+              <a:shade val="50000"/>
+            </a:schemeClr>
+          </a:lnRef>
+          <a:fillRef idx="1">
+            <a:schemeClr val="accent1"/>
+          </a:fillRef>
+          <a:effectRef idx="0">
+            <a:schemeClr val="accent1"/>
+          </a:effectRef>
+          <a:fontRef idx="minor">
+            <a:schemeClr val="lt1"/>
+          </a:fontRef>
+        </p:style>
+        <p:txBody>
+          <a:bodyPr rtlCol="0" anchor="ctr"/>
+          <a:lstStyle/>
+          <a:p>
+            <a:pPr algn="ctr"/>
+            <a:endParaRPr lang="fr-CH">
+              <a:solidFill>
+                <a:schemeClr val="tx1"/>
+              </a:solidFill>
+            </a:endParaRPr>
+          </a:p>
+        </p:txBody>
+      </p:sp>
+      <p:sp>
+        <p:nvSpPr>
+          <p:cNvPr id="32" name="Cadre 31"/>
+          <p:cNvSpPr/>
+          <p:nvPr/>
+        </p:nvSpPr>
+        <p:spPr>
+          <a:xfrm>
+            <a:off x="6444920" y="2693989"/>
+            <a:ext cx="5117170" cy="2659060"/>
+          </a:xfrm>
+          <a:prstGeom prst="frame">
+            <a:avLst>
+              <a:gd name="adj1" fmla="val 3303"/>
+            </a:avLst>
+          </a:prstGeom>
+        </p:spPr>
+        <p:style>
+          <a:lnRef idx="2">
+            <a:schemeClr val="accent1">
+              <a:shade val="50000"/>
+            </a:schemeClr>
+          </a:lnRef>
+          <a:fillRef idx="1">
+            <a:schemeClr val="accent1"/>
+          </a:fillRef>
+          <a:effectRef idx="0">
+            <a:schemeClr val="accent1"/>
+          </a:effectRef>
+          <a:fontRef idx="minor">
+            <a:schemeClr val="lt1"/>
+          </a:fontRef>
+        </p:style>
+        <p:txBody>
+          <a:bodyPr rtlCol="0" anchor="ctr"/>
+          <a:lstStyle/>
+          <a:p>
+            <a:pPr algn="ctr"/>
+            <a:endParaRPr lang="fr-CH">
+              <a:solidFill>
+                <a:schemeClr val="tx1"/>
+              </a:solidFill>
+            </a:endParaRPr>
+          </a:p>
+        </p:txBody>
+      </p:sp>
+    </p:spTree>
+    <p:extLst>
+      <p:ext uri="{BB962C8B-B14F-4D97-AF65-F5344CB8AC3E}">
+        <p14:creationId xmlns:p14="http://schemas.microsoft.com/office/powerpoint/2010/main" val="722105170"/>
+      </p:ext>
+    </p:extLst>
+  </p:cSld>
+  <p:clrMapOvr>
+    <a:masterClrMapping/>
+  </p:clrMapOvr>
+  <p:timing>
+    <p:tnLst>
+      <p:par>
+        <p:cTn id="1" dur="indefinite" restart="never" nodeType="tmRoot"/>
+      </p:par>
+    </p:tnLst>
+  </p:timing>
 </p:sld>
 </file>
 
@@ -3099,6 +10727,75 @@
           <a:bodyPr/>
           <a:lstStyle/>
           <a:p>
+            <a:endParaRPr lang="fr-CH"/>
+          </a:p>
+        </p:txBody>
+      </p:sp>
+      <p:sp>
+        <p:nvSpPr>
+          <p:cNvPr id="6" name="Espace réservé de la date 5"/>
+          <p:cNvSpPr>
+            <a:spLocks noGrp="1"/>
+          </p:cNvSpPr>
+          <p:nvPr>
+            <p:ph type="dt" sz="half" idx="10"/>
+          </p:nvPr>
+        </p:nvSpPr>
+        <p:spPr/>
+        <p:txBody>
+          <a:bodyPr/>
+          <a:lstStyle/>
+          <a:p>
+            <a:r>
+              <a:rPr lang="fr-CH" smtClean="0"/>
+              <a:t>05.04.2022</a:t>
+            </a:r>
+            <a:endParaRPr lang="fr-CH"/>
+          </a:p>
+        </p:txBody>
+      </p:sp>
+      <p:sp>
+        <p:nvSpPr>
+          <p:cNvPr id="7" name="Espace réservé du pied de page 6"/>
+          <p:cNvSpPr>
+            <a:spLocks noGrp="1"/>
+          </p:cNvSpPr>
+          <p:nvPr>
+            <p:ph type="ftr" sz="quarter" idx="11"/>
+          </p:nvPr>
+        </p:nvSpPr>
+        <p:spPr/>
+        <p:txBody>
+          <a:bodyPr/>
+          <a:lstStyle/>
+          <a:p>
+            <a:r>
+              <a:rPr lang="fr-CH" smtClean="0"/>
+              <a:t>Florian Duruz</a:t>
+            </a:r>
+            <a:endParaRPr lang="fr-CH"/>
+          </a:p>
+        </p:txBody>
+      </p:sp>
+      <p:sp>
+        <p:nvSpPr>
+          <p:cNvPr id="8" name="Espace réservé du numéro de diapositive 7"/>
+          <p:cNvSpPr>
+            <a:spLocks noGrp="1"/>
+          </p:cNvSpPr>
+          <p:nvPr>
+            <p:ph type="sldNum" sz="quarter" idx="12"/>
+          </p:nvPr>
+        </p:nvSpPr>
+        <p:spPr/>
+        <p:txBody>
+          <a:bodyPr/>
+          <a:lstStyle/>
+          <a:p>
+            <a:fld id="{877A364F-776A-4279-BBAB-336C6B9E27FF}" type="slidenum">
+              <a:rPr lang="fr-CH" smtClean="0"/>
+              <a:t>2</a:t>
+            </a:fld>
             <a:endParaRPr lang="fr-CH"/>
           </a:p>
         </p:txBody>
@@ -3193,6 +10890,75 @@
           </a:p>
         </p:txBody>
       </p:sp>
+      <p:sp>
+        <p:nvSpPr>
+          <p:cNvPr id="6" name="Espace réservé de la date 5"/>
+          <p:cNvSpPr>
+            <a:spLocks noGrp="1"/>
+          </p:cNvSpPr>
+          <p:nvPr>
+            <p:ph type="dt" sz="half" idx="10"/>
+          </p:nvPr>
+        </p:nvSpPr>
+        <p:spPr/>
+        <p:txBody>
+          <a:bodyPr/>
+          <a:lstStyle/>
+          <a:p>
+            <a:r>
+              <a:rPr lang="fr-CH" smtClean="0"/>
+              <a:t>05.04.2022</a:t>
+            </a:r>
+            <a:endParaRPr lang="fr-CH"/>
+          </a:p>
+        </p:txBody>
+      </p:sp>
+      <p:sp>
+        <p:nvSpPr>
+          <p:cNvPr id="7" name="Espace réservé du pied de page 6"/>
+          <p:cNvSpPr>
+            <a:spLocks noGrp="1"/>
+          </p:cNvSpPr>
+          <p:nvPr>
+            <p:ph type="ftr" sz="quarter" idx="11"/>
+          </p:nvPr>
+        </p:nvSpPr>
+        <p:spPr/>
+        <p:txBody>
+          <a:bodyPr/>
+          <a:lstStyle/>
+          <a:p>
+            <a:r>
+              <a:rPr lang="fr-CH" smtClean="0"/>
+              <a:t>Florian Duruz</a:t>
+            </a:r>
+            <a:endParaRPr lang="fr-CH"/>
+          </a:p>
+        </p:txBody>
+      </p:sp>
+      <p:sp>
+        <p:nvSpPr>
+          <p:cNvPr id="8" name="Espace réservé du numéro de diapositive 7"/>
+          <p:cNvSpPr>
+            <a:spLocks noGrp="1"/>
+          </p:cNvSpPr>
+          <p:nvPr>
+            <p:ph type="sldNum" sz="quarter" idx="12"/>
+          </p:nvPr>
+        </p:nvSpPr>
+        <p:spPr/>
+        <p:txBody>
+          <a:bodyPr/>
+          <a:lstStyle/>
+          <a:p>
+            <a:fld id="{877A364F-776A-4279-BBAB-336C6B9E27FF}" type="slidenum">
+              <a:rPr lang="fr-CH" smtClean="0"/>
+              <a:t>3</a:t>
+            </a:fld>
+            <a:endParaRPr lang="fr-CH"/>
+          </a:p>
+        </p:txBody>
+      </p:sp>
     </p:spTree>
     <p:extLst>
       <p:ext uri="{BB962C8B-B14F-4D97-AF65-F5344CB8AC3E}">
@@ -3339,6 +11105,79 @@
           </a:p>
           <a:p>
             <a:endParaRPr lang="fr-CH" dirty="0"/>
+          </a:p>
+        </p:txBody>
+      </p:sp>
+      <p:sp>
+        <p:nvSpPr>
+          <p:cNvPr id="6" name="Espace réservé de la date 5"/>
+          <p:cNvSpPr>
+            <a:spLocks noGrp="1"/>
+          </p:cNvSpPr>
+          <p:nvPr>
+            <p:ph type="dt" sz="half" idx="10"/>
+          </p:nvPr>
+        </p:nvSpPr>
+        <p:spPr/>
+        <p:txBody>
+          <a:bodyPr/>
+          <a:lstStyle/>
+          <a:p>
+            <a:r>
+              <a:rPr lang="fr-CH" smtClean="0"/>
+              <a:t>05.04.2022</a:t>
+            </a:r>
+            <a:endParaRPr lang="fr-CH"/>
+          </a:p>
+        </p:txBody>
+      </p:sp>
+      <p:sp>
+        <p:nvSpPr>
+          <p:cNvPr id="7" name="Espace réservé du pied de page 6"/>
+          <p:cNvSpPr>
+            <a:spLocks noGrp="1"/>
+          </p:cNvSpPr>
+          <p:nvPr>
+            <p:ph type="ftr" sz="quarter" idx="11"/>
+          </p:nvPr>
+        </p:nvSpPr>
+        <p:spPr/>
+        <p:txBody>
+          <a:bodyPr/>
+          <a:lstStyle/>
+          <a:p>
+            <a:r>
+              <a:rPr lang="fr-CH" dirty="0" smtClean="0"/>
+              <a:t>Florian </a:t>
+            </a:r>
+            <a:r>
+              <a:rPr lang="fr-CH" dirty="0" err="1" smtClean="0"/>
+              <a:t>Duruz</a:t>
+            </a:r>
+            <a:endParaRPr lang="fr-CH" dirty="0"/>
+          </a:p>
+        </p:txBody>
+      </p:sp>
+      <p:sp>
+        <p:nvSpPr>
+          <p:cNvPr id="8" name="Espace réservé du numéro de diapositive 7"/>
+          <p:cNvSpPr>
+            <a:spLocks noGrp="1"/>
+          </p:cNvSpPr>
+          <p:nvPr>
+            <p:ph type="sldNum" sz="quarter" idx="12"/>
+          </p:nvPr>
+        </p:nvSpPr>
+        <p:spPr/>
+        <p:txBody>
+          <a:bodyPr/>
+          <a:lstStyle/>
+          <a:p>
+            <a:fld id="{877A364F-776A-4279-BBAB-336C6B9E27FF}" type="slidenum">
+              <a:rPr lang="fr-CH" smtClean="0"/>
+              <a:t>4</a:t>
+            </a:fld>
+            <a:endParaRPr lang="fr-CH"/>
           </a:p>
         </p:txBody>
       </p:sp>
@@ -4118,6 +11957,75 @@
           <a:lstStyle/>
           <a:p>
             <a:pPr algn="ctr"/>
+            <a:endParaRPr lang="fr-CH"/>
+          </a:p>
+        </p:txBody>
+      </p:sp>
+      <p:sp>
+        <p:nvSpPr>
+          <p:cNvPr id="8" name="Espace réservé de la date 7"/>
+          <p:cNvSpPr>
+            <a:spLocks noGrp="1"/>
+          </p:cNvSpPr>
+          <p:nvPr>
+            <p:ph type="dt" sz="half" idx="10"/>
+          </p:nvPr>
+        </p:nvSpPr>
+        <p:spPr/>
+        <p:txBody>
+          <a:bodyPr/>
+          <a:lstStyle/>
+          <a:p>
+            <a:r>
+              <a:rPr lang="fr-CH" smtClean="0"/>
+              <a:t>05.04.2022</a:t>
+            </a:r>
+            <a:endParaRPr lang="fr-CH"/>
+          </a:p>
+        </p:txBody>
+      </p:sp>
+      <p:sp>
+        <p:nvSpPr>
+          <p:cNvPr id="24" name="Espace réservé du pied de page 23"/>
+          <p:cNvSpPr>
+            <a:spLocks noGrp="1"/>
+          </p:cNvSpPr>
+          <p:nvPr>
+            <p:ph type="ftr" sz="quarter" idx="11"/>
+          </p:nvPr>
+        </p:nvSpPr>
+        <p:spPr/>
+        <p:txBody>
+          <a:bodyPr/>
+          <a:lstStyle/>
+          <a:p>
+            <a:r>
+              <a:rPr lang="fr-CH" smtClean="0"/>
+              <a:t>Florian Duruz</a:t>
+            </a:r>
+            <a:endParaRPr lang="fr-CH"/>
+          </a:p>
+        </p:txBody>
+      </p:sp>
+      <p:sp>
+        <p:nvSpPr>
+          <p:cNvPr id="26" name="Espace réservé du numéro de diapositive 25"/>
+          <p:cNvSpPr>
+            <a:spLocks noGrp="1"/>
+          </p:cNvSpPr>
+          <p:nvPr>
+            <p:ph type="sldNum" sz="quarter" idx="12"/>
+          </p:nvPr>
+        </p:nvSpPr>
+        <p:spPr/>
+        <p:txBody>
+          <a:bodyPr/>
+          <a:lstStyle/>
+          <a:p>
+            <a:fld id="{877A364F-776A-4279-BBAB-336C6B9E27FF}" type="slidenum">
+              <a:rPr lang="fr-CH" smtClean="0"/>
+              <a:t>5</a:t>
+            </a:fld>
             <a:endParaRPr lang="fr-CH"/>
           </a:p>
         </p:txBody>
@@ -4745,6 +12653,75 @@
                 <a:schemeClr val="tx1"/>
               </a:solidFill>
             </a:endParaRPr>
+          </a:p>
+        </p:txBody>
+      </p:sp>
+      <p:sp>
+        <p:nvSpPr>
+          <p:cNvPr id="19" name="Espace réservé de la date 18"/>
+          <p:cNvSpPr>
+            <a:spLocks noGrp="1"/>
+          </p:cNvSpPr>
+          <p:nvPr>
+            <p:ph type="dt" sz="half" idx="10"/>
+          </p:nvPr>
+        </p:nvSpPr>
+        <p:spPr/>
+        <p:txBody>
+          <a:bodyPr/>
+          <a:lstStyle/>
+          <a:p>
+            <a:r>
+              <a:rPr lang="fr-CH" smtClean="0"/>
+              <a:t>05.04.2022</a:t>
+            </a:r>
+            <a:endParaRPr lang="fr-CH"/>
+          </a:p>
+        </p:txBody>
+      </p:sp>
+      <p:sp>
+        <p:nvSpPr>
+          <p:cNvPr id="21" name="Espace réservé du pied de page 20"/>
+          <p:cNvSpPr>
+            <a:spLocks noGrp="1"/>
+          </p:cNvSpPr>
+          <p:nvPr>
+            <p:ph type="ftr" sz="quarter" idx="11"/>
+          </p:nvPr>
+        </p:nvSpPr>
+        <p:spPr/>
+        <p:txBody>
+          <a:bodyPr/>
+          <a:lstStyle/>
+          <a:p>
+            <a:r>
+              <a:rPr lang="fr-CH" smtClean="0"/>
+              <a:t>Florian Duruz</a:t>
+            </a:r>
+            <a:endParaRPr lang="fr-CH"/>
+          </a:p>
+        </p:txBody>
+      </p:sp>
+      <p:sp>
+        <p:nvSpPr>
+          <p:cNvPr id="22" name="Espace réservé du numéro de diapositive 21"/>
+          <p:cNvSpPr>
+            <a:spLocks noGrp="1"/>
+          </p:cNvSpPr>
+          <p:nvPr>
+            <p:ph type="sldNum" sz="quarter" idx="12"/>
+          </p:nvPr>
+        </p:nvSpPr>
+        <p:spPr/>
+        <p:txBody>
+          <a:bodyPr/>
+          <a:lstStyle/>
+          <a:p>
+            <a:fld id="{877A364F-776A-4279-BBAB-336C6B9E27FF}" type="slidenum">
+              <a:rPr lang="fr-CH" smtClean="0"/>
+              <a:t>6</a:t>
+            </a:fld>
+            <a:endParaRPr lang="fr-CH"/>
           </a:p>
         </p:txBody>
       </p:sp>
@@ -4908,6 +12885,75 @@
           </a:prstGeom>
         </p:spPr>
       </p:pic>
+      <p:sp>
+        <p:nvSpPr>
+          <p:cNvPr id="7" name="Espace réservé de la date 6"/>
+          <p:cNvSpPr>
+            <a:spLocks noGrp="1"/>
+          </p:cNvSpPr>
+          <p:nvPr>
+            <p:ph type="dt" sz="half" idx="10"/>
+          </p:nvPr>
+        </p:nvSpPr>
+        <p:spPr/>
+        <p:txBody>
+          <a:bodyPr/>
+          <a:lstStyle/>
+          <a:p>
+            <a:r>
+              <a:rPr lang="fr-CH" smtClean="0"/>
+              <a:t>05.04.2022</a:t>
+            </a:r>
+            <a:endParaRPr lang="fr-CH"/>
+          </a:p>
+        </p:txBody>
+      </p:sp>
+      <p:sp>
+        <p:nvSpPr>
+          <p:cNvPr id="8" name="Espace réservé du pied de page 7"/>
+          <p:cNvSpPr>
+            <a:spLocks noGrp="1"/>
+          </p:cNvSpPr>
+          <p:nvPr>
+            <p:ph type="ftr" sz="quarter" idx="11"/>
+          </p:nvPr>
+        </p:nvSpPr>
+        <p:spPr/>
+        <p:txBody>
+          <a:bodyPr/>
+          <a:lstStyle/>
+          <a:p>
+            <a:r>
+              <a:rPr lang="fr-CH" smtClean="0"/>
+              <a:t>Florian Duruz</a:t>
+            </a:r>
+            <a:endParaRPr lang="fr-CH"/>
+          </a:p>
+        </p:txBody>
+      </p:sp>
+      <p:sp>
+        <p:nvSpPr>
+          <p:cNvPr id="9" name="Espace réservé du numéro de diapositive 8"/>
+          <p:cNvSpPr>
+            <a:spLocks noGrp="1"/>
+          </p:cNvSpPr>
+          <p:nvPr>
+            <p:ph type="sldNum" sz="quarter" idx="12"/>
+          </p:nvPr>
+        </p:nvSpPr>
+        <p:spPr/>
+        <p:txBody>
+          <a:bodyPr/>
+          <a:lstStyle/>
+          <a:p>
+            <a:fld id="{877A364F-776A-4279-BBAB-336C6B9E27FF}" type="slidenum">
+              <a:rPr lang="fr-CH" smtClean="0"/>
+              <a:t>7</a:t>
+            </a:fld>
+            <a:endParaRPr lang="fr-CH"/>
+          </a:p>
+        </p:txBody>
+      </p:sp>
     </p:spTree>
     <p:extLst>
       <p:ext uri="{BB962C8B-B14F-4D97-AF65-F5344CB8AC3E}">
@@ -5062,6 +13108,75 @@
           </a:prstGeom>
         </p:spPr>
       </p:pic>
+      <p:sp>
+        <p:nvSpPr>
+          <p:cNvPr id="7" name="Espace réservé de la date 6"/>
+          <p:cNvSpPr>
+            <a:spLocks noGrp="1"/>
+          </p:cNvSpPr>
+          <p:nvPr>
+            <p:ph type="dt" sz="half" idx="10"/>
+          </p:nvPr>
+        </p:nvSpPr>
+        <p:spPr/>
+        <p:txBody>
+          <a:bodyPr/>
+          <a:lstStyle/>
+          <a:p>
+            <a:r>
+              <a:rPr lang="fr-CH" smtClean="0"/>
+              <a:t>05.04.2022</a:t>
+            </a:r>
+            <a:endParaRPr lang="fr-CH"/>
+          </a:p>
+        </p:txBody>
+      </p:sp>
+      <p:sp>
+        <p:nvSpPr>
+          <p:cNvPr id="8" name="Espace réservé du pied de page 7"/>
+          <p:cNvSpPr>
+            <a:spLocks noGrp="1"/>
+          </p:cNvSpPr>
+          <p:nvPr>
+            <p:ph type="ftr" sz="quarter" idx="11"/>
+          </p:nvPr>
+        </p:nvSpPr>
+        <p:spPr/>
+        <p:txBody>
+          <a:bodyPr/>
+          <a:lstStyle/>
+          <a:p>
+            <a:r>
+              <a:rPr lang="fr-CH" smtClean="0"/>
+              <a:t>Florian Duruz</a:t>
+            </a:r>
+            <a:endParaRPr lang="fr-CH"/>
+          </a:p>
+        </p:txBody>
+      </p:sp>
+      <p:sp>
+        <p:nvSpPr>
+          <p:cNvPr id="9" name="Espace réservé du numéro de diapositive 8"/>
+          <p:cNvSpPr>
+            <a:spLocks noGrp="1"/>
+          </p:cNvSpPr>
+          <p:nvPr>
+            <p:ph type="sldNum" sz="quarter" idx="12"/>
+          </p:nvPr>
+        </p:nvSpPr>
+        <p:spPr/>
+        <p:txBody>
+          <a:bodyPr/>
+          <a:lstStyle/>
+          <a:p>
+            <a:fld id="{877A364F-776A-4279-BBAB-336C6B9E27FF}" type="slidenum">
+              <a:rPr lang="fr-CH" smtClean="0"/>
+              <a:t>8</a:t>
+            </a:fld>
+            <a:endParaRPr lang="fr-CH"/>
+          </a:p>
+        </p:txBody>
+      </p:sp>
     </p:spTree>
     <p:extLst>
       <p:ext uri="{BB962C8B-B14F-4D97-AF65-F5344CB8AC3E}">
@@ -5257,6 +13372,75 @@
           </a:prstGeom>
         </p:spPr>
       </p:pic>
+      <p:sp>
+        <p:nvSpPr>
+          <p:cNvPr id="9" name="Espace réservé de la date 8"/>
+          <p:cNvSpPr>
+            <a:spLocks noGrp="1"/>
+          </p:cNvSpPr>
+          <p:nvPr>
+            <p:ph type="dt" sz="half" idx="10"/>
+          </p:nvPr>
+        </p:nvSpPr>
+        <p:spPr/>
+        <p:txBody>
+          <a:bodyPr/>
+          <a:lstStyle/>
+          <a:p>
+            <a:r>
+              <a:rPr lang="fr-CH" smtClean="0"/>
+              <a:t>05.04.2022</a:t>
+            </a:r>
+            <a:endParaRPr lang="fr-CH"/>
+          </a:p>
+        </p:txBody>
+      </p:sp>
+      <p:sp>
+        <p:nvSpPr>
+          <p:cNvPr id="10" name="Espace réservé du pied de page 9"/>
+          <p:cNvSpPr>
+            <a:spLocks noGrp="1"/>
+          </p:cNvSpPr>
+          <p:nvPr>
+            <p:ph type="ftr" sz="quarter" idx="11"/>
+          </p:nvPr>
+        </p:nvSpPr>
+        <p:spPr/>
+        <p:txBody>
+          <a:bodyPr/>
+          <a:lstStyle/>
+          <a:p>
+            <a:r>
+              <a:rPr lang="fr-CH" smtClean="0"/>
+              <a:t>Florian Duruz</a:t>
+            </a:r>
+            <a:endParaRPr lang="fr-CH"/>
+          </a:p>
+        </p:txBody>
+      </p:sp>
+      <p:sp>
+        <p:nvSpPr>
+          <p:cNvPr id="11" name="Espace réservé du numéro de diapositive 10"/>
+          <p:cNvSpPr>
+            <a:spLocks noGrp="1"/>
+          </p:cNvSpPr>
+          <p:nvPr>
+            <p:ph type="sldNum" sz="quarter" idx="12"/>
+          </p:nvPr>
+        </p:nvSpPr>
+        <p:spPr/>
+        <p:txBody>
+          <a:bodyPr/>
+          <a:lstStyle/>
+          <a:p>
+            <a:fld id="{877A364F-776A-4279-BBAB-336C6B9E27FF}" type="slidenum">
+              <a:rPr lang="fr-CH" smtClean="0"/>
+              <a:t>9</a:t>
+            </a:fld>
+            <a:endParaRPr lang="fr-CH"/>
+          </a:p>
+        </p:txBody>
+      </p:sp>
     </p:spTree>
     <p:extLst>
       <p:ext uri="{BB962C8B-B14F-4D97-AF65-F5344CB8AC3E}">
@@ -5529,4 +13713,526 @@
     </a:ext>
   </a:extLst>
 </a:theme>
+</file>
+
+<file path=ppt/theme/theme2.xml><?xml version="1.0" encoding="utf-8"?>
+<a:theme xmlns:a="http://schemas.openxmlformats.org/drawingml/2006/main" name="Thème Office">
+  <a:themeElements>
+    <a:clrScheme name="Office">
+      <a:dk1>
+        <a:sysClr val="windowText" lastClr="000000"/>
+      </a:dk1>
+      <a:lt1>
+        <a:sysClr val="window" lastClr="FFFFFF"/>
+      </a:lt1>
+      <a:dk2>
+        <a:srgbClr val="44546A"/>
+      </a:dk2>
+      <a:lt2>
+        <a:srgbClr val="E7E6E6"/>
+      </a:lt2>
+      <a:accent1>
+        <a:srgbClr val="5B9BD5"/>
+      </a:accent1>
+      <a:accent2>
+        <a:srgbClr val="ED7D31"/>
+      </a:accent2>
+      <a:accent3>
+        <a:srgbClr val="A5A5A5"/>
+      </a:accent3>
+      <a:accent4>
+        <a:srgbClr val="FFC000"/>
+      </a:accent4>
+      <a:accent5>
+        <a:srgbClr val="4472C4"/>
+      </a:accent5>
+      <a:accent6>
+        <a:srgbClr val="70AD47"/>
+      </a:accent6>
+      <a:hlink>
+        <a:srgbClr val="0563C1"/>
+      </a:hlink>
+      <a:folHlink>
+        <a:srgbClr val="954F72"/>
+      </a:folHlink>
+    </a:clrScheme>
+    <a:fontScheme name="Office">
+      <a:majorFont>
+        <a:latin typeface="Calibri Light" panose="020F0302020204030204"/>
+        <a:ea typeface=""/>
+        <a:cs typeface=""/>
+        <a:font script="Jpan" typeface="游ゴシック Light"/>
+        <a:font script="Hang" typeface="맑은 고딕"/>
+        <a:font script="Hans" typeface="等线 Light"/>
+        <a:font script="Hant" typeface="新細明體"/>
+        <a:font script="Arab" typeface="Times New Roman"/>
+        <a:font script="Hebr" typeface="Times New Roman"/>
+        <a:font script="Thai" typeface="Angsana New"/>
+        <a:font script="Ethi" typeface="Nyala"/>
+        <a:font script="Beng" typeface="Vrinda"/>
+        <a:font script="Gujr" typeface="Shruti"/>
+        <a:font script="Khmr" typeface="MoolBoran"/>
+        <a:font script="Knda" typeface="Tunga"/>
+        <a:font script="Guru" typeface="Raavi"/>
+        <a:font script="Cans" typeface="Euphemia"/>
+        <a:font script="Cher" typeface="Plantagenet Cherokee"/>
+        <a:font script="Yiii" typeface="Microsoft Yi Baiti"/>
+        <a:font script="Tibt" typeface="Microsoft Himalaya"/>
+        <a:font script="Thaa" typeface="MV Boli"/>
+        <a:font script="Deva" typeface="Mangal"/>
+        <a:font script="Telu" typeface="Gautami"/>
+        <a:font script="Taml" typeface="Latha"/>
+        <a:font script="Syrc" typeface="Estrangelo Edessa"/>
+        <a:font script="Orya" typeface="Kalinga"/>
+        <a:font script="Mlym" typeface="Kartika"/>
+        <a:font script="Laoo" typeface="DokChampa"/>
+        <a:font script="Sinh" typeface="Iskoola Pota"/>
+        <a:font script="Mong" typeface="Mongolian Baiti"/>
+        <a:font script="Viet" typeface="Times New Roman"/>
+        <a:font script="Uigh" typeface="Microsoft Uighur"/>
+        <a:font script="Geor" typeface="Sylfaen"/>
+      </a:majorFont>
+      <a:minorFont>
+        <a:latin typeface="Calibri" panose="020F0502020204030204"/>
+        <a:ea typeface=""/>
+        <a:cs typeface=""/>
+        <a:font script="Jpan" typeface="游ゴシック"/>
+        <a:font script="Hang" typeface="맑은 고딕"/>
+        <a:font script="Hans" typeface="等线"/>
+        <a:font script="Hant" typeface="新細明體"/>
+        <a:font script="Arab" typeface="Arial"/>
+        <a:font script="Hebr" typeface="Arial"/>
+        <a:font script="Thai" typeface="Cordia New"/>
+        <a:font script="Ethi" typeface="Nyala"/>
+        <a:font script="Beng" typeface="Vrinda"/>
+        <a:font script="Gujr" typeface="Shruti"/>
+        <a:font script="Khmr" typeface="DaunPenh"/>
+        <a:font script="Knda" typeface="Tunga"/>
+        <a:font script="Guru" typeface="Raavi"/>
+        <a:font script="Cans" typeface="Euphemia"/>
+        <a:font script="Cher" typeface="Plantagenet Cherokee"/>
+        <a:font script="Yiii" typeface="Microsoft Yi Baiti"/>
+        <a:font script="Tibt" typeface="Microsoft Himalaya"/>
+        <a:font script="Thaa" typeface="MV Boli"/>
+        <a:font script="Deva" typeface="Mangal"/>
+        <a:font script="Telu" typeface="Gautami"/>
+        <a:font script="Taml" typeface="Latha"/>
+        <a:font script="Syrc" typeface="Estrangelo Edessa"/>
+        <a:font script="Orya" typeface="Kalinga"/>
+        <a:font script="Mlym" typeface="Kartika"/>
+        <a:font script="Laoo" typeface="DokChampa"/>
+        <a:font script="Sinh" typeface="Iskoola Pota"/>
+        <a:font script="Mong" typeface="Mongolian Baiti"/>
+        <a:font script="Viet" typeface="Arial"/>
+        <a:font script="Uigh" typeface="Microsoft Uighur"/>
+        <a:font script="Geor" typeface="Sylfaen"/>
+      </a:minorFont>
+    </a:fontScheme>
+    <a:fmtScheme name="Office">
+      <a:fillStyleLst>
+        <a:solidFill>
+          <a:schemeClr val="phClr"/>
+        </a:solidFill>
+        <a:gradFill rotWithShape="1">
+          <a:gsLst>
+            <a:gs pos="0">
+              <a:schemeClr val="phClr">
+                <a:lumMod val="110000"/>
+                <a:satMod val="105000"/>
+                <a:tint val="67000"/>
+              </a:schemeClr>
+            </a:gs>
+            <a:gs pos="50000">
+              <a:schemeClr val="phClr">
+                <a:lumMod val="105000"/>
+                <a:satMod val="103000"/>
+                <a:tint val="73000"/>
+              </a:schemeClr>
+            </a:gs>
+            <a:gs pos="100000">
+              <a:schemeClr val="phClr">
+                <a:lumMod val="105000"/>
+                <a:satMod val="109000"/>
+                <a:tint val="81000"/>
+              </a:schemeClr>
+            </a:gs>
+          </a:gsLst>
+          <a:lin ang="5400000" scaled="0"/>
+        </a:gradFill>
+        <a:gradFill rotWithShape="1">
+          <a:gsLst>
+            <a:gs pos="0">
+              <a:schemeClr val="phClr">
+                <a:satMod val="103000"/>
+                <a:lumMod val="102000"/>
+                <a:tint val="94000"/>
+              </a:schemeClr>
+            </a:gs>
+            <a:gs pos="50000">
+              <a:schemeClr val="phClr">
+                <a:satMod val="110000"/>
+                <a:lumMod val="100000"/>
+                <a:shade val="100000"/>
+              </a:schemeClr>
+            </a:gs>
+            <a:gs pos="100000">
+              <a:schemeClr val="phClr">
+                <a:lumMod val="99000"/>
+                <a:satMod val="120000"/>
+                <a:shade val="78000"/>
+              </a:schemeClr>
+            </a:gs>
+          </a:gsLst>
+          <a:lin ang="5400000" scaled="0"/>
+        </a:gradFill>
+      </a:fillStyleLst>
+      <a:lnStyleLst>
+        <a:ln w="6350" cap="flat" cmpd="sng" algn="ctr">
+          <a:solidFill>
+            <a:schemeClr val="phClr"/>
+          </a:solidFill>
+          <a:prstDash val="solid"/>
+          <a:miter lim="800000"/>
+        </a:ln>
+        <a:ln w="12700" cap="flat" cmpd="sng" algn="ctr">
+          <a:solidFill>
+            <a:schemeClr val="phClr"/>
+          </a:solidFill>
+          <a:prstDash val="solid"/>
+          <a:miter lim="800000"/>
+        </a:ln>
+        <a:ln w="19050" cap="flat" cmpd="sng" algn="ctr">
+          <a:solidFill>
+            <a:schemeClr val="phClr"/>
+          </a:solidFill>
+          <a:prstDash val="solid"/>
+          <a:miter lim="800000"/>
+        </a:ln>
+      </a:lnStyleLst>
+      <a:effectStyleLst>
+        <a:effectStyle>
+          <a:effectLst/>
+        </a:effectStyle>
+        <a:effectStyle>
+          <a:effectLst/>
+        </a:effectStyle>
+        <a:effectStyle>
+          <a:effectLst>
+            <a:outerShdw blurRad="57150" dist="19050" dir="5400000" algn="ctr" rotWithShape="0">
+              <a:srgbClr val="000000">
+                <a:alpha val="63000"/>
+              </a:srgbClr>
+            </a:outerShdw>
+          </a:effectLst>
+        </a:effectStyle>
+      </a:effectStyleLst>
+      <a:bgFillStyleLst>
+        <a:solidFill>
+          <a:schemeClr val="phClr"/>
+        </a:solidFill>
+        <a:solidFill>
+          <a:schemeClr val="phClr">
+            <a:tint val="95000"/>
+            <a:satMod val="170000"/>
+          </a:schemeClr>
+        </a:solidFill>
+        <a:gradFill rotWithShape="1">
+          <a:gsLst>
+            <a:gs pos="0">
+              <a:schemeClr val="phClr">
+                <a:tint val="93000"/>
+                <a:satMod val="150000"/>
+                <a:shade val="98000"/>
+                <a:lumMod val="102000"/>
+              </a:schemeClr>
+            </a:gs>
+            <a:gs pos="50000">
+              <a:schemeClr val="phClr">
+                <a:tint val="98000"/>
+                <a:satMod val="130000"/>
+                <a:shade val="90000"/>
+                <a:lumMod val="103000"/>
+              </a:schemeClr>
+            </a:gs>
+            <a:gs pos="100000">
+              <a:schemeClr val="phClr">
+                <a:shade val="63000"/>
+                <a:satMod val="120000"/>
+              </a:schemeClr>
+            </a:gs>
+          </a:gsLst>
+          <a:lin ang="5400000" scaled="0"/>
+        </a:gradFill>
+      </a:bgFillStyleLst>
+    </a:fmtScheme>
+  </a:themeElements>
+  <a:objectDefaults/>
+  <a:extraClrSchemeLst/>
+  <a:extLst>
+    <a:ext uri="{05A4C25C-085E-4340-85A3-A5531E510DB2}">
+      <thm15:themeFamily xmlns:thm15="http://schemas.microsoft.com/office/thememl/2012/main" name="Office Theme" id="{62F939B6-93AF-4DB8-9C6B-D6C7DFDC589F}" vid="{4A3C46E8-61CC-4603-A589-7422A47A8E4A}"/>
+    </a:ext>
+  </a:extLst>
+</a:theme>
+</file>
+
+<file path=ppt/theme/theme3.xml><?xml version="1.0" encoding="utf-8"?>
+<a:theme xmlns:a="http://schemas.openxmlformats.org/drawingml/2006/main" name="Thème Office">
+  <a:themeElements>
+    <a:clrScheme name="Office">
+      <a:dk1>
+        <a:sysClr val="windowText" lastClr="000000"/>
+      </a:dk1>
+      <a:lt1>
+        <a:sysClr val="window" lastClr="FFFFFF"/>
+      </a:lt1>
+      <a:dk2>
+        <a:srgbClr val="44546A"/>
+      </a:dk2>
+      <a:lt2>
+        <a:srgbClr val="E7E6E6"/>
+      </a:lt2>
+      <a:accent1>
+        <a:srgbClr val="5B9BD5"/>
+      </a:accent1>
+      <a:accent2>
+        <a:srgbClr val="ED7D31"/>
+      </a:accent2>
+      <a:accent3>
+        <a:srgbClr val="A5A5A5"/>
+      </a:accent3>
+      <a:accent4>
+        <a:srgbClr val="FFC000"/>
+      </a:accent4>
+      <a:accent5>
+        <a:srgbClr val="4472C4"/>
+      </a:accent5>
+      <a:accent6>
+        <a:srgbClr val="70AD47"/>
+      </a:accent6>
+      <a:hlink>
+        <a:srgbClr val="0563C1"/>
+      </a:hlink>
+      <a:folHlink>
+        <a:srgbClr val="954F72"/>
+      </a:folHlink>
+    </a:clrScheme>
+    <a:fontScheme name="Office">
+      <a:majorFont>
+        <a:latin typeface="Calibri Light" panose="020F0302020204030204"/>
+        <a:ea typeface=""/>
+        <a:cs typeface=""/>
+        <a:font script="Jpan" typeface="游ゴシック Light"/>
+        <a:font script="Hang" typeface="맑은 고딕"/>
+        <a:font script="Hans" typeface="等线 Light"/>
+        <a:font script="Hant" typeface="新細明體"/>
+        <a:font script="Arab" typeface="Times New Roman"/>
+        <a:font script="Hebr" typeface="Times New Roman"/>
+        <a:font script="Thai" typeface="Angsana New"/>
+        <a:font script="Ethi" typeface="Nyala"/>
+        <a:font script="Beng" typeface="Vrinda"/>
+        <a:font script="Gujr" typeface="Shruti"/>
+        <a:font script="Khmr" typeface="MoolBoran"/>
+        <a:font script="Knda" typeface="Tunga"/>
+        <a:font script="Guru" typeface="Raavi"/>
+        <a:font script="Cans" typeface="Euphemia"/>
+        <a:font script="Cher" typeface="Plantagenet Cherokee"/>
+        <a:font script="Yiii" typeface="Microsoft Yi Baiti"/>
+        <a:font script="Tibt" typeface="Microsoft Himalaya"/>
+        <a:font script="Thaa" typeface="MV Boli"/>
+        <a:font script="Deva" typeface="Mangal"/>
+        <a:font script="Telu" typeface="Gautami"/>
+        <a:font script="Taml" typeface="Latha"/>
+        <a:font script="Syrc" typeface="Estrangelo Edessa"/>
+        <a:font script="Orya" typeface="Kalinga"/>
+        <a:font script="Mlym" typeface="Kartika"/>
+        <a:font script="Laoo" typeface="DokChampa"/>
+        <a:font script="Sinh" typeface="Iskoola Pota"/>
+        <a:font script="Mong" typeface="Mongolian Baiti"/>
+        <a:font script="Viet" typeface="Times New Roman"/>
+        <a:font script="Uigh" typeface="Microsoft Uighur"/>
+        <a:font script="Geor" typeface="Sylfaen"/>
+      </a:majorFont>
+      <a:minorFont>
+        <a:latin typeface="Calibri" panose="020F0502020204030204"/>
+        <a:ea typeface=""/>
+        <a:cs typeface=""/>
+        <a:font script="Jpan" typeface="游ゴシック"/>
+        <a:font script="Hang" typeface="맑은 고딕"/>
+        <a:font script="Hans" typeface="等线"/>
+        <a:font script="Hant" typeface="新細明體"/>
+        <a:font script="Arab" typeface="Arial"/>
+        <a:font script="Hebr" typeface="Arial"/>
+        <a:font script="Thai" typeface="Cordia New"/>
+        <a:font script="Ethi" typeface="Nyala"/>
+        <a:font script="Beng" typeface="Vrinda"/>
+        <a:font script="Gujr" typeface="Shruti"/>
+        <a:font script="Khmr" typeface="DaunPenh"/>
+        <a:font script="Knda" typeface="Tunga"/>
+        <a:font script="Guru" typeface="Raavi"/>
+        <a:font script="Cans" typeface="Euphemia"/>
+        <a:font script="Cher" typeface="Plantagenet Cherokee"/>
+        <a:font script="Yiii" typeface="Microsoft Yi Baiti"/>
+        <a:font script="Tibt" typeface="Microsoft Himalaya"/>
+        <a:font script="Thaa" typeface="MV Boli"/>
+        <a:font script="Deva" typeface="Mangal"/>
+        <a:font script="Telu" typeface="Gautami"/>
+        <a:font script="Taml" typeface="Latha"/>
+        <a:font script="Syrc" typeface="Estrangelo Edessa"/>
+        <a:font script="Orya" typeface="Kalinga"/>
+        <a:font script="Mlym" typeface="Kartika"/>
+        <a:font script="Laoo" typeface="DokChampa"/>
+        <a:font script="Sinh" typeface="Iskoola Pota"/>
+        <a:font script="Mong" typeface="Mongolian Baiti"/>
+        <a:font script="Viet" typeface="Arial"/>
+        <a:font script="Uigh" typeface="Microsoft Uighur"/>
+        <a:font script="Geor" typeface="Sylfaen"/>
+      </a:minorFont>
+    </a:fontScheme>
+    <a:fmtScheme name="Office">
+      <a:fillStyleLst>
+        <a:solidFill>
+          <a:schemeClr val="phClr"/>
+        </a:solidFill>
+        <a:gradFill rotWithShape="1">
+          <a:gsLst>
+            <a:gs pos="0">
+              <a:schemeClr val="phClr">
+                <a:lumMod val="110000"/>
+                <a:satMod val="105000"/>
+                <a:tint val="67000"/>
+              </a:schemeClr>
+            </a:gs>
+            <a:gs pos="50000">
+              <a:schemeClr val="phClr">
+                <a:lumMod val="105000"/>
+                <a:satMod val="103000"/>
+                <a:tint val="73000"/>
+              </a:schemeClr>
+            </a:gs>
+            <a:gs pos="100000">
+              <a:schemeClr val="phClr">
+                <a:lumMod val="105000"/>
+                <a:satMod val="109000"/>
+                <a:tint val="81000"/>
+              </a:schemeClr>
+            </a:gs>
+          </a:gsLst>
+          <a:lin ang="5400000" scaled="0"/>
+        </a:gradFill>
+        <a:gradFill rotWithShape="1">
+          <a:gsLst>
+            <a:gs pos="0">
+              <a:schemeClr val="phClr">
+                <a:satMod val="103000"/>
+                <a:lumMod val="102000"/>
+                <a:tint val="94000"/>
+              </a:schemeClr>
+            </a:gs>
+            <a:gs pos="50000">
+              <a:schemeClr val="phClr">
+                <a:satMod val="110000"/>
+                <a:lumMod val="100000"/>
+                <a:shade val="100000"/>
+              </a:schemeClr>
+            </a:gs>
+            <a:gs pos="100000">
+              <a:schemeClr val="phClr">
+                <a:lumMod val="99000"/>
+                <a:satMod val="120000"/>
+                <a:shade val="78000"/>
+              </a:schemeClr>
+            </a:gs>
+          </a:gsLst>
+          <a:lin ang="5400000" scaled="0"/>
+        </a:gradFill>
+      </a:fillStyleLst>
+      <a:lnStyleLst>
+        <a:ln w="6350" cap="flat" cmpd="sng" algn="ctr">
+          <a:solidFill>
+            <a:schemeClr val="phClr"/>
+          </a:solidFill>
+          <a:prstDash val="solid"/>
+          <a:miter lim="800000"/>
+        </a:ln>
+        <a:ln w="12700" cap="flat" cmpd="sng" algn="ctr">
+          <a:solidFill>
+            <a:schemeClr val="phClr"/>
+          </a:solidFill>
+          <a:prstDash val="solid"/>
+          <a:miter lim="800000"/>
+        </a:ln>
+        <a:ln w="19050" cap="flat" cmpd="sng" algn="ctr">
+          <a:solidFill>
+            <a:schemeClr val="phClr"/>
+          </a:solidFill>
+          <a:prstDash val="solid"/>
+          <a:miter lim="800000"/>
+        </a:ln>
+      </a:lnStyleLst>
+      <a:effectStyleLst>
+        <a:effectStyle>
+          <a:effectLst/>
+        </a:effectStyle>
+        <a:effectStyle>
+          <a:effectLst/>
+        </a:effectStyle>
+        <a:effectStyle>
+          <a:effectLst>
+            <a:outerShdw blurRad="57150" dist="19050" dir="5400000" algn="ctr" rotWithShape="0">
+              <a:srgbClr val="000000">
+                <a:alpha val="63000"/>
+              </a:srgbClr>
+            </a:outerShdw>
+          </a:effectLst>
+        </a:effectStyle>
+      </a:effectStyleLst>
+      <a:bgFillStyleLst>
+        <a:solidFill>
+          <a:schemeClr val="phClr"/>
+        </a:solidFill>
+        <a:solidFill>
+          <a:schemeClr val="phClr">
+            <a:tint val="95000"/>
+            <a:satMod val="170000"/>
+          </a:schemeClr>
+        </a:solidFill>
+        <a:gradFill rotWithShape="1">
+          <a:gsLst>
+            <a:gs pos="0">
+              <a:schemeClr val="phClr">
+                <a:tint val="93000"/>
+                <a:satMod val="150000"/>
+                <a:shade val="98000"/>
+                <a:lumMod val="102000"/>
+              </a:schemeClr>
+            </a:gs>
+            <a:gs pos="50000">
+              <a:schemeClr val="phClr">
+                <a:tint val="98000"/>
+                <a:satMod val="130000"/>
+                <a:shade val="90000"/>
+                <a:lumMod val="103000"/>
+              </a:schemeClr>
+            </a:gs>
+            <a:gs pos="100000">
+              <a:schemeClr val="phClr">
+                <a:shade val="63000"/>
+                <a:satMod val="120000"/>
+              </a:schemeClr>
+            </a:gs>
+          </a:gsLst>
+          <a:lin ang="5400000" scaled="0"/>
+        </a:gradFill>
+      </a:bgFillStyleLst>
+    </a:fmtScheme>
+  </a:themeElements>
+  <a:objectDefaults/>
+  <a:extraClrSchemeLst/>
+  <a:extLst>
+    <a:ext uri="{05A4C25C-085E-4340-85A3-A5531E510DB2}">
+      <thm15:themeFamily xmlns:thm15="http://schemas.microsoft.com/office/thememl/2012/main" name="Office Theme" id="{62F939B6-93AF-4DB8-9C6B-D6C7DFDC589F}" vid="{4A3C46E8-61CC-4603-A589-7422A47A8E4A}"/>
+    </a:ext>
+  </a:extLst>
+</a:theme>
 </file>
--- a/Documentation/DefensePresentation.pptx
+++ b/Documentation/DefensePresentation.pptx
@@ -5,10 +5,10 @@
     <p:sldMasterId id="2147483648" r:id="rId1"/>
   </p:sldMasterIdLst>
   <p:notesMasterIdLst>
-    <p:notesMasterId r:id="rId15"/>
+    <p:notesMasterId r:id="rId17"/>
   </p:notesMasterIdLst>
   <p:handoutMasterIdLst>
-    <p:handoutMasterId r:id="rId16"/>
+    <p:handoutMasterId r:id="rId18"/>
   </p:handoutMasterIdLst>
   <p:sldIdLst>
     <p:sldId id="256" r:id="rId2"/>
@@ -24,6 +24,8 @@
     <p:sldId id="266" r:id="rId12"/>
     <p:sldId id="267" r:id="rId13"/>
     <p:sldId id="268" r:id="rId14"/>
+    <p:sldId id="269" r:id="rId15"/>
+    <p:sldId id="270" r:id="rId16"/>
   </p:sldIdLst>
   <p:sldSz cx="12192000" cy="6858000"/>
   <p:notesSz cx="6858000" cy="9144000"/>
@@ -216,7 +218,7 @@
           <a:p>
             <a:fld id="{853CC124-ABAF-4D40-8E0A-8CACF837F3EB}" type="datetimeFigureOut">
               <a:rPr lang="fr-CH" smtClean="0"/>
-              <a:t>31.03.2022</a:t>
+              <a:t>01.04.2022</a:t>
             </a:fld>
             <a:endParaRPr lang="fr-CH"/>
           </a:p>
@@ -390,7 +392,7 @@
           <a:p>
             <a:fld id="{5C5914F1-70FE-47AC-A640-1FCB090C1C29}" type="datetimeFigureOut">
               <a:rPr lang="fr-CH" smtClean="0"/>
-              <a:t>31.03.2022</a:t>
+              <a:t>01.04.2022</a:t>
             </a:fld>
             <a:endParaRPr lang="fr-CH"/>
           </a:p>
@@ -4513,7 +4515,7 @@
         </p:nvGrpSpPr>
         <p:grpSpPr>
           <a:xfrm rot="884056">
-            <a:off x="3491905" y="1741993"/>
+            <a:off x="3397052" y="1818642"/>
             <a:ext cx="1080633" cy="2060596"/>
             <a:chOff x="2709213" y="1766950"/>
             <a:chExt cx="1080633" cy="2060596"/>
@@ -6920,8 +6922,13 @@
                   <a:schemeClr val="tx1"/>
                 </a:solidFill>
               </a:rPr>
-              <a:t>Tourelle </a:t>
-            </a:r>
+              <a:t>obstacles </a:t>
+            </a:r>
+            <a:endParaRPr lang="fr-CH" sz="1600" dirty="0" smtClean="0">
+              <a:solidFill>
+                <a:schemeClr val="tx1"/>
+              </a:solidFill>
+            </a:endParaRPr>
           </a:p>
           <a:p>
             <a:pPr algn="ctr"/>
@@ -7220,8 +7227,27 @@
           <a:p>
             <a:r>
               <a:rPr lang="fr-CH" dirty="0" smtClean="0"/>
-              <a:t>Faciliter la communication d’événement entre les grilles</a:t>
-            </a:r>
+              <a:t>Faciliter la communication d’événement entre les </a:t>
+            </a:r>
+            <a:r>
+              <a:rPr lang="fr-CH" dirty="0" smtClean="0"/>
+              <a:t>grilles</a:t>
+            </a:r>
+          </a:p>
+          <a:p>
+            <a:r>
+              <a:rPr lang="fr-CH" dirty="0" smtClean="0"/>
+              <a:t>Permettre de subdiviser la grille en </a:t>
+            </a:r>
+            <a:r>
+              <a:rPr lang="fr-CH" dirty="0" err="1" smtClean="0"/>
+              <a:t>chunk</a:t>
+            </a:r>
+            <a:r>
+              <a:rPr lang="fr-CH" dirty="0" smtClean="0"/>
+              <a:t> afin de cibler les modifications</a:t>
+            </a:r>
+            <a:endParaRPr lang="fr-CH" dirty="0" smtClean="0"/>
           </a:p>
           <a:p>
             <a:endParaRPr lang="fr-CH" dirty="0"/>
@@ -7426,6 +7452,21 @@
             </a:r>
           </a:p>
           <a:p>
+            <a:pPr lvl="1"/>
+            <a:endParaRPr lang="fr-CH" dirty="0"/>
+          </a:p>
+          <a:p>
+            <a:r>
+              <a:rPr lang="fr-CH" dirty="0" smtClean="0"/>
+              <a:t>Subdivision en </a:t>
+            </a:r>
+            <a:r>
+              <a:rPr lang="fr-CH" dirty="0" err="1" smtClean="0"/>
+              <a:t>Chunks</a:t>
+            </a:r>
+            <a:endParaRPr lang="fr-CH" dirty="0" smtClean="0"/>
+          </a:p>
+          <a:p>
             <a:pPr marL="457200" lvl="1" indent="0">
               <a:buNone/>
             </a:pPr>
@@ -7549,7 +7590,11 @@
           <a:p>
             <a:r>
               <a:rPr lang="fr-CH" dirty="0" smtClean="0"/>
-              <a:t>S’adapter à une grille plus grande</a:t>
+              <a:t>S’adapter à une grille plus </a:t>
+            </a:r>
+            <a:r>
+              <a:rPr lang="fr-CH" dirty="0" smtClean="0"/>
+              <a:t>petite</a:t>
             </a:r>
             <a:endParaRPr lang="fr-CH" dirty="0"/>
           </a:p>
@@ -7927,13 +7972,13 @@
           <p:nvPr>
             <p:extLst>
               <p:ext uri="{D42A27DB-BD31-4B8C-83A1-F6EECF244321}">
-                <p14:modId xmlns:p14="http://schemas.microsoft.com/office/powerpoint/2010/main" val="3248023467"/>
+                <p14:modId xmlns:p14="http://schemas.microsoft.com/office/powerpoint/2010/main" val="3754661005"/>
               </p:ext>
             </p:extLst>
           </p:nvPr>
         </p:nvGraphicFramePr>
         <p:xfrm>
-          <a:off x="6609427" y="2862627"/>
+          <a:off x="9061764" y="2871727"/>
           <a:ext cx="2324937" cy="2303584"/>
         </p:xfrm>
         <a:graphic>
@@ -8173,13 +8218,13 @@
           <p:nvPr>
             <p:extLst>
               <p:ext uri="{D42A27DB-BD31-4B8C-83A1-F6EECF244321}">
-                <p14:modId xmlns:p14="http://schemas.microsoft.com/office/powerpoint/2010/main" val="2927223241"/>
+                <p14:modId xmlns:p14="http://schemas.microsoft.com/office/powerpoint/2010/main" val="876733218"/>
               </p:ext>
             </p:extLst>
           </p:nvPr>
         </p:nvGraphicFramePr>
         <p:xfrm>
-          <a:off x="6609428" y="4014419"/>
+          <a:off x="9061764" y="4019121"/>
           <a:ext cx="586154" cy="580294"/>
         </p:xfrm>
         <a:graphic>
@@ -8291,13 +8336,13 @@
           <p:nvPr>
             <p:extLst>
               <p:ext uri="{D42A27DB-BD31-4B8C-83A1-F6EECF244321}">
-                <p14:modId xmlns:p14="http://schemas.microsoft.com/office/powerpoint/2010/main" val="469333663"/>
+                <p14:modId xmlns:p14="http://schemas.microsoft.com/office/powerpoint/2010/main" val="4002853769"/>
               </p:ext>
             </p:extLst>
           </p:nvPr>
         </p:nvGraphicFramePr>
         <p:xfrm>
-          <a:off x="7195582" y="4014419"/>
+          <a:off x="9647918" y="4019121"/>
           <a:ext cx="586154" cy="580294"/>
         </p:xfrm>
         <a:graphic>
@@ -8409,13 +8454,13 @@
           <p:nvPr>
             <p:extLst>
               <p:ext uri="{D42A27DB-BD31-4B8C-83A1-F6EECF244321}">
-                <p14:modId xmlns:p14="http://schemas.microsoft.com/office/powerpoint/2010/main" val="2824495016"/>
+                <p14:modId xmlns:p14="http://schemas.microsoft.com/office/powerpoint/2010/main" val="1181745254"/>
               </p:ext>
             </p:extLst>
           </p:nvPr>
         </p:nvGraphicFramePr>
         <p:xfrm>
-          <a:off x="6609428" y="4590315"/>
+          <a:off x="9061764" y="4595017"/>
           <a:ext cx="586154" cy="580294"/>
         </p:xfrm>
         <a:graphic>
@@ -8527,13 +8572,13 @@
           <p:nvPr>
             <p:extLst>
               <p:ext uri="{D42A27DB-BD31-4B8C-83A1-F6EECF244321}">
-                <p14:modId xmlns:p14="http://schemas.microsoft.com/office/powerpoint/2010/main" val="1628298823"/>
+                <p14:modId xmlns:p14="http://schemas.microsoft.com/office/powerpoint/2010/main" val="3337544063"/>
               </p:ext>
             </p:extLst>
           </p:nvPr>
         </p:nvGraphicFramePr>
         <p:xfrm>
-          <a:off x="7195582" y="4590315"/>
+          <a:off x="9647918" y="4595017"/>
           <a:ext cx="586154" cy="580294"/>
         </p:xfrm>
         <a:graphic>
@@ -9627,13 +9672,13 @@
           <p:nvPr>
             <p:extLst>
               <p:ext uri="{D42A27DB-BD31-4B8C-83A1-F6EECF244321}">
-                <p14:modId xmlns:p14="http://schemas.microsoft.com/office/powerpoint/2010/main" val="1734157040"/>
+                <p14:modId xmlns:p14="http://schemas.microsoft.com/office/powerpoint/2010/main" val="3968454490"/>
               </p:ext>
             </p:extLst>
           </p:nvPr>
         </p:nvGraphicFramePr>
         <p:xfrm>
-          <a:off x="9143078" y="2862627"/>
+          <a:off x="6619511" y="2871727"/>
           <a:ext cx="2266864" cy="2303584"/>
         </p:xfrm>
         <a:graphic>
@@ -9879,7 +9924,7 @@
                     <a:lstStyle/>
                     <a:p>
                       <a:pPr algn="ctr"/>
-                      <a:endParaRPr lang="fr-CH" sz="1000"/>
+                      <a:endParaRPr lang="fr-CH" sz="1000" dirty="0"/>
                     </a:p>
                   </a:txBody>
                   <a:tcPr marL="71973" marR="71973" marT="35986" marB="35986" anchor="ctr"/>
@@ -10672,6 +10717,2291 @@
 </p:sld>
 </file>
 
+<file path=ppt/slides/slide14.xml><?xml version="1.0" encoding="utf-8"?>
+<p:sld xmlns:a="http://schemas.openxmlformats.org/drawingml/2006/main" xmlns:r="http://schemas.openxmlformats.org/officeDocument/2006/relationships" xmlns:p="http://schemas.openxmlformats.org/presentationml/2006/main">
+  <p:cSld>
+    <p:spTree>
+      <p:nvGrpSpPr>
+        <p:cNvPr id="1" name=""/>
+        <p:cNvGrpSpPr/>
+        <p:nvPr/>
+      </p:nvGrpSpPr>
+      <p:grpSpPr>
+        <a:xfrm>
+          <a:off x="0" y="0"/>
+          <a:ext cx="0" cy="0"/>
+          <a:chOff x="0" y="0"/>
+          <a:chExt cx="0" cy="0"/>
+        </a:xfrm>
+      </p:grpSpPr>
+      <p:sp>
+        <p:nvSpPr>
+          <p:cNvPr id="2" name="Titre 1"/>
+          <p:cNvSpPr>
+            <a:spLocks noGrp="1"/>
+          </p:cNvSpPr>
+          <p:nvPr>
+            <p:ph type="title"/>
+          </p:nvPr>
+        </p:nvSpPr>
+        <p:spPr/>
+        <p:txBody>
+          <a:bodyPr/>
+          <a:lstStyle/>
+          <a:p>
+            <a:r>
+              <a:rPr lang="fr-CH" dirty="0" smtClean="0"/>
+              <a:t>S’adapter </a:t>
+            </a:r>
+            <a:r>
+              <a:rPr lang="fr-CH" dirty="0" smtClean="0"/>
+              <a:t>à une grille plus </a:t>
+            </a:r>
+            <a:r>
+              <a:rPr lang="fr-CH" dirty="0" smtClean="0"/>
+              <a:t>grande</a:t>
+            </a:r>
+            <a:endParaRPr lang="fr-CH" dirty="0"/>
+          </a:p>
+        </p:txBody>
+      </p:sp>
+      <p:sp>
+        <p:nvSpPr>
+          <p:cNvPr id="4" name="Espace réservé de la date 3"/>
+          <p:cNvSpPr>
+            <a:spLocks noGrp="1"/>
+          </p:cNvSpPr>
+          <p:nvPr>
+            <p:ph type="dt" sz="half" idx="10"/>
+          </p:nvPr>
+        </p:nvSpPr>
+        <p:spPr/>
+        <p:txBody>
+          <a:bodyPr/>
+          <a:lstStyle/>
+          <a:p>
+            <a:r>
+              <a:rPr lang="fr-CH" smtClean="0"/>
+              <a:t>05.04.2022</a:t>
+            </a:r>
+            <a:endParaRPr lang="fr-CH"/>
+          </a:p>
+        </p:txBody>
+      </p:sp>
+      <p:sp>
+        <p:nvSpPr>
+          <p:cNvPr id="5" name="Espace réservé du pied de page 4"/>
+          <p:cNvSpPr>
+            <a:spLocks noGrp="1"/>
+          </p:cNvSpPr>
+          <p:nvPr>
+            <p:ph type="ftr" sz="quarter" idx="11"/>
+          </p:nvPr>
+        </p:nvSpPr>
+        <p:spPr/>
+        <p:txBody>
+          <a:bodyPr/>
+          <a:lstStyle/>
+          <a:p>
+            <a:r>
+              <a:rPr lang="fr-CH" smtClean="0"/>
+              <a:t>Florian Duruz</a:t>
+            </a:r>
+            <a:endParaRPr lang="fr-CH"/>
+          </a:p>
+        </p:txBody>
+      </p:sp>
+      <p:sp>
+        <p:nvSpPr>
+          <p:cNvPr id="6" name="Espace réservé du numéro de diapositive 5"/>
+          <p:cNvSpPr>
+            <a:spLocks noGrp="1"/>
+          </p:cNvSpPr>
+          <p:nvPr>
+            <p:ph type="sldNum" sz="quarter" idx="12"/>
+          </p:nvPr>
+        </p:nvSpPr>
+        <p:spPr/>
+        <p:txBody>
+          <a:bodyPr/>
+          <a:lstStyle/>
+          <a:p>
+            <a:fld id="{877A364F-776A-4279-BBAB-336C6B9E27FF}" type="slidenum">
+              <a:rPr lang="fr-CH" smtClean="0"/>
+              <a:t>14</a:t>
+            </a:fld>
+            <a:endParaRPr lang="fr-CH"/>
+          </a:p>
+        </p:txBody>
+      </p:sp>
+      <p:graphicFrame>
+        <p:nvGraphicFramePr>
+          <p:cNvPr id="7" name="Tableau 6"/>
+          <p:cNvGraphicFramePr>
+            <a:graphicFrameLocks noGrp="1"/>
+          </p:cNvGraphicFramePr>
+          <p:nvPr>
+            <p:extLst>
+              <p:ext uri="{D42A27DB-BD31-4B8C-83A1-F6EECF244321}">
+                <p14:modId xmlns:p14="http://schemas.microsoft.com/office/powerpoint/2010/main" val="3692411233"/>
+              </p:ext>
+            </p:extLst>
+          </p:nvPr>
+        </p:nvGraphicFramePr>
+        <p:xfrm>
+          <a:off x="3469682" y="2446176"/>
+          <a:ext cx="2324937" cy="2303584"/>
+        </p:xfrm>
+        <a:graphic>
+          <a:graphicData uri="http://schemas.openxmlformats.org/drawingml/2006/table">
+            <a:tbl>
+              <a:tblPr firstRow="1" bandRow="1">
+                <a:tableStyleId>{5940675A-B579-460E-94D1-54222C63F5DA}</a:tableStyleId>
+              </a:tblPr>
+              <a:tblGrid>
+                <a:gridCol w="582979">
+                  <a:extLst>
+                    <a:ext uri="{9D8B030D-6E8A-4147-A177-3AD203B41FA5}">
+                      <a16:colId xmlns:a16="http://schemas.microsoft.com/office/drawing/2014/main" val="356113754"/>
+                    </a:ext>
+                  </a:extLst>
+                </a:gridCol>
+                <a:gridCol w="576000">
+                  <a:extLst>
+                    <a:ext uri="{9D8B030D-6E8A-4147-A177-3AD203B41FA5}">
+                      <a16:colId xmlns:a16="http://schemas.microsoft.com/office/drawing/2014/main" val="620341097"/>
+                    </a:ext>
+                  </a:extLst>
+                </a:gridCol>
+                <a:gridCol w="582979">
+                  <a:extLst>
+                    <a:ext uri="{9D8B030D-6E8A-4147-A177-3AD203B41FA5}">
+                      <a16:colId xmlns:a16="http://schemas.microsoft.com/office/drawing/2014/main" val="2934149511"/>
+                    </a:ext>
+                  </a:extLst>
+                </a:gridCol>
+                <a:gridCol w="582979">
+                  <a:extLst>
+                    <a:ext uri="{9D8B030D-6E8A-4147-A177-3AD203B41FA5}">
+                      <a16:colId xmlns:a16="http://schemas.microsoft.com/office/drawing/2014/main" val="232329049"/>
+                    </a:ext>
+                  </a:extLst>
+                </a:gridCol>
+              </a:tblGrid>
+              <a:tr h="575896">
+                <a:tc>
+                  <a:txBody>
+                    <a:bodyPr/>
+                    <a:lstStyle/>
+                    <a:p>
+                      <a:pPr algn="ctr"/>
+                      <a:endParaRPr lang="fr-CH" dirty="0"/>
+                    </a:p>
+                  </a:txBody>
+                  <a:tcPr anchor="ctr"/>
+                </a:tc>
+                <a:tc>
+                  <a:txBody>
+                    <a:bodyPr/>
+                    <a:lstStyle/>
+                    <a:p>
+                      <a:pPr algn="ctr"/>
+                      <a:endParaRPr lang="fr-CH" dirty="0"/>
+                    </a:p>
+                  </a:txBody>
+                  <a:tcPr anchor="ctr"/>
+                </a:tc>
+                <a:tc>
+                  <a:txBody>
+                    <a:bodyPr/>
+                    <a:lstStyle/>
+                    <a:p>
+                      <a:pPr algn="ctr"/>
+                      <a:endParaRPr lang="fr-CH" dirty="0"/>
+                    </a:p>
+                  </a:txBody>
+                  <a:tcPr anchor="ctr"/>
+                </a:tc>
+                <a:tc>
+                  <a:txBody>
+                    <a:bodyPr/>
+                    <a:lstStyle/>
+                    <a:p>
+                      <a:pPr algn="ctr"/>
+                      <a:endParaRPr lang="fr-CH"/>
+                    </a:p>
+                  </a:txBody>
+                  <a:tcPr anchor="ctr"/>
+                </a:tc>
+                <a:extLst>
+                  <a:ext uri="{0D108BD9-81ED-4DB2-BD59-A6C34878D82A}">
+                    <a16:rowId xmlns:a16="http://schemas.microsoft.com/office/drawing/2014/main" val="3711881185"/>
+                  </a:ext>
+                </a:extLst>
+              </a:tr>
+              <a:tr h="575896">
+                <a:tc>
+                  <a:txBody>
+                    <a:bodyPr/>
+                    <a:lstStyle/>
+                    <a:p>
+                      <a:pPr algn="ctr"/>
+                      <a:endParaRPr lang="fr-CH" dirty="0"/>
+                    </a:p>
+                  </a:txBody>
+                  <a:tcPr anchor="ctr"/>
+                </a:tc>
+                <a:tc>
+                  <a:txBody>
+                    <a:bodyPr/>
+                    <a:lstStyle/>
+                    <a:p>
+                      <a:pPr algn="ctr"/>
+                      <a:endParaRPr lang="fr-CH" dirty="0"/>
+                    </a:p>
+                  </a:txBody>
+                  <a:tcPr anchor="ctr"/>
+                </a:tc>
+                <a:tc>
+                  <a:txBody>
+                    <a:bodyPr/>
+                    <a:lstStyle/>
+                    <a:p>
+                      <a:pPr algn="ctr"/>
+                      <a:endParaRPr lang="fr-CH"/>
+                    </a:p>
+                  </a:txBody>
+                  <a:tcPr anchor="ctr"/>
+                </a:tc>
+                <a:tc>
+                  <a:txBody>
+                    <a:bodyPr/>
+                    <a:lstStyle/>
+                    <a:p>
+                      <a:pPr algn="ctr"/>
+                      <a:endParaRPr lang="fr-CH"/>
+                    </a:p>
+                  </a:txBody>
+                  <a:tcPr anchor="ctr"/>
+                </a:tc>
+                <a:extLst>
+                  <a:ext uri="{0D108BD9-81ED-4DB2-BD59-A6C34878D82A}">
+                    <a16:rowId xmlns:a16="http://schemas.microsoft.com/office/drawing/2014/main" val="3374282155"/>
+                  </a:ext>
+                </a:extLst>
+              </a:tr>
+              <a:tr h="575896">
+                <a:tc>
+                  <a:txBody>
+                    <a:bodyPr/>
+                    <a:lstStyle/>
+                    <a:p>
+                      <a:pPr algn="ctr"/>
+                      <a:endParaRPr lang="fr-CH" dirty="0"/>
+                    </a:p>
+                  </a:txBody>
+                  <a:tcPr anchor="ctr"/>
+                </a:tc>
+                <a:tc>
+                  <a:txBody>
+                    <a:bodyPr/>
+                    <a:lstStyle/>
+                    <a:p>
+                      <a:pPr algn="ctr"/>
+                      <a:endParaRPr lang="fr-CH" dirty="0"/>
+                    </a:p>
+                  </a:txBody>
+                  <a:tcPr anchor="ctr"/>
+                </a:tc>
+                <a:tc>
+                  <a:txBody>
+                    <a:bodyPr/>
+                    <a:lstStyle/>
+                    <a:p>
+                      <a:pPr algn="ctr"/>
+                      <a:endParaRPr lang="fr-CH" dirty="0"/>
+                    </a:p>
+                  </a:txBody>
+                  <a:tcPr anchor="ctr"/>
+                </a:tc>
+                <a:tc>
+                  <a:txBody>
+                    <a:bodyPr/>
+                    <a:lstStyle/>
+                    <a:p>
+                      <a:pPr algn="ctr"/>
+                      <a:endParaRPr lang="fr-CH" dirty="0"/>
+                    </a:p>
+                  </a:txBody>
+                  <a:tcPr anchor="ctr"/>
+                </a:tc>
+                <a:extLst>
+                  <a:ext uri="{0D108BD9-81ED-4DB2-BD59-A6C34878D82A}">
+                    <a16:rowId xmlns:a16="http://schemas.microsoft.com/office/drawing/2014/main" val="1687951208"/>
+                  </a:ext>
+                </a:extLst>
+              </a:tr>
+              <a:tr h="575896">
+                <a:tc>
+                  <a:txBody>
+                    <a:bodyPr/>
+                    <a:lstStyle/>
+                    <a:p>
+                      <a:pPr algn="ctr"/>
+                      <a:r>
+                        <a:rPr lang="fr-CH" dirty="0" smtClean="0"/>
+                        <a:t>1/0</a:t>
+                      </a:r>
+                      <a:endParaRPr lang="fr-CH" dirty="0"/>
+                    </a:p>
+                  </a:txBody>
+                  <a:tcPr anchor="ctr"/>
+                </a:tc>
+                <a:tc>
+                  <a:txBody>
+                    <a:bodyPr/>
+                    <a:lstStyle/>
+                    <a:p>
+                      <a:pPr algn="ctr"/>
+                      <a:r>
+                        <a:rPr lang="fr-CH" dirty="0" smtClean="0"/>
+                        <a:t>0</a:t>
+                      </a:r>
+                      <a:endParaRPr lang="fr-CH" dirty="0"/>
+                    </a:p>
+                  </a:txBody>
+                  <a:tcPr anchor="ctr"/>
+                </a:tc>
+                <a:tc>
+                  <a:txBody>
+                    <a:bodyPr/>
+                    <a:lstStyle/>
+                    <a:p>
+                      <a:pPr algn="ctr"/>
+                      <a:r>
+                        <a:rPr lang="fr-CH" dirty="0" smtClean="0"/>
+                        <a:t>1/0</a:t>
+                      </a:r>
+                      <a:endParaRPr lang="fr-CH" dirty="0"/>
+                    </a:p>
+                  </a:txBody>
+                  <a:tcPr anchor="ctr"/>
+                </a:tc>
+                <a:tc>
+                  <a:txBody>
+                    <a:bodyPr/>
+                    <a:lstStyle/>
+                    <a:p>
+                      <a:pPr algn="ctr"/>
+                      <a:r>
+                        <a:rPr lang="fr-CH" dirty="0" smtClean="0"/>
+                        <a:t>1/0</a:t>
+                      </a:r>
+                      <a:endParaRPr lang="fr-CH" dirty="0"/>
+                    </a:p>
+                  </a:txBody>
+                  <a:tcPr anchor="ctr"/>
+                </a:tc>
+                <a:extLst>
+                  <a:ext uri="{0D108BD9-81ED-4DB2-BD59-A6C34878D82A}">
+                    <a16:rowId xmlns:a16="http://schemas.microsoft.com/office/drawing/2014/main" val="1241338910"/>
+                  </a:ext>
+                </a:extLst>
+              </a:tr>
+            </a:tbl>
+          </a:graphicData>
+        </a:graphic>
+      </p:graphicFrame>
+      <p:graphicFrame>
+        <p:nvGraphicFramePr>
+          <p:cNvPr id="15" name="Tableau 14"/>
+          <p:cNvGraphicFramePr>
+            <a:graphicFrameLocks noGrp="1"/>
+          </p:cNvGraphicFramePr>
+          <p:nvPr>
+            <p:extLst>
+              <p:ext uri="{D42A27DB-BD31-4B8C-83A1-F6EECF244321}">
+                <p14:modId xmlns:p14="http://schemas.microsoft.com/office/powerpoint/2010/main" val="3365236204"/>
+              </p:ext>
+            </p:extLst>
+          </p:nvPr>
+        </p:nvGraphicFramePr>
+        <p:xfrm>
+          <a:off x="994105" y="2450574"/>
+          <a:ext cx="2266864" cy="2303584"/>
+        </p:xfrm>
+        <a:graphic>
+          <a:graphicData uri="http://schemas.openxmlformats.org/drawingml/2006/table">
+            <a:tbl>
+              <a:tblPr firstRow="1" bandRow="1">
+                <a:tableStyleId>{5940675A-B579-460E-94D1-54222C63F5DA}</a:tableStyleId>
+              </a:tblPr>
+              <a:tblGrid>
+                <a:gridCol w="283358">
+                  <a:extLst>
+                    <a:ext uri="{9D8B030D-6E8A-4147-A177-3AD203B41FA5}">
+                      <a16:colId xmlns:a16="http://schemas.microsoft.com/office/drawing/2014/main" val="356113754"/>
+                    </a:ext>
+                  </a:extLst>
+                </a:gridCol>
+                <a:gridCol w="283358">
+                  <a:extLst>
+                    <a:ext uri="{9D8B030D-6E8A-4147-A177-3AD203B41FA5}">
+                      <a16:colId xmlns:a16="http://schemas.microsoft.com/office/drawing/2014/main" val="1185311506"/>
+                    </a:ext>
+                  </a:extLst>
+                </a:gridCol>
+                <a:gridCol w="283358">
+                  <a:extLst>
+                    <a:ext uri="{9D8B030D-6E8A-4147-A177-3AD203B41FA5}">
+                      <a16:colId xmlns:a16="http://schemas.microsoft.com/office/drawing/2014/main" val="620341097"/>
+                    </a:ext>
+                  </a:extLst>
+                </a:gridCol>
+                <a:gridCol w="283358">
+                  <a:extLst>
+                    <a:ext uri="{9D8B030D-6E8A-4147-A177-3AD203B41FA5}">
+                      <a16:colId xmlns:a16="http://schemas.microsoft.com/office/drawing/2014/main" val="388674788"/>
+                    </a:ext>
+                  </a:extLst>
+                </a:gridCol>
+                <a:gridCol w="283358">
+                  <a:extLst>
+                    <a:ext uri="{9D8B030D-6E8A-4147-A177-3AD203B41FA5}">
+                      <a16:colId xmlns:a16="http://schemas.microsoft.com/office/drawing/2014/main" val="2934149511"/>
+                    </a:ext>
+                  </a:extLst>
+                </a:gridCol>
+                <a:gridCol w="283358">
+                  <a:extLst>
+                    <a:ext uri="{9D8B030D-6E8A-4147-A177-3AD203B41FA5}">
+                      <a16:colId xmlns:a16="http://schemas.microsoft.com/office/drawing/2014/main" val="1880854784"/>
+                    </a:ext>
+                  </a:extLst>
+                </a:gridCol>
+                <a:gridCol w="283358">
+                  <a:extLst>
+                    <a:ext uri="{9D8B030D-6E8A-4147-A177-3AD203B41FA5}">
+                      <a16:colId xmlns:a16="http://schemas.microsoft.com/office/drawing/2014/main" val="232329049"/>
+                    </a:ext>
+                  </a:extLst>
+                </a:gridCol>
+                <a:gridCol w="283358">
+                  <a:extLst>
+                    <a:ext uri="{9D8B030D-6E8A-4147-A177-3AD203B41FA5}">
+                      <a16:colId xmlns:a16="http://schemas.microsoft.com/office/drawing/2014/main" val="3012201305"/>
+                    </a:ext>
+                  </a:extLst>
+                </a:gridCol>
+              </a:tblGrid>
+              <a:tr h="287948">
+                <a:tc>
+                  <a:txBody>
+                    <a:bodyPr/>
+                    <a:lstStyle/>
+                    <a:p>
+                      <a:pPr algn="ctr"/>
+                      <a:endParaRPr lang="fr-CH" sz="1000" dirty="0"/>
+                    </a:p>
+                  </a:txBody>
+                  <a:tcPr marL="71973" marR="71973" marT="35986" marB="35986" anchor="ctr"/>
+                </a:tc>
+                <a:tc>
+                  <a:txBody>
+                    <a:bodyPr/>
+                    <a:lstStyle/>
+                    <a:p>
+                      <a:pPr algn="ctr"/>
+                      <a:endParaRPr lang="fr-CH" sz="1000" dirty="0"/>
+                    </a:p>
+                  </a:txBody>
+                  <a:tcPr marL="71973" marR="71973" marT="35986" marB="35986" anchor="ctr"/>
+                </a:tc>
+                <a:tc>
+                  <a:txBody>
+                    <a:bodyPr/>
+                    <a:lstStyle/>
+                    <a:p>
+                      <a:pPr algn="ctr"/>
+                      <a:endParaRPr lang="fr-CH" sz="1000" dirty="0"/>
+                    </a:p>
+                  </a:txBody>
+                  <a:tcPr marL="71973" marR="71973" marT="35986" marB="35986" anchor="ctr"/>
+                </a:tc>
+                <a:tc>
+                  <a:txBody>
+                    <a:bodyPr/>
+                    <a:lstStyle/>
+                    <a:p>
+                      <a:pPr algn="ctr"/>
+                      <a:endParaRPr lang="fr-CH" sz="1000" dirty="0"/>
+                    </a:p>
+                  </a:txBody>
+                  <a:tcPr marL="71973" marR="71973" marT="35986" marB="35986" anchor="ctr"/>
+                </a:tc>
+                <a:tc>
+                  <a:txBody>
+                    <a:bodyPr/>
+                    <a:lstStyle/>
+                    <a:p>
+                      <a:pPr algn="ctr"/>
+                      <a:endParaRPr lang="fr-CH" sz="1000" dirty="0"/>
+                    </a:p>
+                  </a:txBody>
+                  <a:tcPr marL="71973" marR="71973" marT="35986" marB="35986" anchor="ctr"/>
+                </a:tc>
+                <a:tc>
+                  <a:txBody>
+                    <a:bodyPr/>
+                    <a:lstStyle/>
+                    <a:p>
+                      <a:pPr algn="ctr"/>
+                      <a:endParaRPr lang="fr-CH" sz="1000" dirty="0"/>
+                    </a:p>
+                  </a:txBody>
+                  <a:tcPr marL="71973" marR="71973" marT="35986" marB="35986" anchor="ctr"/>
+                </a:tc>
+                <a:tc>
+                  <a:txBody>
+                    <a:bodyPr/>
+                    <a:lstStyle/>
+                    <a:p>
+                      <a:pPr algn="ctr"/>
+                      <a:endParaRPr lang="fr-CH" sz="1000" dirty="0"/>
+                    </a:p>
+                  </a:txBody>
+                  <a:tcPr marL="71973" marR="71973" marT="35986" marB="35986" anchor="ctr"/>
+                </a:tc>
+                <a:tc>
+                  <a:txBody>
+                    <a:bodyPr/>
+                    <a:lstStyle/>
+                    <a:p>
+                      <a:pPr algn="ctr"/>
+                      <a:endParaRPr lang="fr-CH" sz="1000"/>
+                    </a:p>
+                  </a:txBody>
+                  <a:tcPr marL="71973" marR="71973" marT="35986" marB="35986" anchor="ctr"/>
+                </a:tc>
+                <a:extLst>
+                  <a:ext uri="{0D108BD9-81ED-4DB2-BD59-A6C34878D82A}">
+                    <a16:rowId xmlns:a16="http://schemas.microsoft.com/office/drawing/2014/main" val="3711881185"/>
+                  </a:ext>
+                </a:extLst>
+              </a:tr>
+              <a:tr h="287948">
+                <a:tc>
+                  <a:txBody>
+                    <a:bodyPr/>
+                    <a:lstStyle/>
+                    <a:p>
+                      <a:pPr algn="ctr"/>
+                      <a:endParaRPr lang="fr-CH" sz="1000" dirty="0"/>
+                    </a:p>
+                  </a:txBody>
+                  <a:tcPr marL="71973" marR="71973" marT="35986" marB="35986" anchor="ctr"/>
+                </a:tc>
+                <a:tc>
+                  <a:txBody>
+                    <a:bodyPr/>
+                    <a:lstStyle/>
+                    <a:p>
+                      <a:pPr algn="ctr"/>
+                      <a:endParaRPr lang="fr-CH" sz="1000" dirty="0"/>
+                    </a:p>
+                  </a:txBody>
+                  <a:tcPr marL="71973" marR="71973" marT="35986" marB="35986" anchor="ctr"/>
+                </a:tc>
+                <a:tc>
+                  <a:txBody>
+                    <a:bodyPr/>
+                    <a:lstStyle/>
+                    <a:p>
+                      <a:pPr algn="ctr"/>
+                      <a:endParaRPr lang="fr-CH" sz="1000" dirty="0"/>
+                    </a:p>
+                  </a:txBody>
+                  <a:tcPr marL="71973" marR="71973" marT="35986" marB="35986" anchor="ctr"/>
+                </a:tc>
+                <a:tc>
+                  <a:txBody>
+                    <a:bodyPr/>
+                    <a:lstStyle/>
+                    <a:p>
+                      <a:pPr algn="ctr"/>
+                      <a:endParaRPr lang="fr-CH" sz="1000" dirty="0"/>
+                    </a:p>
+                  </a:txBody>
+                  <a:tcPr marL="71973" marR="71973" marT="35986" marB="35986" anchor="ctr"/>
+                </a:tc>
+                <a:tc>
+                  <a:txBody>
+                    <a:bodyPr/>
+                    <a:lstStyle/>
+                    <a:p>
+                      <a:pPr algn="ctr"/>
+                      <a:endParaRPr lang="fr-CH" sz="1000" dirty="0"/>
+                    </a:p>
+                  </a:txBody>
+                  <a:tcPr marL="71973" marR="71973" marT="35986" marB="35986" anchor="ctr"/>
+                </a:tc>
+                <a:tc>
+                  <a:txBody>
+                    <a:bodyPr/>
+                    <a:lstStyle/>
+                    <a:p>
+                      <a:pPr algn="ctr"/>
+                      <a:endParaRPr lang="fr-CH" sz="1000" dirty="0"/>
+                    </a:p>
+                  </a:txBody>
+                  <a:tcPr marL="71973" marR="71973" marT="35986" marB="35986" anchor="ctr"/>
+                </a:tc>
+                <a:tc>
+                  <a:txBody>
+                    <a:bodyPr/>
+                    <a:lstStyle/>
+                    <a:p>
+                      <a:pPr algn="ctr"/>
+                      <a:endParaRPr lang="fr-CH" sz="1000"/>
+                    </a:p>
+                  </a:txBody>
+                  <a:tcPr marL="71973" marR="71973" marT="35986" marB="35986" anchor="ctr"/>
+                </a:tc>
+                <a:tc>
+                  <a:txBody>
+                    <a:bodyPr/>
+                    <a:lstStyle/>
+                    <a:p>
+                      <a:pPr algn="ctr"/>
+                      <a:endParaRPr lang="fr-CH" sz="1000"/>
+                    </a:p>
+                  </a:txBody>
+                  <a:tcPr marL="71973" marR="71973" marT="35986" marB="35986" anchor="ctr"/>
+                </a:tc>
+                <a:extLst>
+                  <a:ext uri="{0D108BD9-81ED-4DB2-BD59-A6C34878D82A}">
+                    <a16:rowId xmlns:a16="http://schemas.microsoft.com/office/drawing/2014/main" val="414310014"/>
+                  </a:ext>
+                </a:extLst>
+              </a:tr>
+              <a:tr h="287948">
+                <a:tc>
+                  <a:txBody>
+                    <a:bodyPr/>
+                    <a:lstStyle/>
+                    <a:p>
+                      <a:pPr algn="ctr"/>
+                      <a:endParaRPr lang="fr-CH" sz="1000" dirty="0"/>
+                    </a:p>
+                  </a:txBody>
+                  <a:tcPr marL="71973" marR="71973" marT="35986" marB="35986" anchor="ctr"/>
+                </a:tc>
+                <a:tc>
+                  <a:txBody>
+                    <a:bodyPr/>
+                    <a:lstStyle/>
+                    <a:p>
+                      <a:pPr algn="ctr"/>
+                      <a:endParaRPr lang="fr-CH" sz="1000" dirty="0"/>
+                    </a:p>
+                  </a:txBody>
+                  <a:tcPr marL="71973" marR="71973" marT="35986" marB="35986" anchor="ctr"/>
+                </a:tc>
+                <a:tc>
+                  <a:txBody>
+                    <a:bodyPr/>
+                    <a:lstStyle/>
+                    <a:p>
+                      <a:pPr algn="ctr"/>
+                      <a:endParaRPr lang="fr-CH" sz="1000" dirty="0"/>
+                    </a:p>
+                  </a:txBody>
+                  <a:tcPr marL="71973" marR="71973" marT="35986" marB="35986" anchor="ctr"/>
+                </a:tc>
+                <a:tc>
+                  <a:txBody>
+                    <a:bodyPr/>
+                    <a:lstStyle/>
+                    <a:p>
+                      <a:pPr algn="ctr"/>
+                      <a:endParaRPr lang="fr-CH" sz="1000" dirty="0"/>
+                    </a:p>
+                  </a:txBody>
+                  <a:tcPr marL="71973" marR="71973" marT="35986" marB="35986" anchor="ctr"/>
+                </a:tc>
+                <a:tc>
+                  <a:txBody>
+                    <a:bodyPr/>
+                    <a:lstStyle/>
+                    <a:p>
+                      <a:pPr algn="ctr"/>
+                      <a:endParaRPr lang="fr-CH" sz="1000" dirty="0"/>
+                    </a:p>
+                  </a:txBody>
+                  <a:tcPr marL="71973" marR="71973" marT="35986" marB="35986" anchor="ctr"/>
+                </a:tc>
+                <a:tc>
+                  <a:txBody>
+                    <a:bodyPr/>
+                    <a:lstStyle/>
+                    <a:p>
+                      <a:pPr algn="ctr"/>
+                      <a:endParaRPr lang="fr-CH" sz="1000" dirty="0"/>
+                    </a:p>
+                  </a:txBody>
+                  <a:tcPr marL="71973" marR="71973" marT="35986" marB="35986" anchor="ctr"/>
+                </a:tc>
+                <a:tc>
+                  <a:txBody>
+                    <a:bodyPr/>
+                    <a:lstStyle/>
+                    <a:p>
+                      <a:pPr algn="ctr"/>
+                      <a:endParaRPr lang="fr-CH" sz="1000" dirty="0"/>
+                    </a:p>
+                  </a:txBody>
+                  <a:tcPr marL="71973" marR="71973" marT="35986" marB="35986" anchor="ctr"/>
+                </a:tc>
+                <a:tc>
+                  <a:txBody>
+                    <a:bodyPr/>
+                    <a:lstStyle/>
+                    <a:p>
+                      <a:pPr algn="ctr"/>
+                      <a:endParaRPr lang="fr-CH" sz="1000" dirty="0"/>
+                    </a:p>
+                  </a:txBody>
+                  <a:tcPr marL="71973" marR="71973" marT="35986" marB="35986" anchor="ctr"/>
+                </a:tc>
+                <a:extLst>
+                  <a:ext uri="{0D108BD9-81ED-4DB2-BD59-A6C34878D82A}">
+                    <a16:rowId xmlns:a16="http://schemas.microsoft.com/office/drawing/2014/main" val="3374282155"/>
+                  </a:ext>
+                </a:extLst>
+              </a:tr>
+              <a:tr h="287948">
+                <a:tc>
+                  <a:txBody>
+                    <a:bodyPr/>
+                    <a:lstStyle/>
+                    <a:p>
+                      <a:pPr algn="ctr"/>
+                      <a:endParaRPr lang="fr-CH" sz="1000" dirty="0"/>
+                    </a:p>
+                  </a:txBody>
+                  <a:tcPr marL="71973" marR="71973" marT="35986" marB="35986" anchor="ctr"/>
+                </a:tc>
+                <a:tc>
+                  <a:txBody>
+                    <a:bodyPr/>
+                    <a:lstStyle/>
+                    <a:p>
+                      <a:pPr algn="ctr"/>
+                      <a:endParaRPr lang="fr-CH" sz="1000" dirty="0"/>
+                    </a:p>
+                  </a:txBody>
+                  <a:tcPr marL="71973" marR="71973" marT="35986" marB="35986" anchor="ctr"/>
+                </a:tc>
+                <a:tc>
+                  <a:txBody>
+                    <a:bodyPr/>
+                    <a:lstStyle/>
+                    <a:p>
+                      <a:pPr algn="ctr"/>
+                      <a:endParaRPr lang="fr-CH" sz="1000" dirty="0"/>
+                    </a:p>
+                  </a:txBody>
+                  <a:tcPr marL="71973" marR="71973" marT="35986" marB="35986" anchor="ctr"/>
+                </a:tc>
+                <a:tc>
+                  <a:txBody>
+                    <a:bodyPr/>
+                    <a:lstStyle/>
+                    <a:p>
+                      <a:pPr algn="ctr"/>
+                      <a:endParaRPr lang="fr-CH" sz="1000" dirty="0"/>
+                    </a:p>
+                  </a:txBody>
+                  <a:tcPr marL="71973" marR="71973" marT="35986" marB="35986" anchor="ctr"/>
+                </a:tc>
+                <a:tc>
+                  <a:txBody>
+                    <a:bodyPr/>
+                    <a:lstStyle/>
+                    <a:p>
+                      <a:pPr algn="ctr"/>
+                      <a:endParaRPr lang="fr-CH" sz="1000" dirty="0"/>
+                    </a:p>
+                  </a:txBody>
+                  <a:tcPr marL="71973" marR="71973" marT="35986" marB="35986" anchor="ctr"/>
+                </a:tc>
+                <a:tc>
+                  <a:txBody>
+                    <a:bodyPr/>
+                    <a:lstStyle/>
+                    <a:p>
+                      <a:pPr algn="ctr"/>
+                      <a:endParaRPr lang="fr-CH" sz="1000" dirty="0"/>
+                    </a:p>
+                  </a:txBody>
+                  <a:tcPr marL="71973" marR="71973" marT="35986" marB="35986" anchor="ctr"/>
+                </a:tc>
+                <a:tc>
+                  <a:txBody>
+                    <a:bodyPr/>
+                    <a:lstStyle/>
+                    <a:p>
+                      <a:pPr algn="ctr"/>
+                      <a:endParaRPr lang="fr-CH" sz="1000" dirty="0"/>
+                    </a:p>
+                  </a:txBody>
+                  <a:tcPr marL="71973" marR="71973" marT="35986" marB="35986" anchor="ctr"/>
+                </a:tc>
+                <a:tc>
+                  <a:txBody>
+                    <a:bodyPr/>
+                    <a:lstStyle/>
+                    <a:p>
+                      <a:pPr algn="ctr"/>
+                      <a:endParaRPr lang="fr-CH" sz="1000" dirty="0"/>
+                    </a:p>
+                  </a:txBody>
+                  <a:tcPr marL="71973" marR="71973" marT="35986" marB="35986" anchor="ctr"/>
+                </a:tc>
+                <a:extLst>
+                  <a:ext uri="{0D108BD9-81ED-4DB2-BD59-A6C34878D82A}">
+                    <a16:rowId xmlns:a16="http://schemas.microsoft.com/office/drawing/2014/main" val="1874434423"/>
+                  </a:ext>
+                </a:extLst>
+              </a:tr>
+              <a:tr h="287948">
+                <a:tc>
+                  <a:txBody>
+                    <a:bodyPr/>
+                    <a:lstStyle/>
+                    <a:p>
+                      <a:pPr algn="ctr"/>
+                      <a:endParaRPr lang="fr-CH" sz="1000" dirty="0"/>
+                    </a:p>
+                  </a:txBody>
+                  <a:tcPr marL="71973" marR="71973" marT="35986" marB="35986" anchor="ctr"/>
+                </a:tc>
+                <a:tc>
+                  <a:txBody>
+                    <a:bodyPr/>
+                    <a:lstStyle/>
+                    <a:p>
+                      <a:pPr algn="ctr"/>
+                      <a:endParaRPr lang="fr-CH" sz="1000" dirty="0"/>
+                    </a:p>
+                  </a:txBody>
+                  <a:tcPr marL="71973" marR="71973" marT="35986" marB="35986" anchor="ctr"/>
+                </a:tc>
+                <a:tc>
+                  <a:txBody>
+                    <a:bodyPr/>
+                    <a:lstStyle/>
+                    <a:p>
+                      <a:pPr algn="ctr"/>
+                      <a:endParaRPr lang="fr-CH" sz="1000" dirty="0"/>
+                    </a:p>
+                  </a:txBody>
+                  <a:tcPr marL="71973" marR="71973" marT="35986" marB="35986" anchor="ctr"/>
+                </a:tc>
+                <a:tc>
+                  <a:txBody>
+                    <a:bodyPr/>
+                    <a:lstStyle/>
+                    <a:p>
+                      <a:pPr algn="ctr"/>
+                      <a:endParaRPr lang="fr-CH" sz="1000" dirty="0"/>
+                    </a:p>
+                  </a:txBody>
+                  <a:tcPr marL="71973" marR="71973" marT="35986" marB="35986" anchor="ctr"/>
+                </a:tc>
+                <a:tc>
+                  <a:txBody>
+                    <a:bodyPr/>
+                    <a:lstStyle/>
+                    <a:p>
+                      <a:pPr algn="ctr"/>
+                      <a:endParaRPr lang="fr-CH" sz="1000" dirty="0"/>
+                    </a:p>
+                  </a:txBody>
+                  <a:tcPr marL="71973" marR="71973" marT="35986" marB="35986" anchor="ctr"/>
+                </a:tc>
+                <a:tc>
+                  <a:txBody>
+                    <a:bodyPr/>
+                    <a:lstStyle/>
+                    <a:p>
+                      <a:pPr algn="ctr"/>
+                      <a:endParaRPr lang="fr-CH" sz="1000" dirty="0"/>
+                    </a:p>
+                  </a:txBody>
+                  <a:tcPr marL="71973" marR="71973" marT="35986" marB="35986" anchor="ctr"/>
+                </a:tc>
+                <a:tc>
+                  <a:txBody>
+                    <a:bodyPr/>
+                    <a:lstStyle/>
+                    <a:p>
+                      <a:pPr algn="ctr"/>
+                      <a:endParaRPr lang="fr-CH" sz="1000" dirty="0"/>
+                    </a:p>
+                  </a:txBody>
+                  <a:tcPr marL="71973" marR="71973" marT="35986" marB="35986" anchor="ctr"/>
+                </a:tc>
+                <a:tc>
+                  <a:txBody>
+                    <a:bodyPr/>
+                    <a:lstStyle/>
+                    <a:p>
+                      <a:pPr algn="ctr"/>
+                      <a:endParaRPr lang="fr-CH" sz="1000" dirty="0"/>
+                    </a:p>
+                  </a:txBody>
+                  <a:tcPr marL="71973" marR="71973" marT="35986" marB="35986" anchor="ctr"/>
+                </a:tc>
+                <a:extLst>
+                  <a:ext uri="{0D108BD9-81ED-4DB2-BD59-A6C34878D82A}">
+                    <a16:rowId xmlns:a16="http://schemas.microsoft.com/office/drawing/2014/main" val="1687951208"/>
+                  </a:ext>
+                </a:extLst>
+              </a:tr>
+              <a:tr h="287948">
+                <a:tc>
+                  <a:txBody>
+                    <a:bodyPr/>
+                    <a:lstStyle/>
+                    <a:p>
+                      <a:pPr algn="ctr"/>
+                      <a:r>
+                        <a:rPr lang="fr-CH" sz="1000" dirty="0" smtClean="0"/>
+                        <a:t>0</a:t>
+                      </a:r>
+                      <a:endParaRPr lang="fr-CH" sz="1000" dirty="0"/>
+                    </a:p>
+                  </a:txBody>
+                  <a:tcPr marL="71973" marR="71973" marT="35986" marB="35986" anchor="ctr"/>
+                </a:tc>
+                <a:tc>
+                  <a:txBody>
+                    <a:bodyPr/>
+                    <a:lstStyle/>
+                    <a:p>
+                      <a:pPr algn="ctr"/>
+                      <a:r>
+                        <a:rPr lang="fr-CH" sz="1000" dirty="0" smtClean="0"/>
+                        <a:t>1</a:t>
+                      </a:r>
+                      <a:endParaRPr lang="fr-CH" sz="1000" dirty="0"/>
+                    </a:p>
+                  </a:txBody>
+                  <a:tcPr marL="71973" marR="71973" marT="35986" marB="35986" anchor="ctr"/>
+                </a:tc>
+                <a:tc>
+                  <a:txBody>
+                    <a:bodyPr/>
+                    <a:lstStyle/>
+                    <a:p>
+                      <a:pPr algn="ctr"/>
+                      <a:r>
+                        <a:rPr lang="fr-CH" sz="1000" dirty="0" smtClean="0"/>
+                        <a:t>1</a:t>
+                      </a:r>
+                      <a:endParaRPr lang="fr-CH" sz="1000" dirty="0"/>
+                    </a:p>
+                  </a:txBody>
+                  <a:tcPr marL="71973" marR="71973" marT="35986" marB="35986" anchor="ctr"/>
+                </a:tc>
+                <a:tc>
+                  <a:txBody>
+                    <a:bodyPr/>
+                    <a:lstStyle/>
+                    <a:p>
+                      <a:pPr algn="ctr"/>
+                      <a:r>
+                        <a:rPr lang="fr-CH" sz="1000" dirty="0" smtClean="0"/>
+                        <a:t>0</a:t>
+                      </a:r>
+                      <a:endParaRPr lang="fr-CH" sz="1000" dirty="0"/>
+                    </a:p>
+                  </a:txBody>
+                  <a:tcPr marL="71973" marR="71973" marT="35986" marB="35986" anchor="ctr"/>
+                </a:tc>
+                <a:tc>
+                  <a:txBody>
+                    <a:bodyPr/>
+                    <a:lstStyle/>
+                    <a:p>
+                      <a:pPr algn="ctr"/>
+                      <a:r>
+                        <a:rPr lang="fr-CH" sz="1000" dirty="0" smtClean="0"/>
+                        <a:t>0</a:t>
+                      </a:r>
+                      <a:endParaRPr lang="fr-CH" sz="1000" dirty="0"/>
+                    </a:p>
+                  </a:txBody>
+                  <a:tcPr marL="71973" marR="71973" marT="35986" marB="35986" anchor="ctr"/>
+                </a:tc>
+                <a:tc>
+                  <a:txBody>
+                    <a:bodyPr/>
+                    <a:lstStyle/>
+                    <a:p>
+                      <a:pPr algn="ctr"/>
+                      <a:r>
+                        <a:rPr lang="fr-CH" sz="1000" dirty="0" smtClean="0"/>
+                        <a:t>0</a:t>
+                      </a:r>
+                      <a:endParaRPr lang="fr-CH" sz="1000" dirty="0"/>
+                    </a:p>
+                  </a:txBody>
+                  <a:tcPr marL="71973" marR="71973" marT="35986" marB="35986" anchor="ctr"/>
+                </a:tc>
+                <a:tc>
+                  <a:txBody>
+                    <a:bodyPr/>
+                    <a:lstStyle/>
+                    <a:p>
+                      <a:pPr algn="ctr"/>
+                      <a:r>
+                        <a:rPr lang="fr-CH" sz="1000" dirty="0" smtClean="0"/>
+                        <a:t>0</a:t>
+                      </a:r>
+                      <a:endParaRPr lang="fr-CH" sz="1000" dirty="0"/>
+                    </a:p>
+                  </a:txBody>
+                  <a:tcPr marL="71973" marR="71973" marT="35986" marB="35986" anchor="ctr"/>
+                </a:tc>
+                <a:tc>
+                  <a:txBody>
+                    <a:bodyPr/>
+                    <a:lstStyle/>
+                    <a:p>
+                      <a:pPr algn="ctr"/>
+                      <a:r>
+                        <a:rPr lang="fr-CH" sz="1000" dirty="0" smtClean="0"/>
+                        <a:t>0</a:t>
+                      </a:r>
+                      <a:endParaRPr lang="fr-CH" sz="1000" dirty="0"/>
+                    </a:p>
+                  </a:txBody>
+                  <a:tcPr marL="71973" marR="71973" marT="35986" marB="35986" anchor="ctr"/>
+                </a:tc>
+                <a:extLst>
+                  <a:ext uri="{0D108BD9-81ED-4DB2-BD59-A6C34878D82A}">
+                    <a16:rowId xmlns:a16="http://schemas.microsoft.com/office/drawing/2014/main" val="1093907652"/>
+                  </a:ext>
+                </a:extLst>
+              </a:tr>
+              <a:tr h="287948">
+                <a:tc>
+                  <a:txBody>
+                    <a:bodyPr/>
+                    <a:lstStyle/>
+                    <a:p>
+                      <a:pPr algn="ctr"/>
+                      <a:r>
+                        <a:rPr lang="fr-CH" sz="1000" dirty="0" smtClean="0"/>
+                        <a:t>1</a:t>
+                      </a:r>
+                      <a:endParaRPr lang="fr-CH" sz="1000" dirty="0"/>
+                    </a:p>
+                  </a:txBody>
+                  <a:tcPr marL="71973" marR="71973" marT="35986" marB="35986" anchor="ctr"/>
+                </a:tc>
+                <a:tc>
+                  <a:txBody>
+                    <a:bodyPr/>
+                    <a:lstStyle/>
+                    <a:p>
+                      <a:pPr algn="ctr"/>
+                      <a:r>
+                        <a:rPr lang="fr-CH" sz="1000" dirty="0" smtClean="0"/>
+                        <a:t>1</a:t>
+                      </a:r>
+                      <a:endParaRPr lang="fr-CH" sz="1000" dirty="0"/>
+                    </a:p>
+                  </a:txBody>
+                  <a:tcPr marL="71973" marR="71973" marT="35986" marB="35986" anchor="ctr"/>
+                </a:tc>
+                <a:tc>
+                  <a:txBody>
+                    <a:bodyPr/>
+                    <a:lstStyle/>
+                    <a:p>
+                      <a:pPr algn="ctr"/>
+                      <a:r>
+                        <a:rPr lang="fr-CH" sz="1000" dirty="0" smtClean="0"/>
+                        <a:t>0</a:t>
+                      </a:r>
+                      <a:endParaRPr lang="fr-CH" sz="1000" dirty="0"/>
+                    </a:p>
+                  </a:txBody>
+                  <a:tcPr marL="71973" marR="71973" marT="35986" marB="35986" anchor="ctr"/>
+                </a:tc>
+                <a:tc>
+                  <a:txBody>
+                    <a:bodyPr/>
+                    <a:lstStyle/>
+                    <a:p>
+                      <a:pPr algn="ctr"/>
+                      <a:r>
+                        <a:rPr lang="fr-CH" sz="1000" dirty="0" smtClean="0"/>
+                        <a:t>0</a:t>
+                      </a:r>
+                      <a:endParaRPr lang="fr-CH" sz="1000" dirty="0"/>
+                    </a:p>
+                  </a:txBody>
+                  <a:tcPr marL="71973" marR="71973" marT="35986" marB="35986" anchor="ctr"/>
+                </a:tc>
+                <a:tc>
+                  <a:txBody>
+                    <a:bodyPr/>
+                    <a:lstStyle/>
+                    <a:p>
+                      <a:pPr algn="ctr"/>
+                      <a:r>
+                        <a:rPr lang="fr-CH" sz="1000" dirty="0" smtClean="0"/>
+                        <a:t>0</a:t>
+                      </a:r>
+                      <a:endParaRPr lang="fr-CH" sz="1000" dirty="0"/>
+                    </a:p>
+                  </a:txBody>
+                  <a:tcPr marL="71973" marR="71973" marT="35986" marB="35986" anchor="ctr"/>
+                </a:tc>
+                <a:tc>
+                  <a:txBody>
+                    <a:bodyPr/>
+                    <a:lstStyle/>
+                    <a:p>
+                      <a:pPr algn="ctr"/>
+                      <a:r>
+                        <a:rPr lang="fr-CH" sz="1000" dirty="0" smtClean="0"/>
+                        <a:t>1</a:t>
+                      </a:r>
+                      <a:endParaRPr lang="fr-CH" sz="1000" dirty="0"/>
+                    </a:p>
+                  </a:txBody>
+                  <a:tcPr marL="71973" marR="71973" marT="35986" marB="35986" anchor="ctr"/>
+                </a:tc>
+                <a:tc>
+                  <a:txBody>
+                    <a:bodyPr/>
+                    <a:lstStyle/>
+                    <a:p>
+                      <a:pPr algn="ctr"/>
+                      <a:r>
+                        <a:rPr lang="fr-CH" sz="1000" dirty="0" smtClean="0"/>
+                        <a:t>0</a:t>
+                      </a:r>
+                      <a:endParaRPr lang="fr-CH" sz="1000" dirty="0"/>
+                    </a:p>
+                  </a:txBody>
+                  <a:tcPr marL="71973" marR="71973" marT="35986" marB="35986" anchor="ctr"/>
+                </a:tc>
+                <a:tc>
+                  <a:txBody>
+                    <a:bodyPr/>
+                    <a:lstStyle/>
+                    <a:p>
+                      <a:pPr algn="ctr"/>
+                      <a:r>
+                        <a:rPr lang="fr-CH" sz="1000" dirty="0" smtClean="0"/>
+                        <a:t>0</a:t>
+                      </a:r>
+                      <a:endParaRPr lang="fr-CH" sz="1000" dirty="0"/>
+                    </a:p>
+                  </a:txBody>
+                  <a:tcPr marL="71973" marR="71973" marT="35986" marB="35986" anchor="ctr"/>
+                </a:tc>
+                <a:extLst>
+                  <a:ext uri="{0D108BD9-81ED-4DB2-BD59-A6C34878D82A}">
+                    <a16:rowId xmlns:a16="http://schemas.microsoft.com/office/drawing/2014/main" val="1241338910"/>
+                  </a:ext>
+                </a:extLst>
+              </a:tr>
+              <a:tr h="287948">
+                <a:tc>
+                  <a:txBody>
+                    <a:bodyPr/>
+                    <a:lstStyle/>
+                    <a:p>
+                      <a:pPr algn="ctr"/>
+                      <a:r>
+                        <a:rPr lang="fr-CH" sz="1000" dirty="0" smtClean="0"/>
+                        <a:t>1</a:t>
+                      </a:r>
+                      <a:endParaRPr lang="fr-CH" sz="1000" dirty="0"/>
+                    </a:p>
+                  </a:txBody>
+                  <a:tcPr marL="71973" marR="71973" marT="35986" marB="35986" anchor="ctr"/>
+                </a:tc>
+                <a:tc>
+                  <a:txBody>
+                    <a:bodyPr/>
+                    <a:lstStyle/>
+                    <a:p>
+                      <a:pPr algn="ctr"/>
+                      <a:r>
+                        <a:rPr lang="fr-CH" sz="1000" dirty="0" smtClean="0"/>
+                        <a:t>0</a:t>
+                      </a:r>
+                      <a:endParaRPr lang="fr-CH" sz="1000" dirty="0"/>
+                    </a:p>
+                  </a:txBody>
+                  <a:tcPr marL="71973" marR="71973" marT="35986" marB="35986" anchor="ctr"/>
+                </a:tc>
+                <a:tc>
+                  <a:txBody>
+                    <a:bodyPr/>
+                    <a:lstStyle/>
+                    <a:p>
+                      <a:pPr algn="ctr"/>
+                      <a:r>
+                        <a:rPr lang="fr-CH" sz="1000" dirty="0" smtClean="0"/>
+                        <a:t>0</a:t>
+                      </a:r>
+                      <a:endParaRPr lang="fr-CH" sz="1000" dirty="0"/>
+                    </a:p>
+                  </a:txBody>
+                  <a:tcPr marL="71973" marR="71973" marT="35986" marB="35986" anchor="ctr"/>
+                </a:tc>
+                <a:tc>
+                  <a:txBody>
+                    <a:bodyPr/>
+                    <a:lstStyle/>
+                    <a:p>
+                      <a:pPr algn="ctr"/>
+                      <a:r>
+                        <a:rPr lang="fr-CH" sz="1000" dirty="0" smtClean="0"/>
+                        <a:t>0</a:t>
+                      </a:r>
+                      <a:endParaRPr lang="fr-CH" sz="1000" dirty="0"/>
+                    </a:p>
+                  </a:txBody>
+                  <a:tcPr marL="71973" marR="71973" marT="35986" marB="35986" anchor="ctr"/>
+                </a:tc>
+                <a:tc>
+                  <a:txBody>
+                    <a:bodyPr/>
+                    <a:lstStyle/>
+                    <a:p>
+                      <a:pPr algn="ctr"/>
+                      <a:r>
+                        <a:rPr lang="fr-CH" sz="1000" dirty="0" smtClean="0"/>
+                        <a:t>0</a:t>
+                      </a:r>
+                      <a:endParaRPr lang="fr-CH" sz="1000" dirty="0"/>
+                    </a:p>
+                  </a:txBody>
+                  <a:tcPr marL="71973" marR="71973" marT="35986" marB="35986" anchor="ctr"/>
+                </a:tc>
+                <a:tc>
+                  <a:txBody>
+                    <a:bodyPr/>
+                    <a:lstStyle/>
+                    <a:p>
+                      <a:pPr algn="ctr"/>
+                      <a:r>
+                        <a:rPr lang="fr-CH" sz="1000" dirty="0" smtClean="0"/>
+                        <a:t>0</a:t>
+                      </a:r>
+                      <a:endParaRPr lang="fr-CH" sz="1000" dirty="0"/>
+                    </a:p>
+                  </a:txBody>
+                  <a:tcPr marL="71973" marR="71973" marT="35986" marB="35986" anchor="ctr"/>
+                </a:tc>
+                <a:tc>
+                  <a:txBody>
+                    <a:bodyPr/>
+                    <a:lstStyle/>
+                    <a:p>
+                      <a:pPr algn="ctr"/>
+                      <a:r>
+                        <a:rPr lang="fr-CH" sz="1000" dirty="0" smtClean="0"/>
+                        <a:t>1</a:t>
+                      </a:r>
+                      <a:endParaRPr lang="fr-CH" sz="1000" dirty="0"/>
+                    </a:p>
+                  </a:txBody>
+                  <a:tcPr marL="71973" marR="71973" marT="35986" marB="35986" anchor="ctr"/>
+                </a:tc>
+                <a:tc>
+                  <a:txBody>
+                    <a:bodyPr/>
+                    <a:lstStyle/>
+                    <a:p>
+                      <a:pPr algn="ctr"/>
+                      <a:r>
+                        <a:rPr lang="fr-CH" sz="1000" dirty="0" smtClean="0"/>
+                        <a:t>0</a:t>
+                      </a:r>
+                      <a:endParaRPr lang="fr-CH" sz="1000" dirty="0"/>
+                    </a:p>
+                  </a:txBody>
+                  <a:tcPr marL="71973" marR="71973" marT="35986" marB="35986" anchor="ctr"/>
+                </a:tc>
+                <a:extLst>
+                  <a:ext uri="{0D108BD9-81ED-4DB2-BD59-A6C34878D82A}">
+                    <a16:rowId xmlns:a16="http://schemas.microsoft.com/office/drawing/2014/main" val="122619707"/>
+                  </a:ext>
+                </a:extLst>
+              </a:tr>
+            </a:tbl>
+          </a:graphicData>
+        </a:graphic>
+      </p:graphicFrame>
+      <p:sp>
+        <p:nvSpPr>
+          <p:cNvPr id="30" name="Cadre 29"/>
+          <p:cNvSpPr/>
+          <p:nvPr/>
+        </p:nvSpPr>
+        <p:spPr>
+          <a:xfrm>
+            <a:off x="838200" y="2277538"/>
+            <a:ext cx="5117170" cy="2659060"/>
+          </a:xfrm>
+          <a:prstGeom prst="frame">
+            <a:avLst>
+              <a:gd name="adj1" fmla="val 3303"/>
+            </a:avLst>
+          </a:prstGeom>
+        </p:spPr>
+        <p:style>
+          <a:lnRef idx="2">
+            <a:schemeClr val="accent1">
+              <a:shade val="50000"/>
+            </a:schemeClr>
+          </a:lnRef>
+          <a:fillRef idx="1">
+            <a:schemeClr val="accent1"/>
+          </a:fillRef>
+          <a:effectRef idx="0">
+            <a:schemeClr val="accent1"/>
+          </a:effectRef>
+          <a:fontRef idx="minor">
+            <a:schemeClr val="lt1"/>
+          </a:fontRef>
+        </p:style>
+        <p:txBody>
+          <a:bodyPr rtlCol="0" anchor="ctr"/>
+          <a:lstStyle/>
+          <a:p>
+            <a:pPr algn="ctr"/>
+            <a:endParaRPr lang="fr-CH">
+              <a:solidFill>
+                <a:schemeClr val="tx1"/>
+              </a:solidFill>
+            </a:endParaRPr>
+          </a:p>
+        </p:txBody>
+      </p:sp>
+      <p:sp>
+        <p:nvSpPr>
+          <p:cNvPr id="17" name="Cadre 16"/>
+          <p:cNvSpPr/>
+          <p:nvPr/>
+        </p:nvSpPr>
+        <p:spPr>
+          <a:xfrm>
+            <a:off x="994104" y="4171949"/>
+            <a:ext cx="572329" cy="577811"/>
+          </a:xfrm>
+          <a:prstGeom prst="frame">
+            <a:avLst>
+              <a:gd name="adj1" fmla="val 1010"/>
+            </a:avLst>
+          </a:prstGeom>
+          <a:solidFill>
+            <a:srgbClr val="FF0000"/>
+          </a:solidFill>
+          <a:ln>
+            <a:solidFill>
+              <a:srgbClr val="FF0000"/>
+            </a:solidFill>
+          </a:ln>
+        </p:spPr>
+        <p:style>
+          <a:lnRef idx="2">
+            <a:schemeClr val="accent1">
+              <a:shade val="50000"/>
+            </a:schemeClr>
+          </a:lnRef>
+          <a:fillRef idx="1">
+            <a:schemeClr val="accent1"/>
+          </a:fillRef>
+          <a:effectRef idx="0">
+            <a:schemeClr val="accent1"/>
+          </a:effectRef>
+          <a:fontRef idx="minor">
+            <a:schemeClr val="lt1"/>
+          </a:fontRef>
+        </p:style>
+        <p:txBody>
+          <a:bodyPr rtlCol="0" anchor="ctr"/>
+          <a:lstStyle/>
+          <a:p>
+            <a:pPr algn="ctr"/>
+            <a:endParaRPr lang="fr-CH">
+              <a:solidFill>
+                <a:schemeClr val="tx1"/>
+              </a:solidFill>
+            </a:endParaRPr>
+          </a:p>
+        </p:txBody>
+      </p:sp>
+      <p:sp>
+        <p:nvSpPr>
+          <p:cNvPr id="18" name="Cadre 17"/>
+          <p:cNvSpPr/>
+          <p:nvPr/>
+        </p:nvSpPr>
+        <p:spPr>
+          <a:xfrm>
+            <a:off x="3469682" y="4171949"/>
+            <a:ext cx="583863" cy="577812"/>
+          </a:xfrm>
+          <a:prstGeom prst="frame">
+            <a:avLst>
+              <a:gd name="adj1" fmla="val 1010"/>
+            </a:avLst>
+          </a:prstGeom>
+          <a:solidFill>
+            <a:srgbClr val="FF0000"/>
+          </a:solidFill>
+          <a:ln>
+            <a:solidFill>
+              <a:srgbClr val="FF0000"/>
+            </a:solidFill>
+          </a:ln>
+        </p:spPr>
+        <p:style>
+          <a:lnRef idx="2">
+            <a:schemeClr val="accent1">
+              <a:shade val="50000"/>
+            </a:schemeClr>
+          </a:lnRef>
+          <a:fillRef idx="1">
+            <a:schemeClr val="accent1"/>
+          </a:fillRef>
+          <a:effectRef idx="0">
+            <a:schemeClr val="accent1"/>
+          </a:effectRef>
+          <a:fontRef idx="minor">
+            <a:schemeClr val="lt1"/>
+          </a:fontRef>
+        </p:style>
+        <p:txBody>
+          <a:bodyPr rtlCol="0" anchor="ctr"/>
+          <a:lstStyle/>
+          <a:p>
+            <a:pPr algn="ctr"/>
+            <a:endParaRPr lang="fr-CH">
+              <a:solidFill>
+                <a:schemeClr val="tx1"/>
+              </a:solidFill>
+            </a:endParaRPr>
+          </a:p>
+        </p:txBody>
+      </p:sp>
+      <p:graphicFrame>
+        <p:nvGraphicFramePr>
+          <p:cNvPr id="3" name="Tableau 2"/>
+          <p:cNvGraphicFramePr>
+            <a:graphicFrameLocks noGrp="1"/>
+          </p:cNvGraphicFramePr>
+          <p:nvPr>
+            <p:extLst>
+              <p:ext uri="{D42A27DB-BD31-4B8C-83A1-F6EECF244321}">
+                <p14:modId xmlns:p14="http://schemas.microsoft.com/office/powerpoint/2010/main" val="3341472826"/>
+              </p:ext>
+            </p:extLst>
+          </p:nvPr>
+        </p:nvGraphicFramePr>
+        <p:xfrm>
+          <a:off x="6746875" y="2277538"/>
+          <a:ext cx="1440000" cy="1440000"/>
+        </p:xfrm>
+        <a:graphic>
+          <a:graphicData uri="http://schemas.openxmlformats.org/drawingml/2006/table">
+            <a:tbl>
+              <a:tblPr firstRow="1" bandRow="1">
+                <a:tableStyleId>{5940675A-B579-460E-94D1-54222C63F5DA}</a:tableStyleId>
+              </a:tblPr>
+              <a:tblGrid>
+                <a:gridCol w="720000">
+                  <a:extLst>
+                    <a:ext uri="{9D8B030D-6E8A-4147-A177-3AD203B41FA5}">
+                      <a16:colId xmlns:a16="http://schemas.microsoft.com/office/drawing/2014/main" val="930150848"/>
+                    </a:ext>
+                  </a:extLst>
+                </a:gridCol>
+                <a:gridCol w="720000">
+                  <a:extLst>
+                    <a:ext uri="{9D8B030D-6E8A-4147-A177-3AD203B41FA5}">
+                      <a16:colId xmlns:a16="http://schemas.microsoft.com/office/drawing/2014/main" val="3294840078"/>
+                    </a:ext>
+                  </a:extLst>
+                </a:gridCol>
+              </a:tblGrid>
+              <a:tr h="720000">
+                <a:tc>
+                  <a:txBody>
+                    <a:bodyPr/>
+                    <a:lstStyle/>
+                    <a:p>
+                      <a:endParaRPr lang="fr-CH" dirty="0"/>
+                    </a:p>
+                  </a:txBody>
+                  <a:tcPr/>
+                </a:tc>
+                <a:tc>
+                  <a:txBody>
+                    <a:bodyPr/>
+                    <a:lstStyle/>
+                    <a:p>
+                      <a:endParaRPr lang="fr-CH"/>
+                    </a:p>
+                  </a:txBody>
+                  <a:tcPr/>
+                </a:tc>
+                <a:extLst>
+                  <a:ext uri="{0D108BD9-81ED-4DB2-BD59-A6C34878D82A}">
+                    <a16:rowId xmlns:a16="http://schemas.microsoft.com/office/drawing/2014/main" val="484763989"/>
+                  </a:ext>
+                </a:extLst>
+              </a:tr>
+              <a:tr h="720000">
+                <a:tc>
+                  <a:txBody>
+                    <a:bodyPr/>
+                    <a:lstStyle/>
+                    <a:p>
+                      <a:endParaRPr lang="fr-CH"/>
+                    </a:p>
+                  </a:txBody>
+                  <a:tcPr/>
+                </a:tc>
+                <a:tc>
+                  <a:txBody>
+                    <a:bodyPr/>
+                    <a:lstStyle/>
+                    <a:p>
+                      <a:endParaRPr lang="fr-CH" dirty="0"/>
+                    </a:p>
+                  </a:txBody>
+                  <a:tcPr/>
+                </a:tc>
+                <a:extLst>
+                  <a:ext uri="{0D108BD9-81ED-4DB2-BD59-A6C34878D82A}">
+                    <a16:rowId xmlns:a16="http://schemas.microsoft.com/office/drawing/2014/main" val="3697876331"/>
+                  </a:ext>
+                </a:extLst>
+              </a:tr>
+            </a:tbl>
+          </a:graphicData>
+        </a:graphic>
+      </p:graphicFrame>
+      <p:sp>
+        <p:nvSpPr>
+          <p:cNvPr id="8" name="Flèche vers le haut 7"/>
+          <p:cNvSpPr/>
+          <p:nvPr/>
+        </p:nvSpPr>
+        <p:spPr>
+          <a:xfrm>
+            <a:off x="6942570" y="2446176"/>
+            <a:ext cx="360000" cy="360000"/>
+          </a:xfrm>
+          <a:prstGeom prst="upArrow">
+            <a:avLst/>
+          </a:prstGeom>
+        </p:spPr>
+        <p:style>
+          <a:lnRef idx="2">
+            <a:schemeClr val="accent1">
+              <a:shade val="50000"/>
+            </a:schemeClr>
+          </a:lnRef>
+          <a:fillRef idx="1">
+            <a:schemeClr val="accent1"/>
+          </a:fillRef>
+          <a:effectRef idx="0">
+            <a:schemeClr val="accent1"/>
+          </a:effectRef>
+          <a:fontRef idx="minor">
+            <a:schemeClr val="lt1"/>
+          </a:fontRef>
+        </p:style>
+        <p:txBody>
+          <a:bodyPr rtlCol="0" anchor="ctr"/>
+          <a:lstStyle/>
+          <a:p>
+            <a:pPr algn="ctr"/>
+            <a:endParaRPr lang="fr-CH"/>
+          </a:p>
+        </p:txBody>
+      </p:sp>
+      <p:sp>
+        <p:nvSpPr>
+          <p:cNvPr id="21" name="Flèche vers le haut 20"/>
+          <p:cNvSpPr/>
+          <p:nvPr/>
+        </p:nvSpPr>
+        <p:spPr>
+          <a:xfrm rot="2700000">
+            <a:off x="7659516" y="2446175"/>
+            <a:ext cx="360000" cy="360000"/>
+          </a:xfrm>
+          <a:prstGeom prst="upArrow">
+            <a:avLst/>
+          </a:prstGeom>
+        </p:spPr>
+        <p:style>
+          <a:lnRef idx="2">
+            <a:schemeClr val="accent1">
+              <a:shade val="50000"/>
+            </a:schemeClr>
+          </a:lnRef>
+          <a:fillRef idx="1">
+            <a:schemeClr val="accent1"/>
+          </a:fillRef>
+          <a:effectRef idx="0">
+            <a:schemeClr val="accent1"/>
+          </a:effectRef>
+          <a:fontRef idx="minor">
+            <a:schemeClr val="lt1"/>
+          </a:fontRef>
+        </p:style>
+        <p:txBody>
+          <a:bodyPr rtlCol="0" anchor="ctr"/>
+          <a:lstStyle/>
+          <a:p>
+            <a:pPr algn="ctr"/>
+            <a:endParaRPr lang="fr-CH"/>
+          </a:p>
+        </p:txBody>
+      </p:sp>
+      <p:sp>
+        <p:nvSpPr>
+          <p:cNvPr id="22" name="Flèche vers le haut 21"/>
+          <p:cNvSpPr/>
+          <p:nvPr/>
+        </p:nvSpPr>
+        <p:spPr>
+          <a:xfrm rot="4500000">
+            <a:off x="7659516" y="3129830"/>
+            <a:ext cx="360000" cy="360000"/>
+          </a:xfrm>
+          <a:prstGeom prst="upArrow">
+            <a:avLst/>
+          </a:prstGeom>
+        </p:spPr>
+        <p:style>
+          <a:lnRef idx="2">
+            <a:schemeClr val="accent1">
+              <a:shade val="50000"/>
+            </a:schemeClr>
+          </a:lnRef>
+          <a:fillRef idx="1">
+            <a:schemeClr val="accent1"/>
+          </a:fillRef>
+          <a:effectRef idx="0">
+            <a:schemeClr val="accent1"/>
+          </a:effectRef>
+          <a:fontRef idx="minor">
+            <a:schemeClr val="lt1"/>
+          </a:fontRef>
+        </p:style>
+        <p:txBody>
+          <a:bodyPr rtlCol="0" anchor="ctr"/>
+          <a:lstStyle/>
+          <a:p>
+            <a:pPr algn="ctr"/>
+            <a:endParaRPr lang="fr-CH"/>
+          </a:p>
+        </p:txBody>
+      </p:sp>
+      <p:sp>
+        <p:nvSpPr>
+          <p:cNvPr id="23" name="Flèche vers le haut 22"/>
+          <p:cNvSpPr/>
+          <p:nvPr/>
+        </p:nvSpPr>
+        <p:spPr>
+          <a:xfrm rot="5400000">
+            <a:off x="6942570" y="3129830"/>
+            <a:ext cx="360000" cy="360000"/>
+          </a:xfrm>
+          <a:prstGeom prst="upArrow">
+            <a:avLst/>
+          </a:prstGeom>
+        </p:spPr>
+        <p:style>
+          <a:lnRef idx="2">
+            <a:schemeClr val="accent1">
+              <a:shade val="50000"/>
+            </a:schemeClr>
+          </a:lnRef>
+          <a:fillRef idx="1">
+            <a:schemeClr val="accent1"/>
+          </a:fillRef>
+          <a:effectRef idx="0">
+            <a:schemeClr val="accent1"/>
+          </a:effectRef>
+          <a:fontRef idx="minor">
+            <a:schemeClr val="lt1"/>
+          </a:fontRef>
+        </p:style>
+        <p:txBody>
+          <a:bodyPr rtlCol="0" anchor="ctr"/>
+          <a:lstStyle/>
+          <a:p>
+            <a:pPr algn="ctr"/>
+            <a:endParaRPr lang="fr-CH"/>
+          </a:p>
+        </p:txBody>
+      </p:sp>
+      <p:sp>
+        <p:nvSpPr>
+          <p:cNvPr id="24" name="Flèche vers le haut 23"/>
+          <p:cNvSpPr/>
+          <p:nvPr/>
+        </p:nvSpPr>
+        <p:spPr>
+          <a:xfrm rot="5400000">
+            <a:off x="8679286" y="2588998"/>
+            <a:ext cx="360000" cy="817078"/>
+          </a:xfrm>
+          <a:prstGeom prst="upArrow">
+            <a:avLst/>
+          </a:prstGeom>
+        </p:spPr>
+        <p:style>
+          <a:lnRef idx="2">
+            <a:schemeClr val="accent2">
+              <a:shade val="50000"/>
+            </a:schemeClr>
+          </a:lnRef>
+          <a:fillRef idx="1">
+            <a:schemeClr val="accent2"/>
+          </a:fillRef>
+          <a:effectRef idx="0">
+            <a:schemeClr val="accent2"/>
+          </a:effectRef>
+          <a:fontRef idx="minor">
+            <a:schemeClr val="lt1"/>
+          </a:fontRef>
+        </p:style>
+        <p:txBody>
+          <a:bodyPr rtlCol="0" anchor="ctr"/>
+          <a:lstStyle/>
+          <a:p>
+            <a:pPr algn="ctr"/>
+            <a:endParaRPr lang="fr-CH"/>
+          </a:p>
+        </p:txBody>
+      </p:sp>
+      <p:sp>
+        <p:nvSpPr>
+          <p:cNvPr id="19" name="Rectangle 18"/>
+          <p:cNvSpPr/>
+          <p:nvPr/>
+        </p:nvSpPr>
+        <p:spPr>
+          <a:xfrm>
+            <a:off x="9677400" y="2277537"/>
+            <a:ext cx="1095375" cy="1440001"/>
+          </a:xfrm>
+          <a:prstGeom prst="rect">
+            <a:avLst/>
+          </a:prstGeom>
+        </p:spPr>
+        <p:style>
+          <a:lnRef idx="2">
+            <a:schemeClr val="dk1"/>
+          </a:lnRef>
+          <a:fillRef idx="1">
+            <a:schemeClr val="lt1"/>
+          </a:fillRef>
+          <a:effectRef idx="0">
+            <a:schemeClr val="dk1"/>
+          </a:effectRef>
+          <a:fontRef idx="minor">
+            <a:schemeClr val="dk1"/>
+          </a:fontRef>
+        </p:style>
+        <p:txBody>
+          <a:bodyPr rtlCol="0" anchor="ctr"/>
+          <a:lstStyle/>
+          <a:p>
+            <a:pPr algn="ctr"/>
+            <a:r>
+              <a:rPr lang="fr-CH" sz="9600" dirty="0" smtClean="0"/>
+              <a:t>?</a:t>
+            </a:r>
+            <a:endParaRPr lang="fr-CH" sz="9600" dirty="0"/>
+          </a:p>
+        </p:txBody>
+      </p:sp>
+      <p:sp>
+        <p:nvSpPr>
+          <p:cNvPr id="26" name="Rectangle 25"/>
+          <p:cNvSpPr/>
+          <p:nvPr/>
+        </p:nvSpPr>
+        <p:spPr>
+          <a:xfrm>
+            <a:off x="6746875" y="1784766"/>
+            <a:ext cx="1440000" cy="445733"/>
+          </a:xfrm>
+          <a:prstGeom prst="rect">
+            <a:avLst/>
+          </a:prstGeom>
+        </p:spPr>
+        <p:style>
+          <a:lnRef idx="2">
+            <a:schemeClr val="dk1"/>
+          </a:lnRef>
+          <a:fillRef idx="1">
+            <a:schemeClr val="lt1"/>
+          </a:fillRef>
+          <a:effectRef idx="0">
+            <a:schemeClr val="dk1"/>
+          </a:effectRef>
+          <a:fontRef idx="minor">
+            <a:schemeClr val="dk1"/>
+          </a:fontRef>
+        </p:style>
+        <p:txBody>
+          <a:bodyPr rtlCol="0" anchor="ctr"/>
+          <a:lstStyle/>
+          <a:p>
+            <a:pPr algn="ctr"/>
+            <a:r>
+              <a:rPr lang="fr-CH" sz="2000" b="1" dirty="0" smtClean="0"/>
+              <a:t>Vector3</a:t>
+            </a:r>
+            <a:endParaRPr lang="fr-CH" sz="2000" b="1" dirty="0"/>
+          </a:p>
+        </p:txBody>
+      </p:sp>
+      <p:graphicFrame>
+        <p:nvGraphicFramePr>
+          <p:cNvPr id="27" name="Tableau 26"/>
+          <p:cNvGraphicFramePr>
+            <a:graphicFrameLocks noGrp="1"/>
+          </p:cNvGraphicFramePr>
+          <p:nvPr>
+            <p:extLst>
+              <p:ext uri="{D42A27DB-BD31-4B8C-83A1-F6EECF244321}">
+                <p14:modId xmlns:p14="http://schemas.microsoft.com/office/powerpoint/2010/main" val="1408286219"/>
+              </p:ext>
+            </p:extLst>
+          </p:nvPr>
+        </p:nvGraphicFramePr>
+        <p:xfrm>
+          <a:off x="6746875" y="4533964"/>
+          <a:ext cx="1440000" cy="1440000"/>
+        </p:xfrm>
+        <a:graphic>
+          <a:graphicData uri="http://schemas.openxmlformats.org/drawingml/2006/table">
+            <a:tbl>
+              <a:tblPr firstRow="1" bandRow="1">
+                <a:tableStyleId>{5940675A-B579-460E-94D1-54222C63F5DA}</a:tableStyleId>
+              </a:tblPr>
+              <a:tblGrid>
+                <a:gridCol w="720000">
+                  <a:extLst>
+                    <a:ext uri="{9D8B030D-6E8A-4147-A177-3AD203B41FA5}">
+                      <a16:colId xmlns:a16="http://schemas.microsoft.com/office/drawing/2014/main" val="930150848"/>
+                    </a:ext>
+                  </a:extLst>
+                </a:gridCol>
+                <a:gridCol w="720000">
+                  <a:extLst>
+                    <a:ext uri="{9D8B030D-6E8A-4147-A177-3AD203B41FA5}">
+                      <a16:colId xmlns:a16="http://schemas.microsoft.com/office/drawing/2014/main" val="3294840078"/>
+                    </a:ext>
+                  </a:extLst>
+                </a:gridCol>
+              </a:tblGrid>
+              <a:tr h="720000">
+                <a:tc>
+                  <a:txBody>
+                    <a:bodyPr/>
+                    <a:lstStyle/>
+                    <a:p>
+                      <a:pPr algn="ctr"/>
+                      <a:r>
+                        <a:rPr lang="fr-CH" dirty="0" smtClean="0"/>
+                        <a:t>1.4</a:t>
+                      </a:r>
+                      <a:endParaRPr lang="fr-CH" dirty="0"/>
+                    </a:p>
+                  </a:txBody>
+                  <a:tcPr anchor="ctr"/>
+                </a:tc>
+                <a:tc>
+                  <a:txBody>
+                    <a:bodyPr/>
+                    <a:lstStyle/>
+                    <a:p>
+                      <a:pPr algn="ctr"/>
+                      <a:r>
+                        <a:rPr lang="fr-CH" dirty="0" smtClean="0"/>
+                        <a:t>2.7</a:t>
+                      </a:r>
+                      <a:endParaRPr lang="fr-CH" dirty="0"/>
+                    </a:p>
+                  </a:txBody>
+                  <a:tcPr anchor="ctr"/>
+                </a:tc>
+                <a:extLst>
+                  <a:ext uri="{0D108BD9-81ED-4DB2-BD59-A6C34878D82A}">
+                    <a16:rowId xmlns:a16="http://schemas.microsoft.com/office/drawing/2014/main" val="484763989"/>
+                  </a:ext>
+                </a:extLst>
+              </a:tr>
+              <a:tr h="720000">
+                <a:tc>
+                  <a:txBody>
+                    <a:bodyPr/>
+                    <a:lstStyle/>
+                    <a:p>
+                      <a:pPr algn="ctr"/>
+                      <a:r>
+                        <a:rPr lang="fr-CH" dirty="0" smtClean="0"/>
+                        <a:t>4.3</a:t>
+                      </a:r>
+                      <a:endParaRPr lang="fr-CH" dirty="0"/>
+                    </a:p>
+                  </a:txBody>
+                  <a:tcPr anchor="ctr"/>
+                </a:tc>
+                <a:tc>
+                  <a:txBody>
+                    <a:bodyPr/>
+                    <a:lstStyle/>
+                    <a:p>
+                      <a:pPr algn="ctr"/>
+                      <a:r>
+                        <a:rPr lang="fr-CH" dirty="0" smtClean="0"/>
+                        <a:t>0.6</a:t>
+                      </a:r>
+                      <a:endParaRPr lang="fr-CH" dirty="0"/>
+                    </a:p>
+                  </a:txBody>
+                  <a:tcPr anchor="ctr"/>
+                </a:tc>
+                <a:extLst>
+                  <a:ext uri="{0D108BD9-81ED-4DB2-BD59-A6C34878D82A}">
+                    <a16:rowId xmlns:a16="http://schemas.microsoft.com/office/drawing/2014/main" val="3697876331"/>
+                  </a:ext>
+                </a:extLst>
+              </a:tr>
+            </a:tbl>
+          </a:graphicData>
+        </a:graphic>
+      </p:graphicFrame>
+      <p:sp>
+        <p:nvSpPr>
+          <p:cNvPr id="34" name="Flèche vers le haut 33"/>
+          <p:cNvSpPr/>
+          <p:nvPr/>
+        </p:nvSpPr>
+        <p:spPr>
+          <a:xfrm rot="5400000">
+            <a:off x="8679286" y="4845424"/>
+            <a:ext cx="360000" cy="817078"/>
+          </a:xfrm>
+          <a:prstGeom prst="upArrow">
+            <a:avLst/>
+          </a:prstGeom>
+        </p:spPr>
+        <p:style>
+          <a:lnRef idx="2">
+            <a:schemeClr val="accent2">
+              <a:shade val="50000"/>
+            </a:schemeClr>
+          </a:lnRef>
+          <a:fillRef idx="1">
+            <a:schemeClr val="accent2"/>
+          </a:fillRef>
+          <a:effectRef idx="0">
+            <a:schemeClr val="accent2"/>
+          </a:effectRef>
+          <a:fontRef idx="minor">
+            <a:schemeClr val="lt1"/>
+          </a:fontRef>
+        </p:style>
+        <p:txBody>
+          <a:bodyPr rtlCol="0" anchor="ctr"/>
+          <a:lstStyle/>
+          <a:p>
+            <a:pPr algn="ctr"/>
+            <a:endParaRPr lang="fr-CH"/>
+          </a:p>
+        </p:txBody>
+      </p:sp>
+      <p:sp>
+        <p:nvSpPr>
+          <p:cNvPr id="35" name="Rectangle 34"/>
+          <p:cNvSpPr/>
+          <p:nvPr/>
+        </p:nvSpPr>
+        <p:spPr>
+          <a:xfrm>
+            <a:off x="9439276" y="4533963"/>
+            <a:ext cx="2343150" cy="1440001"/>
+          </a:xfrm>
+          <a:prstGeom prst="rect">
+            <a:avLst/>
+          </a:prstGeom>
+        </p:spPr>
+        <p:style>
+          <a:lnRef idx="2">
+            <a:schemeClr val="dk1"/>
+          </a:lnRef>
+          <a:fillRef idx="1">
+            <a:schemeClr val="lt1"/>
+          </a:fillRef>
+          <a:effectRef idx="0">
+            <a:schemeClr val="dk1"/>
+          </a:effectRef>
+          <a:fontRef idx="minor">
+            <a:schemeClr val="dk1"/>
+          </a:fontRef>
+        </p:style>
+        <p:txBody>
+          <a:bodyPr rtlCol="0" anchor="ctr"/>
+          <a:lstStyle/>
+          <a:p>
+            <a:pPr algn="ctr"/>
+            <a:r>
+              <a:rPr lang="fr-CH" sz="2000" dirty="0" smtClean="0"/>
+              <a:t>1.4 + 2.7 + 4.3 + 0.6 ?</a:t>
+            </a:r>
+            <a:endParaRPr lang="fr-CH" sz="2000" dirty="0"/>
+          </a:p>
+        </p:txBody>
+      </p:sp>
+      <p:sp>
+        <p:nvSpPr>
+          <p:cNvPr id="36" name="Rectangle 35"/>
+          <p:cNvSpPr/>
+          <p:nvPr/>
+        </p:nvSpPr>
+        <p:spPr>
+          <a:xfrm>
+            <a:off x="6746875" y="4041192"/>
+            <a:ext cx="1440000" cy="445733"/>
+          </a:xfrm>
+          <a:prstGeom prst="rect">
+            <a:avLst/>
+          </a:prstGeom>
+        </p:spPr>
+        <p:style>
+          <a:lnRef idx="2">
+            <a:schemeClr val="dk1"/>
+          </a:lnRef>
+          <a:fillRef idx="1">
+            <a:schemeClr val="lt1"/>
+          </a:fillRef>
+          <a:effectRef idx="0">
+            <a:schemeClr val="dk1"/>
+          </a:effectRef>
+          <a:fontRef idx="minor">
+            <a:schemeClr val="dk1"/>
+          </a:fontRef>
+        </p:style>
+        <p:txBody>
+          <a:bodyPr rtlCol="0" anchor="ctr"/>
+          <a:lstStyle/>
+          <a:p>
+            <a:pPr algn="ctr"/>
+            <a:r>
+              <a:rPr lang="fr-CH" sz="2000" b="1" dirty="0" err="1" smtClean="0"/>
+              <a:t>float</a:t>
+            </a:r>
+            <a:endParaRPr lang="fr-CH" sz="2000" b="1" dirty="0"/>
+          </a:p>
+        </p:txBody>
+      </p:sp>
+    </p:spTree>
+    <p:extLst>
+      <p:ext uri="{BB962C8B-B14F-4D97-AF65-F5344CB8AC3E}">
+        <p14:creationId xmlns:p14="http://schemas.microsoft.com/office/powerpoint/2010/main" val="3348787719"/>
+      </p:ext>
+    </p:extLst>
+  </p:cSld>
+  <p:clrMapOvr>
+    <a:masterClrMapping/>
+  </p:clrMapOvr>
+  <p:timing>
+    <p:tnLst>
+      <p:par>
+        <p:cTn id="1" dur="indefinite" restart="never" nodeType="tmRoot"/>
+      </p:par>
+    </p:tnLst>
+  </p:timing>
+</p:sld>
+</file>
+
+<file path=ppt/slides/slide15.xml><?xml version="1.0" encoding="utf-8"?>
+<p:sld xmlns:a="http://schemas.openxmlformats.org/drawingml/2006/main" xmlns:r="http://schemas.openxmlformats.org/officeDocument/2006/relationships" xmlns:p="http://schemas.openxmlformats.org/presentationml/2006/main">
+  <p:cSld>
+    <p:spTree>
+      <p:nvGrpSpPr>
+        <p:cNvPr id="1" name=""/>
+        <p:cNvGrpSpPr/>
+        <p:nvPr/>
+      </p:nvGrpSpPr>
+      <p:grpSpPr>
+        <a:xfrm>
+          <a:off x="0" y="0"/>
+          <a:ext cx="0" cy="0"/>
+          <a:chOff x="0" y="0"/>
+          <a:chExt cx="0" cy="0"/>
+        </a:xfrm>
+      </p:grpSpPr>
+      <p:sp>
+        <p:nvSpPr>
+          <p:cNvPr id="2" name="Titre 1"/>
+          <p:cNvSpPr>
+            <a:spLocks noGrp="1"/>
+          </p:cNvSpPr>
+          <p:nvPr>
+            <p:ph type="title"/>
+          </p:nvPr>
+        </p:nvSpPr>
+        <p:spPr/>
+        <p:txBody>
+          <a:bodyPr/>
+          <a:lstStyle/>
+          <a:p>
+            <a:r>
+              <a:rPr lang="fr-CH" dirty="0" smtClean="0"/>
+              <a:t>Système de grille : Division en </a:t>
+            </a:r>
+            <a:r>
+              <a:rPr lang="fr-CH" dirty="0" err="1" smtClean="0"/>
+              <a:t>Chunk</a:t>
+            </a:r>
+            <a:endParaRPr lang="fr-CH" dirty="0"/>
+          </a:p>
+        </p:txBody>
+      </p:sp>
+      <p:sp>
+        <p:nvSpPr>
+          <p:cNvPr id="4" name="Espace réservé de la date 3"/>
+          <p:cNvSpPr>
+            <a:spLocks noGrp="1"/>
+          </p:cNvSpPr>
+          <p:nvPr>
+            <p:ph type="dt" sz="half" idx="10"/>
+          </p:nvPr>
+        </p:nvSpPr>
+        <p:spPr/>
+        <p:txBody>
+          <a:bodyPr/>
+          <a:lstStyle/>
+          <a:p>
+            <a:r>
+              <a:rPr lang="fr-CH" smtClean="0"/>
+              <a:t>05.04.2022</a:t>
+            </a:r>
+            <a:endParaRPr lang="fr-CH"/>
+          </a:p>
+        </p:txBody>
+      </p:sp>
+      <p:sp>
+        <p:nvSpPr>
+          <p:cNvPr id="5" name="Espace réservé du pied de page 4"/>
+          <p:cNvSpPr>
+            <a:spLocks noGrp="1"/>
+          </p:cNvSpPr>
+          <p:nvPr>
+            <p:ph type="ftr" sz="quarter" idx="11"/>
+          </p:nvPr>
+        </p:nvSpPr>
+        <p:spPr/>
+        <p:txBody>
+          <a:bodyPr/>
+          <a:lstStyle/>
+          <a:p>
+            <a:r>
+              <a:rPr lang="fr-CH" smtClean="0"/>
+              <a:t>Florian Duruz</a:t>
+            </a:r>
+            <a:endParaRPr lang="fr-CH"/>
+          </a:p>
+        </p:txBody>
+      </p:sp>
+      <p:sp>
+        <p:nvSpPr>
+          <p:cNvPr id="6" name="Espace réservé du numéro de diapositive 5"/>
+          <p:cNvSpPr>
+            <a:spLocks noGrp="1"/>
+          </p:cNvSpPr>
+          <p:nvPr>
+            <p:ph type="sldNum" sz="quarter" idx="12"/>
+          </p:nvPr>
+        </p:nvSpPr>
+        <p:spPr/>
+        <p:txBody>
+          <a:bodyPr/>
+          <a:lstStyle/>
+          <a:p>
+            <a:fld id="{877A364F-776A-4279-BBAB-336C6B9E27FF}" type="slidenum">
+              <a:rPr lang="fr-CH" smtClean="0"/>
+              <a:t>15</a:t>
+            </a:fld>
+            <a:endParaRPr lang="fr-CH"/>
+          </a:p>
+        </p:txBody>
+      </p:sp>
+      <p:pic>
+        <p:nvPicPr>
+          <p:cNvPr id="7" name="Image 6"/>
+          <p:cNvPicPr>
+            <a:picLocks noChangeAspect="1"/>
+          </p:cNvPicPr>
+          <p:nvPr/>
+        </p:nvPicPr>
+        <p:blipFill>
+          <a:blip r:embed="rId2"/>
+          <a:stretch>
+            <a:fillRect/>
+          </a:stretch>
+        </p:blipFill>
+        <p:spPr>
+          <a:xfrm>
+            <a:off x="6096000" y="1690688"/>
+            <a:ext cx="3748087" cy="3748087"/>
+          </a:xfrm>
+          <a:prstGeom prst="rect">
+            <a:avLst/>
+          </a:prstGeom>
+        </p:spPr>
+      </p:pic>
+    </p:spTree>
+    <p:extLst>
+      <p:ext uri="{BB962C8B-B14F-4D97-AF65-F5344CB8AC3E}">
+        <p14:creationId xmlns:p14="http://schemas.microsoft.com/office/powerpoint/2010/main" val="1694372690"/>
+      </p:ext>
+    </p:extLst>
+  </p:cSld>
+  <p:clrMapOvr>
+    <a:masterClrMapping/>
+  </p:clrMapOvr>
+</p:sld>
+</file>
+
 <file path=ppt/slides/slide2.xml><?xml version="1.0" encoding="utf-8"?>
 <p:sld xmlns:a="http://schemas.openxmlformats.org/drawingml/2006/main" xmlns:r="http://schemas.openxmlformats.org/officeDocument/2006/relationships" xmlns:p="http://schemas.openxmlformats.org/presentationml/2006/main">
   <p:cSld>
@@ -10722,12 +13052,50 @@
             <p:ph idx="1"/>
           </p:nvPr>
         </p:nvSpPr>
-        <p:spPr/>
+        <p:spPr>
+          <a:xfrm>
+            <a:off x="838200" y="1825625"/>
+            <a:ext cx="3333750" cy="4351338"/>
+          </a:xfrm>
+        </p:spPr>
         <p:txBody>
           <a:bodyPr/>
           <a:lstStyle/>
           <a:p>
-            <a:endParaRPr lang="fr-CH"/>
+            <a:pPr marL="0" indent="0" algn="ctr">
+              <a:buNone/>
+            </a:pPr>
+            <a:r>
+              <a:rPr lang="fr-CH" dirty="0" smtClean="0"/>
+              <a:t>General </a:t>
+            </a:r>
+          </a:p>
+          <a:p>
+            <a:r>
+              <a:rPr lang="fr-CH" sz="2400" dirty="0" smtClean="0"/>
+              <a:t>Camera RTS</a:t>
+            </a:r>
+          </a:p>
+          <a:p>
+            <a:r>
+              <a:rPr lang="fr-CH" sz="2400" dirty="0" smtClean="0"/>
+              <a:t>Gestion Ressources</a:t>
+            </a:r>
+          </a:p>
+          <a:p>
+            <a:r>
+              <a:rPr lang="fr-CH" sz="2400" dirty="0" smtClean="0"/>
+              <a:t>Début/fin de partie</a:t>
+            </a:r>
+          </a:p>
+          <a:p>
+            <a:r>
+              <a:rPr lang="fr-CH" sz="2400" dirty="0" smtClean="0"/>
+              <a:t>Gestion Rounds</a:t>
+            </a:r>
+          </a:p>
+          <a:p>
+            <a:endParaRPr lang="fr-CH" dirty="0"/>
           </a:p>
         </p:txBody>
       </p:sp>
@@ -10797,6 +13165,460 @@
               <a:t>2</a:t>
             </a:fld>
             <a:endParaRPr lang="fr-CH"/>
+          </a:p>
+        </p:txBody>
+      </p:sp>
+      <p:sp>
+        <p:nvSpPr>
+          <p:cNvPr id="9" name="Espace réservé du contenu 2"/>
+          <p:cNvSpPr txBox="1">
+            <a:spLocks/>
+          </p:cNvSpPr>
+          <p:nvPr/>
+        </p:nvSpPr>
+        <p:spPr>
+          <a:xfrm>
+            <a:off x="4429125" y="1825625"/>
+            <a:ext cx="3333750" cy="4351338"/>
+          </a:xfrm>
+          <a:prstGeom prst="rect">
+            <a:avLst/>
+          </a:prstGeom>
+        </p:spPr>
+        <p:txBody>
+          <a:bodyPr vert="horz" lIns="91440" tIns="45720" rIns="91440" bIns="45720" rtlCol="0">
+            <a:normAutofit/>
+          </a:bodyPr>
+          <a:lstStyle>
+            <a:lvl1pPr marL="228600" indent="-228600" algn="l" defTabSz="914400" rtl="0" eaLnBrk="1" latinLnBrk="0" hangingPunct="1">
+              <a:lnSpc>
+                <a:spcPct val="90000"/>
+              </a:lnSpc>
+              <a:spcBef>
+                <a:spcPts val="1000"/>
+              </a:spcBef>
+              <a:buFont typeface="Arial" panose="020B0604020202020204" pitchFamily="34" charset="0"/>
+              <a:buChar char="•"/>
+              <a:defRPr sz="2800" kern="1200">
+                <a:solidFill>
+                  <a:schemeClr val="tx1"/>
+                </a:solidFill>
+                <a:latin typeface="+mn-lt"/>
+                <a:ea typeface="+mn-ea"/>
+                <a:cs typeface="+mn-cs"/>
+              </a:defRPr>
+            </a:lvl1pPr>
+            <a:lvl2pPr marL="685800" indent="-228600" algn="l" defTabSz="914400" rtl="0" eaLnBrk="1" latinLnBrk="0" hangingPunct="1">
+              <a:lnSpc>
+                <a:spcPct val="90000"/>
+              </a:lnSpc>
+              <a:spcBef>
+                <a:spcPts val="500"/>
+              </a:spcBef>
+              <a:buFont typeface="Arial" panose="020B0604020202020204" pitchFamily="34" charset="0"/>
+              <a:buChar char="•"/>
+              <a:defRPr sz="2400" kern="1200">
+                <a:solidFill>
+                  <a:schemeClr val="tx1"/>
+                </a:solidFill>
+                <a:latin typeface="+mn-lt"/>
+                <a:ea typeface="+mn-ea"/>
+                <a:cs typeface="+mn-cs"/>
+              </a:defRPr>
+            </a:lvl2pPr>
+            <a:lvl3pPr marL="1143000" indent="-228600" algn="l" defTabSz="914400" rtl="0" eaLnBrk="1" latinLnBrk="0" hangingPunct="1">
+              <a:lnSpc>
+                <a:spcPct val="90000"/>
+              </a:lnSpc>
+              <a:spcBef>
+                <a:spcPts val="500"/>
+              </a:spcBef>
+              <a:buFont typeface="Arial" panose="020B0604020202020204" pitchFamily="34" charset="0"/>
+              <a:buChar char="•"/>
+              <a:defRPr sz="2000" kern="1200">
+                <a:solidFill>
+                  <a:schemeClr val="tx1"/>
+                </a:solidFill>
+                <a:latin typeface="+mn-lt"/>
+                <a:ea typeface="+mn-ea"/>
+                <a:cs typeface="+mn-cs"/>
+              </a:defRPr>
+            </a:lvl3pPr>
+            <a:lvl4pPr marL="1600200" indent="-228600" algn="l" defTabSz="914400" rtl="0" eaLnBrk="1" latinLnBrk="0" hangingPunct="1">
+              <a:lnSpc>
+                <a:spcPct val="90000"/>
+              </a:lnSpc>
+              <a:spcBef>
+                <a:spcPts val="500"/>
+              </a:spcBef>
+              <a:buFont typeface="Arial" panose="020B0604020202020204" pitchFamily="34" charset="0"/>
+              <a:buChar char="•"/>
+              <a:defRPr sz="1800" kern="1200">
+                <a:solidFill>
+                  <a:schemeClr val="tx1"/>
+                </a:solidFill>
+                <a:latin typeface="+mn-lt"/>
+                <a:ea typeface="+mn-ea"/>
+                <a:cs typeface="+mn-cs"/>
+              </a:defRPr>
+            </a:lvl4pPr>
+            <a:lvl5pPr marL="2057400" indent="-228600" algn="l" defTabSz="914400" rtl="0" eaLnBrk="1" latinLnBrk="0" hangingPunct="1">
+              <a:lnSpc>
+                <a:spcPct val="90000"/>
+              </a:lnSpc>
+              <a:spcBef>
+                <a:spcPts val="500"/>
+              </a:spcBef>
+              <a:buFont typeface="Arial" panose="020B0604020202020204" pitchFamily="34" charset="0"/>
+              <a:buChar char="•"/>
+              <a:defRPr sz="1800" kern="1200">
+                <a:solidFill>
+                  <a:schemeClr val="tx1"/>
+                </a:solidFill>
+                <a:latin typeface="+mn-lt"/>
+                <a:ea typeface="+mn-ea"/>
+                <a:cs typeface="+mn-cs"/>
+              </a:defRPr>
+            </a:lvl5pPr>
+            <a:lvl6pPr marL="2514600" indent="-228600" algn="l" defTabSz="914400" rtl="0" eaLnBrk="1" latinLnBrk="0" hangingPunct="1">
+              <a:lnSpc>
+                <a:spcPct val="90000"/>
+              </a:lnSpc>
+              <a:spcBef>
+                <a:spcPts val="500"/>
+              </a:spcBef>
+              <a:buFont typeface="Arial" panose="020B0604020202020204" pitchFamily="34" charset="0"/>
+              <a:buChar char="•"/>
+              <a:defRPr sz="1800" kern="1200">
+                <a:solidFill>
+                  <a:schemeClr val="tx1"/>
+                </a:solidFill>
+                <a:latin typeface="+mn-lt"/>
+                <a:ea typeface="+mn-ea"/>
+                <a:cs typeface="+mn-cs"/>
+              </a:defRPr>
+            </a:lvl6pPr>
+            <a:lvl7pPr marL="2971800" indent="-228600" algn="l" defTabSz="914400" rtl="0" eaLnBrk="1" latinLnBrk="0" hangingPunct="1">
+              <a:lnSpc>
+                <a:spcPct val="90000"/>
+              </a:lnSpc>
+              <a:spcBef>
+                <a:spcPts val="500"/>
+              </a:spcBef>
+              <a:buFont typeface="Arial" panose="020B0604020202020204" pitchFamily="34" charset="0"/>
+              <a:buChar char="•"/>
+              <a:defRPr sz="1800" kern="1200">
+                <a:solidFill>
+                  <a:schemeClr val="tx1"/>
+                </a:solidFill>
+                <a:latin typeface="+mn-lt"/>
+                <a:ea typeface="+mn-ea"/>
+                <a:cs typeface="+mn-cs"/>
+              </a:defRPr>
+            </a:lvl7pPr>
+            <a:lvl8pPr marL="3429000" indent="-228600" algn="l" defTabSz="914400" rtl="0" eaLnBrk="1" latinLnBrk="0" hangingPunct="1">
+              <a:lnSpc>
+                <a:spcPct val="90000"/>
+              </a:lnSpc>
+              <a:spcBef>
+                <a:spcPts val="500"/>
+              </a:spcBef>
+              <a:buFont typeface="Arial" panose="020B0604020202020204" pitchFamily="34" charset="0"/>
+              <a:buChar char="•"/>
+              <a:defRPr sz="1800" kern="1200">
+                <a:solidFill>
+                  <a:schemeClr val="tx1"/>
+                </a:solidFill>
+                <a:latin typeface="+mn-lt"/>
+                <a:ea typeface="+mn-ea"/>
+                <a:cs typeface="+mn-cs"/>
+              </a:defRPr>
+            </a:lvl8pPr>
+            <a:lvl9pPr marL="3886200" indent="-228600" algn="l" defTabSz="914400" rtl="0" eaLnBrk="1" latinLnBrk="0" hangingPunct="1">
+              <a:lnSpc>
+                <a:spcPct val="90000"/>
+              </a:lnSpc>
+              <a:spcBef>
+                <a:spcPts val="500"/>
+              </a:spcBef>
+              <a:buFont typeface="Arial" panose="020B0604020202020204" pitchFamily="34" charset="0"/>
+              <a:buChar char="•"/>
+              <a:defRPr sz="1800" kern="1200">
+                <a:solidFill>
+                  <a:schemeClr val="tx1"/>
+                </a:solidFill>
+                <a:latin typeface="+mn-lt"/>
+                <a:ea typeface="+mn-ea"/>
+                <a:cs typeface="+mn-cs"/>
+              </a:defRPr>
+            </a:lvl9pPr>
+          </a:lstStyle>
+          <a:p>
+            <a:pPr marL="0" indent="0" algn="ctr">
+              <a:buFont typeface="Arial" panose="020B0604020202020204" pitchFamily="34" charset="0"/>
+              <a:buNone/>
+            </a:pPr>
+            <a:r>
+              <a:rPr lang="fr-CH" dirty="0" smtClean="0"/>
+              <a:t>Tourelles </a:t>
+            </a:r>
+          </a:p>
+          <a:p>
+            <a:r>
+              <a:rPr lang="fr-CH" sz="2400" dirty="0" smtClean="0"/>
+              <a:t>Placement</a:t>
+            </a:r>
+          </a:p>
+          <a:p>
+            <a:r>
+              <a:rPr lang="fr-CH" sz="2400" dirty="0" smtClean="0"/>
+              <a:t>Gérer chemin bloqué</a:t>
+            </a:r>
+          </a:p>
+          <a:p>
+            <a:r>
+              <a:rPr lang="fr-CH" sz="2400" dirty="0" smtClean="0"/>
+              <a:t>Interactions(</a:t>
+            </a:r>
+            <a:r>
+              <a:rPr lang="fr-CH" sz="2400" dirty="0" err="1" smtClean="0"/>
+              <a:t>séléction</a:t>
+            </a:r>
+            <a:r>
+              <a:rPr lang="fr-CH" sz="2400" dirty="0" smtClean="0"/>
+              <a:t>)</a:t>
+            </a:r>
+          </a:p>
+          <a:p>
+            <a:r>
+              <a:rPr lang="fr-CH" sz="2400" dirty="0" smtClean="0"/>
+              <a:t>Gestion physiques de balles</a:t>
+            </a:r>
+          </a:p>
+          <a:p>
+            <a:r>
+              <a:rPr lang="fr-CH" sz="2400" dirty="0"/>
+              <a:t>A</a:t>
+            </a:r>
+            <a:r>
+              <a:rPr lang="fr-CH" sz="2400" dirty="0" smtClean="0"/>
+              <a:t>méliorations</a:t>
+            </a:r>
+          </a:p>
+        </p:txBody>
+      </p:sp>
+      <p:sp>
+        <p:nvSpPr>
+          <p:cNvPr id="10" name="Espace réservé du contenu 2"/>
+          <p:cNvSpPr txBox="1">
+            <a:spLocks/>
+          </p:cNvSpPr>
+          <p:nvPr/>
+        </p:nvSpPr>
+        <p:spPr>
+          <a:xfrm>
+            <a:off x="8020050" y="1825625"/>
+            <a:ext cx="3333750" cy="4351338"/>
+          </a:xfrm>
+          <a:prstGeom prst="rect">
+            <a:avLst/>
+          </a:prstGeom>
+        </p:spPr>
+        <p:txBody>
+          <a:bodyPr vert="horz" lIns="91440" tIns="45720" rIns="91440" bIns="45720" rtlCol="0">
+            <a:normAutofit/>
+          </a:bodyPr>
+          <a:lstStyle>
+            <a:lvl1pPr marL="228600" indent="-228600" algn="l" defTabSz="914400" rtl="0" eaLnBrk="1" latinLnBrk="0" hangingPunct="1">
+              <a:lnSpc>
+                <a:spcPct val="90000"/>
+              </a:lnSpc>
+              <a:spcBef>
+                <a:spcPts val="1000"/>
+              </a:spcBef>
+              <a:buFont typeface="Arial" panose="020B0604020202020204" pitchFamily="34" charset="0"/>
+              <a:buChar char="•"/>
+              <a:defRPr sz="2800" kern="1200">
+                <a:solidFill>
+                  <a:schemeClr val="tx1"/>
+                </a:solidFill>
+                <a:latin typeface="+mn-lt"/>
+                <a:ea typeface="+mn-ea"/>
+                <a:cs typeface="+mn-cs"/>
+              </a:defRPr>
+            </a:lvl1pPr>
+            <a:lvl2pPr marL="685800" indent="-228600" algn="l" defTabSz="914400" rtl="0" eaLnBrk="1" latinLnBrk="0" hangingPunct="1">
+              <a:lnSpc>
+                <a:spcPct val="90000"/>
+              </a:lnSpc>
+              <a:spcBef>
+                <a:spcPts val="500"/>
+              </a:spcBef>
+              <a:buFont typeface="Arial" panose="020B0604020202020204" pitchFamily="34" charset="0"/>
+              <a:buChar char="•"/>
+              <a:defRPr sz="2400" kern="1200">
+                <a:solidFill>
+                  <a:schemeClr val="tx1"/>
+                </a:solidFill>
+                <a:latin typeface="+mn-lt"/>
+                <a:ea typeface="+mn-ea"/>
+                <a:cs typeface="+mn-cs"/>
+              </a:defRPr>
+            </a:lvl2pPr>
+            <a:lvl3pPr marL="1143000" indent="-228600" algn="l" defTabSz="914400" rtl="0" eaLnBrk="1" latinLnBrk="0" hangingPunct="1">
+              <a:lnSpc>
+                <a:spcPct val="90000"/>
+              </a:lnSpc>
+              <a:spcBef>
+                <a:spcPts val="500"/>
+              </a:spcBef>
+              <a:buFont typeface="Arial" panose="020B0604020202020204" pitchFamily="34" charset="0"/>
+              <a:buChar char="•"/>
+              <a:defRPr sz="2000" kern="1200">
+                <a:solidFill>
+                  <a:schemeClr val="tx1"/>
+                </a:solidFill>
+                <a:latin typeface="+mn-lt"/>
+                <a:ea typeface="+mn-ea"/>
+                <a:cs typeface="+mn-cs"/>
+              </a:defRPr>
+            </a:lvl3pPr>
+            <a:lvl4pPr marL="1600200" indent="-228600" algn="l" defTabSz="914400" rtl="0" eaLnBrk="1" latinLnBrk="0" hangingPunct="1">
+              <a:lnSpc>
+                <a:spcPct val="90000"/>
+              </a:lnSpc>
+              <a:spcBef>
+                <a:spcPts val="500"/>
+              </a:spcBef>
+              <a:buFont typeface="Arial" panose="020B0604020202020204" pitchFamily="34" charset="0"/>
+              <a:buChar char="•"/>
+              <a:defRPr sz="1800" kern="1200">
+                <a:solidFill>
+                  <a:schemeClr val="tx1"/>
+                </a:solidFill>
+                <a:latin typeface="+mn-lt"/>
+                <a:ea typeface="+mn-ea"/>
+                <a:cs typeface="+mn-cs"/>
+              </a:defRPr>
+            </a:lvl4pPr>
+            <a:lvl5pPr marL="2057400" indent="-228600" algn="l" defTabSz="914400" rtl="0" eaLnBrk="1" latinLnBrk="0" hangingPunct="1">
+              <a:lnSpc>
+                <a:spcPct val="90000"/>
+              </a:lnSpc>
+              <a:spcBef>
+                <a:spcPts val="500"/>
+              </a:spcBef>
+              <a:buFont typeface="Arial" panose="020B0604020202020204" pitchFamily="34" charset="0"/>
+              <a:buChar char="•"/>
+              <a:defRPr sz="1800" kern="1200">
+                <a:solidFill>
+                  <a:schemeClr val="tx1"/>
+                </a:solidFill>
+                <a:latin typeface="+mn-lt"/>
+                <a:ea typeface="+mn-ea"/>
+                <a:cs typeface="+mn-cs"/>
+              </a:defRPr>
+            </a:lvl5pPr>
+            <a:lvl6pPr marL="2514600" indent="-228600" algn="l" defTabSz="914400" rtl="0" eaLnBrk="1" latinLnBrk="0" hangingPunct="1">
+              <a:lnSpc>
+                <a:spcPct val="90000"/>
+              </a:lnSpc>
+              <a:spcBef>
+                <a:spcPts val="500"/>
+              </a:spcBef>
+              <a:buFont typeface="Arial" panose="020B0604020202020204" pitchFamily="34" charset="0"/>
+              <a:buChar char="•"/>
+              <a:defRPr sz="1800" kern="1200">
+                <a:solidFill>
+                  <a:schemeClr val="tx1"/>
+                </a:solidFill>
+                <a:latin typeface="+mn-lt"/>
+                <a:ea typeface="+mn-ea"/>
+                <a:cs typeface="+mn-cs"/>
+              </a:defRPr>
+            </a:lvl6pPr>
+            <a:lvl7pPr marL="2971800" indent="-228600" algn="l" defTabSz="914400" rtl="0" eaLnBrk="1" latinLnBrk="0" hangingPunct="1">
+              <a:lnSpc>
+                <a:spcPct val="90000"/>
+              </a:lnSpc>
+              <a:spcBef>
+                <a:spcPts val="500"/>
+              </a:spcBef>
+              <a:buFont typeface="Arial" panose="020B0604020202020204" pitchFamily="34" charset="0"/>
+              <a:buChar char="•"/>
+              <a:defRPr sz="1800" kern="1200">
+                <a:solidFill>
+                  <a:schemeClr val="tx1"/>
+                </a:solidFill>
+                <a:latin typeface="+mn-lt"/>
+                <a:ea typeface="+mn-ea"/>
+                <a:cs typeface="+mn-cs"/>
+              </a:defRPr>
+            </a:lvl7pPr>
+            <a:lvl8pPr marL="3429000" indent="-228600" algn="l" defTabSz="914400" rtl="0" eaLnBrk="1" latinLnBrk="0" hangingPunct="1">
+              <a:lnSpc>
+                <a:spcPct val="90000"/>
+              </a:lnSpc>
+              <a:spcBef>
+                <a:spcPts val="500"/>
+              </a:spcBef>
+              <a:buFont typeface="Arial" panose="020B0604020202020204" pitchFamily="34" charset="0"/>
+              <a:buChar char="•"/>
+              <a:defRPr sz="1800" kern="1200">
+                <a:solidFill>
+                  <a:schemeClr val="tx1"/>
+                </a:solidFill>
+                <a:latin typeface="+mn-lt"/>
+                <a:ea typeface="+mn-ea"/>
+                <a:cs typeface="+mn-cs"/>
+              </a:defRPr>
+            </a:lvl8pPr>
+            <a:lvl9pPr marL="3886200" indent="-228600" algn="l" defTabSz="914400" rtl="0" eaLnBrk="1" latinLnBrk="0" hangingPunct="1">
+              <a:lnSpc>
+                <a:spcPct val="90000"/>
+              </a:lnSpc>
+              <a:spcBef>
+                <a:spcPts val="500"/>
+              </a:spcBef>
+              <a:buFont typeface="Arial" panose="020B0604020202020204" pitchFamily="34" charset="0"/>
+              <a:buChar char="•"/>
+              <a:defRPr sz="1800" kern="1200">
+                <a:solidFill>
+                  <a:schemeClr val="tx1"/>
+                </a:solidFill>
+                <a:latin typeface="+mn-lt"/>
+                <a:ea typeface="+mn-ea"/>
+                <a:cs typeface="+mn-cs"/>
+              </a:defRPr>
+            </a:lvl9pPr>
+          </a:lstStyle>
+          <a:p>
+            <a:pPr marL="0" indent="0" algn="ctr">
+              <a:buFont typeface="Arial" panose="020B0604020202020204" pitchFamily="34" charset="0"/>
+              <a:buNone/>
+            </a:pPr>
+            <a:r>
+              <a:rPr lang="fr-CH" dirty="0" smtClean="0"/>
+              <a:t>Ennemies</a:t>
+            </a:r>
+          </a:p>
+          <a:p>
+            <a:r>
+              <a:rPr lang="fr-CH" dirty="0" smtClean="0"/>
+              <a:t>Pathfinding</a:t>
+            </a:r>
+          </a:p>
+          <a:p>
+            <a:r>
+              <a:rPr lang="fr-CH" dirty="0" smtClean="0"/>
+              <a:t>Adaptations aux nouveaux obstacles</a:t>
+            </a:r>
+          </a:p>
+          <a:p>
+            <a:endParaRPr lang="fr-CH" dirty="0" smtClean="0"/>
+          </a:p>
+          <a:p>
+            <a:endParaRPr lang="fr-CH" dirty="0"/>
           </a:p>
         </p:txBody>
       </p:sp>
@@ -10870,20 +13692,86 @@
           <a:p>
             <a:r>
               <a:rPr lang="fr-CH" dirty="0" smtClean="0"/>
-              <a:t>Pourquoi (ECS)</a:t>
-            </a:r>
-          </a:p>
-          <a:p>
+              <a:t>Pourquoi (ECS</a:t>
+            </a:r>
             <a:r>
               <a:rPr lang="fr-CH" dirty="0" smtClean="0"/>
-              <a:t>Comment</a:t>
-            </a:r>
+              <a:t>)</a:t>
+            </a:r>
+          </a:p>
+          <a:p>
+            <a:pPr lvl="1"/>
+            <a:r>
+              <a:rPr lang="fr-CH" dirty="0" smtClean="0"/>
+              <a:t>Familiarité avec le </a:t>
+            </a:r>
+            <a:r>
+              <a:rPr lang="fr-CH" dirty="0" err="1" smtClean="0"/>
+              <a:t>framework</a:t>
+            </a:r>
+            <a:endParaRPr lang="fr-CH" dirty="0" smtClean="0"/>
+          </a:p>
+          <a:p>
+            <a:pPr lvl="1"/>
+            <a:r>
+              <a:rPr lang="fr-CH" dirty="0" smtClean="0"/>
+              <a:t>Ressources abondantes (documentation claire)</a:t>
+            </a:r>
+          </a:p>
+          <a:p>
+            <a:pPr lvl="1"/>
+            <a:r>
+              <a:rPr lang="fr-CH" dirty="0" smtClean="0"/>
+              <a:t>C# de plus en plus mis en avant</a:t>
+            </a:r>
+          </a:p>
+          <a:p>
+            <a:pPr lvl="1"/>
+            <a:r>
+              <a:rPr lang="fr-CH" dirty="0" smtClean="0"/>
+              <a:t>Beaucoup de communication des équipes de </a:t>
+            </a:r>
+            <a:r>
+              <a:rPr lang="fr-CH" dirty="0" err="1" smtClean="0"/>
+              <a:t>Unity</a:t>
+            </a:r>
+            <a:r>
+              <a:rPr lang="fr-CH" dirty="0" smtClean="0"/>
+              <a:t> (forum)</a:t>
+            </a:r>
+          </a:p>
+          <a:p>
+            <a:pPr lvl="1"/>
+            <a:endParaRPr lang="fr-CH" dirty="0" smtClean="0"/>
+          </a:p>
+          <a:p>
+            <a:pPr lvl="1"/>
+            <a:endParaRPr lang="fr-CH" dirty="0" smtClean="0"/>
           </a:p>
           <a:p>
             <a:r>
               <a:rPr lang="fr-CH" dirty="0" smtClean="0"/>
               <a:t>Alternative</a:t>
             </a:r>
+          </a:p>
+          <a:p>
+            <a:pPr lvl="1"/>
+            <a:r>
+              <a:rPr lang="fr-CH" dirty="0" err="1" smtClean="0"/>
+              <a:t>Unreal</a:t>
+            </a:r>
+            <a:r>
+              <a:rPr lang="fr-CH" dirty="0" smtClean="0"/>
+              <a:t> Engine</a:t>
+            </a:r>
+          </a:p>
+          <a:p>
+            <a:pPr lvl="1"/>
+            <a:r>
+              <a:rPr lang="fr-CH" dirty="0" err="1" smtClean="0"/>
+              <a:t>GoDot</a:t>
+            </a:r>
+            <a:endParaRPr lang="fr-CH" dirty="0" smtClean="0"/>
           </a:p>
           <a:p>
             <a:endParaRPr lang="fr-CH" dirty="0"/>

--- a/Documentation/DefensePresentation.pptx
+++ b/Documentation/DefensePresentation.pptx
@@ -252,10 +252,10 @@
           </a:lstStyle>
           <a:p>
             <a:r>
-              <a:rPr lang="fr-CH" smtClean="0"/>
+              <a:rPr lang="fr-CH" dirty="0" smtClean="0"/>
               <a:t>Tower Defense</a:t>
             </a:r>
-            <a:endParaRPr lang="fr-CH"/>
+            <a:endParaRPr lang="fr-CH" dirty="0"/>
           </a:p>
         </p:txBody>
       </p:sp>
@@ -519,10 +519,10 @@
           </a:lstStyle>
           <a:p>
             <a:r>
-              <a:rPr lang="fr-CH" smtClean="0"/>
+              <a:rPr lang="fr-CH" dirty="0" smtClean="0"/>
               <a:t>Tower Defense</a:t>
             </a:r>
-            <a:endParaRPr lang="fr-CH"/>
+            <a:endParaRPr lang="fr-CH" dirty="0"/>
           </a:p>
         </p:txBody>
       </p:sp>
@@ -3581,20 +3581,29 @@
             <p:ph type="ctrTitle"/>
           </p:nvPr>
         </p:nvSpPr>
-        <p:spPr/>
+        <p:spPr>
+          <a:xfrm>
+            <a:off x="1524000" y="172794"/>
+            <a:ext cx="9144000" cy="935037"/>
+          </a:xfrm>
+        </p:spPr>
         <p:txBody>
           <a:bodyPr/>
           <a:lstStyle/>
           <a:p>
             <a:r>
+              <a:rPr lang="fr-CH" b="1" dirty="0" smtClean="0"/>
+              <a:t>Tower</a:t>
+            </a:r>
+            <a:r>
               <a:rPr lang="fr-CH" dirty="0" smtClean="0"/>
-              <a:t>Tower </a:t>
-            </a:r>
-            <a:r>
-              <a:rPr lang="fr-CH" dirty="0" err="1" smtClean="0"/>
+              <a:t> </a:t>
+            </a:r>
+            <a:r>
+              <a:rPr lang="fr-CH" b="1" dirty="0" smtClean="0"/>
               <a:t>Defense</a:t>
             </a:r>
-            <a:endParaRPr lang="fr-CH" dirty="0"/>
+            <a:endParaRPr lang="fr-CH" b="1" dirty="0"/>
           </a:p>
         </p:txBody>
       </p:sp>
@@ -3608,7 +3617,12 @@
             <p:ph type="subTitle" idx="1"/>
           </p:nvPr>
         </p:nvSpPr>
-        <p:spPr/>
+        <p:spPr>
+          <a:xfrm>
+            <a:off x="1524000" y="5874329"/>
+            <a:ext cx="9144000" cy="422703"/>
+          </a:xfrm>
+        </p:spPr>
         <p:txBody>
           <a:bodyPr/>
           <a:lstStyle/>
@@ -3694,6 +3708,36 @@
           </a:p>
         </p:txBody>
       </p:sp>
+      <p:pic>
+        <p:nvPicPr>
+          <p:cNvPr id="4" name="Image 3"/>
+          <p:cNvPicPr>
+            <a:picLocks noChangeAspect="1"/>
+          </p:cNvPicPr>
+          <p:nvPr/>
+        </p:nvPicPr>
+        <p:blipFill>
+          <a:blip r:embed="rId2"/>
+          <a:stretch>
+            <a:fillRect/>
+          </a:stretch>
+        </p:blipFill>
+        <p:spPr>
+          <a:xfrm>
+            <a:off x="2886075" y="1042987"/>
+            <a:ext cx="6419850" cy="4772025"/>
+          </a:xfrm>
+          <a:prstGeom prst="rect">
+            <a:avLst/>
+          </a:prstGeom>
+          <a:ln>
+            <a:noFill/>
+          </a:ln>
+          <a:effectLst>
+            <a:softEdge rad="112500"/>
+          </a:effectLst>
+        </p:spPr>
+      </p:pic>
     </p:spTree>
     <p:extLst>
       <p:ext uri="{BB962C8B-B14F-4D97-AF65-F5344CB8AC3E}">
@@ -3856,10 +3900,10 @@
           <a:lstStyle/>
           <a:p>
             <a:r>
-              <a:rPr lang="fr-CH" dirty="0" smtClean="0"/>
+              <a:rPr lang="fr-CH" b="1" dirty="0" smtClean="0"/>
               <a:t>Système de grille : problématique</a:t>
             </a:r>
-            <a:endParaRPr lang="fr-CH" dirty="0"/>
+            <a:endParaRPr lang="fr-CH" b="1" dirty="0"/>
           </a:p>
         </p:txBody>
       </p:sp>
@@ -6924,11 +6968,6 @@
               </a:rPr>
               <a:t>obstacles </a:t>
             </a:r>
-            <a:endParaRPr lang="fr-CH" sz="1600" dirty="0" smtClean="0">
-              <a:solidFill>
-                <a:schemeClr val="tx1"/>
-              </a:solidFill>
-            </a:endParaRPr>
           </a:p>
           <a:p>
             <a:pPr algn="ctr"/>
@@ -7185,10 +7224,10 @@
           <a:lstStyle/>
           <a:p>
             <a:r>
-              <a:rPr lang="fr-CH" dirty="0" smtClean="0"/>
+              <a:rPr lang="fr-CH" b="1" dirty="0" smtClean="0"/>
               <a:t>Système de Grille : Besoins</a:t>
             </a:r>
-            <a:endParaRPr lang="fr-CH" dirty="0"/>
+            <a:endParaRPr lang="fr-CH" b="1" dirty="0"/>
           </a:p>
         </p:txBody>
       </p:sp>
@@ -7227,11 +7266,7 @@
           <a:p>
             <a:r>
               <a:rPr lang="fr-CH" dirty="0" smtClean="0"/>
-              <a:t>Faciliter la communication d’événement entre les </a:t>
-            </a:r>
-            <a:r>
-              <a:rPr lang="fr-CH" dirty="0" smtClean="0"/>
-              <a:t>grilles</a:t>
+              <a:t>Faciliter la communication d’événement entre les grilles</a:t>
             </a:r>
           </a:p>
           <a:p>
@@ -7247,7 +7282,6 @@
               <a:rPr lang="fr-CH" dirty="0" smtClean="0"/>
               <a:t> afin de cibler les modifications</a:t>
             </a:r>
-            <a:endParaRPr lang="fr-CH" dirty="0" smtClean="0"/>
           </a:p>
           <a:p>
             <a:endParaRPr lang="fr-CH" dirty="0"/>
@@ -7379,10 +7413,10 @@
           <a:lstStyle/>
           <a:p>
             <a:r>
-              <a:rPr lang="fr-CH" dirty="0" smtClean="0"/>
+              <a:rPr lang="fr-CH" b="1" dirty="0" smtClean="0"/>
               <a:t>Système de grille : En Cours</a:t>
             </a:r>
-            <a:endParaRPr lang="fr-CH" dirty="0"/>
+            <a:endParaRPr lang="fr-CH" b="1" dirty="0"/>
           </a:p>
         </p:txBody>
       </p:sp>
@@ -7589,14 +7623,10 @@
           <a:lstStyle/>
           <a:p>
             <a:r>
-              <a:rPr lang="fr-CH" dirty="0" smtClean="0"/>
-              <a:t>S’adapter à une grille plus </a:t>
-            </a:r>
-            <a:r>
-              <a:rPr lang="fr-CH" dirty="0" smtClean="0"/>
-              <a:t>petite</a:t>
-            </a:r>
-            <a:endParaRPr lang="fr-CH" dirty="0"/>
+              <a:rPr lang="fr-CH" b="1" dirty="0" smtClean="0"/>
+              <a:t>S’adapter à une grille plus petite</a:t>
+            </a:r>
+            <a:endParaRPr lang="fr-CH" b="1" dirty="0"/>
           </a:p>
         </p:txBody>
       </p:sp>
@@ -10750,18 +10780,10 @@
           <a:lstStyle/>
           <a:p>
             <a:r>
-              <a:rPr lang="fr-CH" dirty="0" smtClean="0"/>
-              <a:t>S’adapter </a:t>
-            </a:r>
-            <a:r>
-              <a:rPr lang="fr-CH" dirty="0" smtClean="0"/>
-              <a:t>à une grille plus </a:t>
-            </a:r>
-            <a:r>
-              <a:rPr lang="fr-CH" dirty="0" smtClean="0"/>
-              <a:t>grande</a:t>
-            </a:r>
-            <a:endParaRPr lang="fr-CH" dirty="0"/>
+              <a:rPr lang="fr-CH" b="1" dirty="0" smtClean="0"/>
+              <a:t>S’adapter à une grille plus grande</a:t>
+            </a:r>
+            <a:endParaRPr lang="fr-CH" b="1" dirty="0"/>
           </a:p>
         </p:txBody>
       </p:sp>
@@ -12885,14 +12907,14 @@
           <a:lstStyle/>
           <a:p>
             <a:r>
-              <a:rPr lang="fr-CH" dirty="0" smtClean="0"/>
+              <a:rPr lang="fr-CH" b="1" dirty="0" smtClean="0"/>
               <a:t>Système de grille : Division en </a:t>
             </a:r>
             <a:r>
-              <a:rPr lang="fr-CH" dirty="0" err="1" smtClean="0"/>
+              <a:rPr lang="fr-CH" b="1" dirty="0" err="1" smtClean="0"/>
               <a:t>Chunk</a:t>
             </a:r>
-            <a:endParaRPr lang="fr-CH" dirty="0"/>
+            <a:endParaRPr lang="fr-CH" b="1" dirty="0"/>
           </a:p>
         </p:txBody>
       </p:sp>
@@ -13035,10 +13057,10 @@
           <a:lstStyle/>
           <a:p>
             <a:r>
-              <a:rPr lang="fr-CH" dirty="0" smtClean="0"/>
+              <a:rPr lang="fr-CH" b="1" dirty="0" smtClean="0"/>
               <a:t>Objectifs initiaux</a:t>
             </a:r>
-            <a:endParaRPr lang="fr-CH" dirty="0"/>
+            <a:endParaRPr lang="fr-CH" b="1" dirty="0"/>
           </a:p>
         </p:txBody>
       </p:sp>
@@ -13378,11 +13400,7 @@
           <a:p>
             <a:r>
               <a:rPr lang="fr-CH" sz="2400" dirty="0" smtClean="0"/>
-              <a:t>Interactions(</a:t>
-            </a:r>
-            <a:r>
-              <a:rPr lang="fr-CH" sz="2400" dirty="0" err="1" smtClean="0"/>
-              <a:t>séléction</a:t>
+              <a:t>Interactions(sélection</a:t>
             </a:r>
             <a:r>
               <a:rPr lang="fr-CH" sz="2400" dirty="0" smtClean="0"/>
@@ -13598,27 +13616,56 @@
               <a:buNone/>
             </a:pPr>
             <a:r>
-              <a:rPr lang="fr-CH" dirty="0" smtClean="0"/>
+              <a:rPr lang="fr-CH" sz="2400" dirty="0" smtClean="0"/>
               <a:t>Ennemies</a:t>
             </a:r>
           </a:p>
           <a:p>
             <a:r>
-              <a:rPr lang="fr-CH" dirty="0" smtClean="0"/>
-              <a:t>Pathfinding</a:t>
-            </a:r>
-          </a:p>
-          <a:p>
-            <a:r>
-              <a:rPr lang="fr-CH" dirty="0" smtClean="0"/>
-              <a:t>Adaptations aux nouveaux obstacles</a:t>
-            </a:r>
-          </a:p>
-          <a:p>
-            <a:endParaRPr lang="fr-CH" dirty="0" smtClean="0"/>
-          </a:p>
-          <a:p>
-            <a:endParaRPr lang="fr-CH" dirty="0"/>
+              <a:rPr lang="fr-CH" sz="2400" dirty="0" smtClean="0"/>
+              <a:t>Pathfinding Dynamique</a:t>
+            </a:r>
+            <a:endParaRPr lang="fr-CH" sz="2400" dirty="0" smtClean="0"/>
+          </a:p>
+          <a:p>
+            <a:r>
+              <a:rPr lang="fr-CH" sz="2400" dirty="0" smtClean="0"/>
+              <a:t>Adaptations aux nouveaux </a:t>
+            </a:r>
+            <a:r>
+              <a:rPr lang="fr-CH" sz="2400" dirty="0" smtClean="0"/>
+              <a:t>obstacles</a:t>
+            </a:r>
+          </a:p>
+          <a:p>
+            <a:r>
+              <a:rPr lang="fr-CH" sz="2400" dirty="0" err="1" smtClean="0"/>
+              <a:t>Spawn</a:t>
+            </a:r>
+            <a:r>
+              <a:rPr lang="fr-CH" sz="2400" dirty="0" smtClean="0"/>
+              <a:t> en groupe</a:t>
+            </a:r>
+          </a:p>
+          <a:p>
+            <a:r>
+              <a:rPr lang="fr-CH" sz="2400" dirty="0" smtClean="0"/>
+              <a:t>Statistiques évolutives</a:t>
+            </a:r>
+          </a:p>
+          <a:p>
+            <a:r>
+              <a:rPr lang="fr-CH" sz="2400" dirty="0" err="1" smtClean="0"/>
+              <a:t>Spawn</a:t>
+            </a:r>
+            <a:r>
+              <a:rPr lang="fr-CH" sz="2400" smtClean="0"/>
+              <a:t> automatique</a:t>
+            </a:r>
+            <a:endParaRPr lang="fr-CH" sz="2400" dirty="0" smtClean="0"/>
+          </a:p>
+          <a:p>
+            <a:endParaRPr lang="fr-CH" sz="2400" dirty="0"/>
           </a:p>
         </p:txBody>
       </p:sp>
@@ -13668,10 +13715,14 @@
           <a:lstStyle/>
           <a:p>
             <a:r>
-              <a:rPr lang="fr-CH" dirty="0" err="1" smtClean="0"/>
+              <a:rPr lang="fr-CH" b="1" dirty="0" smtClean="0"/>
+              <a:t>Framework : </a:t>
+            </a:r>
+            <a:r>
+              <a:rPr lang="fr-CH" b="1" dirty="0" err="1" smtClean="0"/>
               <a:t>Unity</a:t>
             </a:r>
-            <a:endParaRPr lang="fr-CH" dirty="0"/>
+            <a:endParaRPr lang="fr-CH" b="1" dirty="0"/>
           </a:p>
         </p:txBody>
       </p:sp>
@@ -13692,18 +13743,18 @@
           <a:p>
             <a:r>
               <a:rPr lang="fr-CH" dirty="0" smtClean="0"/>
-              <a:t>Pourquoi (ECS</a:t>
-            </a:r>
+              <a:t>Pourquoi</a:t>
+            </a:r>
+          </a:p>
+          <a:p>
+            <a:pPr lvl="1"/>
             <a:r>
               <a:rPr lang="fr-CH" dirty="0" smtClean="0"/>
-              <a:t>)</a:t>
-            </a:r>
-          </a:p>
-          <a:p>
-            <a:pPr lvl="1"/>
+              <a:t>Familiarité </a:t>
+            </a:r>
             <a:r>
               <a:rPr lang="fr-CH" dirty="0" smtClean="0"/>
-              <a:t>Familiarité avec le </a:t>
+              <a:t>avec le </a:t>
             </a:r>
             <a:r>
               <a:rPr lang="fr-CH" dirty="0" err="1" smtClean="0"/>
@@ -13893,10 +13944,10 @@
           <a:lstStyle/>
           <a:p>
             <a:r>
-              <a:rPr lang="fr-CH" dirty="0" smtClean="0"/>
+              <a:rPr lang="fr-CH" b="1" dirty="0" smtClean="0"/>
               <a:t>Choix dans l’architecture</a:t>
             </a:r>
-            <a:endParaRPr lang="fr-CH" dirty="0"/>
+            <a:endParaRPr lang="fr-CH" b="1" dirty="0"/>
           </a:p>
         </p:txBody>
       </p:sp>
@@ -14115,10 +14166,10 @@
           <a:lstStyle/>
           <a:p>
             <a:r>
-              <a:rPr lang="fr-CH" dirty="0" smtClean="0"/>
+              <a:rPr lang="fr-CH" b="1" dirty="0" smtClean="0"/>
               <a:t>Update Manager : Script Classique</a:t>
             </a:r>
-            <a:endParaRPr lang="fr-CH" dirty="0"/>
+            <a:endParaRPr lang="fr-CH" b="1" dirty="0"/>
           </a:p>
         </p:txBody>
       </p:sp>
@@ -15659,10 +15710,10 @@
           <a:lstStyle/>
           <a:p>
             <a:r>
-              <a:rPr lang="fr-CH" dirty="0" smtClean="0"/>
+              <a:rPr lang="fr-CH" b="1" dirty="0" smtClean="0"/>
               <a:t>Update Manager</a:t>
             </a:r>
-            <a:endParaRPr lang="fr-CH" dirty="0"/>
+            <a:endParaRPr lang="fr-CH" b="1" dirty="0"/>
           </a:p>
         </p:txBody>
       </p:sp>
@@ -15888,10 +15939,10 @@
           <a:lstStyle/>
           <a:p>
             <a:r>
-              <a:rPr lang="fr-CH" dirty="0" smtClean="0"/>
+              <a:rPr lang="fr-CH" b="1" dirty="0" smtClean="0"/>
               <a:t>Update Manager Avantage</a:t>
             </a:r>
-            <a:endParaRPr lang="fr-CH" dirty="0"/>
+            <a:endParaRPr lang="fr-CH" b="1" dirty="0"/>
           </a:p>
         </p:txBody>
       </p:sp>
@@ -16116,10 +16167,10 @@
           <a:lstStyle/>
           <a:p>
             <a:r>
-              <a:rPr lang="fr-CH" dirty="0" smtClean="0"/>
+              <a:rPr lang="fr-CH" b="1" dirty="0" smtClean="0"/>
               <a:t>Update Manager : Désavantage</a:t>
             </a:r>
-            <a:endParaRPr lang="fr-CH" dirty="0"/>
+            <a:endParaRPr lang="fr-CH" b="1" dirty="0"/>
           </a:p>
         </p:txBody>
       </p:sp>
